--- a/未来阿凡达机器人_产业调研报告试验稿.pptx
+++ b/未来阿凡达机器人_产业调研报告试验稿.pptx
@@ -5,7 +5,7 @@
     <p:sldMasterId id="2147483648" r:id="rId1"/>
   </p:sldMasterIdLst>
   <p:notesMasterIdLst>
-    <p:notesMasterId r:id="rId42"/>
+    <p:notesMasterId r:id="rId43"/>
   </p:notesMasterIdLst>
   <p:sldIdLst>
     <p:sldId id="256" r:id="rId2"/>
@@ -26,28 +26,29 @@
     <p:sldId id="267" r:id="rId17"/>
     <p:sldId id="313" r:id="rId18"/>
     <p:sldId id="314" r:id="rId19"/>
-    <p:sldId id="316" r:id="rId20"/>
-    <p:sldId id="315" r:id="rId21"/>
-    <p:sldId id="317" r:id="rId22"/>
-    <p:sldId id="318" r:id="rId23"/>
-    <p:sldId id="319" r:id="rId24"/>
-    <p:sldId id="320" r:id="rId25"/>
-    <p:sldId id="321" r:id="rId26"/>
-    <p:sldId id="322" r:id="rId27"/>
-    <p:sldId id="323" r:id="rId28"/>
-    <p:sldId id="324" r:id="rId29"/>
-    <p:sldId id="325" r:id="rId30"/>
-    <p:sldId id="326" r:id="rId31"/>
-    <p:sldId id="327" r:id="rId32"/>
-    <p:sldId id="260" r:id="rId33"/>
-    <p:sldId id="263" r:id="rId34"/>
-    <p:sldId id="328" r:id="rId35"/>
-    <p:sldId id="329" r:id="rId36"/>
-    <p:sldId id="331" r:id="rId37"/>
-    <p:sldId id="330" r:id="rId38"/>
-    <p:sldId id="289" r:id="rId39"/>
-    <p:sldId id="332" r:id="rId40"/>
-    <p:sldId id="266" r:id="rId41"/>
+    <p:sldId id="333" r:id="rId20"/>
+    <p:sldId id="316" r:id="rId21"/>
+    <p:sldId id="315" r:id="rId22"/>
+    <p:sldId id="317" r:id="rId23"/>
+    <p:sldId id="318" r:id="rId24"/>
+    <p:sldId id="319" r:id="rId25"/>
+    <p:sldId id="320" r:id="rId26"/>
+    <p:sldId id="321" r:id="rId27"/>
+    <p:sldId id="322" r:id="rId28"/>
+    <p:sldId id="323" r:id="rId29"/>
+    <p:sldId id="324" r:id="rId30"/>
+    <p:sldId id="325" r:id="rId31"/>
+    <p:sldId id="326" r:id="rId32"/>
+    <p:sldId id="327" r:id="rId33"/>
+    <p:sldId id="260" r:id="rId34"/>
+    <p:sldId id="263" r:id="rId35"/>
+    <p:sldId id="328" r:id="rId36"/>
+    <p:sldId id="329" r:id="rId37"/>
+    <p:sldId id="331" r:id="rId38"/>
+    <p:sldId id="330" r:id="rId39"/>
+    <p:sldId id="289" r:id="rId40"/>
+    <p:sldId id="332" r:id="rId41"/>
+    <p:sldId id="266" r:id="rId42"/>
   </p:sldIdLst>
   <p:sldSz cx="12192000" cy="6858000"/>
   <p:notesSz cx="6858000" cy="9144000"/>
@@ -259,7 +260,7 @@
           <a:p>
             <a:fld id="{959EEDEB-74DD-4590-ADB0-3BDFBC7AA6C1}" type="datetimeFigureOut">
               <a:rPr lang="zh-CN" altLang="en-US" smtClean="0"/>
-              <a:t>2018/11/21</a:t>
+              <a:t>2018/11/27</a:t>
             </a:fld>
             <a:endParaRPr lang="zh-CN" altLang="en-US"/>
           </a:p>
@@ -650,7 +651,7 @@
           <a:p>
             <a:fld id="{94D6233C-CAED-49EC-BC7E-3A6D2A7A9A9E}" type="datetime1">
               <a:rPr lang="zh-CN" altLang="en-US" smtClean="0"/>
-              <a:t>2018/11/21</a:t>
+              <a:t>2018/11/27</a:t>
             </a:fld>
             <a:endParaRPr lang="zh-CN" altLang="en-US"/>
           </a:p>
@@ -813,7 +814,7 @@
           <a:p>
             <a:fld id="{7DBC4B3C-192C-4070-B2F5-511F1BFE1BB1}" type="datetime1">
               <a:rPr lang="zh-CN" altLang="en-US" smtClean="0"/>
-              <a:t>2018/11/21</a:t>
+              <a:t>2018/11/27</a:t>
             </a:fld>
             <a:endParaRPr lang="zh-CN" altLang="en-US"/>
           </a:p>
@@ -986,7 +987,7 @@
           <a:p>
             <a:fld id="{C3435519-A9CE-4132-B90A-319CC668FC2C}" type="datetime1">
               <a:rPr lang="zh-CN" altLang="en-US" smtClean="0"/>
-              <a:t>2018/11/21</a:t>
+              <a:t>2018/11/27</a:t>
             </a:fld>
             <a:endParaRPr lang="zh-CN" altLang="en-US"/>
           </a:p>
@@ -1149,7 +1150,7 @@
           <a:p>
             <a:fld id="{BF8BD182-05C0-4664-B266-B6F6EA51A290}" type="datetime1">
               <a:rPr lang="zh-CN" altLang="en-US" smtClean="0"/>
-              <a:t>2018/11/21</a:t>
+              <a:t>2018/11/27</a:t>
             </a:fld>
             <a:endParaRPr lang="zh-CN" altLang="en-US"/>
           </a:p>
@@ -1389,7 +1390,7 @@
           <a:p>
             <a:fld id="{263AD381-47BD-44DD-85A3-79C8C4C4BCAA}" type="datetime1">
               <a:rPr lang="zh-CN" altLang="en-US" smtClean="0"/>
-              <a:t>2018/11/21</a:t>
+              <a:t>2018/11/27</a:t>
             </a:fld>
             <a:endParaRPr lang="zh-CN" altLang="en-US"/>
           </a:p>
@@ -1613,7 +1614,7 @@
           <a:p>
             <a:fld id="{B0477BC1-6018-4D2B-8007-C530E0A4F405}" type="datetime1">
               <a:rPr lang="zh-CN" altLang="en-US" smtClean="0"/>
-              <a:t>2018/11/21</a:t>
+              <a:t>2018/11/27</a:t>
             </a:fld>
             <a:endParaRPr lang="zh-CN" altLang="en-US"/>
           </a:p>
@@ -1972,7 +1973,7 @@
           <a:p>
             <a:fld id="{02686BA1-9490-447F-B9CB-9C20C871DA6C}" type="datetime1">
               <a:rPr lang="zh-CN" altLang="en-US" smtClean="0"/>
-              <a:t>2018/11/21</a:t>
+              <a:t>2018/11/27</a:t>
             </a:fld>
             <a:endParaRPr lang="zh-CN" altLang="en-US"/>
           </a:p>
@@ -2084,7 +2085,7 @@
           <a:p>
             <a:fld id="{22FD1F70-95D0-4746-9AF1-6F1DFA0B1CD2}" type="datetime1">
               <a:rPr lang="zh-CN" altLang="en-US" smtClean="0"/>
-              <a:t>2018/11/21</a:t>
+              <a:t>2018/11/27</a:t>
             </a:fld>
             <a:endParaRPr lang="zh-CN" altLang="en-US"/>
           </a:p>
@@ -2174,7 +2175,7 @@
           <a:p>
             <a:fld id="{C2B6C0EC-E9C4-47E6-942F-956D97DD154C}" type="datetime1">
               <a:rPr lang="zh-CN" altLang="en-US" smtClean="0"/>
-              <a:t>2018/11/21</a:t>
+              <a:t>2018/11/27</a:t>
             </a:fld>
             <a:endParaRPr lang="zh-CN" altLang="en-US"/>
           </a:p>
@@ -2444,7 +2445,7 @@
           <a:p>
             <a:fld id="{D0A5F963-9375-4658-A8CE-C8CB7D098D0C}" type="datetime1">
               <a:rPr lang="zh-CN" altLang="en-US" smtClean="0"/>
-              <a:t>2018/11/21</a:t>
+              <a:t>2018/11/27</a:t>
             </a:fld>
             <a:endParaRPr lang="zh-CN" altLang="en-US"/>
           </a:p>
@@ -2691,7 +2692,7 @@
           <a:p>
             <a:fld id="{67F8EDC9-5C30-4211-8911-CFF8913FC622}" type="datetime1">
               <a:rPr lang="zh-CN" altLang="en-US" smtClean="0"/>
-              <a:t>2018/11/21</a:t>
+              <a:t>2018/11/27</a:t>
             </a:fld>
             <a:endParaRPr lang="zh-CN" altLang="en-US"/>
           </a:p>
@@ -2900,7 +2901,7 @@
           <a:p>
             <a:fld id="{22A7ACA8-813E-4B24-9B41-8E539DD46AE7}" type="datetime1">
               <a:rPr lang="zh-CN" altLang="en-US" smtClean="0"/>
-              <a:t>2018/11/21</a:t>
+              <a:t>2018/11/27</a:t>
             </a:fld>
             <a:endParaRPr lang="zh-CN" altLang="en-US"/>
           </a:p>
@@ -12116,7 +12117,7 @@
         </p:nvSpPr>
         <p:spPr bwMode="auto">
           <a:xfrm>
-            <a:off x="1433981" y="829206"/>
+            <a:off x="1297722" y="624055"/>
             <a:ext cx="1574142" cy="727831"/>
           </a:xfrm>
           <a:prstGeom prst="roundRect">
@@ -12289,7 +12290,7 @@
         </p:nvSpPr>
         <p:spPr>
           <a:xfrm>
-            <a:off x="498177" y="1853460"/>
+            <a:off x="498177" y="1386935"/>
             <a:ext cx="3445750" cy="1754326"/>
           </a:xfrm>
           <a:prstGeom prst="rect">
@@ -12402,8 +12403,8 @@
         </p:nvSpPr>
         <p:spPr>
           <a:xfrm>
-            <a:off x="5431127" y="4499678"/>
-            <a:ext cx="614271" cy="369332"/>
+            <a:off x="4809015" y="969924"/>
+            <a:ext cx="2460930" cy="369332"/>
           </a:xfrm>
           <a:prstGeom prst="rect">
             <a:avLst/>
@@ -12434,7 +12435,7 @@
                 <a:latin typeface="微软雅黑" panose="020B0503020204020204" pitchFamily="34" charset="-122"/>
                 <a:ea typeface="微软雅黑" panose="020B0503020204020204" pitchFamily="34" charset="-122"/>
               </a:rPr>
-              <a:t>图</a:t>
+              <a:t>远程教育的市场占比</a:t>
             </a:r>
             <a:endParaRPr lang="zh-CN" altLang="en-US" dirty="0">
               <a:solidFill>
@@ -12480,8 +12481,8 @@
         </p:nvSpPr>
         <p:spPr>
           <a:xfrm>
-            <a:off x="1842800" y="4869010"/>
-            <a:ext cx="845103" cy="369332"/>
+            <a:off x="562832" y="3436825"/>
+            <a:ext cx="3759787" cy="3170099"/>
           </a:xfrm>
           <a:prstGeom prst="rect">
             <a:avLst/>
@@ -12489,76 +12490,69 @@
           <a:noFill/>
         </p:spPr>
         <p:txBody>
-          <a:bodyPr wrap="none" rtlCol="0">
+          <a:bodyPr wrap="square" rtlCol="0">
             <a:spAutoFit/>
           </a:bodyPr>
           <a:lstStyle/>
           <a:p>
             <a:r>
-              <a:rPr lang="en-US" altLang="zh-CN" dirty="0" smtClean="0">
-                <a:solidFill>
-                  <a:srgbClr val="FF0000"/>
-                </a:solidFill>
-                <a:latin typeface="微软雅黑" panose="020B0503020204020204" pitchFamily="34" charset="-122"/>
-                <a:ea typeface="微软雅黑" panose="020B0503020204020204" pitchFamily="34" charset="-122"/>
-              </a:rPr>
-              <a:t>//</a:t>
-            </a:r>
-            <a:r>
-              <a:rPr lang="zh-CN" altLang="en-US" dirty="0">
-                <a:solidFill>
-                  <a:srgbClr val="FF0000"/>
-                </a:solidFill>
-                <a:latin typeface="微软雅黑" panose="020B0503020204020204" pitchFamily="34" charset="-122"/>
-                <a:ea typeface="微软雅黑" panose="020B0503020204020204" pitchFamily="34" charset="-122"/>
-              </a:rPr>
-              <a:t>文字</a:t>
-            </a:r>
-          </a:p>
-        </p:txBody>
-      </p:sp>
-      <p:sp>
-        <p:nvSpPr>
-          <p:cNvPr id="16" name="TextBox 15"/>
-          <p:cNvSpPr txBox="1"/>
-          <p:nvPr/>
-        </p:nvSpPr>
-        <p:spPr>
-          <a:xfrm>
-            <a:off x="9393528" y="2989410"/>
-            <a:ext cx="845103" cy="369332"/>
-          </a:xfrm>
-          <a:prstGeom prst="rect">
-            <a:avLst/>
-          </a:prstGeom>
-          <a:noFill/>
-        </p:spPr>
-        <p:txBody>
-          <a:bodyPr wrap="none" rtlCol="0">
-            <a:spAutoFit/>
-          </a:bodyPr>
-          <a:lstStyle/>
-          <a:p>
-            <a:r>
-              <a:rPr lang="en-US" altLang="zh-CN" dirty="0" smtClean="0">
-                <a:solidFill>
-                  <a:srgbClr val="FF0000"/>
-                </a:solidFill>
-                <a:latin typeface="微软雅黑" panose="020B0503020204020204" pitchFamily="34" charset="-122"/>
-                <a:ea typeface="微软雅黑" panose="020B0503020204020204" pitchFamily="34" charset="-122"/>
-              </a:rPr>
-              <a:t>//</a:t>
-            </a:r>
-            <a:r>
-              <a:rPr lang="zh-CN" altLang="en-US" dirty="0">
-                <a:solidFill>
-                  <a:srgbClr val="FF0000"/>
-                </a:solidFill>
-                <a:latin typeface="微软雅黑" panose="020B0503020204020204" pitchFamily="34" charset="-122"/>
-                <a:ea typeface="微软雅黑" panose="020B0503020204020204" pitchFamily="34" charset="-122"/>
-              </a:rPr>
-              <a:t>文字</a:t>
-            </a:r>
+              <a:rPr lang="zh-CN" altLang="zh-CN" sz="2000" dirty="0">
+                <a:solidFill>
+                  <a:srgbClr val="002B41"/>
+                </a:solidFill>
+                <a:latin typeface="微软雅黑" panose="020B0503020204020204" pitchFamily="34" charset="-122"/>
+                <a:ea typeface="微软雅黑" panose="020B0503020204020204" pitchFamily="34" charset="-122"/>
+              </a:rPr>
+              <a:t>远程教育的定义</a:t>
+            </a:r>
+          </a:p>
+          <a:p>
+            <a:r>
+              <a:rPr lang="zh-CN" altLang="zh-CN" dirty="0">
+                <a:solidFill>
+                  <a:srgbClr val="002B41"/>
+                </a:solidFill>
+                <a:latin typeface="楷体" panose="02010609060101010101" pitchFamily="49" charset="-122"/>
+                <a:ea typeface="楷体" panose="02010609060101010101" pitchFamily="49" charset="-122"/>
+              </a:rPr>
+              <a:t>狭义上的远程教育，在教育部已出台的一些文件中，也称现代远程教育为网络教育，是成人教育学历中的一种。是指使用电视及互联网等传播媒体的教学模式，它突破了时空的界线，有别于传统的在校住宿的教学模式。 </a:t>
+            </a:r>
+            <a:endParaRPr lang="en-US" altLang="zh-CN" dirty="0" smtClean="0">
+              <a:solidFill>
+                <a:srgbClr val="002B41"/>
+              </a:solidFill>
+              <a:latin typeface="楷体" panose="02010609060101010101" pitchFamily="49" charset="-122"/>
+              <a:ea typeface="楷体" panose="02010609060101010101" pitchFamily="49" charset="-122"/>
+            </a:endParaRPr>
+          </a:p>
+          <a:p>
+            <a:r>
+              <a:rPr lang="zh-CN" altLang="zh-CN" dirty="0" smtClean="0">
+                <a:solidFill>
+                  <a:srgbClr val="002B41"/>
+                </a:solidFill>
+                <a:latin typeface="楷体" panose="02010609060101010101" pitchFamily="49" charset="-122"/>
+                <a:ea typeface="楷体" panose="02010609060101010101" pitchFamily="49" charset="-122"/>
+              </a:rPr>
+              <a:t>广义</a:t>
+            </a:r>
+            <a:r>
+              <a:rPr lang="zh-CN" altLang="zh-CN" dirty="0">
+                <a:solidFill>
+                  <a:srgbClr val="002B41"/>
+                </a:solidFill>
+                <a:latin typeface="楷体" panose="02010609060101010101" pitchFamily="49" charset="-122"/>
+                <a:ea typeface="楷体" panose="02010609060101010101" pitchFamily="49" charset="-122"/>
+              </a:rPr>
+              <a:t>上的远程教育是包含各种网络教育平台在内的、提供教育资源的形式。</a:t>
+            </a:r>
+            <a:endParaRPr lang="zh-CN" altLang="en-US" dirty="0">
+              <a:solidFill>
+                <a:srgbClr val="002B41"/>
+              </a:solidFill>
+              <a:latin typeface="楷体" panose="02010609060101010101" pitchFamily="49" charset="-122"/>
+              <a:ea typeface="楷体" panose="02010609060101010101" pitchFamily="49" charset="-122"/>
+            </a:endParaRPr>
           </a:p>
         </p:txBody>
       </p:sp>
@@ -12620,6 +12614,260 @@
               </a:solidFill>
               <a:latin typeface="微软雅黑" panose="020B0503020204020204" pitchFamily="34" charset="-122"/>
               <a:ea typeface="微软雅黑" panose="020B0503020204020204" pitchFamily="34" charset="-122"/>
+            </a:endParaRPr>
+          </a:p>
+        </p:txBody>
+      </p:sp>
+      <p:sp>
+        <p:nvSpPr>
+          <p:cNvPr id="17" name="TextBox 14"/>
+          <p:cNvSpPr txBox="1"/>
+          <p:nvPr/>
+        </p:nvSpPr>
+        <p:spPr>
+          <a:xfrm>
+            <a:off x="7891886" y="266726"/>
+            <a:ext cx="3759787" cy="6217087"/>
+          </a:xfrm>
+          <a:prstGeom prst="rect">
+            <a:avLst/>
+          </a:prstGeom>
+          <a:noFill/>
+        </p:spPr>
+        <p:txBody>
+          <a:bodyPr wrap="square" rtlCol="0">
+            <a:spAutoFit/>
+          </a:bodyPr>
+          <a:lstStyle/>
+          <a:p>
+            <a:r>
+              <a:rPr lang="zh-CN" altLang="zh-CN" sz="2000" dirty="0">
+                <a:solidFill>
+                  <a:srgbClr val="002B41"/>
+                </a:solidFill>
+                <a:latin typeface="微软雅黑" panose="020B0503020204020204" pitchFamily="34" charset="-122"/>
+                <a:ea typeface="微软雅黑" panose="020B0503020204020204" pitchFamily="34" charset="-122"/>
+              </a:rPr>
+              <a:t>远程教育</a:t>
+            </a:r>
+            <a:r>
+              <a:rPr lang="zh-CN" altLang="zh-CN" sz="2000" dirty="0" smtClean="0">
+                <a:solidFill>
+                  <a:srgbClr val="002B41"/>
+                </a:solidFill>
+                <a:latin typeface="微软雅黑" panose="020B0503020204020204" pitchFamily="34" charset="-122"/>
+                <a:ea typeface="微软雅黑" panose="020B0503020204020204" pitchFamily="34" charset="-122"/>
+              </a:rPr>
+              <a:t>的</a:t>
+            </a:r>
+            <a:r>
+              <a:rPr lang="zh-CN" altLang="en-US" sz="2000" dirty="0" smtClean="0">
+                <a:solidFill>
+                  <a:srgbClr val="002B41"/>
+                </a:solidFill>
+                <a:latin typeface="微软雅黑" panose="020B0503020204020204" pitchFamily="34" charset="-122"/>
+                <a:ea typeface="微软雅黑" panose="020B0503020204020204" pitchFamily="34" charset="-122"/>
+              </a:rPr>
+              <a:t>市场：</a:t>
+            </a:r>
+            <a:endParaRPr lang="en-US" altLang="zh-CN" sz="2000" dirty="0" smtClean="0">
+              <a:solidFill>
+                <a:srgbClr val="002B41"/>
+              </a:solidFill>
+              <a:latin typeface="微软雅黑" panose="020B0503020204020204" pitchFamily="34" charset="-122"/>
+              <a:ea typeface="微软雅黑" panose="020B0503020204020204" pitchFamily="34" charset="-122"/>
+            </a:endParaRPr>
+          </a:p>
+          <a:p>
+            <a:r>
+              <a:rPr lang="en-US" altLang="zh-CN" dirty="0">
+                <a:solidFill>
+                  <a:srgbClr val="002B41"/>
+                </a:solidFill>
+                <a:latin typeface="楷体" panose="02010609060101010101" pitchFamily="49" charset="-122"/>
+                <a:ea typeface="楷体" panose="02010609060101010101" pitchFamily="49" charset="-122"/>
+              </a:rPr>
+              <a:t>2013</a:t>
+            </a:r>
+            <a:r>
+              <a:rPr lang="zh-CN" altLang="en-US" dirty="0">
+                <a:solidFill>
+                  <a:srgbClr val="002B41"/>
+                </a:solidFill>
+                <a:latin typeface="楷体" panose="02010609060101010101" pitchFamily="49" charset="-122"/>
+                <a:ea typeface="楷体" panose="02010609060101010101" pitchFamily="49" charset="-122"/>
+              </a:rPr>
+              <a:t>年共有</a:t>
+            </a:r>
+            <a:r>
+              <a:rPr lang="en-US" altLang="zh-CN" dirty="0">
+                <a:solidFill>
+                  <a:srgbClr val="002B41"/>
+                </a:solidFill>
+                <a:latin typeface="楷体" panose="02010609060101010101" pitchFamily="49" charset="-122"/>
+                <a:ea typeface="楷体" panose="02010609060101010101" pitchFamily="49" charset="-122"/>
+              </a:rPr>
+              <a:t>68</a:t>
+            </a:r>
+            <a:r>
+              <a:rPr lang="zh-CN" altLang="en-US" dirty="0">
+                <a:solidFill>
+                  <a:srgbClr val="002B41"/>
+                </a:solidFill>
+                <a:latin typeface="楷体" panose="02010609060101010101" pitchFamily="49" charset="-122"/>
+                <a:ea typeface="楷体" panose="02010609060101010101" pitchFamily="49" charset="-122"/>
+              </a:rPr>
+              <a:t>所现代远程教育试点</a:t>
+            </a:r>
+            <a:r>
+              <a:rPr lang="zh-CN" altLang="en-US" dirty="0" smtClean="0">
+                <a:solidFill>
+                  <a:srgbClr val="002B41"/>
+                </a:solidFill>
+                <a:latin typeface="楷体" panose="02010609060101010101" pitchFamily="49" charset="-122"/>
+                <a:ea typeface="楷体" panose="02010609060101010101" pitchFamily="49" charset="-122"/>
+              </a:rPr>
+              <a:t>高校可</a:t>
+            </a:r>
+            <a:r>
+              <a:rPr lang="zh-CN" altLang="en-US" dirty="0">
+                <a:solidFill>
+                  <a:srgbClr val="002B41"/>
+                </a:solidFill>
+                <a:latin typeface="楷体" panose="02010609060101010101" pitchFamily="49" charset="-122"/>
+                <a:ea typeface="楷体" panose="02010609060101010101" pitchFamily="49" charset="-122"/>
+              </a:rPr>
+              <a:t>开展网络高等学历教育招生。考生报考前可通过“高校网络教育阳光招生服务平台”、试点高校网络教育学院的网站、“中国现代远程与继续教育网”等正规网站查询试点高校的招生简章，了解网络教育的入学条件、学习形式、修业年限、学历文凭、学位授予、电子注册、收费标准等政策</a:t>
+            </a:r>
+            <a:r>
+              <a:rPr lang="zh-CN" altLang="en-US" dirty="0" smtClean="0">
+                <a:solidFill>
+                  <a:srgbClr val="002B41"/>
+                </a:solidFill>
+                <a:latin typeface="楷体" panose="02010609060101010101" pitchFamily="49" charset="-122"/>
+                <a:ea typeface="楷体" panose="02010609060101010101" pitchFamily="49" charset="-122"/>
+              </a:rPr>
+              <a:t>。</a:t>
+            </a:r>
+            <a:endParaRPr lang="en-US" altLang="zh-CN" dirty="0" smtClean="0">
+              <a:solidFill>
+                <a:srgbClr val="002B41"/>
+              </a:solidFill>
+              <a:latin typeface="楷体" panose="02010609060101010101" pitchFamily="49" charset="-122"/>
+              <a:ea typeface="楷体" panose="02010609060101010101" pitchFamily="49" charset="-122"/>
+            </a:endParaRPr>
+          </a:p>
+          <a:p>
+            <a:r>
+              <a:rPr lang="zh-CN" altLang="en-US" dirty="0">
+                <a:solidFill>
+                  <a:srgbClr val="002B41"/>
+                </a:solidFill>
+                <a:latin typeface="楷体" panose="02010609060101010101" pitchFamily="49" charset="-122"/>
+                <a:ea typeface="楷体" panose="02010609060101010101" pitchFamily="49" charset="-122"/>
+              </a:rPr>
+              <a:t>网易公开课目前的课程整数已达到</a:t>
+            </a:r>
+            <a:r>
+              <a:rPr lang="en-US" altLang="zh-CN" dirty="0">
+                <a:solidFill>
+                  <a:srgbClr val="002B41"/>
+                </a:solidFill>
+                <a:latin typeface="楷体" panose="02010609060101010101" pitchFamily="49" charset="-122"/>
+                <a:ea typeface="楷体" panose="02010609060101010101" pitchFamily="49" charset="-122"/>
+              </a:rPr>
+              <a:t>13000</a:t>
+            </a:r>
+            <a:r>
+              <a:rPr lang="zh-CN" altLang="en-US" dirty="0">
+                <a:solidFill>
+                  <a:srgbClr val="002B41"/>
+                </a:solidFill>
+                <a:latin typeface="楷体" panose="02010609060101010101" pitchFamily="49" charset="-122"/>
+                <a:ea typeface="楷体" panose="02010609060101010101" pitchFamily="49" charset="-122"/>
+              </a:rPr>
+              <a:t>余集，日均使用人次约</a:t>
+            </a:r>
+            <a:r>
+              <a:rPr lang="en-US" altLang="zh-CN" dirty="0">
+                <a:solidFill>
+                  <a:srgbClr val="002B41"/>
+                </a:solidFill>
+                <a:latin typeface="楷体" panose="02010609060101010101" pitchFamily="49" charset="-122"/>
+                <a:ea typeface="楷体" panose="02010609060101010101" pitchFamily="49" charset="-122"/>
+              </a:rPr>
+              <a:t>100</a:t>
+            </a:r>
+            <a:r>
+              <a:rPr lang="zh-CN" altLang="en-US" dirty="0">
+                <a:solidFill>
+                  <a:srgbClr val="002B41"/>
+                </a:solidFill>
+                <a:latin typeface="楷体" panose="02010609060101010101" pitchFamily="49" charset="-122"/>
+                <a:ea typeface="楷体" panose="02010609060101010101" pitchFamily="49" charset="-122"/>
+              </a:rPr>
+              <a:t>万人次。人文艺术、经济管理、计算机、心理学等课程比较受网友欢迎。从总体来讲，人文社科类比理工科类更受欢迎。</a:t>
+            </a:r>
+          </a:p>
+          <a:p>
+            <a:r>
+              <a:rPr lang="zh-CN" altLang="en-US" dirty="0">
+                <a:solidFill>
+                  <a:srgbClr val="002B41"/>
+                </a:solidFill>
+                <a:latin typeface="楷体" panose="02010609060101010101" pitchFamily="49" charset="-122"/>
+                <a:ea typeface="楷体" panose="02010609060101010101" pitchFamily="49" charset="-122"/>
+              </a:rPr>
+              <a:t>百度教育中涵盖英语培训、建造师培训、会计培训、摄影培训等</a:t>
+            </a:r>
+            <a:r>
+              <a:rPr lang="en-US" altLang="zh-CN" dirty="0">
+                <a:solidFill>
+                  <a:srgbClr val="002B41"/>
+                </a:solidFill>
+                <a:latin typeface="楷体" panose="02010609060101010101" pitchFamily="49" charset="-122"/>
+                <a:ea typeface="楷体" panose="02010609060101010101" pitchFamily="49" charset="-122"/>
+              </a:rPr>
+              <a:t>12</a:t>
+            </a:r>
+            <a:r>
+              <a:rPr lang="zh-CN" altLang="en-US" dirty="0">
+                <a:solidFill>
+                  <a:srgbClr val="002B41"/>
+                </a:solidFill>
+                <a:latin typeface="楷体" panose="02010609060101010101" pitchFamily="49" charset="-122"/>
+                <a:ea typeface="楷体" panose="02010609060101010101" pitchFamily="49" charset="-122"/>
+              </a:rPr>
+              <a:t>个子频道，英语培训频道课程最多，数量已经达到</a:t>
+            </a:r>
+            <a:r>
+              <a:rPr lang="en-US" altLang="zh-CN" dirty="0">
+                <a:solidFill>
+                  <a:srgbClr val="002B41"/>
+                </a:solidFill>
+                <a:latin typeface="楷体" panose="02010609060101010101" pitchFamily="49" charset="-122"/>
+                <a:ea typeface="楷体" panose="02010609060101010101" pitchFamily="49" charset="-122"/>
+              </a:rPr>
+              <a:t>1400</a:t>
+            </a:r>
+            <a:r>
+              <a:rPr lang="zh-CN" altLang="en-US" dirty="0">
+                <a:solidFill>
+                  <a:srgbClr val="002B41"/>
+                </a:solidFill>
+                <a:latin typeface="楷体" panose="02010609060101010101" pitchFamily="49" charset="-122"/>
+                <a:ea typeface="楷体" panose="02010609060101010101" pitchFamily="49" charset="-122"/>
+              </a:rPr>
+              <a:t>多门</a:t>
+            </a:r>
+          </a:p>
+          <a:p>
+            <a:endParaRPr lang="zh-CN" altLang="en-US" dirty="0">
+              <a:solidFill>
+                <a:srgbClr val="002B41"/>
+              </a:solidFill>
+              <a:latin typeface="楷体" panose="02010609060101010101" pitchFamily="49" charset="-122"/>
+              <a:ea typeface="楷体" panose="02010609060101010101" pitchFamily="49" charset="-122"/>
             </a:endParaRPr>
           </a:p>
         </p:txBody>
@@ -12921,7 +13169,7 @@
         </p:nvSpPr>
         <p:spPr bwMode="auto">
           <a:xfrm>
-            <a:off x="1433981" y="829206"/>
+            <a:off x="1100819" y="701280"/>
             <a:ext cx="1574142" cy="727831"/>
           </a:xfrm>
           <a:prstGeom prst="roundRect">
@@ -13064,7 +13312,17 @@
                 <a:latin typeface="微软雅黑" panose="020B0503020204020204" pitchFamily="34" charset="-122"/>
                 <a:ea typeface="微软雅黑" panose="020B0503020204020204" pitchFamily="34" charset="-122"/>
               </a:rPr>
-              <a:t>远程办公</a:t>
+              <a:t>远程</a:t>
+            </a:r>
+            <a:r>
+              <a:rPr lang="zh-CN" altLang="en-US" sz="2000" b="1" dirty="0">
+                <a:solidFill>
+                  <a:schemeClr val="bg1"/>
+                </a:solidFill>
+                <a:latin typeface="微软雅黑" panose="020B0503020204020204" pitchFamily="34" charset="-122"/>
+                <a:ea typeface="微软雅黑" panose="020B0503020204020204" pitchFamily="34" charset="-122"/>
+              </a:rPr>
+              <a:t>教育</a:t>
             </a:r>
             <a:endParaRPr lang="zh-CN" altLang="en-US" sz="2000" dirty="0">
               <a:solidFill>
@@ -13084,8 +13342,8 @@
         </p:nvSpPr>
         <p:spPr>
           <a:xfrm>
-            <a:off x="5431127" y="1853460"/>
-            <a:ext cx="614271" cy="369332"/>
+            <a:off x="8672657" y="1643162"/>
+            <a:ext cx="2691763" cy="369332"/>
           </a:xfrm>
           <a:prstGeom prst="rect">
             <a:avLst/>
@@ -13116,7 +13374,7 @@
                 <a:latin typeface="微软雅黑" panose="020B0503020204020204" pitchFamily="34" charset="-122"/>
                 <a:ea typeface="微软雅黑" panose="020B0503020204020204" pitchFamily="34" charset="-122"/>
               </a:rPr>
-              <a:t>图</a:t>
+              <a:t>机器人参与教学的图？</a:t>
             </a:r>
             <a:endParaRPr lang="zh-CN" altLang="en-US" dirty="0">
               <a:solidFill>
@@ -13136,7 +13394,7 @@
         </p:nvSpPr>
         <p:spPr>
           <a:xfrm>
-            <a:off x="5431127" y="4499678"/>
+            <a:off x="9454749" y="634200"/>
             <a:ext cx="614271" cy="369332"/>
           </a:xfrm>
           <a:prstGeom prst="rect">
@@ -13214,8 +13472,8 @@
         </p:nvSpPr>
         <p:spPr>
           <a:xfrm>
-            <a:off x="1842800" y="4869010"/>
-            <a:ext cx="845103" cy="369332"/>
+            <a:off x="394517" y="1643162"/>
+            <a:ext cx="5905574" cy="5078313"/>
           </a:xfrm>
           <a:prstGeom prst="rect">
             <a:avLst/>
@@ -13223,31 +13481,118 @@
           <a:noFill/>
         </p:spPr>
         <p:txBody>
-          <a:bodyPr wrap="none" rtlCol="0">
+          <a:bodyPr wrap="square" rtlCol="0">
             <a:spAutoFit/>
           </a:bodyPr>
           <a:lstStyle/>
           <a:p>
             <a:r>
-              <a:rPr lang="en-US" altLang="zh-CN" dirty="0" smtClean="0">
-                <a:solidFill>
-                  <a:srgbClr val="FF0000"/>
-                </a:solidFill>
-                <a:latin typeface="微软雅黑" panose="020B0503020204020204" pitchFamily="34" charset="-122"/>
-                <a:ea typeface="微软雅黑" panose="020B0503020204020204" pitchFamily="34" charset="-122"/>
-              </a:rPr>
-              <a:t>//</a:t>
-            </a:r>
-            <a:r>
-              <a:rPr lang="zh-CN" altLang="en-US" dirty="0">
-                <a:solidFill>
-                  <a:srgbClr val="FF0000"/>
-                </a:solidFill>
-                <a:latin typeface="微软雅黑" panose="020B0503020204020204" pitchFamily="34" charset="-122"/>
-                <a:ea typeface="微软雅黑" panose="020B0503020204020204" pitchFamily="34" charset="-122"/>
-              </a:rPr>
-              <a:t>文字</a:t>
-            </a:r>
+              <a:rPr lang="zh-CN" altLang="zh-CN" sz="2400" dirty="0">
+                <a:solidFill>
+                  <a:srgbClr val="002B41"/>
+                </a:solidFill>
+                <a:latin typeface="微软雅黑" panose="020B0503020204020204" pitchFamily="34" charset="-122"/>
+                <a:ea typeface="微软雅黑" panose="020B0503020204020204" pitchFamily="34" charset="-122"/>
+              </a:rPr>
+              <a:t>远程教育自身的不足</a:t>
+            </a:r>
+          </a:p>
+          <a:p>
+            <a:pPr lvl="0"/>
+            <a:r>
+              <a:rPr lang="zh-CN" altLang="zh-CN" sz="2000" b="1" dirty="0">
+                <a:solidFill>
+                  <a:srgbClr val="002B41"/>
+                </a:solidFill>
+                <a:latin typeface="楷体" panose="02010609060101010101" pitchFamily="49" charset="-122"/>
+                <a:ea typeface="楷体" panose="02010609060101010101" pitchFamily="49" charset="-122"/>
+              </a:rPr>
+              <a:t>网络带宽问题</a:t>
+            </a:r>
+          </a:p>
+          <a:p>
+            <a:r>
+              <a:rPr lang="zh-CN" altLang="zh-CN" sz="2000" dirty="0">
+                <a:solidFill>
+                  <a:srgbClr val="002B41"/>
+                </a:solidFill>
+                <a:latin typeface="楷体" panose="02010609060101010101" pitchFamily="49" charset="-122"/>
+                <a:ea typeface="楷体" panose="02010609060101010101" pitchFamily="49" charset="-122"/>
+              </a:rPr>
+              <a:t>网络带宽不够，不能够实时地构建出相对应的环境给人一种身临其境的感受进行相对应的学习，受限于带宽，学生从网上获得的授课质量并不够好。 </a:t>
+            </a:r>
+          </a:p>
+          <a:p>
+            <a:pPr lvl="0"/>
+            <a:r>
+              <a:rPr lang="zh-CN" altLang="zh-CN" sz="2000" b="1" dirty="0">
+                <a:solidFill>
+                  <a:srgbClr val="002B41"/>
+                </a:solidFill>
+                <a:latin typeface="楷体" panose="02010609060101010101" pitchFamily="49" charset="-122"/>
+                <a:ea typeface="楷体" panose="02010609060101010101" pitchFamily="49" charset="-122"/>
+              </a:rPr>
+              <a:t>大量重复的课件资源浪费</a:t>
+            </a:r>
+          </a:p>
+          <a:p>
+            <a:r>
+              <a:rPr lang="zh-CN" altLang="zh-CN" sz="2000" dirty="0">
+                <a:solidFill>
+                  <a:srgbClr val="002B41"/>
+                </a:solidFill>
+                <a:latin typeface="楷体" panose="02010609060101010101" pitchFamily="49" charset="-122"/>
+                <a:ea typeface="楷体" panose="02010609060101010101" pitchFamily="49" charset="-122"/>
+              </a:rPr>
+              <a:t>高校和高校之间并没有进行特别良好的合作，导致相关专业的课件重复率较高，从而导致资源的大量浪费和重复。 </a:t>
+            </a:r>
+          </a:p>
+          <a:p>
+            <a:pPr lvl="0"/>
+            <a:r>
+              <a:rPr lang="zh-CN" altLang="zh-CN" sz="2000" b="1" dirty="0">
+                <a:solidFill>
+                  <a:srgbClr val="002B41"/>
+                </a:solidFill>
+                <a:latin typeface="楷体" panose="02010609060101010101" pitchFamily="49" charset="-122"/>
+                <a:ea typeface="楷体" panose="02010609060101010101" pitchFamily="49" charset="-122"/>
+              </a:rPr>
+              <a:t>自由度不足</a:t>
+            </a:r>
+          </a:p>
+          <a:p>
+            <a:r>
+              <a:rPr lang="zh-CN" altLang="zh-CN" sz="2000" dirty="0">
+                <a:solidFill>
+                  <a:srgbClr val="002B41"/>
+                </a:solidFill>
+                <a:latin typeface="楷体" panose="02010609060101010101" pitchFamily="49" charset="-122"/>
+                <a:ea typeface="楷体" panose="02010609060101010101" pitchFamily="49" charset="-122"/>
+              </a:rPr>
+              <a:t>课程的设置不够系统，涉及的专业不够全面并且它的划分也不够细致，因此导致相关的学生在学习的过程中会受到一定的限制。 </a:t>
+            </a:r>
+          </a:p>
+          <a:p>
+            <a:pPr lvl="0"/>
+            <a:r>
+              <a:rPr lang="zh-CN" altLang="zh-CN" sz="2000" dirty="0">
+                <a:solidFill>
+                  <a:srgbClr val="002B41"/>
+                </a:solidFill>
+                <a:latin typeface="楷体" panose="02010609060101010101" pitchFamily="49" charset="-122"/>
+                <a:ea typeface="楷体" panose="02010609060101010101" pitchFamily="49" charset="-122"/>
+              </a:rPr>
+              <a:t>缺少相对应的学习氛围，可能导致学生的学习效率较为低下</a:t>
+            </a:r>
+          </a:p>
+          <a:p>
+            <a:endParaRPr lang="zh-CN" altLang="en-US" sz="2000" dirty="0">
+              <a:solidFill>
+                <a:srgbClr val="002B41"/>
+              </a:solidFill>
+              <a:latin typeface="微软雅黑" panose="020B0503020204020204" pitchFamily="34" charset="-122"/>
+              <a:ea typeface="微软雅黑" panose="020B0503020204020204" pitchFamily="34" charset="-122"/>
+            </a:endParaRPr>
           </a:p>
         </p:txBody>
       </p:sp>
@@ -13259,8 +13604,8 @@
         </p:nvSpPr>
         <p:spPr>
           <a:xfrm>
-            <a:off x="9393528" y="2989410"/>
-            <a:ext cx="845103" cy="369332"/>
+            <a:off x="7617797" y="3251200"/>
+            <a:ext cx="4066647" cy="2893100"/>
           </a:xfrm>
           <a:prstGeom prst="rect">
             <a:avLst/>
@@ -13268,82 +13613,148 @@
           <a:noFill/>
         </p:spPr>
         <p:txBody>
-          <a:bodyPr wrap="none" rtlCol="0">
+          <a:bodyPr wrap="square" rtlCol="0">
             <a:spAutoFit/>
           </a:bodyPr>
           <a:lstStyle/>
           <a:p>
             <a:r>
-              <a:rPr lang="en-US" altLang="zh-CN" dirty="0" smtClean="0">
-                <a:solidFill>
-                  <a:srgbClr val="FF0000"/>
-                </a:solidFill>
-                <a:latin typeface="微软雅黑" panose="020B0503020204020204" pitchFamily="34" charset="-122"/>
-                <a:ea typeface="微软雅黑" panose="020B0503020204020204" pitchFamily="34" charset="-122"/>
-              </a:rPr>
-              <a:t>//</a:t>
-            </a:r>
-            <a:r>
-              <a:rPr lang="zh-CN" altLang="en-US" dirty="0">
-                <a:solidFill>
-                  <a:srgbClr val="FF0000"/>
-                </a:solidFill>
-                <a:latin typeface="微软雅黑" panose="020B0503020204020204" pitchFamily="34" charset="-122"/>
-                <a:ea typeface="微软雅黑" panose="020B0503020204020204" pitchFamily="34" charset="-122"/>
-              </a:rPr>
-              <a:t>文字</a:t>
+              <a:rPr lang="en-US" altLang="zh-CN" sz="2000" dirty="0" err="1" smtClean="0">
+                <a:solidFill>
+                  <a:srgbClr val="002B41"/>
+                </a:solidFill>
+                <a:latin typeface="微软雅黑" panose="020B0503020204020204" pitchFamily="34" charset="-122"/>
+                <a:ea typeface="微软雅黑" panose="020B0503020204020204" pitchFamily="34" charset="-122"/>
+              </a:rPr>
+              <a:t>Avabot</a:t>
+            </a:r>
+            <a:r>
+              <a:rPr lang="zh-CN" altLang="zh-CN" sz="2000" dirty="0">
+                <a:solidFill>
+                  <a:srgbClr val="002B41"/>
+                </a:solidFill>
+                <a:latin typeface="微软雅黑" panose="020B0503020204020204" pitchFamily="34" charset="-122"/>
+                <a:ea typeface="微软雅黑" panose="020B0503020204020204" pitchFamily="34" charset="-122"/>
+              </a:rPr>
+              <a:t>可以带来的</a:t>
+            </a:r>
+            <a:r>
+              <a:rPr lang="zh-CN" altLang="zh-CN" sz="2000" dirty="0" smtClean="0">
+                <a:solidFill>
+                  <a:srgbClr val="002B41"/>
+                </a:solidFill>
+                <a:latin typeface="微软雅黑" panose="020B0503020204020204" pitchFamily="34" charset="-122"/>
+                <a:ea typeface="微软雅黑" panose="020B0503020204020204" pitchFamily="34" charset="-122"/>
+              </a:rPr>
+              <a:t>弥补</a:t>
+            </a:r>
+            <a:r>
+              <a:rPr lang="zh-CN" altLang="en-US" sz="2000" dirty="0" smtClean="0">
+                <a:solidFill>
+                  <a:srgbClr val="002B41"/>
+                </a:solidFill>
+                <a:latin typeface="微软雅黑" panose="020B0503020204020204" pitchFamily="34" charset="-122"/>
+                <a:ea typeface="微软雅黑" panose="020B0503020204020204" pitchFamily="34" charset="-122"/>
+              </a:rPr>
+              <a:t>：</a:t>
+            </a:r>
+            <a:endParaRPr lang="en-US" altLang="zh-CN" sz="2000" dirty="0" smtClean="0">
+              <a:solidFill>
+                <a:srgbClr val="002B41"/>
+              </a:solidFill>
+              <a:latin typeface="微软雅黑" panose="020B0503020204020204" pitchFamily="34" charset="-122"/>
+              <a:ea typeface="微软雅黑" panose="020B0503020204020204" pitchFamily="34" charset="-122"/>
+            </a:endParaRPr>
+          </a:p>
+          <a:p>
+            <a:pPr lvl="0"/>
+            <a:r>
+              <a:rPr lang="zh-CN" altLang="zh-CN" b="1" dirty="0" smtClean="0">
+                <a:solidFill>
+                  <a:srgbClr val="002B41"/>
+                </a:solidFill>
+                <a:latin typeface="楷体" panose="02010609060101010101" pitchFamily="49" charset="-122"/>
+                <a:ea typeface="楷体" panose="02010609060101010101" pitchFamily="49" charset="-122"/>
+              </a:rPr>
+              <a:t>虚拟</a:t>
+            </a:r>
+            <a:r>
+              <a:rPr lang="zh-CN" altLang="zh-CN" b="1" dirty="0">
+                <a:solidFill>
+                  <a:srgbClr val="002B41"/>
+                </a:solidFill>
+                <a:latin typeface="楷体" panose="02010609060101010101" pitchFamily="49" charset="-122"/>
+                <a:ea typeface="楷体" panose="02010609060101010101" pitchFamily="49" charset="-122"/>
+              </a:rPr>
+              <a:t>现实方面的弥补</a:t>
+            </a:r>
+          </a:p>
+          <a:p>
+            <a:r>
+              <a:rPr lang="zh-CN" altLang="zh-CN" dirty="0">
+                <a:solidFill>
+                  <a:srgbClr val="002B41"/>
+                </a:solidFill>
+                <a:latin typeface="楷体" panose="02010609060101010101" pitchFamily="49" charset="-122"/>
+                <a:ea typeface="楷体" panose="02010609060101010101" pitchFamily="49" charset="-122"/>
+              </a:rPr>
+              <a:t>可以通过虚拟现实进行教室的场景的模拟，给学生相对应的身临其境的学习氛围。提高学生的沉浸感 </a:t>
+            </a:r>
+          </a:p>
+          <a:p>
+            <a:pPr lvl="0"/>
+            <a:r>
+              <a:rPr lang="zh-CN" altLang="zh-CN" b="1" dirty="0">
+                <a:solidFill>
+                  <a:srgbClr val="002B41"/>
+                </a:solidFill>
+                <a:latin typeface="楷体" panose="02010609060101010101" pitchFamily="49" charset="-122"/>
+                <a:ea typeface="楷体" panose="02010609060101010101" pitchFamily="49" charset="-122"/>
+              </a:rPr>
+              <a:t>学生和老师互动性增强</a:t>
+            </a:r>
+          </a:p>
+          <a:p>
+            <a:r>
+              <a:rPr lang="zh-CN" altLang="zh-CN" dirty="0">
+                <a:solidFill>
+                  <a:srgbClr val="002B41"/>
+                </a:solidFill>
+                <a:latin typeface="楷体" panose="02010609060101010101" pitchFamily="49" charset="-122"/>
+                <a:ea typeface="楷体" panose="02010609060101010101" pitchFamily="49" charset="-122"/>
+              </a:rPr>
+              <a:t>可以通过</a:t>
+            </a:r>
+            <a:r>
+              <a:rPr lang="en-US" altLang="zh-CN" dirty="0" err="1">
+                <a:solidFill>
+                  <a:srgbClr val="002B41"/>
+                </a:solidFill>
+                <a:latin typeface="楷体" panose="02010609060101010101" pitchFamily="49" charset="-122"/>
+                <a:ea typeface="楷体" panose="02010609060101010101" pitchFamily="49" charset="-122"/>
+              </a:rPr>
+              <a:t>Avabot</a:t>
+            </a:r>
+            <a:r>
+              <a:rPr lang="zh-CN" altLang="zh-CN" dirty="0">
+                <a:solidFill>
+                  <a:srgbClr val="002B41"/>
+                </a:solidFill>
+                <a:latin typeface="楷体" panose="02010609060101010101" pitchFamily="49" charset="-122"/>
+                <a:ea typeface="楷体" panose="02010609060101010101" pitchFamily="49" charset="-122"/>
+              </a:rPr>
+              <a:t>对动手性较强的实验进行演示，手把手指导，给每个有疑问的学生一对一的指导和解答、演示。提高学生的参与感</a:t>
+            </a:r>
+            <a:r>
+              <a:rPr lang="zh-CN" altLang="zh-CN" dirty="0"/>
+              <a:t>。 </a:t>
             </a:r>
           </a:p>
         </p:txBody>
       </p:sp>
       <p:sp>
         <p:nvSpPr>
-          <p:cNvPr id="14" name="TextBox 13"/>
-          <p:cNvSpPr txBox="1"/>
-          <p:nvPr/>
-        </p:nvSpPr>
-        <p:spPr>
-          <a:xfrm>
-            <a:off x="1842800" y="2206293"/>
-            <a:ext cx="877163" cy="369332"/>
-          </a:xfrm>
-          <a:prstGeom prst="rect">
-            <a:avLst/>
-          </a:prstGeom>
-          <a:noFill/>
-        </p:spPr>
-        <p:txBody>
-          <a:bodyPr wrap="none" rtlCol="0">
-            <a:spAutoFit/>
-          </a:bodyPr>
-          <a:lstStyle/>
-          <a:p>
-            <a:r>
-              <a:rPr lang="en-US" altLang="zh-CN" dirty="0" smtClean="0">
-                <a:solidFill>
-                  <a:srgbClr val="FF0000"/>
-                </a:solidFill>
-                <a:latin typeface="楷体" panose="02010609060101010101" pitchFamily="49" charset="-122"/>
-                <a:ea typeface="楷体" panose="02010609060101010101" pitchFamily="49" charset="-122"/>
-              </a:rPr>
-              <a:t>//</a:t>
-            </a:r>
-            <a:r>
-              <a:rPr lang="zh-CN" altLang="en-US" dirty="0">
-                <a:solidFill>
-                  <a:srgbClr val="FF0000"/>
-                </a:solidFill>
-                <a:latin typeface="楷体" panose="02010609060101010101" pitchFamily="49" charset="-122"/>
-                <a:ea typeface="楷体" panose="02010609060101010101" pitchFamily="49" charset="-122"/>
-              </a:rPr>
-              <a:t>文字</a:t>
-            </a:r>
-          </a:p>
-        </p:txBody>
-      </p:sp>
-      <p:sp>
-        <p:nvSpPr>
-          <p:cNvPr id="17" name="TextBox 16"/>
+          <p:cNvPr id="5" name="TextBox 4"/>
           <p:cNvSpPr txBox="1"/>
           <p:nvPr/>
         </p:nvSpPr>
@@ -13406,7 +13817,7 @@
     </p:spTree>
     <p:extLst>
       <p:ext uri="{BB962C8B-B14F-4D97-AF65-F5344CB8AC3E}">
-        <p14:creationId xmlns:p14="http://schemas.microsoft.com/office/powerpoint/2010/main" val="573234288"/>
+        <p14:creationId xmlns:p14="http://schemas.microsoft.com/office/powerpoint/2010/main" val="1151823037"/>
       </p:ext>
     </p:extLst>
   </p:cSld>
@@ -16042,7 +16453,7 @@
                 <a:latin typeface="微软雅黑" panose="020B0503020204020204" pitchFamily="34" charset="-122"/>
                 <a:ea typeface="微软雅黑" panose="020B0503020204020204" pitchFamily="34" charset="-122"/>
               </a:rPr>
-              <a:t>远程救援</a:t>
+              <a:t>远程办公</a:t>
             </a:r>
             <a:endParaRPr lang="zh-CN" altLang="en-US" sz="2000" dirty="0">
               <a:solidFill>
@@ -16050,67 +16461,6 @@
               </a:solidFill>
               <a:latin typeface="微软雅黑" panose="020B0503020204020204" pitchFamily="34" charset="-122"/>
               <a:ea typeface="微软雅黑" panose="020B0503020204020204" pitchFamily="34" charset="-122"/>
-            </a:endParaRPr>
-          </a:p>
-        </p:txBody>
-      </p:sp>
-      <p:sp>
-        <p:nvSpPr>
-          <p:cNvPr id="3" name="Rectangle 2"/>
-          <p:cNvSpPr/>
-          <p:nvPr/>
-        </p:nvSpPr>
-        <p:spPr>
-          <a:xfrm>
-            <a:off x="498177" y="1853460"/>
-            <a:ext cx="3445750" cy="1477328"/>
-          </a:xfrm>
-          <a:prstGeom prst="rect">
-            <a:avLst/>
-          </a:prstGeom>
-        </p:spPr>
-        <p:txBody>
-          <a:bodyPr wrap="square">
-            <a:spAutoFit/>
-          </a:bodyPr>
-          <a:lstStyle/>
-          <a:p>
-            <a:r>
-              <a:rPr lang="zh-CN" altLang="en-US" dirty="0" smtClean="0">
-                <a:solidFill>
-                  <a:srgbClr val="002B41"/>
-                </a:solidFill>
-                <a:latin typeface="楷体" panose="02010609060101010101" pitchFamily="49" charset="-122"/>
-                <a:ea typeface="楷体" panose="02010609060101010101" pitchFamily="49" charset="-122"/>
-              </a:rPr>
-              <a:t>“有</a:t>
-            </a:r>
-            <a:r>
-              <a:rPr lang="zh-CN" altLang="en-US" dirty="0">
-                <a:solidFill>
-                  <a:srgbClr val="002B41"/>
-                </a:solidFill>
-                <a:latin typeface="楷体" panose="02010609060101010101" pitchFamily="49" charset="-122"/>
-                <a:ea typeface="楷体" panose="02010609060101010101" pitchFamily="49" charset="-122"/>
-              </a:rPr>
-              <a:t>一天，任何一位邓稼先再也不需用自己肉长的手捡起弹片，任何一位无名英雄再也不用进入毒气泄漏的现场，排除了故障却献出年轻的生</a:t>
-            </a:r>
-            <a:r>
-              <a:rPr lang="zh-CN" altLang="en-US" dirty="0" smtClean="0">
-                <a:solidFill>
-                  <a:srgbClr val="002B41"/>
-                </a:solidFill>
-                <a:latin typeface="楷体" panose="02010609060101010101" pitchFamily="49" charset="-122"/>
-                <a:ea typeface="楷体" panose="02010609060101010101" pitchFamily="49" charset="-122"/>
-              </a:rPr>
-              <a:t>命。”</a:t>
-            </a:r>
-            <a:endParaRPr lang="zh-CN" altLang="en-US" dirty="0">
-              <a:solidFill>
-                <a:srgbClr val="002B41"/>
-              </a:solidFill>
-              <a:latin typeface="楷体" panose="02010609060101010101" pitchFamily="49" charset="-122"/>
-              <a:ea typeface="楷体" panose="02010609060101010101" pitchFamily="49" charset="-122"/>
             </a:endParaRPr>
           </a:p>
         </p:txBody>
@@ -16343,6 +16693,51 @@
         </p:nvSpPr>
         <p:spPr>
           <a:xfrm>
+            <a:off x="1842800" y="2206293"/>
+            <a:ext cx="877163" cy="369332"/>
+          </a:xfrm>
+          <a:prstGeom prst="rect">
+            <a:avLst/>
+          </a:prstGeom>
+          <a:noFill/>
+        </p:spPr>
+        <p:txBody>
+          <a:bodyPr wrap="none" rtlCol="0">
+            <a:spAutoFit/>
+          </a:bodyPr>
+          <a:lstStyle/>
+          <a:p>
+            <a:r>
+              <a:rPr lang="en-US" altLang="zh-CN" dirty="0" smtClean="0">
+                <a:solidFill>
+                  <a:srgbClr val="FF0000"/>
+                </a:solidFill>
+                <a:latin typeface="楷体" panose="02010609060101010101" pitchFamily="49" charset="-122"/>
+                <a:ea typeface="楷体" panose="02010609060101010101" pitchFamily="49" charset="-122"/>
+              </a:rPr>
+              <a:t>//</a:t>
+            </a:r>
+            <a:r>
+              <a:rPr lang="zh-CN" altLang="en-US" dirty="0">
+                <a:solidFill>
+                  <a:srgbClr val="FF0000"/>
+                </a:solidFill>
+                <a:latin typeface="楷体" panose="02010609060101010101" pitchFamily="49" charset="-122"/>
+                <a:ea typeface="楷体" panose="02010609060101010101" pitchFamily="49" charset="-122"/>
+              </a:rPr>
+              <a:t>文字</a:t>
+            </a:r>
+          </a:p>
+        </p:txBody>
+      </p:sp>
+      <p:sp>
+        <p:nvSpPr>
+          <p:cNvPr id="17" name="TextBox 16"/>
+          <p:cNvSpPr txBox="1"/>
+          <p:nvPr/>
+        </p:nvSpPr>
+        <p:spPr>
+          <a:xfrm>
             <a:off x="4461164" y="3251200"/>
             <a:ext cx="3156633" cy="523220"/>
           </a:xfrm>
@@ -16400,7 +16795,7 @@
     </p:spTree>
     <p:extLst>
       <p:ext uri="{BB962C8B-B14F-4D97-AF65-F5344CB8AC3E}">
-        <p14:creationId xmlns:p14="http://schemas.microsoft.com/office/powerpoint/2010/main" val="2443217074"/>
+        <p14:creationId xmlns:p14="http://schemas.microsoft.com/office/powerpoint/2010/main" val="573234288"/>
       </p:ext>
     </p:extLst>
   </p:cSld>
@@ -16680,7 +17075,7 @@
               <a:rPr lang="zh-CN" altLang="en-US" smtClean="0"/>
               <a:t>21</a:t>
             </a:fld>
-            <a:endParaRPr lang="zh-CN" altLang="en-US" dirty="0"/>
+            <a:endParaRPr lang="zh-CN" altLang="en-US"/>
           </a:p>
         </p:txBody>
       </p:sp>
@@ -16837,7 +17232,7 @@
                 <a:latin typeface="微软雅黑" panose="020B0503020204020204" pitchFamily="34" charset="-122"/>
                 <a:ea typeface="微软雅黑" panose="020B0503020204020204" pitchFamily="34" charset="-122"/>
               </a:rPr>
-              <a:t>远程科考</a:t>
+              <a:t>远程救援</a:t>
             </a:r>
             <a:endParaRPr lang="zh-CN" altLang="en-US" sz="2000" dirty="0">
               <a:solidFill>
@@ -16858,7 +17253,7 @@
         <p:spPr>
           <a:xfrm>
             <a:off x="498177" y="1853460"/>
-            <a:ext cx="3445750" cy="1754326"/>
+            <a:ext cx="3445750" cy="1477328"/>
           </a:xfrm>
           <a:prstGeom prst="rect">
             <a:avLst/>
@@ -16888,7 +17283,7 @@
                 <a:latin typeface="楷体" panose="02010609060101010101" pitchFamily="49" charset="-122"/>
                 <a:ea typeface="楷体" panose="02010609060101010101" pitchFamily="49" charset="-122"/>
               </a:rPr>
-              <a:t>一天，任何一个对大自然好奇的孩子，都可以化</a:t>
+              <a:t>一天，任何一位邓稼先再也不需用自己肉长的手捡起弹片，任何一位无名英雄再也不用进入毒气泄漏的现场，排除了故障却献出年轻的生</a:t>
             </a:r>
             <a:r>
               <a:rPr lang="zh-CN" altLang="en-US" dirty="0" smtClean="0">
@@ -16898,27 +17293,7 @@
                 <a:latin typeface="楷体" panose="02010609060101010101" pitchFamily="49" charset="-122"/>
                 <a:ea typeface="楷体" panose="02010609060101010101" pitchFamily="49" charset="-122"/>
               </a:rPr>
-              <a:t>作化</a:t>
-            </a:r>
-            <a:r>
-              <a:rPr lang="zh-CN" altLang="en-US" dirty="0">
-                <a:solidFill>
-                  <a:srgbClr val="002B41"/>
-                </a:solidFill>
-                <a:latin typeface="楷体" panose="02010609060101010101" pitchFamily="49" charset="-122"/>
-                <a:ea typeface="楷体" panose="02010609060101010101" pitchFamily="49" charset="-122"/>
-              </a:rPr>
-              <a:t>作不怕水的游鱼，潜入最危险最有魅力的海底去逗弄珊瑚，一个小时之后，又准时回到桌前写周三的作</a:t>
-            </a:r>
-            <a:r>
-              <a:rPr lang="zh-CN" altLang="en-US" dirty="0" smtClean="0">
-                <a:solidFill>
-                  <a:srgbClr val="002B41"/>
-                </a:solidFill>
-                <a:latin typeface="楷体" panose="02010609060101010101" pitchFamily="49" charset="-122"/>
-                <a:ea typeface="楷体" panose="02010609060101010101" pitchFamily="49" charset="-122"/>
-              </a:rPr>
-              <a:t>业。”</a:t>
+              <a:t>命。”</a:t>
             </a:r>
             <a:endParaRPr lang="zh-CN" altLang="en-US" dirty="0">
               <a:solidFill>
@@ -16932,379 +17307,279 @@
       </p:sp>
       <p:sp>
         <p:nvSpPr>
-          <p:cNvPr id="4" name="Rectangle 3"/>
-          <p:cNvSpPr/>
+          <p:cNvPr id="6" name="TextBox 5"/>
+          <p:cNvSpPr txBox="1"/>
           <p:nvPr/>
         </p:nvSpPr>
         <p:spPr>
           <a:xfrm>
-            <a:off x="409433" y="3976458"/>
-            <a:ext cx="3451367" cy="2185214"/>
+            <a:off x="5431127" y="1853460"/>
+            <a:ext cx="614271" cy="369332"/>
           </a:xfrm>
           <a:prstGeom prst="rect">
             <a:avLst/>
           </a:prstGeom>
+          <a:noFill/>
         </p:spPr>
         <p:txBody>
-          <a:bodyPr wrap="square">
+          <a:bodyPr wrap="none" rtlCol="0">
             <a:spAutoFit/>
           </a:bodyPr>
           <a:lstStyle/>
           <a:p>
-            <a:pPr indent="266700"/>
-            <a:r>
-              <a:rPr lang="zh-CN" altLang="en-US" sz="2000" dirty="0" smtClean="0">
-                <a:solidFill>
-                  <a:srgbClr val="002B41"/>
-                </a:solidFill>
-                <a:latin typeface="微软雅黑" panose="020B0503020204020204" pitchFamily="34" charset="-122"/>
-                <a:ea typeface="微软雅黑" panose="020B0503020204020204" pitchFamily="34" charset="-122"/>
-              </a:rPr>
-              <a:t>现有的成熟产品：</a:t>
-            </a:r>
-            <a:endParaRPr lang="en-US" altLang="zh-CN" sz="2000" dirty="0" smtClean="0">
+            <a:r>
+              <a:rPr lang="en-US" altLang="zh-CN" dirty="0" smtClean="0">
+                <a:solidFill>
+                  <a:srgbClr val="FF0000"/>
+                </a:solidFill>
+                <a:latin typeface="微软雅黑" panose="020B0503020204020204" pitchFamily="34" charset="-122"/>
+                <a:ea typeface="微软雅黑" panose="020B0503020204020204" pitchFamily="34" charset="-122"/>
+              </a:rPr>
+              <a:t>//</a:t>
+            </a:r>
+            <a:r>
+              <a:rPr lang="zh-CN" altLang="en-US" dirty="0" smtClean="0">
+                <a:solidFill>
+                  <a:srgbClr val="FF0000"/>
+                </a:solidFill>
+                <a:latin typeface="微软雅黑" panose="020B0503020204020204" pitchFamily="34" charset="-122"/>
+                <a:ea typeface="微软雅黑" panose="020B0503020204020204" pitchFamily="34" charset="-122"/>
+              </a:rPr>
+              <a:t>图</a:t>
+            </a:r>
+            <a:endParaRPr lang="zh-CN" altLang="en-US" dirty="0">
               <a:solidFill>
-                <a:srgbClr val="002B41"/>
+                <a:srgbClr val="FF0000"/>
               </a:solidFill>
               <a:latin typeface="微软雅黑" panose="020B0503020204020204" pitchFamily="34" charset="-122"/>
               <a:ea typeface="微软雅黑" panose="020B0503020204020204" pitchFamily="34" charset="-122"/>
             </a:endParaRPr>
           </a:p>
-          <a:p>
-            <a:pPr marL="342900" indent="-342900">
-              <a:buFont typeface="Wingdings" panose="05000000000000000000" pitchFamily="2" charset="2"/>
-              <a:buChar char="Ø"/>
-            </a:pPr>
-            <a:r>
-              <a:rPr lang="zh-CN" altLang="en-US" sz="1600" dirty="0" smtClean="0">
-                <a:solidFill>
-                  <a:srgbClr val="002B41"/>
-                </a:solidFill>
-                <a:latin typeface="微软雅黑" panose="020B0503020204020204" pitchFamily="34" charset="-122"/>
-                <a:ea typeface="微软雅黑" panose="020B0503020204020204" pitchFamily="34" charset="-122"/>
-              </a:rPr>
-              <a:t>“探索者”（大洋探测遥操作机器人，中科院沈阳自动化所）</a:t>
-            </a:r>
-            <a:endParaRPr lang="en-US" altLang="zh-CN" sz="1600" dirty="0" smtClean="0">
+        </p:txBody>
+      </p:sp>
+      <p:sp>
+        <p:nvSpPr>
+          <p:cNvPr id="13" name="TextBox 12"/>
+          <p:cNvSpPr txBox="1"/>
+          <p:nvPr/>
+        </p:nvSpPr>
+        <p:spPr>
+          <a:xfrm>
+            <a:off x="5431127" y="4499678"/>
+            <a:ext cx="614271" cy="369332"/>
+          </a:xfrm>
+          <a:prstGeom prst="rect">
+            <a:avLst/>
+          </a:prstGeom>
+          <a:noFill/>
+        </p:spPr>
+        <p:txBody>
+          <a:bodyPr wrap="none" rtlCol="0">
+            <a:spAutoFit/>
+          </a:bodyPr>
+          <a:lstStyle/>
+          <a:p>
+            <a:r>
+              <a:rPr lang="en-US" altLang="zh-CN" dirty="0" smtClean="0">
+                <a:solidFill>
+                  <a:srgbClr val="FF0000"/>
+                </a:solidFill>
+                <a:latin typeface="微软雅黑" panose="020B0503020204020204" pitchFamily="34" charset="-122"/>
+                <a:ea typeface="微软雅黑" panose="020B0503020204020204" pitchFamily="34" charset="-122"/>
+              </a:rPr>
+              <a:t>//</a:t>
+            </a:r>
+            <a:r>
+              <a:rPr lang="zh-CN" altLang="en-US" dirty="0" smtClean="0">
+                <a:solidFill>
+                  <a:srgbClr val="FF0000"/>
+                </a:solidFill>
+                <a:latin typeface="微软雅黑" panose="020B0503020204020204" pitchFamily="34" charset="-122"/>
+                <a:ea typeface="微软雅黑" panose="020B0503020204020204" pitchFamily="34" charset="-122"/>
+              </a:rPr>
+              <a:t>图</a:t>
+            </a:r>
+            <a:endParaRPr lang="zh-CN" altLang="en-US" dirty="0">
               <a:solidFill>
-                <a:srgbClr val="002B41"/>
+                <a:srgbClr val="FF0000"/>
               </a:solidFill>
               <a:latin typeface="微软雅黑" panose="020B0503020204020204" pitchFamily="34" charset="-122"/>
               <a:ea typeface="微软雅黑" panose="020B0503020204020204" pitchFamily="34" charset="-122"/>
             </a:endParaRPr>
           </a:p>
-          <a:p>
-            <a:pPr marL="342900" indent="-342900">
-              <a:buFont typeface="Wingdings" panose="05000000000000000000" pitchFamily="2" charset="2"/>
-              <a:buChar char="Ø"/>
-            </a:pPr>
-            <a:endParaRPr lang="en-US" altLang="zh-CN" sz="1600" dirty="0">
-              <a:solidFill>
-                <a:srgbClr val="002B41"/>
-              </a:solidFill>
-              <a:latin typeface="微软雅黑" panose="020B0503020204020204" pitchFamily="34" charset="-122"/>
-              <a:ea typeface="微软雅黑" panose="020B0503020204020204" pitchFamily="34" charset="-122"/>
-            </a:endParaRPr>
-          </a:p>
-          <a:p>
-            <a:r>
-              <a:rPr lang="zh-CN" altLang="en-US" sz="2000" dirty="0" smtClean="0">
-                <a:solidFill>
-                  <a:srgbClr val="002B41"/>
-                </a:solidFill>
-                <a:latin typeface="微软雅黑" panose="020B0503020204020204" pitchFamily="34" charset="-122"/>
-                <a:ea typeface="微软雅黑" panose="020B0503020204020204" pitchFamily="34" charset="-122"/>
-              </a:rPr>
-              <a:t>   已</a:t>
-            </a:r>
-            <a:r>
-              <a:rPr lang="zh-CN" altLang="en-US" sz="2000" dirty="0">
-                <a:solidFill>
-                  <a:srgbClr val="002B41"/>
-                </a:solidFill>
-                <a:latin typeface="微软雅黑" panose="020B0503020204020204" pitchFamily="34" charset="-122"/>
-                <a:ea typeface="微软雅黑" panose="020B0503020204020204" pitchFamily="34" charset="-122"/>
-              </a:rPr>
-              <a:t>开启的重大项目</a:t>
-            </a:r>
-            <a:r>
-              <a:rPr lang="zh-CN" altLang="en-US" sz="2000" dirty="0" smtClean="0">
-                <a:solidFill>
-                  <a:srgbClr val="002B41"/>
-                </a:solidFill>
-                <a:latin typeface="微软雅黑" panose="020B0503020204020204" pitchFamily="34" charset="-122"/>
-                <a:ea typeface="微软雅黑" panose="020B0503020204020204" pitchFamily="34" charset="-122"/>
-              </a:rPr>
-              <a:t>：</a:t>
-            </a:r>
-            <a:endParaRPr lang="en-US" altLang="zh-CN" sz="2000" dirty="0" smtClean="0">
-              <a:solidFill>
-                <a:srgbClr val="002B41"/>
-              </a:solidFill>
-              <a:latin typeface="微软雅黑" panose="020B0503020204020204" pitchFamily="34" charset="-122"/>
-              <a:ea typeface="微软雅黑" panose="020B0503020204020204" pitchFamily="34" charset="-122"/>
-            </a:endParaRPr>
-          </a:p>
-          <a:p>
-            <a:pPr marL="342900" indent="-342900">
-              <a:buFont typeface="Wingdings" panose="05000000000000000000" pitchFamily="2" charset="2"/>
-              <a:buChar char="Ø"/>
-            </a:pPr>
-            <a:r>
-              <a:rPr lang="en-US" altLang="zh-CN" sz="1600" dirty="0">
-                <a:solidFill>
-                  <a:srgbClr val="002B41"/>
-                </a:solidFill>
-                <a:latin typeface="微软雅黑" panose="020B0503020204020204" pitchFamily="34" charset="-122"/>
-                <a:ea typeface="微软雅黑" panose="020B0503020204020204" pitchFamily="34" charset="-122"/>
-              </a:rPr>
-              <a:t>AVATAR X</a:t>
-            </a:r>
-            <a:r>
-              <a:rPr lang="zh-CN" altLang="en-US" sz="1600" dirty="0">
-                <a:solidFill>
-                  <a:srgbClr val="002B41"/>
-                </a:solidFill>
-                <a:latin typeface="微软雅黑" panose="020B0503020204020204" pitchFamily="34" charset="-122"/>
-                <a:ea typeface="微软雅黑" panose="020B0503020204020204" pitchFamily="34" charset="-122"/>
-              </a:rPr>
-              <a:t>项</a:t>
-            </a:r>
-            <a:r>
-              <a:rPr lang="zh-CN" altLang="en-US" sz="1600" dirty="0" smtClean="0">
-                <a:solidFill>
-                  <a:srgbClr val="002B41"/>
-                </a:solidFill>
-                <a:latin typeface="微软雅黑" panose="020B0503020204020204" pitchFamily="34" charset="-122"/>
-                <a:ea typeface="微软雅黑" panose="020B0503020204020204" pitchFamily="34" charset="-122"/>
-              </a:rPr>
-              <a:t>目（月球探测遥操作机器</a:t>
-            </a:r>
-            <a:r>
-              <a:rPr lang="zh-CN" altLang="en-US" sz="1600" dirty="0">
-                <a:solidFill>
-                  <a:srgbClr val="002B41"/>
-                </a:solidFill>
-                <a:latin typeface="微软雅黑" panose="020B0503020204020204" pitchFamily="34" charset="-122"/>
-                <a:ea typeface="微软雅黑" panose="020B0503020204020204" pitchFamily="34" charset="-122"/>
-              </a:rPr>
-              <a:t>人，日本宇宙航空研究开发机</a:t>
-            </a:r>
-            <a:r>
-              <a:rPr lang="zh-CN" altLang="en-US" sz="1600" dirty="0" smtClean="0">
-                <a:solidFill>
-                  <a:srgbClr val="002B41"/>
-                </a:solidFill>
-                <a:latin typeface="微软雅黑" panose="020B0503020204020204" pitchFamily="34" charset="-122"/>
-                <a:ea typeface="微软雅黑" panose="020B0503020204020204" pitchFamily="34" charset="-122"/>
-              </a:rPr>
-              <a:t>构</a:t>
-            </a:r>
-            <a:r>
-              <a:rPr lang="en-US" altLang="zh-CN" sz="1600" dirty="0" smtClean="0">
-                <a:solidFill>
-                  <a:srgbClr val="002B41"/>
-                </a:solidFill>
-                <a:latin typeface="微软雅黑" panose="020B0503020204020204" pitchFamily="34" charset="-122"/>
-                <a:ea typeface="微软雅黑" panose="020B0503020204020204" pitchFamily="34" charset="-122"/>
-              </a:rPr>
-              <a:t>JAXA</a:t>
-            </a:r>
-            <a:r>
-              <a:rPr lang="zh-CN" altLang="en-US" sz="1600" dirty="0" smtClean="0">
-                <a:solidFill>
-                  <a:srgbClr val="002B41"/>
-                </a:solidFill>
-                <a:latin typeface="微软雅黑" panose="020B0503020204020204" pitchFamily="34" charset="-122"/>
-                <a:ea typeface="微软雅黑" panose="020B0503020204020204" pitchFamily="34" charset="-122"/>
-              </a:rPr>
-              <a:t>）</a:t>
-            </a:r>
-            <a:endParaRPr lang="en-US" altLang="zh-CN" sz="2000" dirty="0">
-              <a:solidFill>
-                <a:srgbClr val="002B41"/>
-              </a:solidFill>
-              <a:latin typeface="微软雅黑" panose="020B0503020204020204" pitchFamily="34" charset="-122"/>
-              <a:ea typeface="微软雅黑" panose="020B0503020204020204" pitchFamily="34" charset="-122"/>
-            </a:endParaRPr>
-          </a:p>
         </p:txBody>
       </p:sp>
-      <p:pic>
-        <p:nvPicPr>
-          <p:cNvPr id="8" name="Picture 7"/>
-          <p:cNvPicPr>
-            <a:picLocks noChangeAspect="1"/>
-          </p:cNvPicPr>
+      <p:sp>
+        <p:nvSpPr>
+          <p:cNvPr id="7" name="TextBox 6"/>
+          <p:cNvSpPr txBox="1"/>
           <p:nvPr/>
-        </p:nvPicPr>
-        <p:blipFill>
-          <a:blip r:embed="rId2">
-            <a:clrChange>
-              <a:clrFrom>
-                <a:srgbClr val="FEFEFE"/>
-              </a:clrFrom>
-              <a:clrTo>
-                <a:srgbClr val="FEFEFE">
-                  <a:alpha val="0"/>
-                </a:srgbClr>
-              </a:clrTo>
-            </a:clrChange>
-            <a:extLst>
-              <a:ext uri="{28A0092B-C50C-407E-A947-70E740481C1C}">
-                <a14:useLocalDpi xmlns:a14="http://schemas.microsoft.com/office/drawing/2010/main" val="0"/>
-              </a:ext>
-            </a:extLst>
-          </a:blip>
-          <a:stretch>
-            <a:fillRect/>
-          </a:stretch>
-        </p:blipFill>
+        </p:nvSpPr>
         <p:spPr>
           <a:xfrm>
-            <a:off x="3894830" y="1344600"/>
-            <a:ext cx="4260880" cy="4285673"/>
+            <a:off x="1433981" y="4276436"/>
+            <a:ext cx="184731" cy="369332"/>
           </a:xfrm>
           <a:prstGeom prst="rect">
             <a:avLst/>
           </a:prstGeom>
+          <a:noFill/>
         </p:spPr>
-      </p:pic>
+        <p:txBody>
+          <a:bodyPr wrap="none" rtlCol="0">
+            <a:spAutoFit/>
+          </a:bodyPr>
+          <a:lstStyle/>
+          <a:p>
+            <a:endParaRPr lang="zh-CN" altLang="en-US" dirty="0"/>
+          </a:p>
+        </p:txBody>
+      </p:sp>
       <p:sp>
         <p:nvSpPr>
-          <p:cNvPr id="17" name="Rectangle 16"/>
-          <p:cNvSpPr/>
+          <p:cNvPr id="15" name="TextBox 14"/>
+          <p:cNvSpPr txBox="1"/>
           <p:nvPr/>
         </p:nvSpPr>
         <p:spPr>
           <a:xfrm>
-            <a:off x="7970982" y="237632"/>
-            <a:ext cx="3865417" cy="6740307"/>
+            <a:off x="1842800" y="4869010"/>
+            <a:ext cx="845103" cy="369332"/>
           </a:xfrm>
           <a:prstGeom prst="rect">
             <a:avLst/>
           </a:prstGeom>
+          <a:noFill/>
         </p:spPr>
         <p:txBody>
-          <a:bodyPr wrap="square">
+          <a:bodyPr wrap="none" rtlCol="0">
             <a:spAutoFit/>
           </a:bodyPr>
           <a:lstStyle/>
           <a:p>
             <a:r>
-              <a:rPr lang="zh-CN" altLang="en-US" sz="1600" dirty="0" smtClean="0">
-                <a:solidFill>
-                  <a:srgbClr val="002B41"/>
-                </a:solidFill>
-                <a:latin typeface="微软雅黑" panose="020B0503020204020204" pitchFamily="34" charset="-122"/>
-                <a:ea typeface="微软雅黑" panose="020B0503020204020204" pitchFamily="34" charset="-122"/>
-              </a:rPr>
-              <a:t>       随着现代人经济水平和受教育水平的不断提高，</a:t>
-            </a:r>
-            <a:r>
-              <a:rPr lang="zh-CN" altLang="zh-CN" sz="1600" dirty="0" smtClean="0">
-                <a:solidFill>
-                  <a:srgbClr val="002B41"/>
-                </a:solidFill>
-                <a:latin typeface="微软雅黑" panose="020B0503020204020204" pitchFamily="34" charset="-122"/>
-                <a:ea typeface="微软雅黑" panose="020B0503020204020204" pitchFamily="34" charset="-122"/>
-              </a:rPr>
-              <a:t>科学考察</a:t>
-            </a:r>
-            <a:r>
-              <a:rPr lang="zh-CN" altLang="en-US" sz="1600" dirty="0" smtClean="0">
-                <a:solidFill>
-                  <a:srgbClr val="002B41"/>
-                </a:solidFill>
-                <a:latin typeface="微软雅黑" panose="020B0503020204020204" pitchFamily="34" charset="-122"/>
-                <a:ea typeface="微软雅黑" panose="020B0503020204020204" pitchFamily="34" charset="-122"/>
-              </a:rPr>
-              <a:t>已有从“少数勇者的游戏”迈向普罗大众的趋势。</a:t>
-            </a:r>
-            <a:r>
-              <a:rPr lang="zh-CN" altLang="zh-CN" sz="1600" dirty="0" smtClean="0">
-                <a:solidFill>
-                  <a:srgbClr val="002B41"/>
-                </a:solidFill>
-                <a:latin typeface="微软雅黑" panose="020B0503020204020204" pitchFamily="34" charset="-122"/>
-                <a:ea typeface="微软雅黑" panose="020B0503020204020204" pitchFamily="34" charset="-122"/>
-              </a:rPr>
-              <a:t>但如果方式仅限于传统的实地考察，是远远不够的。譬如说，一名在校大学生听说内蒙古当地的一种常见植物的花具有本地同种植物不具有的表现型，由于强烈的好奇心，希望做一对比研究。就算没有课业所迫和金钱压力，这名大学生能够买车票到内蒙古去实地考察，也要经历路途遥远，时间漫长的不便；如果碰巧这种植物花期短暂，也可能等到到达现场，已经错过。而实际上，大部分在校大学生都没有这样理想的“说走就走”的条件。</a:t>
-            </a:r>
-            <a:r>
-              <a:rPr lang="zh-CN" altLang="en-US" sz="1600" dirty="0" smtClean="0">
-                <a:solidFill>
-                  <a:srgbClr val="002B41"/>
-                </a:solidFill>
-                <a:latin typeface="微软雅黑" panose="020B0503020204020204" pitchFamily="34" charset="-122"/>
-                <a:ea typeface="微软雅黑" panose="020B0503020204020204" pitchFamily="34" charset="-122"/>
-              </a:rPr>
-              <a:t>如果没有阿凡达机器人的帮助，他可能首先需要联系到内蒙古当地的一位助手，再向他描述自己想要找的那种植物，以及希望助手拍摄照片的要求；而一来一回传递信息，亦会造成时间的浪费和信息的丢失。</a:t>
-            </a:r>
-            <a:endParaRPr lang="en-US" altLang="zh-CN" sz="1600" dirty="0" smtClean="0">
+              <a:rPr lang="en-US" altLang="zh-CN" dirty="0" smtClean="0">
+                <a:solidFill>
+                  <a:srgbClr val="FF0000"/>
+                </a:solidFill>
+                <a:latin typeface="微软雅黑" panose="020B0503020204020204" pitchFamily="34" charset="-122"/>
+                <a:ea typeface="微软雅黑" panose="020B0503020204020204" pitchFamily="34" charset="-122"/>
+              </a:rPr>
+              <a:t>//</a:t>
+            </a:r>
+            <a:r>
+              <a:rPr lang="zh-CN" altLang="en-US" dirty="0">
+                <a:solidFill>
+                  <a:srgbClr val="FF0000"/>
+                </a:solidFill>
+                <a:latin typeface="微软雅黑" panose="020B0503020204020204" pitchFamily="34" charset="-122"/>
+                <a:ea typeface="微软雅黑" panose="020B0503020204020204" pitchFamily="34" charset="-122"/>
+              </a:rPr>
+              <a:t>文字</a:t>
+            </a:r>
+          </a:p>
+        </p:txBody>
+      </p:sp>
+      <p:sp>
+        <p:nvSpPr>
+          <p:cNvPr id="16" name="TextBox 15"/>
+          <p:cNvSpPr txBox="1"/>
+          <p:nvPr/>
+        </p:nvSpPr>
+        <p:spPr>
+          <a:xfrm>
+            <a:off x="9393528" y="2989410"/>
+            <a:ext cx="845103" cy="369332"/>
+          </a:xfrm>
+          <a:prstGeom prst="rect">
+            <a:avLst/>
+          </a:prstGeom>
+          <a:noFill/>
+        </p:spPr>
+        <p:txBody>
+          <a:bodyPr wrap="none" rtlCol="0">
+            <a:spAutoFit/>
+          </a:bodyPr>
+          <a:lstStyle/>
+          <a:p>
+            <a:r>
+              <a:rPr lang="en-US" altLang="zh-CN" dirty="0" smtClean="0">
+                <a:solidFill>
+                  <a:srgbClr val="FF0000"/>
+                </a:solidFill>
+                <a:latin typeface="微软雅黑" panose="020B0503020204020204" pitchFamily="34" charset="-122"/>
+                <a:ea typeface="微软雅黑" panose="020B0503020204020204" pitchFamily="34" charset="-122"/>
+              </a:rPr>
+              <a:t>//</a:t>
+            </a:r>
+            <a:r>
+              <a:rPr lang="zh-CN" altLang="en-US" dirty="0">
+                <a:solidFill>
+                  <a:srgbClr val="FF0000"/>
+                </a:solidFill>
+                <a:latin typeface="微软雅黑" panose="020B0503020204020204" pitchFamily="34" charset="-122"/>
+                <a:ea typeface="微软雅黑" panose="020B0503020204020204" pitchFamily="34" charset="-122"/>
+              </a:rPr>
+              <a:t>文字</a:t>
+            </a:r>
+          </a:p>
+        </p:txBody>
+      </p:sp>
+      <p:sp>
+        <p:nvSpPr>
+          <p:cNvPr id="14" name="TextBox 13"/>
+          <p:cNvSpPr txBox="1"/>
+          <p:nvPr/>
+        </p:nvSpPr>
+        <p:spPr>
+          <a:xfrm>
+            <a:off x="4461164" y="3251200"/>
+            <a:ext cx="3156633" cy="523220"/>
+          </a:xfrm>
+          <a:prstGeom prst="rect">
+            <a:avLst/>
+          </a:prstGeom>
+          <a:noFill/>
+        </p:spPr>
+        <p:txBody>
+          <a:bodyPr wrap="none" rtlCol="0">
+            <a:spAutoFit/>
+          </a:bodyPr>
+          <a:lstStyle/>
+          <a:p>
+            <a:r>
+              <a:rPr lang="zh-CN" altLang="en-US" sz="2800" dirty="0" smtClean="0">
+                <a:solidFill>
+                  <a:srgbClr val="92D050"/>
+                </a:solidFill>
+                <a:latin typeface="微软雅黑" panose="020B0503020204020204" pitchFamily="34" charset="-122"/>
+                <a:ea typeface="微软雅黑" panose="020B0503020204020204" pitchFamily="34" charset="-122"/>
+              </a:rPr>
+              <a:t>文案已在</a:t>
+            </a:r>
+            <a:r>
+              <a:rPr lang="en-US" altLang="zh-CN" sz="2800" dirty="0" err="1" smtClean="0">
+                <a:solidFill>
+                  <a:srgbClr val="92D050"/>
+                </a:solidFill>
+                <a:latin typeface="微软雅黑" panose="020B0503020204020204" pitchFamily="34" charset="-122"/>
+                <a:ea typeface="微软雅黑" panose="020B0503020204020204" pitchFamily="34" charset="-122"/>
+              </a:rPr>
+              <a:t>git</a:t>
+            </a:r>
+            <a:r>
+              <a:rPr lang="zh-CN" altLang="en-US" sz="2800" dirty="0" smtClean="0">
+                <a:solidFill>
+                  <a:srgbClr val="92D050"/>
+                </a:solidFill>
+                <a:latin typeface="微软雅黑" panose="020B0503020204020204" pitchFamily="34" charset="-122"/>
+                <a:ea typeface="微软雅黑" panose="020B0503020204020204" pitchFamily="34" charset="-122"/>
+              </a:rPr>
+              <a:t>上更新</a:t>
+            </a:r>
+            <a:endParaRPr lang="zh-CN" altLang="en-US" sz="2800" dirty="0">
               <a:solidFill>
-                <a:srgbClr val="002B41"/>
-              </a:solidFill>
-              <a:latin typeface="微软雅黑" panose="020B0503020204020204" pitchFamily="34" charset="-122"/>
-              <a:ea typeface="微软雅黑" panose="020B0503020204020204" pitchFamily="34" charset="-122"/>
-            </a:endParaRPr>
-          </a:p>
-          <a:p>
-            <a:r>
-              <a:rPr lang="en-US" altLang="zh-CN" sz="1600" dirty="0" smtClean="0">
-                <a:solidFill>
-                  <a:srgbClr val="002B41"/>
-                </a:solidFill>
-                <a:latin typeface="微软雅黑" panose="020B0503020204020204" pitchFamily="34" charset="-122"/>
-                <a:ea typeface="微软雅黑" panose="020B0503020204020204" pitchFamily="34" charset="-122"/>
-              </a:rPr>
-              <a:t>       </a:t>
-            </a:r>
-            <a:r>
-              <a:rPr lang="zh-CN" altLang="zh-CN" sz="1600" dirty="0" smtClean="0">
-                <a:solidFill>
-                  <a:srgbClr val="002B41"/>
-                </a:solidFill>
-                <a:latin typeface="微软雅黑" panose="020B0503020204020204" pitchFamily="34" charset="-122"/>
-                <a:ea typeface="微软雅黑" panose="020B0503020204020204" pitchFamily="34" charset="-122"/>
-              </a:rPr>
-              <a:t>如</a:t>
-            </a:r>
-            <a:r>
-              <a:rPr lang="zh-CN" altLang="zh-CN" sz="1600" dirty="0">
-                <a:solidFill>
-                  <a:srgbClr val="002B41"/>
-                </a:solidFill>
-                <a:latin typeface="微软雅黑" panose="020B0503020204020204" pitchFamily="34" charset="-122"/>
-                <a:ea typeface="微软雅黑" panose="020B0503020204020204" pitchFamily="34" charset="-122"/>
-              </a:rPr>
-              <a:t>果在内蒙古当地事先有一</a:t>
-            </a:r>
-            <a:r>
-              <a:rPr lang="zh-CN" altLang="zh-CN" sz="1600" dirty="0" smtClean="0">
-                <a:solidFill>
-                  <a:srgbClr val="002B41"/>
-                </a:solidFill>
-                <a:latin typeface="微软雅黑" panose="020B0503020204020204" pitchFamily="34" charset="-122"/>
-                <a:ea typeface="微软雅黑" panose="020B0503020204020204" pitchFamily="34" charset="-122"/>
-              </a:rPr>
-              <a:t>个“</a:t>
-            </a:r>
-            <a:r>
-              <a:rPr lang="zh-CN" altLang="zh-CN" sz="1600" dirty="0">
-                <a:solidFill>
-                  <a:srgbClr val="002B41"/>
-                </a:solidFill>
-                <a:latin typeface="微软雅黑" panose="020B0503020204020204" pitchFamily="34" charset="-122"/>
-                <a:ea typeface="微软雅黑" panose="020B0503020204020204" pitchFamily="34" charset="-122"/>
-              </a:rPr>
-              <a:t>阿凡达机器人”，大学生就可以在居住地自由地操作它，从寻找植物到采样观察，全部由自己独立完成，完全不需任何额外延迟。这样，每个对科学感兴趣的学生，都可以用极低的成本到全世界任何地方进行科学考察，来完成自己的课题。</a:t>
-            </a:r>
-          </a:p>
-          <a:p>
-            <a:endParaRPr lang="zh-CN" altLang="zh-CN" sz="1600" dirty="0">
-              <a:solidFill>
-                <a:srgbClr val="002B41"/>
+                <a:srgbClr val="92D050"/>
               </a:solidFill>
               <a:latin typeface="微软雅黑" panose="020B0503020204020204" pitchFamily="34" charset="-122"/>
               <a:ea typeface="微软雅黑" panose="020B0503020204020204" pitchFamily="34" charset="-122"/>
@@ -17315,7 +17590,7 @@
     </p:spTree>
     <p:extLst>
       <p:ext uri="{BB962C8B-B14F-4D97-AF65-F5344CB8AC3E}">
-        <p14:creationId xmlns:p14="http://schemas.microsoft.com/office/powerpoint/2010/main" val="1320825193"/>
+        <p14:creationId xmlns:p14="http://schemas.microsoft.com/office/powerpoint/2010/main" val="2443217074"/>
       </p:ext>
     </p:extLst>
   </p:cSld>
@@ -17752,7 +18027,7 @@
                 <a:latin typeface="微软雅黑" panose="020B0503020204020204" pitchFamily="34" charset="-122"/>
                 <a:ea typeface="微软雅黑" panose="020B0503020204020204" pitchFamily="34" charset="-122"/>
               </a:rPr>
-              <a:t>远程旅游</a:t>
+              <a:t>远程科考</a:t>
             </a:r>
             <a:endParaRPr lang="zh-CN" altLang="en-US" sz="2000" dirty="0">
               <a:solidFill>
@@ -17773,7 +18048,7 @@
         <p:spPr>
           <a:xfrm>
             <a:off x="498177" y="1853460"/>
-            <a:ext cx="3445750" cy="1200329"/>
+            <a:ext cx="3445750" cy="1754326"/>
           </a:xfrm>
           <a:prstGeom prst="rect">
             <a:avLst/>
@@ -17793,7 +18068,7 @@
                 <a:latin typeface="楷体" panose="02010609060101010101" pitchFamily="49" charset="-122"/>
                 <a:ea typeface="楷体" panose="02010609060101010101" pitchFamily="49" charset="-122"/>
               </a:rPr>
-              <a:t>“未来</a:t>
+              <a:t>“有</a:t>
             </a:r>
             <a:r>
               <a:rPr lang="zh-CN" altLang="en-US" dirty="0">
@@ -17803,7 +18078,7 @@
                 <a:latin typeface="楷体" panose="02010609060101010101" pitchFamily="49" charset="-122"/>
                 <a:ea typeface="楷体" panose="02010609060101010101" pitchFamily="49" charset="-122"/>
               </a:rPr>
-              <a:t>，旅游可能变得像读书一样随性：你有时间可以任性把书一天读完，没时间也可</a:t>
+              <a:t>一天，任何一个对大自然好奇的孩子，都可以化</a:t>
             </a:r>
             <a:r>
               <a:rPr lang="zh-CN" altLang="en-US" dirty="0" smtClean="0">
@@ -17813,7 +18088,7 @@
                 <a:latin typeface="楷体" panose="02010609060101010101" pitchFamily="49" charset="-122"/>
                 <a:ea typeface="楷体" panose="02010609060101010101" pitchFamily="49" charset="-122"/>
               </a:rPr>
-              <a:t>以每</a:t>
+              <a:t>作化</a:t>
             </a:r>
             <a:r>
               <a:rPr lang="zh-CN" altLang="en-US" dirty="0">
@@ -17823,7 +18098,7 @@
                 <a:latin typeface="楷体" panose="02010609060101010101" pitchFamily="49" charset="-122"/>
                 <a:ea typeface="楷体" panose="02010609060101010101" pitchFamily="49" charset="-122"/>
               </a:rPr>
-              <a:t>天抽空读两页</a:t>
+              <a:t>作不怕水的游鱼，潜入最危险最有魅力的海底去逗弄珊瑚，一个小时之后，又准时回到桌前写周三的作</a:t>
             </a:r>
             <a:r>
               <a:rPr lang="zh-CN" altLang="en-US" dirty="0" smtClean="0">
@@ -17833,9 +18108,9 @@
                 <a:latin typeface="楷体" panose="02010609060101010101" pitchFamily="49" charset="-122"/>
                 <a:ea typeface="楷体" panose="02010609060101010101" pitchFamily="49" charset="-122"/>
               </a:rPr>
-              <a:t>。”</a:t>
-            </a:r>
-            <a:endParaRPr lang="en-US" altLang="zh-CN" dirty="0" smtClean="0">
+              <a:t>业。”</a:t>
+            </a:r>
+            <a:endParaRPr lang="zh-CN" altLang="en-US" dirty="0">
               <a:solidFill>
                 <a:srgbClr val="002B41"/>
               </a:solidFill>
@@ -17845,9 +18120,209 @@
           </a:p>
         </p:txBody>
       </p:sp>
+      <p:sp>
+        <p:nvSpPr>
+          <p:cNvPr id="4" name="Rectangle 3"/>
+          <p:cNvSpPr/>
+          <p:nvPr/>
+        </p:nvSpPr>
+        <p:spPr>
+          <a:xfrm>
+            <a:off x="409433" y="3976458"/>
+            <a:ext cx="3451367" cy="2185214"/>
+          </a:xfrm>
+          <a:prstGeom prst="rect">
+            <a:avLst/>
+          </a:prstGeom>
+        </p:spPr>
+        <p:txBody>
+          <a:bodyPr wrap="square">
+            <a:spAutoFit/>
+          </a:bodyPr>
+          <a:lstStyle/>
+          <a:p>
+            <a:pPr indent="266700"/>
+            <a:r>
+              <a:rPr lang="zh-CN" altLang="en-US" sz="2000" dirty="0" smtClean="0">
+                <a:solidFill>
+                  <a:srgbClr val="002B41"/>
+                </a:solidFill>
+                <a:latin typeface="微软雅黑" panose="020B0503020204020204" pitchFamily="34" charset="-122"/>
+                <a:ea typeface="微软雅黑" panose="020B0503020204020204" pitchFamily="34" charset="-122"/>
+              </a:rPr>
+              <a:t>现有的成熟产品：</a:t>
+            </a:r>
+            <a:endParaRPr lang="en-US" altLang="zh-CN" sz="2000" dirty="0" smtClean="0">
+              <a:solidFill>
+                <a:srgbClr val="002B41"/>
+              </a:solidFill>
+              <a:latin typeface="微软雅黑" panose="020B0503020204020204" pitchFamily="34" charset="-122"/>
+              <a:ea typeface="微软雅黑" panose="020B0503020204020204" pitchFamily="34" charset="-122"/>
+            </a:endParaRPr>
+          </a:p>
+          <a:p>
+            <a:pPr marL="342900" indent="-342900">
+              <a:buFont typeface="Wingdings" panose="05000000000000000000" pitchFamily="2" charset="2"/>
+              <a:buChar char="Ø"/>
+            </a:pPr>
+            <a:r>
+              <a:rPr lang="zh-CN" altLang="en-US" sz="1600" dirty="0" smtClean="0">
+                <a:solidFill>
+                  <a:srgbClr val="002B41"/>
+                </a:solidFill>
+                <a:latin typeface="微软雅黑" panose="020B0503020204020204" pitchFamily="34" charset="-122"/>
+                <a:ea typeface="微软雅黑" panose="020B0503020204020204" pitchFamily="34" charset="-122"/>
+              </a:rPr>
+              <a:t>“探索者”（大洋探测遥操作机器人，中科院沈阳自动化所）</a:t>
+            </a:r>
+            <a:endParaRPr lang="en-US" altLang="zh-CN" sz="1600" dirty="0" smtClean="0">
+              <a:solidFill>
+                <a:srgbClr val="002B41"/>
+              </a:solidFill>
+              <a:latin typeface="微软雅黑" panose="020B0503020204020204" pitchFamily="34" charset="-122"/>
+              <a:ea typeface="微软雅黑" panose="020B0503020204020204" pitchFamily="34" charset="-122"/>
+            </a:endParaRPr>
+          </a:p>
+          <a:p>
+            <a:pPr marL="342900" indent="-342900">
+              <a:buFont typeface="Wingdings" panose="05000000000000000000" pitchFamily="2" charset="2"/>
+              <a:buChar char="Ø"/>
+            </a:pPr>
+            <a:endParaRPr lang="en-US" altLang="zh-CN" sz="1600" dirty="0">
+              <a:solidFill>
+                <a:srgbClr val="002B41"/>
+              </a:solidFill>
+              <a:latin typeface="微软雅黑" panose="020B0503020204020204" pitchFamily="34" charset="-122"/>
+              <a:ea typeface="微软雅黑" panose="020B0503020204020204" pitchFamily="34" charset="-122"/>
+            </a:endParaRPr>
+          </a:p>
+          <a:p>
+            <a:r>
+              <a:rPr lang="zh-CN" altLang="en-US" sz="2000" dirty="0" smtClean="0">
+                <a:solidFill>
+                  <a:srgbClr val="002B41"/>
+                </a:solidFill>
+                <a:latin typeface="微软雅黑" panose="020B0503020204020204" pitchFamily="34" charset="-122"/>
+                <a:ea typeface="微软雅黑" panose="020B0503020204020204" pitchFamily="34" charset="-122"/>
+              </a:rPr>
+              <a:t>   已</a:t>
+            </a:r>
+            <a:r>
+              <a:rPr lang="zh-CN" altLang="en-US" sz="2000" dirty="0">
+                <a:solidFill>
+                  <a:srgbClr val="002B41"/>
+                </a:solidFill>
+                <a:latin typeface="微软雅黑" panose="020B0503020204020204" pitchFamily="34" charset="-122"/>
+                <a:ea typeface="微软雅黑" panose="020B0503020204020204" pitchFamily="34" charset="-122"/>
+              </a:rPr>
+              <a:t>开启的重大项目</a:t>
+            </a:r>
+            <a:r>
+              <a:rPr lang="zh-CN" altLang="en-US" sz="2000" dirty="0" smtClean="0">
+                <a:solidFill>
+                  <a:srgbClr val="002B41"/>
+                </a:solidFill>
+                <a:latin typeface="微软雅黑" panose="020B0503020204020204" pitchFamily="34" charset="-122"/>
+                <a:ea typeface="微软雅黑" panose="020B0503020204020204" pitchFamily="34" charset="-122"/>
+              </a:rPr>
+              <a:t>：</a:t>
+            </a:r>
+            <a:endParaRPr lang="en-US" altLang="zh-CN" sz="2000" dirty="0" smtClean="0">
+              <a:solidFill>
+                <a:srgbClr val="002B41"/>
+              </a:solidFill>
+              <a:latin typeface="微软雅黑" panose="020B0503020204020204" pitchFamily="34" charset="-122"/>
+              <a:ea typeface="微软雅黑" panose="020B0503020204020204" pitchFamily="34" charset="-122"/>
+            </a:endParaRPr>
+          </a:p>
+          <a:p>
+            <a:pPr marL="342900" indent="-342900">
+              <a:buFont typeface="Wingdings" panose="05000000000000000000" pitchFamily="2" charset="2"/>
+              <a:buChar char="Ø"/>
+            </a:pPr>
+            <a:r>
+              <a:rPr lang="en-US" altLang="zh-CN" sz="1600" dirty="0">
+                <a:solidFill>
+                  <a:srgbClr val="002B41"/>
+                </a:solidFill>
+                <a:latin typeface="微软雅黑" panose="020B0503020204020204" pitchFamily="34" charset="-122"/>
+                <a:ea typeface="微软雅黑" panose="020B0503020204020204" pitchFamily="34" charset="-122"/>
+              </a:rPr>
+              <a:t>AVATAR X</a:t>
+            </a:r>
+            <a:r>
+              <a:rPr lang="zh-CN" altLang="en-US" sz="1600" dirty="0">
+                <a:solidFill>
+                  <a:srgbClr val="002B41"/>
+                </a:solidFill>
+                <a:latin typeface="微软雅黑" panose="020B0503020204020204" pitchFamily="34" charset="-122"/>
+                <a:ea typeface="微软雅黑" panose="020B0503020204020204" pitchFamily="34" charset="-122"/>
+              </a:rPr>
+              <a:t>项</a:t>
+            </a:r>
+            <a:r>
+              <a:rPr lang="zh-CN" altLang="en-US" sz="1600" dirty="0" smtClean="0">
+                <a:solidFill>
+                  <a:srgbClr val="002B41"/>
+                </a:solidFill>
+                <a:latin typeface="微软雅黑" panose="020B0503020204020204" pitchFamily="34" charset="-122"/>
+                <a:ea typeface="微软雅黑" panose="020B0503020204020204" pitchFamily="34" charset="-122"/>
+              </a:rPr>
+              <a:t>目（月球探测遥操作机器</a:t>
+            </a:r>
+            <a:r>
+              <a:rPr lang="zh-CN" altLang="en-US" sz="1600" dirty="0">
+                <a:solidFill>
+                  <a:srgbClr val="002B41"/>
+                </a:solidFill>
+                <a:latin typeface="微软雅黑" panose="020B0503020204020204" pitchFamily="34" charset="-122"/>
+                <a:ea typeface="微软雅黑" panose="020B0503020204020204" pitchFamily="34" charset="-122"/>
+              </a:rPr>
+              <a:t>人，日本宇宙航空研究开发机</a:t>
+            </a:r>
+            <a:r>
+              <a:rPr lang="zh-CN" altLang="en-US" sz="1600" dirty="0" smtClean="0">
+                <a:solidFill>
+                  <a:srgbClr val="002B41"/>
+                </a:solidFill>
+                <a:latin typeface="微软雅黑" panose="020B0503020204020204" pitchFamily="34" charset="-122"/>
+                <a:ea typeface="微软雅黑" panose="020B0503020204020204" pitchFamily="34" charset="-122"/>
+              </a:rPr>
+              <a:t>构</a:t>
+            </a:r>
+            <a:r>
+              <a:rPr lang="en-US" altLang="zh-CN" sz="1600" dirty="0" smtClean="0">
+                <a:solidFill>
+                  <a:srgbClr val="002B41"/>
+                </a:solidFill>
+                <a:latin typeface="微软雅黑" panose="020B0503020204020204" pitchFamily="34" charset="-122"/>
+                <a:ea typeface="微软雅黑" panose="020B0503020204020204" pitchFamily="34" charset="-122"/>
+              </a:rPr>
+              <a:t>JAXA</a:t>
+            </a:r>
+            <a:r>
+              <a:rPr lang="zh-CN" altLang="en-US" sz="1600" dirty="0" smtClean="0">
+                <a:solidFill>
+                  <a:srgbClr val="002B41"/>
+                </a:solidFill>
+                <a:latin typeface="微软雅黑" panose="020B0503020204020204" pitchFamily="34" charset="-122"/>
+                <a:ea typeface="微软雅黑" panose="020B0503020204020204" pitchFamily="34" charset="-122"/>
+              </a:rPr>
+              <a:t>）</a:t>
+            </a:r>
+            <a:endParaRPr lang="en-US" altLang="zh-CN" sz="2000" dirty="0">
+              <a:solidFill>
+                <a:srgbClr val="002B41"/>
+              </a:solidFill>
+              <a:latin typeface="微软雅黑" panose="020B0503020204020204" pitchFamily="34" charset="-122"/>
+              <a:ea typeface="微软雅黑" panose="020B0503020204020204" pitchFamily="34" charset="-122"/>
+            </a:endParaRPr>
+          </a:p>
+        </p:txBody>
+      </p:sp>
       <p:pic>
         <p:nvPicPr>
-          <p:cNvPr id="6" name="Picture 5"/>
+          <p:cNvPr id="8" name="Picture 7"/>
           <p:cNvPicPr>
             <a:picLocks noChangeAspect="1"/>
           </p:cNvPicPr>
@@ -17855,6 +18330,16 @@
         </p:nvPicPr>
         <p:blipFill>
           <a:blip r:embed="rId2">
+            <a:clrChange>
+              <a:clrFrom>
+                <a:srgbClr val="FEFEFE"/>
+              </a:clrFrom>
+              <a:clrTo>
+                <a:srgbClr val="FEFEFE">
+                  <a:alpha val="0"/>
+                </a:srgbClr>
+              </a:clrTo>
+            </a:clrChange>
             <a:extLst>
               <a:ext uri="{28A0092B-C50C-407E-A947-70E740481C1C}">
                 <a14:useLocalDpi xmlns:a14="http://schemas.microsoft.com/office/drawing/2010/main" val="0"/>
@@ -17867,8 +18352,8 @@
         </p:blipFill>
         <p:spPr>
           <a:xfrm>
-            <a:off x="3943927" y="2010300"/>
-            <a:ext cx="4027055" cy="2679823"/>
+            <a:off x="3894830" y="1344600"/>
+            <a:ext cx="4260880" cy="4285673"/>
           </a:xfrm>
           <a:prstGeom prst="rect">
             <a:avLst/>
@@ -17877,14 +18362,14 @@
       </p:pic>
       <p:sp>
         <p:nvSpPr>
-          <p:cNvPr id="7" name="Rectangle 6"/>
+          <p:cNvPr id="17" name="Rectangle 16"/>
           <p:cNvSpPr/>
           <p:nvPr/>
         </p:nvSpPr>
         <p:spPr>
           <a:xfrm>
-            <a:off x="409433" y="3389581"/>
-            <a:ext cx="3445750" cy="984885"/>
+            <a:off x="7970982" y="237632"/>
+            <a:ext cx="3865417" cy="6740307"/>
           </a:xfrm>
           <a:prstGeom prst="rect">
             <a:avLst/>
@@ -17896,73 +18381,6 @@
           </a:bodyPr>
           <a:lstStyle/>
           <a:p>
-            <a:pPr indent="266700"/>
-            <a:r>
-              <a:rPr lang="zh-CN" altLang="en-US" sz="2400" dirty="0">
-                <a:solidFill>
-                  <a:srgbClr val="002B41"/>
-                </a:solidFill>
-                <a:latin typeface="微软雅黑" panose="020B0503020204020204" pitchFamily="34" charset="-122"/>
-                <a:ea typeface="微软雅黑" panose="020B0503020204020204" pitchFamily="34" charset="-122"/>
-              </a:rPr>
-              <a:t>现有的成熟产品</a:t>
-            </a:r>
-            <a:r>
-              <a:rPr lang="zh-CN" altLang="en-US" sz="2400" dirty="0" smtClean="0">
-                <a:solidFill>
-                  <a:srgbClr val="002B41"/>
-                </a:solidFill>
-                <a:latin typeface="微软雅黑" panose="020B0503020204020204" pitchFamily="34" charset="-122"/>
-                <a:ea typeface="微软雅黑" panose="020B0503020204020204" pitchFamily="34" charset="-122"/>
-              </a:rPr>
-              <a:t>：</a:t>
-            </a:r>
-          </a:p>
-          <a:p>
-            <a:pPr marL="342900" indent="-342900">
-              <a:buFont typeface="Wingdings" panose="05000000000000000000" pitchFamily="2" charset="2"/>
-              <a:buChar char="Ø"/>
-            </a:pPr>
-            <a:r>
-              <a:rPr lang="en-US" altLang="zh-CN" dirty="0" smtClean="0">
-                <a:solidFill>
-                  <a:srgbClr val="002B41"/>
-                </a:solidFill>
-                <a:latin typeface="微软雅黑" panose="020B0503020204020204" pitchFamily="34" charset="-122"/>
-                <a:ea typeface="微软雅黑" panose="020B0503020204020204" pitchFamily="34" charset="-122"/>
-              </a:rPr>
-              <a:t>Double Robotics</a:t>
-            </a:r>
-            <a:r>
-              <a:rPr lang="zh-CN" altLang="en-US" sz="1600" dirty="0">
-                <a:solidFill>
-                  <a:srgbClr val="002B41"/>
-                </a:solidFill>
-                <a:latin typeface="微软雅黑" panose="020B0503020204020204" pitchFamily="34" charset="-122"/>
-                <a:ea typeface="微软雅黑" panose="020B0503020204020204" pitchFamily="34" charset="-122"/>
-              </a:rPr>
-              <a:t>（</a:t>
-            </a:r>
-            <a:r>
-              <a:rPr lang="en-US" altLang="zh-CN" sz="1600" dirty="0">
-                <a:solidFill>
-                  <a:srgbClr val="002B41"/>
-                </a:solidFill>
-                <a:latin typeface="微软雅黑" panose="020B0503020204020204" pitchFamily="34" charset="-122"/>
-                <a:ea typeface="微软雅黑" panose="020B0503020204020204" pitchFamily="34" charset="-122"/>
-              </a:rPr>
-              <a:t>Segway</a:t>
-            </a:r>
-            <a:r>
-              <a:rPr lang="zh-CN" altLang="en-US" sz="1600" dirty="0">
-                <a:solidFill>
-                  <a:srgbClr val="002B41"/>
-                </a:solidFill>
-                <a:latin typeface="微软雅黑" panose="020B0503020204020204" pitchFamily="34" charset="-122"/>
-                <a:ea typeface="微软雅黑" panose="020B0503020204020204" pitchFamily="34" charset="-122"/>
-              </a:rPr>
-              <a:t>式移动装</a:t>
-            </a:r>
             <a:r>
               <a:rPr lang="zh-CN" altLang="en-US" sz="1600" dirty="0" smtClean="0">
                 <a:solidFill>
@@ -17971,29 +18389,49 @@
                 <a:latin typeface="微软雅黑" panose="020B0503020204020204" pitchFamily="34" charset="-122"/>
                 <a:ea typeface="微软雅黑" panose="020B0503020204020204" pitchFamily="34" charset="-122"/>
               </a:rPr>
-              <a:t>置，</a:t>
-            </a:r>
-            <a:r>
-              <a:rPr lang="en-US" altLang="zh-CN" sz="1600" dirty="0" smtClean="0">
-                <a:solidFill>
-                  <a:srgbClr val="002B41"/>
-                </a:solidFill>
-                <a:latin typeface="微软雅黑" panose="020B0503020204020204" pitchFamily="34" charset="-122"/>
-                <a:ea typeface="微软雅黑" panose="020B0503020204020204" pitchFamily="34" charset="-122"/>
-              </a:rPr>
-              <a:t>360°VR</a:t>
-            </a:r>
-            <a:r>
-              <a:rPr lang="zh-CN" altLang="en-US" sz="1600" dirty="0">
-                <a:solidFill>
-                  <a:srgbClr val="002B41"/>
-                </a:solidFill>
-                <a:latin typeface="微软雅黑" panose="020B0503020204020204" pitchFamily="34" charset="-122"/>
-                <a:ea typeface="微软雅黑" panose="020B0503020204020204" pitchFamily="34" charset="-122"/>
-              </a:rPr>
-              <a:t>全景相机）</a:t>
-            </a:r>
-            <a:endParaRPr lang="en-US" altLang="zh-CN" sz="1600" dirty="0">
+              <a:t>       随着现代人经济水平和受教育水平的不断提高，</a:t>
+            </a:r>
+            <a:r>
+              <a:rPr lang="zh-CN" altLang="zh-CN" sz="1600" dirty="0" smtClean="0">
+                <a:solidFill>
+                  <a:srgbClr val="002B41"/>
+                </a:solidFill>
+                <a:latin typeface="微软雅黑" panose="020B0503020204020204" pitchFamily="34" charset="-122"/>
+                <a:ea typeface="微软雅黑" panose="020B0503020204020204" pitchFamily="34" charset="-122"/>
+              </a:rPr>
+              <a:t>科学考察</a:t>
+            </a:r>
+            <a:r>
+              <a:rPr lang="zh-CN" altLang="en-US" sz="1600" dirty="0" smtClean="0">
+                <a:solidFill>
+                  <a:srgbClr val="002B41"/>
+                </a:solidFill>
+                <a:latin typeface="微软雅黑" panose="020B0503020204020204" pitchFamily="34" charset="-122"/>
+                <a:ea typeface="微软雅黑" panose="020B0503020204020204" pitchFamily="34" charset="-122"/>
+              </a:rPr>
+              <a:t>已有从“少数勇者的游戏”迈向普罗大众的趋势。</a:t>
+            </a:r>
+            <a:r>
+              <a:rPr lang="zh-CN" altLang="zh-CN" sz="1600" dirty="0" smtClean="0">
+                <a:solidFill>
+                  <a:srgbClr val="002B41"/>
+                </a:solidFill>
+                <a:latin typeface="微软雅黑" panose="020B0503020204020204" pitchFamily="34" charset="-122"/>
+                <a:ea typeface="微软雅黑" panose="020B0503020204020204" pitchFamily="34" charset="-122"/>
+              </a:rPr>
+              <a:t>但如果方式仅限于传统的实地考察，是远远不够的。譬如说，一名在校大学生听说内蒙古当地的一种常见植物的花具有本地同种植物不具有的表现型，由于强烈的好奇心，希望做一对比研究。就算没有课业所迫和金钱压力，这名大学生能够买车票到内蒙古去实地考察，也要经历路途遥远，时间漫长的不便；如果碰巧这种植物花期短暂，也可能等到到达现场，已经错过。而实际上，大部分在校大学生都没有这样理想的“说走就走”的条件。</a:t>
+            </a:r>
+            <a:r>
+              <a:rPr lang="zh-CN" altLang="en-US" sz="1600" dirty="0" smtClean="0">
+                <a:solidFill>
+                  <a:srgbClr val="002B41"/>
+                </a:solidFill>
+                <a:latin typeface="微软雅黑" panose="020B0503020204020204" pitchFamily="34" charset="-122"/>
+                <a:ea typeface="微软雅黑" panose="020B0503020204020204" pitchFamily="34" charset="-122"/>
+              </a:rPr>
+              <a:t>如果没有阿凡达机器人的帮助，他可能首先需要联系到内蒙古当地的一位助手，再向他描述自己想要找的那种植物，以及希望助手拍摄照片的要求；而一来一回传递信息，亦会造成时间的浪费和信息的丢失。</a:t>
+            </a:r>
+            <a:endParaRPr lang="en-US" altLang="zh-CN" sz="1600" dirty="0" smtClean="0">
               <a:solidFill>
                 <a:srgbClr val="002B41"/>
               </a:solidFill>
@@ -18001,147 +18439,73 @@
               <a:ea typeface="微软雅黑" panose="020B0503020204020204" pitchFamily="34" charset="-122"/>
             </a:endParaRPr>
           </a:p>
-        </p:txBody>
-      </p:sp>
-      <p:sp>
-        <p:nvSpPr>
-          <p:cNvPr id="15" name="TextBox 14"/>
-          <p:cNvSpPr txBox="1"/>
-          <p:nvPr/>
-        </p:nvSpPr>
-        <p:spPr>
-          <a:xfrm>
-            <a:off x="9481272" y="4741086"/>
-            <a:ext cx="845103" cy="369332"/>
-          </a:xfrm>
-          <a:prstGeom prst="rect">
-            <a:avLst/>
-          </a:prstGeom>
-          <a:noFill/>
-        </p:spPr>
-        <p:txBody>
-          <a:bodyPr wrap="none" rtlCol="0">
-            <a:spAutoFit/>
-          </a:bodyPr>
-          <a:lstStyle/>
-          <a:p>
-            <a:r>
-              <a:rPr lang="en-US" altLang="zh-CN" dirty="0" smtClean="0">
-                <a:solidFill>
-                  <a:srgbClr val="FF0000"/>
-                </a:solidFill>
-                <a:latin typeface="微软雅黑" panose="020B0503020204020204" pitchFamily="34" charset="-122"/>
-                <a:ea typeface="微软雅黑" panose="020B0503020204020204" pitchFamily="34" charset="-122"/>
-              </a:rPr>
-              <a:t>//</a:t>
-            </a:r>
-            <a:r>
-              <a:rPr lang="zh-CN" altLang="en-US" dirty="0">
-                <a:solidFill>
-                  <a:srgbClr val="FF0000"/>
-                </a:solidFill>
-                <a:latin typeface="微软雅黑" panose="020B0503020204020204" pitchFamily="34" charset="-122"/>
-                <a:ea typeface="微软雅黑" panose="020B0503020204020204" pitchFamily="34" charset="-122"/>
-              </a:rPr>
-              <a:t>文字</a:t>
-            </a:r>
-          </a:p>
-        </p:txBody>
-      </p:sp>
-      <p:sp>
-        <p:nvSpPr>
-          <p:cNvPr id="16" name="TextBox 15"/>
-          <p:cNvSpPr txBox="1"/>
-          <p:nvPr/>
-        </p:nvSpPr>
-        <p:spPr>
-          <a:xfrm>
-            <a:off x="9481273" y="1008455"/>
-            <a:ext cx="845103" cy="369332"/>
-          </a:xfrm>
-          <a:prstGeom prst="rect">
-            <a:avLst/>
-          </a:prstGeom>
-          <a:noFill/>
-        </p:spPr>
-        <p:txBody>
-          <a:bodyPr wrap="none" rtlCol="0">
-            <a:spAutoFit/>
-          </a:bodyPr>
-          <a:lstStyle/>
-          <a:p>
-            <a:r>
-              <a:rPr lang="en-US" altLang="zh-CN" dirty="0" smtClean="0">
-                <a:solidFill>
-                  <a:srgbClr val="FF0000"/>
-                </a:solidFill>
-                <a:latin typeface="微软雅黑" panose="020B0503020204020204" pitchFamily="34" charset="-122"/>
-                <a:ea typeface="微软雅黑" panose="020B0503020204020204" pitchFamily="34" charset="-122"/>
-              </a:rPr>
-              <a:t>//</a:t>
-            </a:r>
-            <a:r>
-              <a:rPr lang="zh-CN" altLang="en-US" dirty="0">
-                <a:solidFill>
-                  <a:srgbClr val="FF0000"/>
-                </a:solidFill>
-                <a:latin typeface="微软雅黑" panose="020B0503020204020204" pitchFamily="34" charset="-122"/>
-                <a:ea typeface="微软雅黑" panose="020B0503020204020204" pitchFamily="34" charset="-122"/>
-              </a:rPr>
-              <a:t>文字</a:t>
-            </a:r>
-          </a:p>
-        </p:txBody>
-      </p:sp>
-      <p:sp>
-        <p:nvSpPr>
-          <p:cNvPr id="18" name="TextBox 17"/>
-          <p:cNvSpPr txBox="1"/>
-          <p:nvPr/>
-        </p:nvSpPr>
-        <p:spPr>
-          <a:xfrm>
-            <a:off x="1842800" y="4869010"/>
-            <a:ext cx="845103" cy="369332"/>
-          </a:xfrm>
-          <a:prstGeom prst="rect">
-            <a:avLst/>
-          </a:prstGeom>
-          <a:noFill/>
-        </p:spPr>
-        <p:txBody>
-          <a:bodyPr wrap="none" rtlCol="0">
-            <a:spAutoFit/>
-          </a:bodyPr>
-          <a:lstStyle/>
-          <a:p>
-            <a:r>
-              <a:rPr lang="en-US" altLang="zh-CN" dirty="0" smtClean="0">
-                <a:solidFill>
-                  <a:srgbClr val="FF0000"/>
-                </a:solidFill>
-                <a:latin typeface="微软雅黑" panose="020B0503020204020204" pitchFamily="34" charset="-122"/>
-                <a:ea typeface="微软雅黑" panose="020B0503020204020204" pitchFamily="34" charset="-122"/>
-              </a:rPr>
-              <a:t>//</a:t>
-            </a:r>
-            <a:r>
-              <a:rPr lang="zh-CN" altLang="en-US" dirty="0">
-                <a:solidFill>
-                  <a:srgbClr val="FF0000"/>
-                </a:solidFill>
-                <a:latin typeface="微软雅黑" panose="020B0503020204020204" pitchFamily="34" charset="-122"/>
-                <a:ea typeface="微软雅黑" panose="020B0503020204020204" pitchFamily="34" charset="-122"/>
-              </a:rPr>
-              <a:t>文字</a:t>
-            </a:r>
+          <a:p>
+            <a:r>
+              <a:rPr lang="en-US" altLang="zh-CN" sz="1600" dirty="0" smtClean="0">
+                <a:solidFill>
+                  <a:srgbClr val="002B41"/>
+                </a:solidFill>
+                <a:latin typeface="微软雅黑" panose="020B0503020204020204" pitchFamily="34" charset="-122"/>
+                <a:ea typeface="微软雅黑" panose="020B0503020204020204" pitchFamily="34" charset="-122"/>
+              </a:rPr>
+              <a:t>       </a:t>
+            </a:r>
+            <a:r>
+              <a:rPr lang="zh-CN" altLang="zh-CN" sz="1600" dirty="0" smtClean="0">
+                <a:solidFill>
+                  <a:srgbClr val="002B41"/>
+                </a:solidFill>
+                <a:latin typeface="微软雅黑" panose="020B0503020204020204" pitchFamily="34" charset="-122"/>
+                <a:ea typeface="微软雅黑" panose="020B0503020204020204" pitchFamily="34" charset="-122"/>
+              </a:rPr>
+              <a:t>如</a:t>
+            </a:r>
+            <a:r>
+              <a:rPr lang="zh-CN" altLang="zh-CN" sz="1600" dirty="0">
+                <a:solidFill>
+                  <a:srgbClr val="002B41"/>
+                </a:solidFill>
+                <a:latin typeface="微软雅黑" panose="020B0503020204020204" pitchFamily="34" charset="-122"/>
+                <a:ea typeface="微软雅黑" panose="020B0503020204020204" pitchFamily="34" charset="-122"/>
+              </a:rPr>
+              <a:t>果在内蒙古当地事先有一</a:t>
+            </a:r>
+            <a:r>
+              <a:rPr lang="zh-CN" altLang="zh-CN" sz="1600" dirty="0" smtClean="0">
+                <a:solidFill>
+                  <a:srgbClr val="002B41"/>
+                </a:solidFill>
+                <a:latin typeface="微软雅黑" panose="020B0503020204020204" pitchFamily="34" charset="-122"/>
+                <a:ea typeface="微软雅黑" panose="020B0503020204020204" pitchFamily="34" charset="-122"/>
+              </a:rPr>
+              <a:t>个“</a:t>
+            </a:r>
+            <a:r>
+              <a:rPr lang="zh-CN" altLang="zh-CN" sz="1600" dirty="0">
+                <a:solidFill>
+                  <a:srgbClr val="002B41"/>
+                </a:solidFill>
+                <a:latin typeface="微软雅黑" panose="020B0503020204020204" pitchFamily="34" charset="-122"/>
+                <a:ea typeface="微软雅黑" panose="020B0503020204020204" pitchFamily="34" charset="-122"/>
+              </a:rPr>
+              <a:t>阿凡达机器人”，大学生就可以在居住地自由地操作它，从寻找植物到采样观察，全部由自己独立完成，完全不需任何额外延迟。这样，每个对科学感兴趣的学生，都可以用极低的成本到全世界任何地方进行科学考察，来完成自己的课题。</a:t>
+            </a:r>
+          </a:p>
+          <a:p>
+            <a:endParaRPr lang="zh-CN" altLang="zh-CN" sz="1600" dirty="0">
+              <a:solidFill>
+                <a:srgbClr val="002B41"/>
+              </a:solidFill>
+              <a:latin typeface="微软雅黑" panose="020B0503020204020204" pitchFamily="34" charset="-122"/>
+              <a:ea typeface="微软雅黑" panose="020B0503020204020204" pitchFamily="34" charset="-122"/>
+            </a:endParaRPr>
           </a:p>
         </p:txBody>
       </p:sp>
     </p:spTree>
     <p:extLst>
       <p:ext uri="{BB962C8B-B14F-4D97-AF65-F5344CB8AC3E}">
-        <p14:creationId xmlns:p14="http://schemas.microsoft.com/office/powerpoint/2010/main" val="3739482710"/>
+        <p14:creationId xmlns:p14="http://schemas.microsoft.com/office/powerpoint/2010/main" val="1320825193"/>
       </p:ext>
     </p:extLst>
   </p:cSld>
@@ -18177,7 +18541,7 @@
         <p:spPr>
           <a:xfrm>
             <a:off x="498177" y="119023"/>
-            <a:ext cx="4415696" cy="400110"/>
+            <a:ext cx="4297971" cy="400110"/>
           </a:xfrm>
           <a:prstGeom prst="rect">
             <a:avLst/>
@@ -18221,6 +18585,16 @@
               <a:t>现状 </a:t>
             </a:r>
             <a:r>
+              <a:rPr lang="en-US" altLang="zh-CN" sz="2000" dirty="0">
+                <a:solidFill>
+                  <a:srgbClr val="002B41"/>
+                </a:solidFill>
+                <a:latin typeface="微软雅黑" panose="020B0503020204020204" pitchFamily="34" charset="-122"/>
+                <a:ea typeface="微软雅黑" panose="020B0503020204020204" pitchFamily="34" charset="-122"/>
+              </a:rPr>
+              <a:t>-</a:t>
+            </a:r>
+            <a:r>
               <a:rPr lang="en-US" altLang="zh-CN" sz="2000" dirty="0" smtClean="0">
                 <a:solidFill>
                   <a:srgbClr val="002B41"/>
@@ -18228,7 +18602,7 @@
                 <a:latin typeface="微软雅黑" panose="020B0503020204020204" pitchFamily="34" charset="-122"/>
                 <a:ea typeface="微软雅黑" panose="020B0503020204020204" pitchFamily="34" charset="-122"/>
               </a:rPr>
-              <a:t>– </a:t>
+              <a:t> </a:t>
             </a:r>
             <a:r>
               <a:rPr lang="zh-CN" altLang="en-US" sz="2000" dirty="0" smtClean="0">
@@ -18238,7 +18612,7 @@
                 <a:latin typeface="微软雅黑" panose="020B0503020204020204" pitchFamily="34" charset="-122"/>
                 <a:ea typeface="微软雅黑" panose="020B0503020204020204" pitchFamily="34" charset="-122"/>
               </a:rPr>
-              <a:t>技术分析</a:t>
+              <a:t>市场分析</a:t>
             </a:r>
             <a:endParaRPr lang="zh-CN" altLang="en-US" sz="2000" dirty="0">
               <a:solidFill>
@@ -18410,6 +18784,822 @@
             <a:fld id="{9C0BAE56-5081-45C8-9882-C35F39B69EBE}" type="slidenum">
               <a:rPr lang="zh-CN" altLang="en-US" smtClean="0"/>
               <a:t>23</a:t>
+            </a:fld>
+            <a:endParaRPr lang="zh-CN" altLang="en-US" dirty="0"/>
+          </a:p>
+        </p:txBody>
+      </p:sp>
+      <p:sp>
+        <p:nvSpPr>
+          <p:cNvPr id="32" name="椭圆 1"/>
+          <p:cNvSpPr>
+            <a:spLocks noChangeArrowheads="1"/>
+          </p:cNvSpPr>
+          <p:nvPr/>
+        </p:nvSpPr>
+        <p:spPr bwMode="auto">
+          <a:xfrm>
+            <a:off x="1433981" y="829206"/>
+            <a:ext cx="1574142" cy="727831"/>
+          </a:xfrm>
+          <a:prstGeom prst="roundRect">
+            <a:avLst/>
+          </a:prstGeom>
+          <a:solidFill>
+            <a:srgbClr val="002B41"/>
+          </a:solidFill>
+          <a:ln w="28575">
+            <a:noFill/>
+          </a:ln>
+          <a:effectLst>
+            <a:outerShdw blurRad="254000" dist="127000" dir="2700000" algn="tl" rotWithShape="0">
+              <a:prstClr val="black">
+                <a:alpha val="40000"/>
+              </a:prstClr>
+            </a:outerShdw>
+          </a:effectLst>
+        </p:spPr>
+        <p:txBody>
+          <a:bodyPr anchor="ctr"/>
+          <a:lstStyle>
+            <a:lvl1pPr eaLnBrk="0" hangingPunct="0">
+              <a:defRPr>
+                <a:solidFill>
+                  <a:schemeClr val="tx1"/>
+                </a:solidFill>
+                <a:latin typeface="Calibri" panose="020F0502020204030204" pitchFamily="34" charset="0"/>
+                <a:ea typeface="宋体" panose="02010600030101010101" pitchFamily="2" charset="-122"/>
+              </a:defRPr>
+            </a:lvl1pPr>
+            <a:lvl2pPr marL="742950" indent="-285750" eaLnBrk="0" hangingPunct="0">
+              <a:defRPr>
+                <a:solidFill>
+                  <a:schemeClr val="tx1"/>
+                </a:solidFill>
+                <a:latin typeface="Calibri" panose="020F0502020204030204" pitchFamily="34" charset="0"/>
+                <a:ea typeface="宋体" panose="02010600030101010101" pitchFamily="2" charset="-122"/>
+              </a:defRPr>
+            </a:lvl2pPr>
+            <a:lvl3pPr marL="1143000" indent="-228600" eaLnBrk="0" hangingPunct="0">
+              <a:defRPr>
+                <a:solidFill>
+                  <a:schemeClr val="tx1"/>
+                </a:solidFill>
+                <a:latin typeface="Calibri" panose="020F0502020204030204" pitchFamily="34" charset="0"/>
+                <a:ea typeface="宋体" panose="02010600030101010101" pitchFamily="2" charset="-122"/>
+              </a:defRPr>
+            </a:lvl3pPr>
+            <a:lvl4pPr marL="1600200" indent="-228600" eaLnBrk="0" hangingPunct="0">
+              <a:defRPr>
+                <a:solidFill>
+                  <a:schemeClr val="tx1"/>
+                </a:solidFill>
+                <a:latin typeface="Calibri" panose="020F0502020204030204" pitchFamily="34" charset="0"/>
+                <a:ea typeface="宋体" panose="02010600030101010101" pitchFamily="2" charset="-122"/>
+              </a:defRPr>
+            </a:lvl4pPr>
+            <a:lvl5pPr marL="2057400" indent="-228600" eaLnBrk="0" hangingPunct="0">
+              <a:defRPr>
+                <a:solidFill>
+                  <a:schemeClr val="tx1"/>
+                </a:solidFill>
+                <a:latin typeface="Calibri" panose="020F0502020204030204" pitchFamily="34" charset="0"/>
+                <a:ea typeface="宋体" panose="02010600030101010101" pitchFamily="2" charset="-122"/>
+              </a:defRPr>
+            </a:lvl5pPr>
+            <a:lvl6pPr marL="2514600" indent="-228600" eaLnBrk="0" fontAlgn="base" hangingPunct="0">
+              <a:spcBef>
+                <a:spcPct val="0"/>
+              </a:spcBef>
+              <a:spcAft>
+                <a:spcPct val="0"/>
+              </a:spcAft>
+              <a:buFont typeface="Arial" panose="020B0604020202020204" pitchFamily="34" charset="0"/>
+              <a:defRPr>
+                <a:solidFill>
+                  <a:schemeClr val="tx1"/>
+                </a:solidFill>
+                <a:latin typeface="Calibri" panose="020F0502020204030204" pitchFamily="34" charset="0"/>
+                <a:ea typeface="宋体" panose="02010600030101010101" pitchFamily="2" charset="-122"/>
+              </a:defRPr>
+            </a:lvl6pPr>
+            <a:lvl7pPr marL="2971800" indent="-228600" eaLnBrk="0" fontAlgn="base" hangingPunct="0">
+              <a:spcBef>
+                <a:spcPct val="0"/>
+              </a:spcBef>
+              <a:spcAft>
+                <a:spcPct val="0"/>
+              </a:spcAft>
+              <a:buFont typeface="Arial" panose="020B0604020202020204" pitchFamily="34" charset="0"/>
+              <a:defRPr>
+                <a:solidFill>
+                  <a:schemeClr val="tx1"/>
+                </a:solidFill>
+                <a:latin typeface="Calibri" panose="020F0502020204030204" pitchFamily="34" charset="0"/>
+                <a:ea typeface="宋体" panose="02010600030101010101" pitchFamily="2" charset="-122"/>
+              </a:defRPr>
+            </a:lvl7pPr>
+            <a:lvl8pPr marL="3429000" indent="-228600" eaLnBrk="0" fontAlgn="base" hangingPunct="0">
+              <a:spcBef>
+                <a:spcPct val="0"/>
+              </a:spcBef>
+              <a:spcAft>
+                <a:spcPct val="0"/>
+              </a:spcAft>
+              <a:buFont typeface="Arial" panose="020B0604020202020204" pitchFamily="34" charset="0"/>
+              <a:defRPr>
+                <a:solidFill>
+                  <a:schemeClr val="tx1"/>
+                </a:solidFill>
+                <a:latin typeface="Calibri" panose="020F0502020204030204" pitchFamily="34" charset="0"/>
+                <a:ea typeface="宋体" panose="02010600030101010101" pitchFamily="2" charset="-122"/>
+              </a:defRPr>
+            </a:lvl8pPr>
+            <a:lvl9pPr marL="3886200" indent="-228600" eaLnBrk="0" fontAlgn="base" hangingPunct="0">
+              <a:spcBef>
+                <a:spcPct val="0"/>
+              </a:spcBef>
+              <a:spcAft>
+                <a:spcPct val="0"/>
+              </a:spcAft>
+              <a:buFont typeface="Arial" panose="020B0604020202020204" pitchFamily="34" charset="0"/>
+              <a:defRPr>
+                <a:solidFill>
+                  <a:schemeClr val="tx1"/>
+                </a:solidFill>
+                <a:latin typeface="Calibri" panose="020F0502020204030204" pitchFamily="34" charset="0"/>
+                <a:ea typeface="宋体" panose="02010600030101010101" pitchFamily="2" charset="-122"/>
+              </a:defRPr>
+            </a:lvl9pPr>
+          </a:lstStyle>
+          <a:p>
+            <a:pPr algn="ctr" eaLnBrk="1" hangingPunct="1"/>
+            <a:r>
+              <a:rPr lang="zh-CN" altLang="en-US" sz="2000" b="1" dirty="0" smtClean="0">
+                <a:solidFill>
+                  <a:schemeClr val="bg1"/>
+                </a:solidFill>
+                <a:latin typeface="微软雅黑" panose="020B0503020204020204" pitchFamily="34" charset="-122"/>
+                <a:ea typeface="微软雅黑" panose="020B0503020204020204" pitchFamily="34" charset="-122"/>
+              </a:rPr>
+              <a:t>远程旅游</a:t>
+            </a:r>
+            <a:endParaRPr lang="zh-CN" altLang="en-US" sz="2000" dirty="0">
+              <a:solidFill>
+                <a:schemeClr val="bg1"/>
+              </a:solidFill>
+              <a:latin typeface="微软雅黑" panose="020B0503020204020204" pitchFamily="34" charset="-122"/>
+              <a:ea typeface="微软雅黑" panose="020B0503020204020204" pitchFamily="34" charset="-122"/>
+            </a:endParaRPr>
+          </a:p>
+        </p:txBody>
+      </p:sp>
+      <p:sp>
+        <p:nvSpPr>
+          <p:cNvPr id="3" name="Rectangle 2"/>
+          <p:cNvSpPr/>
+          <p:nvPr/>
+        </p:nvSpPr>
+        <p:spPr>
+          <a:xfrm>
+            <a:off x="498177" y="1853460"/>
+            <a:ext cx="3445750" cy="1200329"/>
+          </a:xfrm>
+          <a:prstGeom prst="rect">
+            <a:avLst/>
+          </a:prstGeom>
+        </p:spPr>
+        <p:txBody>
+          <a:bodyPr wrap="square">
+            <a:spAutoFit/>
+          </a:bodyPr>
+          <a:lstStyle/>
+          <a:p>
+            <a:r>
+              <a:rPr lang="zh-CN" altLang="en-US" dirty="0" smtClean="0">
+                <a:solidFill>
+                  <a:srgbClr val="002B41"/>
+                </a:solidFill>
+                <a:latin typeface="楷体" panose="02010609060101010101" pitchFamily="49" charset="-122"/>
+                <a:ea typeface="楷体" panose="02010609060101010101" pitchFamily="49" charset="-122"/>
+              </a:rPr>
+              <a:t>“未来</a:t>
+            </a:r>
+            <a:r>
+              <a:rPr lang="zh-CN" altLang="en-US" dirty="0">
+                <a:solidFill>
+                  <a:srgbClr val="002B41"/>
+                </a:solidFill>
+                <a:latin typeface="楷体" panose="02010609060101010101" pitchFamily="49" charset="-122"/>
+                <a:ea typeface="楷体" panose="02010609060101010101" pitchFamily="49" charset="-122"/>
+              </a:rPr>
+              <a:t>，旅游可能变得像读书一样随性：你有时间可以任性把书一天读完，没时间也可</a:t>
+            </a:r>
+            <a:r>
+              <a:rPr lang="zh-CN" altLang="en-US" dirty="0" smtClean="0">
+                <a:solidFill>
+                  <a:srgbClr val="002B41"/>
+                </a:solidFill>
+                <a:latin typeface="楷体" panose="02010609060101010101" pitchFamily="49" charset="-122"/>
+                <a:ea typeface="楷体" panose="02010609060101010101" pitchFamily="49" charset="-122"/>
+              </a:rPr>
+              <a:t>以每</a:t>
+            </a:r>
+            <a:r>
+              <a:rPr lang="zh-CN" altLang="en-US" dirty="0">
+                <a:solidFill>
+                  <a:srgbClr val="002B41"/>
+                </a:solidFill>
+                <a:latin typeface="楷体" panose="02010609060101010101" pitchFamily="49" charset="-122"/>
+                <a:ea typeface="楷体" panose="02010609060101010101" pitchFamily="49" charset="-122"/>
+              </a:rPr>
+              <a:t>天抽空读两页</a:t>
+            </a:r>
+            <a:r>
+              <a:rPr lang="zh-CN" altLang="en-US" dirty="0" smtClean="0">
+                <a:solidFill>
+                  <a:srgbClr val="002B41"/>
+                </a:solidFill>
+                <a:latin typeface="楷体" panose="02010609060101010101" pitchFamily="49" charset="-122"/>
+                <a:ea typeface="楷体" panose="02010609060101010101" pitchFamily="49" charset="-122"/>
+              </a:rPr>
+              <a:t>。”</a:t>
+            </a:r>
+            <a:endParaRPr lang="en-US" altLang="zh-CN" dirty="0" smtClean="0">
+              <a:solidFill>
+                <a:srgbClr val="002B41"/>
+              </a:solidFill>
+              <a:latin typeface="楷体" panose="02010609060101010101" pitchFamily="49" charset="-122"/>
+              <a:ea typeface="楷体" panose="02010609060101010101" pitchFamily="49" charset="-122"/>
+            </a:endParaRPr>
+          </a:p>
+        </p:txBody>
+      </p:sp>
+      <p:pic>
+        <p:nvPicPr>
+          <p:cNvPr id="6" name="Picture 5"/>
+          <p:cNvPicPr>
+            <a:picLocks noChangeAspect="1"/>
+          </p:cNvPicPr>
+          <p:nvPr/>
+        </p:nvPicPr>
+        <p:blipFill>
+          <a:blip r:embed="rId2">
+            <a:extLst>
+              <a:ext uri="{28A0092B-C50C-407E-A947-70E740481C1C}">
+                <a14:useLocalDpi xmlns:a14="http://schemas.microsoft.com/office/drawing/2010/main" val="0"/>
+              </a:ext>
+            </a:extLst>
+          </a:blip>
+          <a:stretch>
+            <a:fillRect/>
+          </a:stretch>
+        </p:blipFill>
+        <p:spPr>
+          <a:xfrm>
+            <a:off x="3943927" y="2010300"/>
+            <a:ext cx="4027055" cy="2679823"/>
+          </a:xfrm>
+          <a:prstGeom prst="rect">
+            <a:avLst/>
+          </a:prstGeom>
+        </p:spPr>
+      </p:pic>
+      <p:sp>
+        <p:nvSpPr>
+          <p:cNvPr id="7" name="Rectangle 6"/>
+          <p:cNvSpPr/>
+          <p:nvPr/>
+        </p:nvSpPr>
+        <p:spPr>
+          <a:xfrm>
+            <a:off x="409433" y="3389581"/>
+            <a:ext cx="3445750" cy="984885"/>
+          </a:xfrm>
+          <a:prstGeom prst="rect">
+            <a:avLst/>
+          </a:prstGeom>
+        </p:spPr>
+        <p:txBody>
+          <a:bodyPr wrap="square">
+            <a:spAutoFit/>
+          </a:bodyPr>
+          <a:lstStyle/>
+          <a:p>
+            <a:pPr indent="266700"/>
+            <a:r>
+              <a:rPr lang="zh-CN" altLang="en-US" sz="2400" dirty="0">
+                <a:solidFill>
+                  <a:srgbClr val="002B41"/>
+                </a:solidFill>
+                <a:latin typeface="微软雅黑" panose="020B0503020204020204" pitchFamily="34" charset="-122"/>
+                <a:ea typeface="微软雅黑" panose="020B0503020204020204" pitchFamily="34" charset="-122"/>
+              </a:rPr>
+              <a:t>现有的成熟产品</a:t>
+            </a:r>
+            <a:r>
+              <a:rPr lang="zh-CN" altLang="en-US" sz="2400" dirty="0" smtClean="0">
+                <a:solidFill>
+                  <a:srgbClr val="002B41"/>
+                </a:solidFill>
+                <a:latin typeface="微软雅黑" panose="020B0503020204020204" pitchFamily="34" charset="-122"/>
+                <a:ea typeface="微软雅黑" panose="020B0503020204020204" pitchFamily="34" charset="-122"/>
+              </a:rPr>
+              <a:t>：</a:t>
+            </a:r>
+          </a:p>
+          <a:p>
+            <a:pPr marL="342900" indent="-342900">
+              <a:buFont typeface="Wingdings" panose="05000000000000000000" pitchFamily="2" charset="2"/>
+              <a:buChar char="Ø"/>
+            </a:pPr>
+            <a:r>
+              <a:rPr lang="en-US" altLang="zh-CN" dirty="0" smtClean="0">
+                <a:solidFill>
+                  <a:srgbClr val="002B41"/>
+                </a:solidFill>
+                <a:latin typeface="微软雅黑" panose="020B0503020204020204" pitchFamily="34" charset="-122"/>
+                <a:ea typeface="微软雅黑" panose="020B0503020204020204" pitchFamily="34" charset="-122"/>
+              </a:rPr>
+              <a:t>Double Robotics</a:t>
+            </a:r>
+            <a:r>
+              <a:rPr lang="zh-CN" altLang="en-US" sz="1600" dirty="0">
+                <a:solidFill>
+                  <a:srgbClr val="002B41"/>
+                </a:solidFill>
+                <a:latin typeface="微软雅黑" panose="020B0503020204020204" pitchFamily="34" charset="-122"/>
+                <a:ea typeface="微软雅黑" panose="020B0503020204020204" pitchFamily="34" charset="-122"/>
+              </a:rPr>
+              <a:t>（</a:t>
+            </a:r>
+            <a:r>
+              <a:rPr lang="en-US" altLang="zh-CN" sz="1600" dirty="0">
+                <a:solidFill>
+                  <a:srgbClr val="002B41"/>
+                </a:solidFill>
+                <a:latin typeface="微软雅黑" panose="020B0503020204020204" pitchFamily="34" charset="-122"/>
+                <a:ea typeface="微软雅黑" panose="020B0503020204020204" pitchFamily="34" charset="-122"/>
+              </a:rPr>
+              <a:t>Segway</a:t>
+            </a:r>
+            <a:r>
+              <a:rPr lang="zh-CN" altLang="en-US" sz="1600" dirty="0">
+                <a:solidFill>
+                  <a:srgbClr val="002B41"/>
+                </a:solidFill>
+                <a:latin typeface="微软雅黑" panose="020B0503020204020204" pitchFamily="34" charset="-122"/>
+                <a:ea typeface="微软雅黑" panose="020B0503020204020204" pitchFamily="34" charset="-122"/>
+              </a:rPr>
+              <a:t>式移动装</a:t>
+            </a:r>
+            <a:r>
+              <a:rPr lang="zh-CN" altLang="en-US" sz="1600" dirty="0" smtClean="0">
+                <a:solidFill>
+                  <a:srgbClr val="002B41"/>
+                </a:solidFill>
+                <a:latin typeface="微软雅黑" panose="020B0503020204020204" pitchFamily="34" charset="-122"/>
+                <a:ea typeface="微软雅黑" panose="020B0503020204020204" pitchFamily="34" charset="-122"/>
+              </a:rPr>
+              <a:t>置，</a:t>
+            </a:r>
+            <a:r>
+              <a:rPr lang="en-US" altLang="zh-CN" sz="1600" dirty="0" smtClean="0">
+                <a:solidFill>
+                  <a:srgbClr val="002B41"/>
+                </a:solidFill>
+                <a:latin typeface="微软雅黑" panose="020B0503020204020204" pitchFamily="34" charset="-122"/>
+                <a:ea typeface="微软雅黑" panose="020B0503020204020204" pitchFamily="34" charset="-122"/>
+              </a:rPr>
+              <a:t>360°VR</a:t>
+            </a:r>
+            <a:r>
+              <a:rPr lang="zh-CN" altLang="en-US" sz="1600" dirty="0">
+                <a:solidFill>
+                  <a:srgbClr val="002B41"/>
+                </a:solidFill>
+                <a:latin typeface="微软雅黑" panose="020B0503020204020204" pitchFamily="34" charset="-122"/>
+                <a:ea typeface="微软雅黑" panose="020B0503020204020204" pitchFamily="34" charset="-122"/>
+              </a:rPr>
+              <a:t>全景相机）</a:t>
+            </a:r>
+            <a:endParaRPr lang="en-US" altLang="zh-CN" sz="1600" dirty="0">
+              <a:solidFill>
+                <a:srgbClr val="002B41"/>
+              </a:solidFill>
+              <a:latin typeface="微软雅黑" panose="020B0503020204020204" pitchFamily="34" charset="-122"/>
+              <a:ea typeface="微软雅黑" panose="020B0503020204020204" pitchFamily="34" charset="-122"/>
+            </a:endParaRPr>
+          </a:p>
+        </p:txBody>
+      </p:sp>
+      <p:sp>
+        <p:nvSpPr>
+          <p:cNvPr id="15" name="TextBox 14"/>
+          <p:cNvSpPr txBox="1"/>
+          <p:nvPr/>
+        </p:nvSpPr>
+        <p:spPr>
+          <a:xfrm>
+            <a:off x="9481272" y="4741086"/>
+            <a:ext cx="845103" cy="369332"/>
+          </a:xfrm>
+          <a:prstGeom prst="rect">
+            <a:avLst/>
+          </a:prstGeom>
+          <a:noFill/>
+        </p:spPr>
+        <p:txBody>
+          <a:bodyPr wrap="none" rtlCol="0">
+            <a:spAutoFit/>
+          </a:bodyPr>
+          <a:lstStyle/>
+          <a:p>
+            <a:r>
+              <a:rPr lang="en-US" altLang="zh-CN" dirty="0" smtClean="0">
+                <a:solidFill>
+                  <a:srgbClr val="FF0000"/>
+                </a:solidFill>
+                <a:latin typeface="微软雅黑" panose="020B0503020204020204" pitchFamily="34" charset="-122"/>
+                <a:ea typeface="微软雅黑" panose="020B0503020204020204" pitchFamily="34" charset="-122"/>
+              </a:rPr>
+              <a:t>//</a:t>
+            </a:r>
+            <a:r>
+              <a:rPr lang="zh-CN" altLang="en-US" dirty="0">
+                <a:solidFill>
+                  <a:srgbClr val="FF0000"/>
+                </a:solidFill>
+                <a:latin typeface="微软雅黑" panose="020B0503020204020204" pitchFamily="34" charset="-122"/>
+                <a:ea typeface="微软雅黑" panose="020B0503020204020204" pitchFamily="34" charset="-122"/>
+              </a:rPr>
+              <a:t>文字</a:t>
+            </a:r>
+          </a:p>
+        </p:txBody>
+      </p:sp>
+      <p:sp>
+        <p:nvSpPr>
+          <p:cNvPr id="16" name="TextBox 15"/>
+          <p:cNvSpPr txBox="1"/>
+          <p:nvPr/>
+        </p:nvSpPr>
+        <p:spPr>
+          <a:xfrm>
+            <a:off x="9481273" y="1008455"/>
+            <a:ext cx="845103" cy="369332"/>
+          </a:xfrm>
+          <a:prstGeom prst="rect">
+            <a:avLst/>
+          </a:prstGeom>
+          <a:noFill/>
+        </p:spPr>
+        <p:txBody>
+          <a:bodyPr wrap="none" rtlCol="0">
+            <a:spAutoFit/>
+          </a:bodyPr>
+          <a:lstStyle/>
+          <a:p>
+            <a:r>
+              <a:rPr lang="en-US" altLang="zh-CN" dirty="0" smtClean="0">
+                <a:solidFill>
+                  <a:srgbClr val="FF0000"/>
+                </a:solidFill>
+                <a:latin typeface="微软雅黑" panose="020B0503020204020204" pitchFamily="34" charset="-122"/>
+                <a:ea typeface="微软雅黑" panose="020B0503020204020204" pitchFamily="34" charset="-122"/>
+              </a:rPr>
+              <a:t>//</a:t>
+            </a:r>
+            <a:r>
+              <a:rPr lang="zh-CN" altLang="en-US" dirty="0">
+                <a:solidFill>
+                  <a:srgbClr val="FF0000"/>
+                </a:solidFill>
+                <a:latin typeface="微软雅黑" panose="020B0503020204020204" pitchFamily="34" charset="-122"/>
+                <a:ea typeface="微软雅黑" panose="020B0503020204020204" pitchFamily="34" charset="-122"/>
+              </a:rPr>
+              <a:t>文字</a:t>
+            </a:r>
+          </a:p>
+        </p:txBody>
+      </p:sp>
+      <p:sp>
+        <p:nvSpPr>
+          <p:cNvPr id="18" name="TextBox 17"/>
+          <p:cNvSpPr txBox="1"/>
+          <p:nvPr/>
+        </p:nvSpPr>
+        <p:spPr>
+          <a:xfrm>
+            <a:off x="1842800" y="4869010"/>
+            <a:ext cx="845103" cy="369332"/>
+          </a:xfrm>
+          <a:prstGeom prst="rect">
+            <a:avLst/>
+          </a:prstGeom>
+          <a:noFill/>
+        </p:spPr>
+        <p:txBody>
+          <a:bodyPr wrap="none" rtlCol="0">
+            <a:spAutoFit/>
+          </a:bodyPr>
+          <a:lstStyle/>
+          <a:p>
+            <a:r>
+              <a:rPr lang="en-US" altLang="zh-CN" dirty="0" smtClean="0">
+                <a:solidFill>
+                  <a:srgbClr val="FF0000"/>
+                </a:solidFill>
+                <a:latin typeface="微软雅黑" panose="020B0503020204020204" pitchFamily="34" charset="-122"/>
+                <a:ea typeface="微软雅黑" panose="020B0503020204020204" pitchFamily="34" charset="-122"/>
+              </a:rPr>
+              <a:t>//</a:t>
+            </a:r>
+            <a:r>
+              <a:rPr lang="zh-CN" altLang="en-US" dirty="0">
+                <a:solidFill>
+                  <a:srgbClr val="FF0000"/>
+                </a:solidFill>
+                <a:latin typeface="微软雅黑" panose="020B0503020204020204" pitchFamily="34" charset="-122"/>
+                <a:ea typeface="微软雅黑" panose="020B0503020204020204" pitchFamily="34" charset="-122"/>
+              </a:rPr>
+              <a:t>文字</a:t>
+            </a:r>
+          </a:p>
+        </p:txBody>
+      </p:sp>
+    </p:spTree>
+    <p:extLst>
+      <p:ext uri="{BB962C8B-B14F-4D97-AF65-F5344CB8AC3E}">
+        <p14:creationId xmlns:p14="http://schemas.microsoft.com/office/powerpoint/2010/main" val="3739482710"/>
+      </p:ext>
+    </p:extLst>
+  </p:cSld>
+  <p:clrMapOvr>
+    <a:masterClrMapping/>
+  </p:clrMapOvr>
+</p:sld>
+</file>
+
+<file path=ppt/slides/slide24.xml><?xml version="1.0" encoding="utf-8"?>
+<p:sld xmlns:a="http://schemas.openxmlformats.org/drawingml/2006/main" xmlns:r="http://schemas.openxmlformats.org/officeDocument/2006/relationships" xmlns:p="http://schemas.openxmlformats.org/presentationml/2006/main">
+  <p:cSld>
+    <p:spTree>
+      <p:nvGrpSpPr>
+        <p:cNvPr id="1" name=""/>
+        <p:cNvGrpSpPr/>
+        <p:nvPr/>
+      </p:nvGrpSpPr>
+      <p:grpSpPr>
+        <a:xfrm>
+          <a:off x="0" y="0"/>
+          <a:ext cx="0" cy="0"/>
+          <a:chOff x="0" y="0"/>
+          <a:chExt cx="0" cy="0"/>
+        </a:xfrm>
+      </p:grpSpPr>
+      <p:sp>
+        <p:nvSpPr>
+          <p:cNvPr id="19" name="TextBox 76"/>
+          <p:cNvSpPr txBox="1"/>
+          <p:nvPr/>
+        </p:nvSpPr>
+        <p:spPr>
+          <a:xfrm>
+            <a:off x="498177" y="119023"/>
+            <a:ext cx="4415696" cy="400110"/>
+          </a:xfrm>
+          <a:prstGeom prst="rect">
+            <a:avLst/>
+          </a:prstGeom>
+          <a:noFill/>
+        </p:spPr>
+        <p:txBody>
+          <a:bodyPr wrap="none" rtlCol="0">
+            <a:spAutoFit/>
+          </a:bodyPr>
+          <a:lstStyle/>
+          <a:p>
+            <a:r>
+              <a:rPr lang="zh-CN" altLang="en-US" sz="2000" dirty="0" smtClean="0">
+                <a:solidFill>
+                  <a:srgbClr val="002B41"/>
+                </a:solidFill>
+                <a:latin typeface="微软雅黑" panose="020B0503020204020204" pitchFamily="34" charset="-122"/>
+                <a:ea typeface="微软雅黑" panose="020B0503020204020204" pitchFamily="34" charset="-122"/>
+              </a:rPr>
+              <a:t>未来阿凡达机器人 </a:t>
+            </a:r>
+            <a:r>
+              <a:rPr lang="en-US" altLang="zh-CN" sz="2000" dirty="0" smtClean="0">
+                <a:solidFill>
+                  <a:srgbClr val="002B41"/>
+                </a:solidFill>
+                <a:latin typeface="微软雅黑" panose="020B0503020204020204" pitchFamily="34" charset="-122"/>
+                <a:ea typeface="微软雅黑" panose="020B0503020204020204" pitchFamily="34" charset="-122"/>
+              </a:rPr>
+              <a:t>- </a:t>
+            </a:r>
+            <a:r>
+              <a:rPr lang="zh-CN" altLang="en-US" sz="2000" dirty="0" smtClean="0">
+                <a:solidFill>
+                  <a:srgbClr val="002B41"/>
+                </a:solidFill>
+                <a:latin typeface="微软雅黑" panose="020B0503020204020204" pitchFamily="34" charset="-122"/>
+                <a:ea typeface="微软雅黑" panose="020B0503020204020204" pitchFamily="34" charset="-122"/>
+              </a:rPr>
+              <a:t>现状 </a:t>
+            </a:r>
+            <a:r>
+              <a:rPr lang="en-US" altLang="zh-CN" sz="2000" dirty="0" smtClean="0">
+                <a:solidFill>
+                  <a:srgbClr val="002B41"/>
+                </a:solidFill>
+                <a:latin typeface="微软雅黑" panose="020B0503020204020204" pitchFamily="34" charset="-122"/>
+                <a:ea typeface="微软雅黑" panose="020B0503020204020204" pitchFamily="34" charset="-122"/>
+              </a:rPr>
+              <a:t>– </a:t>
+            </a:r>
+            <a:r>
+              <a:rPr lang="zh-CN" altLang="en-US" sz="2000" dirty="0" smtClean="0">
+                <a:solidFill>
+                  <a:srgbClr val="002B41"/>
+                </a:solidFill>
+                <a:latin typeface="微软雅黑" panose="020B0503020204020204" pitchFamily="34" charset="-122"/>
+                <a:ea typeface="微软雅黑" panose="020B0503020204020204" pitchFamily="34" charset="-122"/>
+              </a:rPr>
+              <a:t>技术分析</a:t>
+            </a:r>
+            <a:endParaRPr lang="zh-CN" altLang="en-US" sz="2000" dirty="0">
+              <a:solidFill>
+                <a:srgbClr val="002B41"/>
+              </a:solidFill>
+              <a:latin typeface="微软雅黑" panose="020B0503020204020204" pitchFamily="34" charset="-122"/>
+              <a:ea typeface="微软雅黑" panose="020B0503020204020204" pitchFamily="34" charset="-122"/>
+            </a:endParaRPr>
+          </a:p>
+        </p:txBody>
+      </p:sp>
+      <p:sp>
+        <p:nvSpPr>
+          <p:cNvPr id="20" name="Freeform 5"/>
+          <p:cNvSpPr/>
+          <p:nvPr/>
+        </p:nvSpPr>
+        <p:spPr bwMode="auto">
+          <a:xfrm flipH="1">
+            <a:off x="0" y="-13281"/>
+            <a:ext cx="409433" cy="832147"/>
+          </a:xfrm>
+          <a:custGeom>
+            <a:avLst/>
+            <a:gdLst>
+              <a:gd name="T0" fmla="*/ 1462 w 2332"/>
+              <a:gd name="T1" fmla="*/ 0 h 3907"/>
+              <a:gd name="T2" fmla="*/ 2332 w 2332"/>
+              <a:gd name="T3" fmla="*/ 0 h 3907"/>
+              <a:gd name="T4" fmla="*/ 2332 w 2332"/>
+              <a:gd name="T5" fmla="*/ 3907 h 3907"/>
+              <a:gd name="T6" fmla="*/ 0 w 2332"/>
+              <a:gd name="T7" fmla="*/ 2595 h 3907"/>
+              <a:gd name="T8" fmla="*/ 1462 w 2332"/>
+              <a:gd name="T9" fmla="*/ 0 h 3907"/>
+            </a:gdLst>
+            <a:ahLst/>
+            <a:cxnLst>
+              <a:cxn ang="0">
+                <a:pos x="T0" y="T1"/>
+              </a:cxn>
+              <a:cxn ang="0">
+                <a:pos x="T2" y="T3"/>
+              </a:cxn>
+              <a:cxn ang="0">
+                <a:pos x="T4" y="T5"/>
+              </a:cxn>
+              <a:cxn ang="0">
+                <a:pos x="T6" y="T7"/>
+              </a:cxn>
+              <a:cxn ang="0">
+                <a:pos x="T8" y="T9"/>
+              </a:cxn>
+            </a:cxnLst>
+            <a:rect l="0" t="0" r="r" b="b"/>
+            <a:pathLst>
+              <a:path w="2332" h="3907">
+                <a:moveTo>
+                  <a:pt x="1462" y="0"/>
+                </a:moveTo>
+                <a:lnTo>
+                  <a:pt x="2332" y="0"/>
+                </a:lnTo>
+                <a:lnTo>
+                  <a:pt x="2332" y="3907"/>
+                </a:lnTo>
+                <a:lnTo>
+                  <a:pt x="0" y="2595"/>
+                </a:lnTo>
+                <a:lnTo>
+                  <a:pt x="1462" y="0"/>
+                </a:lnTo>
+                <a:close/>
+              </a:path>
+            </a:pathLst>
+          </a:custGeom>
+          <a:solidFill>
+            <a:srgbClr val="002B41"/>
+          </a:solidFill>
+          <a:ln w="28575">
+            <a:noFill/>
+          </a:ln>
+          <a:effectLst>
+            <a:outerShdw blurRad="254000" dist="127000" dir="2700000" algn="tl" rotWithShape="0">
+              <a:prstClr val="black">
+                <a:alpha val="40000"/>
+              </a:prstClr>
+            </a:outerShdw>
+          </a:effectLst>
+        </p:spPr>
+        <p:txBody>
+          <a:bodyPr anchor="ctr"/>
+          <a:lstStyle/>
+          <a:p>
+            <a:pPr algn="ctr"/>
+            <a:endParaRPr lang="zh-CN" altLang="en-US" sz="2000">
+              <a:solidFill>
+                <a:schemeClr val="bg1">
+                  <a:lumMod val="95000"/>
+                </a:schemeClr>
+              </a:solidFill>
+              <a:latin typeface="Calibri" panose="020F0502020204030204" pitchFamily="34" charset="0"/>
+              <a:ea typeface="宋体" panose="02010600030101010101" pitchFamily="2" charset="-122"/>
+            </a:endParaRPr>
+          </a:p>
+        </p:txBody>
+      </p:sp>
+      <p:sp>
+        <p:nvSpPr>
+          <p:cNvPr id="21" name="Line 17"/>
+          <p:cNvSpPr>
+            <a:spLocks noChangeShapeType="1"/>
+          </p:cNvSpPr>
+          <p:nvPr/>
+        </p:nvSpPr>
+        <p:spPr bwMode="auto">
+          <a:xfrm>
+            <a:off x="204717" y="532782"/>
+            <a:ext cx="4940489" cy="0"/>
+          </a:xfrm>
+          <a:prstGeom prst="line">
+            <a:avLst/>
+          </a:prstGeom>
+          <a:noFill/>
+          <a:ln w="7938" cap="flat">
+            <a:solidFill>
+              <a:srgbClr val="002B41"/>
+            </a:solidFill>
+            <a:prstDash val="solid"/>
+            <a:miter lim="800000"/>
+          </a:ln>
+          <a:extLst>
+            <a:ext uri="{909E8E84-426E-40DD-AFC4-6F175D3DCCD1}">
+              <a14:hiddenFill xmlns:a14="http://schemas.microsoft.com/office/drawing/2010/main">
+                <a:noFill/>
+              </a14:hiddenFill>
+            </a:ext>
+          </a:extLst>
+        </p:spPr>
+        <p:txBody>
+          <a:bodyPr vert="horz" wrap="square" lIns="91440" tIns="45720" rIns="91440" bIns="45720" numCol="1" anchor="t" anchorCtr="0" compatLnSpc="1"/>
+          <a:lstStyle/>
+          <a:p>
+            <a:endParaRPr lang="zh-CN" altLang="en-US">
+              <a:solidFill>
+                <a:schemeClr val="bg1">
+                  <a:lumMod val="95000"/>
+                </a:schemeClr>
+              </a:solidFill>
+            </a:endParaRPr>
+          </a:p>
+        </p:txBody>
+      </p:sp>
+      <p:sp>
+        <p:nvSpPr>
+          <p:cNvPr id="2" name="Slide Number Placeholder 1"/>
+          <p:cNvSpPr>
+            <a:spLocks noGrp="1"/>
+          </p:cNvSpPr>
+          <p:nvPr>
+            <p:ph type="sldNum" sz="quarter" idx="12"/>
+          </p:nvPr>
+        </p:nvSpPr>
+        <p:spPr/>
+        <p:txBody>
+          <a:bodyPr/>
+          <a:lstStyle/>
+          <a:p>
+            <a:fld id="{9C0BAE56-5081-45C8-9882-C35F39B69EBE}" type="slidenum">
+              <a:rPr lang="zh-CN" altLang="en-US" smtClean="0"/>
+              <a:t>24</a:t>
             </a:fld>
             <a:endParaRPr lang="zh-CN" altLang="en-US" dirty="0"/>
           </a:p>
@@ -19850,7 +21040,7 @@
 </p:sld>
 </file>
 
-<file path=ppt/slides/slide24.xml><?xml version="1.0" encoding="utf-8"?>
+<file path=ppt/slides/slide25.xml><?xml version="1.0" encoding="utf-8"?>
 <p:sld xmlns:a="http://schemas.openxmlformats.org/drawingml/2006/main" xmlns:r="http://schemas.openxmlformats.org/officeDocument/2006/relationships" xmlns:p="http://schemas.openxmlformats.org/presentationml/2006/main">
   <p:cSld>
     <p:spTree>
@@ -20108,7 +21298,7 @@
           <a:p>
             <a:fld id="{9C0BAE56-5081-45C8-9882-C35F39B69EBE}" type="slidenum">
               <a:rPr lang="zh-CN" altLang="en-US" smtClean="0"/>
-              <a:t>24</a:t>
+              <a:t>25</a:t>
             </a:fld>
             <a:endParaRPr lang="zh-CN" altLang="en-US" dirty="0"/>
           </a:p>
@@ -20466,7 +21656,7 @@
 </p:sld>
 </file>
 
-<file path=ppt/slides/slide25.xml><?xml version="1.0" encoding="utf-8"?>
+<file path=ppt/slides/slide26.xml><?xml version="1.0" encoding="utf-8"?>
 <p:sld xmlns:a="http://schemas.openxmlformats.org/drawingml/2006/main" xmlns:r="http://schemas.openxmlformats.org/officeDocument/2006/relationships" xmlns:p="http://schemas.openxmlformats.org/presentationml/2006/main">
   <p:cSld>
     <p:spTree>
@@ -20724,7 +21914,7 @@
           <a:p>
             <a:fld id="{9C0BAE56-5081-45C8-9882-C35F39B69EBE}" type="slidenum">
               <a:rPr lang="zh-CN" altLang="en-US" smtClean="0"/>
-              <a:t>25</a:t>
+              <a:t>26</a:t>
             </a:fld>
             <a:endParaRPr lang="zh-CN" altLang="en-US" dirty="0"/>
           </a:p>
@@ -21515,7 +22705,7 @@
 </p:sld>
 </file>
 
-<file path=ppt/slides/slide26.xml><?xml version="1.0" encoding="utf-8"?>
+<file path=ppt/slides/slide27.xml><?xml version="1.0" encoding="utf-8"?>
 <p:sld xmlns:a="http://schemas.openxmlformats.org/drawingml/2006/main" xmlns:r="http://schemas.openxmlformats.org/officeDocument/2006/relationships" xmlns:p="http://schemas.openxmlformats.org/presentationml/2006/main">
   <p:cSld>
     <p:spTree>
@@ -21938,7 +23128,7 @@
           <a:p>
             <a:fld id="{9C0BAE56-5081-45C8-9882-C35F39B69EBE}" type="slidenum">
               <a:rPr lang="zh-CN" altLang="en-US" smtClean="0"/>
-              <a:t>26</a:t>
+              <a:t>27</a:t>
             </a:fld>
             <a:endParaRPr lang="zh-CN" altLang="en-US" dirty="0"/>
           </a:p>
@@ -22424,7 +23614,7 @@
 </p:sld>
 </file>
 
-<file path=ppt/slides/slide27.xml><?xml version="1.0" encoding="utf-8"?>
+<file path=ppt/slides/slide28.xml><?xml version="1.0" encoding="utf-8"?>
 <p:sld xmlns:a="http://schemas.openxmlformats.org/drawingml/2006/main" xmlns:r="http://schemas.openxmlformats.org/officeDocument/2006/relationships" xmlns:p="http://schemas.openxmlformats.org/presentationml/2006/main">
   <p:cSld>
     <p:spTree>
@@ -22682,7 +23872,7 @@
           <a:p>
             <a:fld id="{9C0BAE56-5081-45C8-9882-C35F39B69EBE}" type="slidenum">
               <a:rPr lang="zh-CN" altLang="en-US" smtClean="0"/>
-              <a:t>27</a:t>
+              <a:t>28</a:t>
             </a:fld>
             <a:endParaRPr lang="zh-CN" altLang="en-US" dirty="0"/>
           </a:p>
@@ -24093,7 +25283,7 @@
 </p:sld>
 </file>
 
-<file path=ppt/slides/slide28.xml><?xml version="1.0" encoding="utf-8"?>
+<file path=ppt/slides/slide29.xml><?xml version="1.0" encoding="utf-8"?>
 <p:sld xmlns:a="http://schemas.openxmlformats.org/drawingml/2006/main" xmlns:r="http://schemas.openxmlformats.org/officeDocument/2006/relationships" xmlns:p="http://schemas.openxmlformats.org/presentationml/2006/main">
   <p:cSld>
     <p:spTree>
@@ -24351,7 +25541,7 @@
           <a:p>
             <a:fld id="{9C0BAE56-5081-45C8-9882-C35F39B69EBE}" type="slidenum">
               <a:rPr lang="zh-CN" altLang="en-US" smtClean="0"/>
-              <a:t>28</a:t>
+              <a:t>29</a:t>
             </a:fld>
             <a:endParaRPr lang="zh-CN" altLang="en-US" dirty="0"/>
           </a:p>
@@ -25419,1404 +26609,6 @@
   <p:clrMapOvr>
     <a:masterClrMapping/>
   </p:clrMapOvr>
-</p:sld>
-</file>
-
-<file path=ppt/slides/slide29.xml><?xml version="1.0" encoding="utf-8"?>
-<p:sld xmlns:a="http://schemas.openxmlformats.org/drawingml/2006/main" xmlns:r="http://schemas.openxmlformats.org/officeDocument/2006/relationships" xmlns:p="http://schemas.openxmlformats.org/presentationml/2006/main">
-  <p:cSld>
-    <p:spTree>
-      <p:nvGrpSpPr>
-        <p:cNvPr id="1" name=""/>
-        <p:cNvGrpSpPr/>
-        <p:nvPr/>
-      </p:nvGrpSpPr>
-      <p:grpSpPr>
-        <a:xfrm>
-          <a:off x="0" y="0"/>
-          <a:ext cx="0" cy="0"/>
-          <a:chOff x="0" y="0"/>
-          <a:chExt cx="0" cy="0"/>
-        </a:xfrm>
-      </p:grpSpPr>
-      <p:sp>
-        <p:nvSpPr>
-          <p:cNvPr id="19" name="TextBox 76"/>
-          <p:cNvSpPr txBox="1"/>
-          <p:nvPr/>
-        </p:nvSpPr>
-        <p:spPr>
-          <a:xfrm>
-            <a:off x="498177" y="119023"/>
-            <a:ext cx="4415696" cy="400110"/>
-          </a:xfrm>
-          <a:prstGeom prst="rect">
-            <a:avLst/>
-          </a:prstGeom>
-          <a:noFill/>
-        </p:spPr>
-        <p:txBody>
-          <a:bodyPr wrap="none" rtlCol="0">
-            <a:spAutoFit/>
-          </a:bodyPr>
-          <a:lstStyle/>
-          <a:p>
-            <a:r>
-              <a:rPr lang="zh-CN" altLang="en-US" sz="2000" dirty="0" smtClean="0">
-                <a:solidFill>
-                  <a:srgbClr val="002B41"/>
-                </a:solidFill>
-                <a:latin typeface="微软雅黑" panose="020B0503020204020204" pitchFamily="34" charset="-122"/>
-                <a:ea typeface="微软雅黑" panose="020B0503020204020204" pitchFamily="34" charset="-122"/>
-              </a:rPr>
-              <a:t>未来阿凡达机器人 </a:t>
-            </a:r>
-            <a:r>
-              <a:rPr lang="en-US" altLang="zh-CN" sz="2000" dirty="0" smtClean="0">
-                <a:solidFill>
-                  <a:srgbClr val="002B41"/>
-                </a:solidFill>
-                <a:latin typeface="微软雅黑" panose="020B0503020204020204" pitchFamily="34" charset="-122"/>
-                <a:ea typeface="微软雅黑" panose="020B0503020204020204" pitchFamily="34" charset="-122"/>
-              </a:rPr>
-              <a:t>- </a:t>
-            </a:r>
-            <a:r>
-              <a:rPr lang="zh-CN" altLang="en-US" sz="2000" dirty="0" smtClean="0">
-                <a:solidFill>
-                  <a:srgbClr val="002B41"/>
-                </a:solidFill>
-                <a:latin typeface="微软雅黑" panose="020B0503020204020204" pitchFamily="34" charset="-122"/>
-                <a:ea typeface="微软雅黑" panose="020B0503020204020204" pitchFamily="34" charset="-122"/>
-              </a:rPr>
-              <a:t>现状 </a:t>
-            </a:r>
-            <a:r>
-              <a:rPr lang="en-US" altLang="zh-CN" sz="2000" dirty="0" smtClean="0">
-                <a:solidFill>
-                  <a:srgbClr val="002B41"/>
-                </a:solidFill>
-                <a:latin typeface="微软雅黑" panose="020B0503020204020204" pitchFamily="34" charset="-122"/>
-                <a:ea typeface="微软雅黑" panose="020B0503020204020204" pitchFamily="34" charset="-122"/>
-              </a:rPr>
-              <a:t>– </a:t>
-            </a:r>
-            <a:r>
-              <a:rPr lang="zh-CN" altLang="en-US" sz="2000" dirty="0" smtClean="0">
-                <a:solidFill>
-                  <a:srgbClr val="002B41"/>
-                </a:solidFill>
-                <a:latin typeface="微软雅黑" panose="020B0503020204020204" pitchFamily="34" charset="-122"/>
-                <a:ea typeface="微软雅黑" panose="020B0503020204020204" pitchFamily="34" charset="-122"/>
-              </a:rPr>
-              <a:t>技术分析</a:t>
-            </a:r>
-            <a:endParaRPr lang="zh-CN" altLang="en-US" sz="2000" dirty="0">
-              <a:solidFill>
-                <a:srgbClr val="002B41"/>
-              </a:solidFill>
-              <a:latin typeface="微软雅黑" panose="020B0503020204020204" pitchFamily="34" charset="-122"/>
-              <a:ea typeface="微软雅黑" panose="020B0503020204020204" pitchFamily="34" charset="-122"/>
-            </a:endParaRPr>
-          </a:p>
-        </p:txBody>
-      </p:sp>
-      <p:sp>
-        <p:nvSpPr>
-          <p:cNvPr id="20" name="Freeform 5"/>
-          <p:cNvSpPr/>
-          <p:nvPr/>
-        </p:nvSpPr>
-        <p:spPr bwMode="auto">
-          <a:xfrm flipH="1">
-            <a:off x="0" y="-13281"/>
-            <a:ext cx="409433" cy="832147"/>
-          </a:xfrm>
-          <a:custGeom>
-            <a:avLst/>
-            <a:gdLst>
-              <a:gd name="T0" fmla="*/ 1462 w 2332"/>
-              <a:gd name="T1" fmla="*/ 0 h 3907"/>
-              <a:gd name="T2" fmla="*/ 2332 w 2332"/>
-              <a:gd name="T3" fmla="*/ 0 h 3907"/>
-              <a:gd name="T4" fmla="*/ 2332 w 2332"/>
-              <a:gd name="T5" fmla="*/ 3907 h 3907"/>
-              <a:gd name="T6" fmla="*/ 0 w 2332"/>
-              <a:gd name="T7" fmla="*/ 2595 h 3907"/>
-              <a:gd name="T8" fmla="*/ 1462 w 2332"/>
-              <a:gd name="T9" fmla="*/ 0 h 3907"/>
-            </a:gdLst>
-            <a:ahLst/>
-            <a:cxnLst>
-              <a:cxn ang="0">
-                <a:pos x="T0" y="T1"/>
-              </a:cxn>
-              <a:cxn ang="0">
-                <a:pos x="T2" y="T3"/>
-              </a:cxn>
-              <a:cxn ang="0">
-                <a:pos x="T4" y="T5"/>
-              </a:cxn>
-              <a:cxn ang="0">
-                <a:pos x="T6" y="T7"/>
-              </a:cxn>
-              <a:cxn ang="0">
-                <a:pos x="T8" y="T9"/>
-              </a:cxn>
-            </a:cxnLst>
-            <a:rect l="0" t="0" r="r" b="b"/>
-            <a:pathLst>
-              <a:path w="2332" h="3907">
-                <a:moveTo>
-                  <a:pt x="1462" y="0"/>
-                </a:moveTo>
-                <a:lnTo>
-                  <a:pt x="2332" y="0"/>
-                </a:lnTo>
-                <a:lnTo>
-                  <a:pt x="2332" y="3907"/>
-                </a:lnTo>
-                <a:lnTo>
-                  <a:pt x="0" y="2595"/>
-                </a:lnTo>
-                <a:lnTo>
-                  <a:pt x="1462" y="0"/>
-                </a:lnTo>
-                <a:close/>
-              </a:path>
-            </a:pathLst>
-          </a:custGeom>
-          <a:solidFill>
-            <a:srgbClr val="002B41"/>
-          </a:solidFill>
-          <a:ln w="28575">
-            <a:noFill/>
-          </a:ln>
-          <a:effectLst>
-            <a:outerShdw blurRad="254000" dist="127000" dir="2700000" algn="tl" rotWithShape="0">
-              <a:prstClr val="black">
-                <a:alpha val="40000"/>
-              </a:prstClr>
-            </a:outerShdw>
-          </a:effectLst>
-        </p:spPr>
-        <p:txBody>
-          <a:bodyPr anchor="ctr"/>
-          <a:lstStyle/>
-          <a:p>
-            <a:pPr algn="ctr"/>
-            <a:endParaRPr lang="zh-CN" altLang="en-US" sz="2000">
-              <a:solidFill>
-                <a:schemeClr val="bg1">
-                  <a:lumMod val="95000"/>
-                </a:schemeClr>
-              </a:solidFill>
-              <a:latin typeface="Calibri" panose="020F0502020204030204" pitchFamily="34" charset="0"/>
-              <a:ea typeface="宋体" panose="02010600030101010101" pitchFamily="2" charset="-122"/>
-            </a:endParaRPr>
-          </a:p>
-        </p:txBody>
-      </p:sp>
-      <p:sp>
-        <p:nvSpPr>
-          <p:cNvPr id="21" name="Line 17"/>
-          <p:cNvSpPr>
-            <a:spLocks noChangeShapeType="1"/>
-          </p:cNvSpPr>
-          <p:nvPr/>
-        </p:nvSpPr>
-        <p:spPr bwMode="auto">
-          <a:xfrm>
-            <a:off x="204717" y="532782"/>
-            <a:ext cx="4940489" cy="0"/>
-          </a:xfrm>
-          <a:prstGeom prst="line">
-            <a:avLst/>
-          </a:prstGeom>
-          <a:noFill/>
-          <a:ln w="7938" cap="flat">
-            <a:solidFill>
-              <a:srgbClr val="002B41"/>
-            </a:solidFill>
-            <a:prstDash val="solid"/>
-            <a:miter lim="800000"/>
-          </a:ln>
-          <a:extLst>
-            <a:ext uri="{909E8E84-426E-40DD-AFC4-6F175D3DCCD1}">
-              <a14:hiddenFill xmlns:a14="http://schemas.microsoft.com/office/drawing/2010/main">
-                <a:noFill/>
-              </a14:hiddenFill>
-            </a:ext>
-          </a:extLst>
-        </p:spPr>
-        <p:txBody>
-          <a:bodyPr vert="horz" wrap="square" lIns="91440" tIns="45720" rIns="91440" bIns="45720" numCol="1" anchor="t" anchorCtr="0" compatLnSpc="1"/>
-          <a:lstStyle/>
-          <a:p>
-            <a:endParaRPr lang="zh-CN" altLang="en-US">
-              <a:solidFill>
-                <a:schemeClr val="bg1">
-                  <a:lumMod val="95000"/>
-                </a:schemeClr>
-              </a:solidFill>
-            </a:endParaRPr>
-          </a:p>
-        </p:txBody>
-      </p:sp>
-      <p:sp>
-        <p:nvSpPr>
-          <p:cNvPr id="2" name="Slide Number Placeholder 1"/>
-          <p:cNvSpPr>
-            <a:spLocks noGrp="1"/>
-          </p:cNvSpPr>
-          <p:nvPr>
-            <p:ph type="sldNum" sz="quarter" idx="12"/>
-          </p:nvPr>
-        </p:nvSpPr>
-        <p:spPr/>
-        <p:txBody>
-          <a:bodyPr/>
-          <a:lstStyle/>
-          <a:p>
-            <a:fld id="{9C0BAE56-5081-45C8-9882-C35F39B69EBE}" type="slidenum">
-              <a:rPr lang="zh-CN" altLang="en-US" smtClean="0"/>
-              <a:t>29</a:t>
-            </a:fld>
-            <a:endParaRPr lang="zh-CN" altLang="en-US" dirty="0"/>
-          </a:p>
-        </p:txBody>
-      </p:sp>
-      <p:sp>
-        <p:nvSpPr>
-          <p:cNvPr id="32" name="椭圆 1"/>
-          <p:cNvSpPr>
-            <a:spLocks noChangeArrowheads="1"/>
-          </p:cNvSpPr>
-          <p:nvPr/>
-        </p:nvSpPr>
-        <p:spPr bwMode="auto">
-          <a:xfrm>
-            <a:off x="1433981" y="829206"/>
-            <a:ext cx="1574142" cy="727831"/>
-          </a:xfrm>
-          <a:prstGeom prst="roundRect">
-            <a:avLst/>
-          </a:prstGeom>
-          <a:solidFill>
-            <a:srgbClr val="002B41"/>
-          </a:solidFill>
-          <a:ln w="28575">
-            <a:noFill/>
-          </a:ln>
-          <a:effectLst>
-            <a:outerShdw blurRad="254000" dist="127000" dir="2700000" algn="tl" rotWithShape="0">
-              <a:prstClr val="black">
-                <a:alpha val="40000"/>
-              </a:prstClr>
-            </a:outerShdw>
-          </a:effectLst>
-        </p:spPr>
-        <p:txBody>
-          <a:bodyPr anchor="ctr"/>
-          <a:lstStyle>
-            <a:lvl1pPr eaLnBrk="0" hangingPunct="0">
-              <a:defRPr>
-                <a:solidFill>
-                  <a:schemeClr val="tx1"/>
-                </a:solidFill>
-                <a:latin typeface="Calibri" panose="020F0502020204030204" pitchFamily="34" charset="0"/>
-                <a:ea typeface="宋体" panose="02010600030101010101" pitchFamily="2" charset="-122"/>
-              </a:defRPr>
-            </a:lvl1pPr>
-            <a:lvl2pPr marL="742950" indent="-285750" eaLnBrk="0" hangingPunct="0">
-              <a:defRPr>
-                <a:solidFill>
-                  <a:schemeClr val="tx1"/>
-                </a:solidFill>
-                <a:latin typeface="Calibri" panose="020F0502020204030204" pitchFamily="34" charset="0"/>
-                <a:ea typeface="宋体" panose="02010600030101010101" pitchFamily="2" charset="-122"/>
-              </a:defRPr>
-            </a:lvl2pPr>
-            <a:lvl3pPr marL="1143000" indent="-228600" eaLnBrk="0" hangingPunct="0">
-              <a:defRPr>
-                <a:solidFill>
-                  <a:schemeClr val="tx1"/>
-                </a:solidFill>
-                <a:latin typeface="Calibri" panose="020F0502020204030204" pitchFamily="34" charset="0"/>
-                <a:ea typeface="宋体" panose="02010600030101010101" pitchFamily="2" charset="-122"/>
-              </a:defRPr>
-            </a:lvl3pPr>
-            <a:lvl4pPr marL="1600200" indent="-228600" eaLnBrk="0" hangingPunct="0">
-              <a:defRPr>
-                <a:solidFill>
-                  <a:schemeClr val="tx1"/>
-                </a:solidFill>
-                <a:latin typeface="Calibri" panose="020F0502020204030204" pitchFamily="34" charset="0"/>
-                <a:ea typeface="宋体" panose="02010600030101010101" pitchFamily="2" charset="-122"/>
-              </a:defRPr>
-            </a:lvl4pPr>
-            <a:lvl5pPr marL="2057400" indent="-228600" eaLnBrk="0" hangingPunct="0">
-              <a:defRPr>
-                <a:solidFill>
-                  <a:schemeClr val="tx1"/>
-                </a:solidFill>
-                <a:latin typeface="Calibri" panose="020F0502020204030204" pitchFamily="34" charset="0"/>
-                <a:ea typeface="宋体" panose="02010600030101010101" pitchFamily="2" charset="-122"/>
-              </a:defRPr>
-            </a:lvl5pPr>
-            <a:lvl6pPr marL="2514600" indent="-228600" eaLnBrk="0" fontAlgn="base" hangingPunct="0">
-              <a:spcBef>
-                <a:spcPct val="0"/>
-              </a:spcBef>
-              <a:spcAft>
-                <a:spcPct val="0"/>
-              </a:spcAft>
-              <a:buFont typeface="Arial" panose="020B0604020202020204" pitchFamily="34" charset="0"/>
-              <a:defRPr>
-                <a:solidFill>
-                  <a:schemeClr val="tx1"/>
-                </a:solidFill>
-                <a:latin typeface="Calibri" panose="020F0502020204030204" pitchFamily="34" charset="0"/>
-                <a:ea typeface="宋体" panose="02010600030101010101" pitchFamily="2" charset="-122"/>
-              </a:defRPr>
-            </a:lvl6pPr>
-            <a:lvl7pPr marL="2971800" indent="-228600" eaLnBrk="0" fontAlgn="base" hangingPunct="0">
-              <a:spcBef>
-                <a:spcPct val="0"/>
-              </a:spcBef>
-              <a:spcAft>
-                <a:spcPct val="0"/>
-              </a:spcAft>
-              <a:buFont typeface="Arial" panose="020B0604020202020204" pitchFamily="34" charset="0"/>
-              <a:defRPr>
-                <a:solidFill>
-                  <a:schemeClr val="tx1"/>
-                </a:solidFill>
-                <a:latin typeface="Calibri" panose="020F0502020204030204" pitchFamily="34" charset="0"/>
-                <a:ea typeface="宋体" panose="02010600030101010101" pitchFamily="2" charset="-122"/>
-              </a:defRPr>
-            </a:lvl7pPr>
-            <a:lvl8pPr marL="3429000" indent="-228600" eaLnBrk="0" fontAlgn="base" hangingPunct="0">
-              <a:spcBef>
-                <a:spcPct val="0"/>
-              </a:spcBef>
-              <a:spcAft>
-                <a:spcPct val="0"/>
-              </a:spcAft>
-              <a:buFont typeface="Arial" panose="020B0604020202020204" pitchFamily="34" charset="0"/>
-              <a:defRPr>
-                <a:solidFill>
-                  <a:schemeClr val="tx1"/>
-                </a:solidFill>
-                <a:latin typeface="Calibri" panose="020F0502020204030204" pitchFamily="34" charset="0"/>
-                <a:ea typeface="宋体" panose="02010600030101010101" pitchFamily="2" charset="-122"/>
-              </a:defRPr>
-            </a:lvl8pPr>
-            <a:lvl9pPr marL="3886200" indent="-228600" eaLnBrk="0" fontAlgn="base" hangingPunct="0">
-              <a:spcBef>
-                <a:spcPct val="0"/>
-              </a:spcBef>
-              <a:spcAft>
-                <a:spcPct val="0"/>
-              </a:spcAft>
-              <a:buFont typeface="Arial" panose="020B0604020202020204" pitchFamily="34" charset="0"/>
-              <a:defRPr>
-                <a:solidFill>
-                  <a:schemeClr val="tx1"/>
-                </a:solidFill>
-                <a:latin typeface="Calibri" panose="020F0502020204030204" pitchFamily="34" charset="0"/>
-                <a:ea typeface="宋体" panose="02010600030101010101" pitchFamily="2" charset="-122"/>
-              </a:defRPr>
-            </a:lvl9pPr>
-          </a:lstStyle>
-          <a:p>
-            <a:pPr algn="ctr" eaLnBrk="1" hangingPunct="1"/>
-            <a:r>
-              <a:rPr lang="en-US" altLang="zh-CN" sz="2000" b="1" dirty="0" smtClean="0">
-                <a:solidFill>
-                  <a:schemeClr val="bg1"/>
-                </a:solidFill>
-                <a:latin typeface="微软雅黑" panose="020B0503020204020204" pitchFamily="34" charset="-122"/>
-                <a:ea typeface="微软雅黑" panose="020B0503020204020204" pitchFamily="34" charset="-122"/>
-              </a:rPr>
-              <a:t>VR</a:t>
-            </a:r>
-            <a:r>
-              <a:rPr lang="zh-CN" altLang="en-US" sz="2000" b="1" dirty="0" smtClean="0">
-                <a:solidFill>
-                  <a:schemeClr val="bg1"/>
-                </a:solidFill>
-                <a:latin typeface="微软雅黑" panose="020B0503020204020204" pitchFamily="34" charset="-122"/>
-                <a:ea typeface="微软雅黑" panose="020B0503020204020204" pitchFamily="34" charset="-122"/>
-              </a:rPr>
-              <a:t>反馈</a:t>
-            </a:r>
-            <a:endParaRPr lang="zh-CN" altLang="en-US" sz="2000" dirty="0">
-              <a:solidFill>
-                <a:schemeClr val="bg1"/>
-              </a:solidFill>
-              <a:latin typeface="微软雅黑" panose="020B0503020204020204" pitchFamily="34" charset="-122"/>
-              <a:ea typeface="微软雅黑" panose="020B0503020204020204" pitchFamily="34" charset="-122"/>
-            </a:endParaRPr>
-          </a:p>
-        </p:txBody>
-      </p:sp>
-      <p:sp>
-        <p:nvSpPr>
-          <p:cNvPr id="9" name="Rectangle 8"/>
-          <p:cNvSpPr/>
-          <p:nvPr/>
-        </p:nvSpPr>
-        <p:spPr>
-          <a:xfrm>
-            <a:off x="409433" y="1667873"/>
-            <a:ext cx="4596676" cy="4678204"/>
-          </a:xfrm>
-          <a:prstGeom prst="rect">
-            <a:avLst/>
-          </a:prstGeom>
-        </p:spPr>
-        <p:txBody>
-          <a:bodyPr wrap="square">
-            <a:spAutoFit/>
-          </a:bodyPr>
-          <a:lstStyle/>
-          <a:p>
-            <a:r>
-              <a:rPr lang="zh-CN" altLang="zh-CN" sz="1600" dirty="0">
-                <a:solidFill>
-                  <a:srgbClr val="002B41"/>
-                </a:solidFill>
-                <a:latin typeface="微软雅黑" panose="020B0503020204020204" pitchFamily="34" charset="-122"/>
-                <a:ea typeface="微软雅黑" panose="020B0503020204020204" pitchFamily="34" charset="-122"/>
-              </a:rPr>
-              <a:t>新的压缩算法一般都会在这几个维度之间加以考虑，从而综合得到相对应的符合需求的算法</a:t>
-            </a:r>
-            <a:r>
-              <a:rPr lang="en-US" altLang="zh-CN" sz="1600" dirty="0">
-                <a:solidFill>
-                  <a:srgbClr val="002B41"/>
-                </a:solidFill>
-                <a:latin typeface="微软雅黑" panose="020B0503020204020204" pitchFamily="34" charset="-122"/>
-                <a:ea typeface="微软雅黑" panose="020B0503020204020204" pitchFamily="34" charset="-122"/>
-              </a:rPr>
-              <a:t>——</a:t>
-            </a:r>
-            <a:r>
-              <a:rPr lang="zh-CN" altLang="zh-CN" sz="1600" dirty="0">
-                <a:solidFill>
-                  <a:srgbClr val="002B41"/>
-                </a:solidFill>
-                <a:latin typeface="微软雅黑" panose="020B0503020204020204" pitchFamily="34" charset="-122"/>
-                <a:ea typeface="微软雅黑" panose="020B0503020204020204" pitchFamily="34" charset="-122"/>
-              </a:rPr>
-              <a:t>具体要根据特定应用场景做出平衡：当延迟至关重要的时，例如视频会议或视频安全监控，可以牺牲扩展性或质量；另一方面，在线性广播中大规模传送高质量媒体内容时，延迟通常会略微增加</a:t>
-            </a:r>
-            <a:r>
-              <a:rPr lang="zh-CN" altLang="zh-CN" sz="1600" dirty="0" smtClean="0">
-                <a:solidFill>
-                  <a:srgbClr val="002B41"/>
-                </a:solidFill>
-                <a:latin typeface="微软雅黑" panose="020B0503020204020204" pitchFamily="34" charset="-122"/>
-                <a:ea typeface="微软雅黑" panose="020B0503020204020204" pitchFamily="34" charset="-122"/>
-              </a:rPr>
-              <a:t>。</a:t>
-            </a:r>
-            <a:endParaRPr lang="en-US" altLang="zh-CN" sz="1600" dirty="0" smtClean="0">
-              <a:solidFill>
-                <a:srgbClr val="002B41"/>
-              </a:solidFill>
-              <a:latin typeface="微软雅黑" panose="020B0503020204020204" pitchFamily="34" charset="-122"/>
-              <a:ea typeface="微软雅黑" panose="020B0503020204020204" pitchFamily="34" charset="-122"/>
-            </a:endParaRPr>
-          </a:p>
-          <a:p>
-            <a:endParaRPr lang="en-US" altLang="zh-CN" sz="1600" dirty="0">
-              <a:solidFill>
-                <a:srgbClr val="002B41"/>
-              </a:solidFill>
-              <a:latin typeface="微软雅黑" panose="020B0503020204020204" pitchFamily="34" charset="-122"/>
-              <a:ea typeface="微软雅黑" panose="020B0503020204020204" pitchFamily="34" charset="-122"/>
-            </a:endParaRPr>
-          </a:p>
-          <a:p>
-            <a:r>
-              <a:rPr lang="zh-CN" altLang="en-US" b="1" dirty="0">
-                <a:solidFill>
-                  <a:srgbClr val="002B41"/>
-                </a:solidFill>
-                <a:latin typeface="微软雅黑" panose="020B0503020204020204" pitchFamily="34" charset="-122"/>
-                <a:ea typeface="微软雅黑" panose="020B0503020204020204" pitchFamily="34" charset="-122"/>
-              </a:rPr>
-              <a:t>延</a:t>
-            </a:r>
-            <a:r>
-              <a:rPr lang="zh-CN" altLang="en-US" b="1" dirty="0" smtClean="0">
-                <a:solidFill>
-                  <a:srgbClr val="002B41"/>
-                </a:solidFill>
-                <a:latin typeface="微软雅黑" panose="020B0503020204020204" pitchFamily="34" charset="-122"/>
-                <a:ea typeface="微软雅黑" panose="020B0503020204020204" pitchFamily="34" charset="-122"/>
-              </a:rPr>
-              <a:t>迟</a:t>
-            </a:r>
-            <a:endParaRPr lang="en-US" altLang="zh-CN" b="1" dirty="0" smtClean="0">
-              <a:solidFill>
-                <a:srgbClr val="002B41"/>
-              </a:solidFill>
-              <a:latin typeface="微软雅黑" panose="020B0503020204020204" pitchFamily="34" charset="-122"/>
-              <a:ea typeface="微软雅黑" panose="020B0503020204020204" pitchFamily="34" charset="-122"/>
-            </a:endParaRPr>
-          </a:p>
-          <a:p>
-            <a:r>
-              <a:rPr lang="en-US" altLang="zh-CN" sz="1600" dirty="0" smtClean="0">
-                <a:solidFill>
-                  <a:srgbClr val="002B41"/>
-                </a:solidFill>
-                <a:latin typeface="微软雅黑" panose="020B0503020204020204" pitchFamily="34" charset="-122"/>
-                <a:ea typeface="微软雅黑" panose="020B0503020204020204" pitchFamily="34" charset="-122"/>
-              </a:rPr>
-              <a:t>       </a:t>
-            </a:r>
-            <a:r>
-              <a:rPr lang="zh-CN" altLang="zh-CN" sz="1600" dirty="0" smtClean="0">
-                <a:solidFill>
-                  <a:srgbClr val="002B41"/>
-                </a:solidFill>
-                <a:latin typeface="微软雅黑" panose="020B0503020204020204" pitchFamily="34" charset="-122"/>
-                <a:ea typeface="微软雅黑" panose="020B0503020204020204" pitchFamily="34" charset="-122"/>
-              </a:rPr>
-              <a:t>目</a:t>
-            </a:r>
-            <a:r>
-              <a:rPr lang="zh-CN" altLang="zh-CN" sz="1600" dirty="0">
-                <a:solidFill>
-                  <a:srgbClr val="002B41"/>
-                </a:solidFill>
-                <a:latin typeface="微软雅黑" panose="020B0503020204020204" pitchFamily="34" charset="-122"/>
-                <a:ea typeface="微软雅黑" panose="020B0503020204020204" pitchFamily="34" charset="-122"/>
-              </a:rPr>
-              <a:t>前对于视频传输的延迟还没有一个统一的定义。但是普遍来说，延迟可以定义为</a:t>
-            </a:r>
-            <a:r>
-              <a:rPr lang="en-US" altLang="zh-CN" sz="1600" dirty="0">
-                <a:solidFill>
-                  <a:srgbClr val="002B41"/>
-                </a:solidFill>
-                <a:latin typeface="微软雅黑" panose="020B0503020204020204" pitchFamily="34" charset="-122"/>
-                <a:ea typeface="微软雅黑" panose="020B0503020204020204" pitchFamily="34" charset="-122"/>
-              </a:rPr>
-              <a:t>“</a:t>
-            </a:r>
-            <a:r>
-              <a:rPr lang="zh-CN" altLang="zh-CN" sz="1600" dirty="0">
-                <a:solidFill>
-                  <a:srgbClr val="002B41"/>
-                </a:solidFill>
-                <a:latin typeface="微软雅黑" panose="020B0503020204020204" pitchFamily="34" charset="-122"/>
-                <a:ea typeface="微软雅黑" panose="020B0503020204020204" pitchFamily="34" charset="-122"/>
-              </a:rPr>
-              <a:t>某些物理变化的原因和结果之间的时间</a:t>
-            </a:r>
-            <a:r>
-              <a:rPr lang="en-US" altLang="zh-CN" sz="1600" dirty="0">
-                <a:solidFill>
-                  <a:srgbClr val="002B41"/>
-                </a:solidFill>
-                <a:latin typeface="微软雅黑" panose="020B0503020204020204" pitchFamily="34" charset="-122"/>
-                <a:ea typeface="微软雅黑" panose="020B0503020204020204" pitchFamily="34" charset="-122"/>
-              </a:rPr>
-              <a:t>”</a:t>
-            </a:r>
-            <a:r>
-              <a:rPr lang="zh-CN" altLang="zh-CN" sz="1600" dirty="0">
-                <a:solidFill>
-                  <a:srgbClr val="002B41"/>
-                </a:solidFill>
-                <a:latin typeface="微软雅黑" panose="020B0503020204020204" pitchFamily="34" charset="-122"/>
-                <a:ea typeface="微软雅黑" panose="020B0503020204020204" pitchFamily="34" charset="-122"/>
-              </a:rPr>
-              <a:t>。</a:t>
-            </a:r>
-            <a:endParaRPr lang="en-US" altLang="zh-CN" sz="1600" dirty="0">
-              <a:solidFill>
-                <a:srgbClr val="002B41"/>
-              </a:solidFill>
-              <a:latin typeface="微软雅黑" panose="020B0503020204020204" pitchFamily="34" charset="-122"/>
-              <a:ea typeface="微软雅黑" panose="020B0503020204020204" pitchFamily="34" charset="-122"/>
-            </a:endParaRPr>
-          </a:p>
-          <a:p>
-            <a:r>
-              <a:rPr lang="zh-CN" altLang="en-US" sz="1600" dirty="0" smtClean="0">
-                <a:solidFill>
-                  <a:srgbClr val="002B41"/>
-                </a:solidFill>
-                <a:latin typeface="微软雅黑" panose="020B0503020204020204" pitchFamily="34" charset="-122"/>
-                <a:ea typeface="微软雅黑" panose="020B0503020204020204" pitchFamily="34" charset="-122"/>
-              </a:rPr>
-              <a:t>       在</a:t>
-            </a:r>
-            <a:r>
-              <a:rPr lang="zh-CN" altLang="en-US" sz="1600" dirty="0">
-                <a:solidFill>
-                  <a:srgbClr val="002B41"/>
-                </a:solidFill>
-                <a:latin typeface="微软雅黑" panose="020B0503020204020204" pitchFamily="34" charset="-122"/>
-                <a:ea typeface="微软雅黑" panose="020B0503020204020204" pitchFamily="34" charset="-122"/>
-              </a:rPr>
-              <a:t>交互式的实时体验中，延迟将会严重地影响用户的实时体验。因此对于</a:t>
-            </a:r>
-            <a:r>
-              <a:rPr lang="en-US" altLang="zh-CN" sz="1600" dirty="0">
-                <a:solidFill>
-                  <a:srgbClr val="002B41"/>
-                </a:solidFill>
-                <a:latin typeface="微软雅黑" panose="020B0503020204020204" pitchFamily="34" charset="-122"/>
-                <a:ea typeface="微软雅黑" panose="020B0503020204020204" pitchFamily="34" charset="-122"/>
-              </a:rPr>
-              <a:t>VR</a:t>
-            </a:r>
-            <a:r>
-              <a:rPr lang="zh-CN" altLang="en-US" sz="1600" dirty="0">
-                <a:solidFill>
-                  <a:srgbClr val="002B41"/>
-                </a:solidFill>
-                <a:latin typeface="微软雅黑" panose="020B0503020204020204" pitchFamily="34" charset="-122"/>
-                <a:ea typeface="微软雅黑" panose="020B0503020204020204" pitchFamily="34" charset="-122"/>
-              </a:rPr>
-              <a:t>的交互式设备来说延迟的解决是至关重要的一部分。</a:t>
-            </a:r>
-            <a:r>
-              <a:rPr lang="zh-CN" altLang="en-US" b="1" dirty="0">
-                <a:solidFill>
-                  <a:srgbClr val="002B41"/>
-                </a:solidFill>
-                <a:latin typeface="微软雅黑" panose="020B0503020204020204" pitchFamily="34" charset="-122"/>
-                <a:ea typeface="微软雅黑" panose="020B0503020204020204" pitchFamily="34" charset="-122"/>
-              </a:rPr>
-              <a:t> </a:t>
-            </a:r>
-            <a:endParaRPr lang="en-US" altLang="zh-CN" b="1" dirty="0" smtClean="0">
-              <a:solidFill>
-                <a:srgbClr val="002B41"/>
-              </a:solidFill>
-              <a:latin typeface="微软雅黑" panose="020B0503020204020204" pitchFamily="34" charset="-122"/>
-              <a:ea typeface="微软雅黑" panose="020B0503020204020204" pitchFamily="34" charset="-122"/>
-            </a:endParaRPr>
-          </a:p>
-          <a:p>
-            <a:r>
-              <a:rPr lang="zh-CN" altLang="en-US" sz="1600" dirty="0" smtClean="0">
-                <a:solidFill>
-                  <a:srgbClr val="002B41"/>
-                </a:solidFill>
-                <a:latin typeface="微软雅黑" panose="020B0503020204020204" pitchFamily="34" charset="-122"/>
-                <a:ea typeface="微软雅黑" panose="020B0503020204020204" pitchFamily="34" charset="-122"/>
-              </a:rPr>
-              <a:t>       视</a:t>
-            </a:r>
-            <a:r>
-              <a:rPr lang="zh-CN" altLang="en-US" sz="1600" dirty="0">
-                <a:solidFill>
-                  <a:srgbClr val="002B41"/>
-                </a:solidFill>
-                <a:latin typeface="微软雅黑" panose="020B0503020204020204" pitchFamily="34" charset="-122"/>
-                <a:ea typeface="微软雅黑" panose="020B0503020204020204" pitchFamily="34" charset="-122"/>
-              </a:rPr>
-              <a:t>频的传输</a:t>
-            </a:r>
-            <a:r>
-              <a:rPr lang="zh-CN" altLang="en-US" sz="1600" dirty="0" smtClean="0">
-                <a:solidFill>
-                  <a:srgbClr val="002B41"/>
-                </a:solidFill>
-                <a:latin typeface="微软雅黑" panose="020B0503020204020204" pitchFamily="34" charset="-122"/>
-                <a:ea typeface="微软雅黑" panose="020B0503020204020204" pitchFamily="34" charset="-122"/>
-              </a:rPr>
-              <a:t>中，大</a:t>
-            </a:r>
-            <a:r>
-              <a:rPr lang="zh-CN" altLang="en-US" sz="1600" dirty="0">
-                <a:solidFill>
-                  <a:srgbClr val="002B41"/>
-                </a:solidFill>
-                <a:latin typeface="微软雅黑" panose="020B0503020204020204" pitchFamily="34" charset="-122"/>
-                <a:ea typeface="微软雅黑" panose="020B0503020204020204" pitchFamily="34" charset="-122"/>
-              </a:rPr>
-              <a:t>概需要经过以</a:t>
-            </a:r>
-            <a:r>
-              <a:rPr lang="zh-CN" altLang="en-US" sz="1600" dirty="0" smtClean="0">
-                <a:solidFill>
-                  <a:srgbClr val="002B41"/>
-                </a:solidFill>
-                <a:latin typeface="微软雅黑" panose="020B0503020204020204" pitchFamily="34" charset="-122"/>
-                <a:ea typeface="微软雅黑" panose="020B0503020204020204" pitchFamily="34" charset="-122"/>
-              </a:rPr>
-              <a:t>下五</a:t>
-            </a:r>
-            <a:r>
-              <a:rPr lang="zh-CN" altLang="en-US" sz="1600" dirty="0">
-                <a:solidFill>
-                  <a:srgbClr val="002B41"/>
-                </a:solidFill>
-                <a:latin typeface="微软雅黑" panose="020B0503020204020204" pitchFamily="34" charset="-122"/>
-                <a:ea typeface="微软雅黑" panose="020B0503020204020204" pitchFamily="34" charset="-122"/>
-              </a:rPr>
-              <a:t>个步骤才能完成</a:t>
-            </a:r>
-            <a:r>
-              <a:rPr lang="zh-CN" altLang="en-US" sz="1600" dirty="0" smtClean="0">
-                <a:solidFill>
-                  <a:srgbClr val="002B41"/>
-                </a:solidFill>
-                <a:latin typeface="微软雅黑" panose="020B0503020204020204" pitchFamily="34" charset="-122"/>
-                <a:ea typeface="微软雅黑" panose="020B0503020204020204" pitchFamily="34" charset="-122"/>
-              </a:rPr>
-              <a:t>传输到</a:t>
-            </a:r>
-            <a:r>
-              <a:rPr lang="zh-CN" altLang="en-US" sz="1600" dirty="0">
-                <a:solidFill>
-                  <a:srgbClr val="002B41"/>
-                </a:solidFill>
-                <a:latin typeface="微软雅黑" panose="020B0503020204020204" pitchFamily="34" charset="-122"/>
-                <a:ea typeface="微软雅黑" panose="020B0503020204020204" pitchFamily="34" charset="-122"/>
-              </a:rPr>
-              <a:t>设备完成播放的操</a:t>
-            </a:r>
-            <a:r>
-              <a:rPr lang="zh-CN" altLang="en-US" sz="1600" dirty="0" smtClean="0">
-                <a:solidFill>
-                  <a:srgbClr val="002B41"/>
-                </a:solidFill>
-                <a:latin typeface="微软雅黑" panose="020B0503020204020204" pitchFamily="34" charset="-122"/>
-                <a:ea typeface="微软雅黑" panose="020B0503020204020204" pitchFamily="34" charset="-122"/>
-              </a:rPr>
-              <a:t>作。在</a:t>
-            </a:r>
-            <a:r>
-              <a:rPr lang="zh-CN" altLang="en-US" sz="1600" dirty="0">
-                <a:solidFill>
-                  <a:srgbClr val="002B41"/>
-                </a:solidFill>
-                <a:latin typeface="微软雅黑" panose="020B0503020204020204" pitchFamily="34" charset="-122"/>
-                <a:ea typeface="微软雅黑" panose="020B0503020204020204" pitchFamily="34" charset="-122"/>
-              </a:rPr>
-              <a:t>各个步骤</a:t>
-            </a:r>
-            <a:r>
-              <a:rPr lang="zh-CN" altLang="en-US" sz="1600" dirty="0" smtClean="0">
-                <a:solidFill>
-                  <a:srgbClr val="002B41"/>
-                </a:solidFill>
-                <a:latin typeface="微软雅黑" panose="020B0503020204020204" pitchFamily="34" charset="-122"/>
-                <a:ea typeface="微软雅黑" panose="020B0503020204020204" pitchFamily="34" charset="-122"/>
-              </a:rPr>
-              <a:t>中，各种原因都可能导致一定的延迟。</a:t>
-            </a:r>
-            <a:endParaRPr lang="zh-CN" altLang="zh-CN" sz="1600" dirty="0">
-              <a:solidFill>
-                <a:srgbClr val="002B41"/>
-              </a:solidFill>
-              <a:latin typeface="微软雅黑" panose="020B0503020204020204" pitchFamily="34" charset="-122"/>
-              <a:ea typeface="微软雅黑" panose="020B0503020204020204" pitchFamily="34" charset="-122"/>
-            </a:endParaRPr>
-          </a:p>
-        </p:txBody>
-      </p:sp>
-      <p:sp>
-        <p:nvSpPr>
-          <p:cNvPr id="10" name="TextBox 9"/>
-          <p:cNvSpPr txBox="1"/>
-          <p:nvPr/>
-        </p:nvSpPr>
-        <p:spPr>
-          <a:xfrm>
-            <a:off x="5763954" y="2983345"/>
-            <a:ext cx="45719" cy="369332"/>
-          </a:xfrm>
-          <a:prstGeom prst="rect">
-            <a:avLst/>
-          </a:prstGeom>
-          <a:noFill/>
-        </p:spPr>
-        <p:txBody>
-          <a:bodyPr wrap="square" rtlCol="0">
-            <a:spAutoFit/>
-          </a:bodyPr>
-          <a:lstStyle/>
-          <a:p>
-            <a:endParaRPr lang="zh-CN" altLang="en-US" dirty="0"/>
-          </a:p>
-        </p:txBody>
-      </p:sp>
-      <p:sp>
-        <p:nvSpPr>
-          <p:cNvPr id="4" name="TextBox 3"/>
-          <p:cNvSpPr txBox="1"/>
-          <p:nvPr/>
-        </p:nvSpPr>
-        <p:spPr>
-          <a:xfrm>
-            <a:off x="5368396" y="2014597"/>
-            <a:ext cx="6252678" cy="4524315"/>
-          </a:xfrm>
-          <a:prstGeom prst="rect">
-            <a:avLst/>
-          </a:prstGeom>
-          <a:noFill/>
-        </p:spPr>
-        <p:txBody>
-          <a:bodyPr wrap="square" rtlCol="0">
-            <a:spAutoFit/>
-          </a:bodyPr>
-          <a:lstStyle/>
-          <a:p>
-            <a:pPr lvl="0"/>
-            <a:r>
-              <a:rPr lang="zh-CN" altLang="en-US" sz="1600" b="1" dirty="0">
-                <a:solidFill>
-                  <a:srgbClr val="002B41"/>
-                </a:solidFill>
-                <a:latin typeface="微软雅黑" panose="020B0503020204020204" pitchFamily="34" charset="-122"/>
-                <a:ea typeface="微软雅黑" panose="020B0503020204020204" pitchFamily="34" charset="-122"/>
-              </a:rPr>
-              <a:t>编码和封装</a:t>
-            </a:r>
-            <a:r>
-              <a:rPr lang="zh-CN" altLang="en-US" sz="1600" dirty="0">
-                <a:solidFill>
-                  <a:srgbClr val="002B41"/>
-                </a:solidFill>
-                <a:latin typeface="微软雅黑" panose="020B0503020204020204" pitchFamily="34" charset="-122"/>
-                <a:ea typeface="微软雅黑" panose="020B0503020204020204" pitchFamily="34" charset="-122"/>
-              </a:rPr>
-              <a:t>：引入延迟和参数配置、质量要求密切相关。</a:t>
-            </a:r>
-          </a:p>
-          <a:p>
-            <a:pPr lvl="0"/>
-            <a:r>
-              <a:rPr lang="zh-CN" altLang="en-US" sz="1600" dirty="0" smtClean="0">
-                <a:solidFill>
-                  <a:srgbClr val="002B41"/>
-                </a:solidFill>
-                <a:latin typeface="微软雅黑" panose="020B0503020204020204" pitchFamily="34" charset="-122"/>
-                <a:ea typeface="微软雅黑" panose="020B0503020204020204" pitchFamily="34" charset="-122"/>
-              </a:rPr>
-              <a:t>       某</a:t>
-            </a:r>
-            <a:r>
-              <a:rPr lang="zh-CN" altLang="en-US" sz="1600" dirty="0">
-                <a:solidFill>
-                  <a:srgbClr val="002B41"/>
-                </a:solidFill>
-                <a:latin typeface="微软雅黑" panose="020B0503020204020204" pitchFamily="34" charset="-122"/>
-                <a:ea typeface="微软雅黑" panose="020B0503020204020204" pitchFamily="34" charset="-122"/>
-              </a:rPr>
-              <a:t>些流媒体协议可能会引入额外的延迟，因为它们只有在完全接收到后才输出一大块（</a:t>
-            </a:r>
-            <a:r>
-              <a:rPr lang="en-US" altLang="zh-CN" sz="1600" dirty="0">
-                <a:solidFill>
-                  <a:srgbClr val="002B41"/>
-                </a:solidFill>
-                <a:latin typeface="微软雅黑" panose="020B0503020204020204" pitchFamily="34" charset="-122"/>
-                <a:ea typeface="微软雅黑" panose="020B0503020204020204" pitchFamily="34" charset="-122"/>
-              </a:rPr>
-              <a:t>chunk</a:t>
-            </a:r>
-            <a:r>
-              <a:rPr lang="zh-CN" altLang="en-US" sz="1600" dirty="0">
-                <a:solidFill>
-                  <a:srgbClr val="002B41"/>
-                </a:solidFill>
-                <a:latin typeface="微软雅黑" panose="020B0503020204020204" pitchFamily="34" charset="-122"/>
-                <a:ea typeface="微软雅黑" panose="020B0503020204020204" pitchFamily="34" charset="-122"/>
-              </a:rPr>
-              <a:t>）媒体内容。 </a:t>
-            </a:r>
-          </a:p>
-          <a:p>
-            <a:pPr lvl="0"/>
-            <a:r>
-              <a:rPr lang="zh-CN" altLang="en-US" sz="1600" b="1" dirty="0" smtClean="0">
-                <a:solidFill>
-                  <a:srgbClr val="002B41"/>
-                </a:solidFill>
-                <a:latin typeface="微软雅黑" panose="020B0503020204020204" pitchFamily="34" charset="-122"/>
-                <a:ea typeface="微软雅黑" panose="020B0503020204020204" pitchFamily="34" charset="-122"/>
-              </a:rPr>
-              <a:t>第</a:t>
-            </a:r>
-            <a:r>
-              <a:rPr lang="zh-CN" altLang="en-US" sz="1600" b="1" dirty="0">
-                <a:solidFill>
-                  <a:srgbClr val="002B41"/>
-                </a:solidFill>
-                <a:latin typeface="微软雅黑" panose="020B0503020204020204" pitchFamily="34" charset="-122"/>
-                <a:ea typeface="微软雅黑" panose="020B0503020204020204" pitchFamily="34" charset="-122"/>
-              </a:rPr>
-              <a:t>一英里上传</a:t>
-            </a:r>
-            <a:r>
-              <a:rPr lang="zh-CN" altLang="en-US" sz="1600" dirty="0">
-                <a:solidFill>
-                  <a:srgbClr val="002B41"/>
-                </a:solidFill>
-                <a:latin typeface="微软雅黑" panose="020B0503020204020204" pitchFamily="34" charset="-122"/>
-                <a:ea typeface="微软雅黑" panose="020B0503020204020204" pitchFamily="34" charset="-122"/>
-              </a:rPr>
-              <a:t>（</a:t>
-            </a:r>
-            <a:r>
-              <a:rPr lang="en-US" altLang="zh-CN" sz="1600" dirty="0">
-                <a:solidFill>
-                  <a:srgbClr val="002B41"/>
-                </a:solidFill>
-                <a:latin typeface="微软雅黑" panose="020B0503020204020204" pitchFamily="34" charset="-122"/>
-                <a:ea typeface="微软雅黑" panose="020B0503020204020204" pitchFamily="34" charset="-122"/>
-              </a:rPr>
-              <a:t>first mile upload</a:t>
-            </a:r>
-            <a:r>
-              <a:rPr lang="zh-CN" altLang="en-US" sz="1600" dirty="0">
-                <a:solidFill>
-                  <a:srgbClr val="002B41"/>
-                </a:solidFill>
-                <a:latin typeface="微软雅黑" panose="020B0503020204020204" pitchFamily="34" charset="-122"/>
-                <a:ea typeface="微软雅黑" panose="020B0503020204020204" pitchFamily="34" charset="-122"/>
-              </a:rPr>
-              <a:t>）：将打包内容上传到</a:t>
-            </a:r>
-            <a:r>
-              <a:rPr lang="en-US" altLang="zh-CN" sz="1600" dirty="0">
-                <a:solidFill>
-                  <a:srgbClr val="002B41"/>
-                </a:solidFill>
-                <a:latin typeface="微软雅黑" panose="020B0503020204020204" pitchFamily="34" charset="-122"/>
-                <a:ea typeface="微软雅黑" panose="020B0503020204020204" pitchFamily="34" charset="-122"/>
-              </a:rPr>
-              <a:t>CDN</a:t>
-            </a:r>
-            <a:r>
-              <a:rPr lang="zh-CN" altLang="en-US" sz="1600" dirty="0">
-                <a:solidFill>
-                  <a:srgbClr val="002B41"/>
-                </a:solidFill>
-                <a:latin typeface="微软雅黑" panose="020B0503020204020204" pitchFamily="34" charset="-122"/>
-                <a:ea typeface="微软雅黑" panose="020B0503020204020204" pitchFamily="34" charset="-122"/>
-              </a:rPr>
-              <a:t>通常会受到商业条款的限制。</a:t>
-            </a:r>
-          </a:p>
-          <a:p>
-            <a:pPr lvl="0"/>
-            <a:r>
-              <a:rPr lang="zh-CN" altLang="en-US" sz="1600" dirty="0" smtClean="0">
-                <a:solidFill>
-                  <a:srgbClr val="002B41"/>
-                </a:solidFill>
-                <a:latin typeface="微软雅黑" panose="020B0503020204020204" pitchFamily="34" charset="-122"/>
-                <a:ea typeface="微软雅黑" panose="020B0503020204020204" pitchFamily="34" charset="-122"/>
-              </a:rPr>
-              <a:t>       例</a:t>
-            </a:r>
-            <a:r>
-              <a:rPr lang="zh-CN" altLang="en-US" sz="1600" dirty="0">
-                <a:solidFill>
-                  <a:srgbClr val="002B41"/>
-                </a:solidFill>
-                <a:latin typeface="微软雅黑" panose="020B0503020204020204" pitchFamily="34" charset="-122"/>
-                <a:ea typeface="微软雅黑" panose="020B0503020204020204" pitchFamily="34" charset="-122"/>
-              </a:rPr>
-              <a:t>如，与来自新闻工作室的租用线路设置相比，如果通过无线连接完成上传将会产生更大的延迟。 </a:t>
-            </a:r>
-          </a:p>
-          <a:p>
-            <a:pPr lvl="0"/>
-            <a:r>
-              <a:rPr lang="en-US" altLang="zh-CN" sz="1600" b="1" dirty="0" smtClean="0">
-                <a:solidFill>
-                  <a:srgbClr val="002B41"/>
-                </a:solidFill>
-                <a:latin typeface="微软雅黑" panose="020B0503020204020204" pitchFamily="34" charset="-122"/>
-                <a:ea typeface="微软雅黑" panose="020B0503020204020204" pitchFamily="34" charset="-122"/>
-              </a:rPr>
-              <a:t>CDN</a:t>
-            </a:r>
-            <a:r>
-              <a:rPr lang="zh-CN" altLang="en-US" sz="1600" b="1" dirty="0">
-                <a:solidFill>
-                  <a:srgbClr val="002B41"/>
-                </a:solidFill>
-                <a:latin typeface="微软雅黑" panose="020B0503020204020204" pitchFamily="34" charset="-122"/>
-                <a:ea typeface="微软雅黑" panose="020B0503020204020204" pitchFamily="34" charset="-122"/>
-              </a:rPr>
-              <a:t>传播</a:t>
-            </a:r>
-            <a:r>
-              <a:rPr lang="zh-CN" altLang="en-US" sz="1600" dirty="0">
-                <a:solidFill>
-                  <a:srgbClr val="002B41"/>
-                </a:solidFill>
-                <a:latin typeface="微软雅黑" panose="020B0503020204020204" pitchFamily="34" charset="-122"/>
-                <a:ea typeface="微软雅黑" panose="020B0503020204020204" pitchFamily="34" charset="-122"/>
-              </a:rPr>
-              <a:t>：为了大规模传送内容，大多数媒体管道都利用内容传送网络</a:t>
-            </a:r>
-            <a:r>
-              <a:rPr lang="en-US" altLang="zh-CN" sz="1600" dirty="0">
-                <a:solidFill>
-                  <a:srgbClr val="002B41"/>
-                </a:solidFill>
-                <a:latin typeface="微软雅黑" panose="020B0503020204020204" pitchFamily="34" charset="-122"/>
-                <a:ea typeface="微软雅黑" panose="020B0503020204020204" pitchFamily="34" charset="-122"/>
-              </a:rPr>
-              <a:t>(content delivery network)</a:t>
-            </a:r>
-            <a:r>
-              <a:rPr lang="zh-CN" altLang="en-US" sz="1600" dirty="0">
-                <a:solidFill>
-                  <a:srgbClr val="002B41"/>
-                </a:solidFill>
-                <a:latin typeface="微软雅黑" panose="020B0503020204020204" pitchFamily="34" charset="-122"/>
-                <a:ea typeface="微软雅黑" panose="020B0503020204020204" pitchFamily="34" charset="-122"/>
-              </a:rPr>
-              <a:t>。</a:t>
-            </a:r>
-          </a:p>
-          <a:p>
-            <a:pPr lvl="0"/>
-            <a:r>
-              <a:rPr lang="zh-CN" altLang="en-US" sz="1600" dirty="0" smtClean="0">
-                <a:solidFill>
-                  <a:srgbClr val="002B41"/>
-                </a:solidFill>
-                <a:latin typeface="微软雅黑" panose="020B0503020204020204" pitchFamily="34" charset="-122"/>
-                <a:ea typeface="微软雅黑" panose="020B0503020204020204" pitchFamily="34" charset="-122"/>
-              </a:rPr>
-              <a:t>       因</a:t>
-            </a:r>
-            <a:r>
-              <a:rPr lang="zh-CN" altLang="en-US" sz="1600" dirty="0">
-                <a:solidFill>
-                  <a:srgbClr val="002B41"/>
-                </a:solidFill>
-                <a:latin typeface="微软雅黑" panose="020B0503020204020204" pitchFamily="34" charset="-122"/>
-                <a:ea typeface="微软雅黑" panose="020B0503020204020204" pitchFamily="34" charset="-122"/>
-              </a:rPr>
-              <a:t>此，内容需要在不同缓存之间传播，从而引入额外延</a:t>
-            </a:r>
-            <a:r>
-              <a:rPr lang="zh-CN" altLang="en-US" sz="1600" dirty="0" smtClean="0">
-                <a:solidFill>
-                  <a:srgbClr val="002B41"/>
-                </a:solidFill>
-                <a:latin typeface="微软雅黑" panose="020B0503020204020204" pitchFamily="34" charset="-122"/>
-                <a:ea typeface="微软雅黑" panose="020B0503020204020204" pitchFamily="34" charset="-122"/>
-              </a:rPr>
-              <a:t>迟。</a:t>
-            </a:r>
-            <a:endParaRPr lang="zh-CN" altLang="en-US" sz="1600" dirty="0">
-              <a:solidFill>
-                <a:srgbClr val="002B41"/>
-              </a:solidFill>
-              <a:latin typeface="微软雅黑" panose="020B0503020204020204" pitchFamily="34" charset="-122"/>
-              <a:ea typeface="微软雅黑" panose="020B0503020204020204" pitchFamily="34" charset="-122"/>
-            </a:endParaRPr>
-          </a:p>
-          <a:p>
-            <a:pPr lvl="0"/>
-            <a:r>
-              <a:rPr lang="zh-CN" altLang="en-US" sz="1600" b="1" dirty="0" smtClean="0">
-                <a:solidFill>
-                  <a:srgbClr val="002B41"/>
-                </a:solidFill>
-                <a:latin typeface="微软雅黑" panose="020B0503020204020204" pitchFamily="34" charset="-122"/>
-                <a:ea typeface="微软雅黑" panose="020B0503020204020204" pitchFamily="34" charset="-122"/>
-              </a:rPr>
-              <a:t>最</a:t>
-            </a:r>
-            <a:r>
-              <a:rPr lang="zh-CN" altLang="en-US" sz="1600" b="1" dirty="0">
-                <a:solidFill>
-                  <a:srgbClr val="002B41"/>
-                </a:solidFill>
-                <a:latin typeface="微软雅黑" panose="020B0503020204020204" pitchFamily="34" charset="-122"/>
-                <a:ea typeface="微软雅黑" panose="020B0503020204020204" pitchFamily="34" charset="-122"/>
-              </a:rPr>
-              <a:t>后一英里交付</a:t>
-            </a:r>
-            <a:r>
-              <a:rPr lang="en-US" altLang="zh-CN" sz="1600" dirty="0">
-                <a:solidFill>
-                  <a:srgbClr val="002B41"/>
-                </a:solidFill>
-                <a:latin typeface="微软雅黑" panose="020B0503020204020204" pitchFamily="34" charset="-122"/>
-                <a:ea typeface="微软雅黑" panose="020B0503020204020204" pitchFamily="34" charset="-122"/>
-              </a:rPr>
-              <a:t>(last mile delivery)</a:t>
-            </a:r>
-            <a:r>
-              <a:rPr lang="zh-CN" altLang="en-US" sz="1600" dirty="0">
-                <a:solidFill>
-                  <a:srgbClr val="002B41"/>
-                </a:solidFill>
-                <a:latin typeface="微软雅黑" panose="020B0503020204020204" pitchFamily="34" charset="-122"/>
-                <a:ea typeface="微软雅黑" panose="020B0503020204020204" pitchFamily="34" charset="-122"/>
-              </a:rPr>
-              <a:t>：用户网络连接可能会对延迟产生重大影响。</a:t>
-            </a:r>
-          </a:p>
-          <a:p>
-            <a:pPr lvl="0"/>
-            <a:r>
-              <a:rPr lang="zh-CN" altLang="en-US" sz="1600" dirty="0" smtClean="0">
-                <a:solidFill>
-                  <a:srgbClr val="002B41"/>
-                </a:solidFill>
-                <a:latin typeface="微软雅黑" panose="020B0503020204020204" pitchFamily="34" charset="-122"/>
-                <a:ea typeface="微软雅黑" panose="020B0503020204020204" pitchFamily="34" charset="-122"/>
-              </a:rPr>
-              <a:t>       用</a:t>
-            </a:r>
-            <a:r>
-              <a:rPr lang="zh-CN" altLang="en-US" sz="1600" dirty="0">
-                <a:solidFill>
-                  <a:srgbClr val="002B41"/>
-                </a:solidFill>
-                <a:latin typeface="微软雅黑" panose="020B0503020204020204" pitchFamily="34" charset="-122"/>
-                <a:ea typeface="微软雅黑" panose="020B0503020204020204" pitchFamily="34" charset="-122"/>
-              </a:rPr>
-              <a:t>户可以在家庭网络连接到</a:t>
-            </a:r>
-            <a:r>
-              <a:rPr lang="en-US" altLang="zh-CN" sz="1600" dirty="0" err="1">
-                <a:solidFill>
-                  <a:srgbClr val="002B41"/>
-                </a:solidFill>
-                <a:latin typeface="微软雅黑" panose="020B0503020204020204" pitchFamily="34" charset="-122"/>
-                <a:ea typeface="微软雅黑" panose="020B0503020204020204" pitchFamily="34" charset="-122"/>
-              </a:rPr>
-              <a:t>wifi</a:t>
-            </a:r>
-            <a:r>
-              <a:rPr lang="zh-CN" altLang="en-US" sz="1600" dirty="0">
-                <a:solidFill>
-                  <a:srgbClr val="002B41"/>
-                </a:solidFill>
-                <a:latin typeface="微软雅黑" panose="020B0503020204020204" pitchFamily="34" charset="-122"/>
-                <a:ea typeface="微软雅黑" panose="020B0503020204020204" pitchFamily="34" charset="-122"/>
-              </a:rPr>
-              <a:t>热点，或者使用移动连接来访问网络内容。此外，由于可能会选取不同远近的</a:t>
-            </a:r>
-            <a:r>
-              <a:rPr lang="en-US" altLang="zh-CN" sz="1600" dirty="0">
-                <a:solidFill>
-                  <a:srgbClr val="002B41"/>
-                </a:solidFill>
-                <a:latin typeface="微软雅黑" panose="020B0503020204020204" pitchFamily="34" charset="-122"/>
-                <a:ea typeface="微软雅黑" panose="020B0503020204020204" pitchFamily="34" charset="-122"/>
-              </a:rPr>
-              <a:t>CDN</a:t>
-            </a:r>
-            <a:r>
-              <a:rPr lang="zh-CN" altLang="en-US" sz="1600" dirty="0">
-                <a:solidFill>
-                  <a:srgbClr val="002B41"/>
-                </a:solidFill>
-                <a:latin typeface="微软雅黑" panose="020B0503020204020204" pitchFamily="34" charset="-122"/>
-                <a:ea typeface="微软雅黑" panose="020B0503020204020204" pitchFamily="34" charset="-122"/>
-              </a:rPr>
-              <a:t>端点，用户地理位置也会造成额外延迟。 </a:t>
-            </a:r>
-          </a:p>
-          <a:p>
-            <a:pPr lvl="0"/>
-            <a:r>
-              <a:rPr lang="zh-CN" altLang="en-US" sz="1600" b="1" dirty="0" smtClean="0">
-                <a:solidFill>
-                  <a:srgbClr val="002B41"/>
-                </a:solidFill>
-                <a:latin typeface="微软雅黑" panose="020B0503020204020204" pitchFamily="34" charset="-122"/>
-                <a:ea typeface="微软雅黑" panose="020B0503020204020204" pitchFamily="34" charset="-122"/>
-              </a:rPr>
-              <a:t>播</a:t>
-            </a:r>
-            <a:r>
-              <a:rPr lang="zh-CN" altLang="en-US" sz="1600" b="1" dirty="0">
-                <a:solidFill>
-                  <a:srgbClr val="002B41"/>
-                </a:solidFill>
-                <a:latin typeface="微软雅黑" panose="020B0503020204020204" pitchFamily="34" charset="-122"/>
-                <a:ea typeface="微软雅黑" panose="020B0503020204020204" pitchFamily="34" charset="-122"/>
-              </a:rPr>
-              <a:t>放器缓冲区</a:t>
-            </a:r>
-            <a:r>
-              <a:rPr lang="zh-CN" altLang="en-US" sz="1600" dirty="0">
-                <a:solidFill>
-                  <a:srgbClr val="002B41"/>
-                </a:solidFill>
-                <a:latin typeface="微软雅黑" panose="020B0503020204020204" pitchFamily="34" charset="-122"/>
-                <a:ea typeface="微软雅黑" panose="020B0503020204020204" pitchFamily="34" charset="-122"/>
-              </a:rPr>
-              <a:t>：视频播放器必须缓冲媒体以确保流畅播放。</a:t>
-            </a:r>
-          </a:p>
-          <a:p>
-            <a:pPr lvl="0"/>
-            <a:r>
-              <a:rPr lang="zh-CN" altLang="en-US" sz="1600" dirty="0" smtClean="0">
-                <a:solidFill>
-                  <a:srgbClr val="002B41"/>
-                </a:solidFill>
-                <a:latin typeface="微软雅黑" panose="020B0503020204020204" pitchFamily="34" charset="-122"/>
-                <a:ea typeface="微软雅黑" panose="020B0503020204020204" pitchFamily="34" charset="-122"/>
-              </a:rPr>
-              <a:t>       缓</a:t>
-            </a:r>
-            <a:r>
-              <a:rPr lang="zh-CN" altLang="en-US" sz="1600" dirty="0">
-                <a:solidFill>
-                  <a:srgbClr val="002B41"/>
-                </a:solidFill>
-                <a:latin typeface="微软雅黑" panose="020B0503020204020204" pitchFamily="34" charset="-122"/>
-                <a:ea typeface="微软雅黑" panose="020B0503020204020204" pitchFamily="34" charset="-122"/>
-              </a:rPr>
-              <a:t>冲区大小通常在媒体规范中定义，但具有一定灵活性。播放缓冲是延迟的主要因素，优化缓冲区配置是常态。 </a:t>
-            </a:r>
-          </a:p>
-        </p:txBody>
-      </p:sp>
-      <p:pic>
-        <p:nvPicPr>
-          <p:cNvPr id="13" name="Picture 12" descr="Delay.png">
-            <a:hlinkClick r:id="rId2"/>
-          </p:cNvPr>
-          <p:cNvPicPr/>
-          <p:nvPr/>
-        </p:nvPicPr>
-        <p:blipFill>
-          <a:blip r:embed="rId3">
-            <a:clrChange>
-              <a:clrFrom>
-                <a:srgbClr val="FFFFFF"/>
-              </a:clrFrom>
-              <a:clrTo>
-                <a:srgbClr val="FFFFFF">
-                  <a:alpha val="0"/>
-                </a:srgbClr>
-              </a:clrTo>
-            </a:clrChange>
-            <a:extLst>
-              <a:ext uri="{28A0092B-C50C-407E-A947-70E740481C1C}">
-                <a14:useLocalDpi xmlns:a14="http://schemas.microsoft.com/office/drawing/2010/main" val="0"/>
-              </a:ext>
-            </a:extLst>
-          </a:blip>
-          <a:srcRect/>
-          <a:stretch>
-            <a:fillRect/>
-          </a:stretch>
-        </p:blipFill>
-        <p:spPr bwMode="auto">
-          <a:xfrm>
-            <a:off x="5571657" y="119023"/>
-            <a:ext cx="5846156" cy="2367693"/>
-          </a:xfrm>
-          <a:prstGeom prst="rect">
-            <a:avLst/>
-          </a:prstGeom>
-          <a:noFill/>
-          <a:ln>
-            <a:noFill/>
-          </a:ln>
-        </p:spPr>
-      </p:pic>
-      <p:sp>
-        <p:nvSpPr>
-          <p:cNvPr id="7" name="TextBox 6"/>
-          <p:cNvSpPr txBox="1"/>
-          <p:nvPr/>
-        </p:nvSpPr>
-        <p:spPr>
-          <a:xfrm>
-            <a:off x="7665629" y="218126"/>
-            <a:ext cx="1889941" cy="369332"/>
-          </a:xfrm>
-          <a:prstGeom prst="rect">
-            <a:avLst/>
-          </a:prstGeom>
-          <a:noFill/>
-        </p:spPr>
-        <p:txBody>
-          <a:bodyPr wrap="none" rtlCol="0">
-            <a:spAutoFit/>
-          </a:bodyPr>
-          <a:lstStyle/>
-          <a:p>
-            <a:r>
-              <a:rPr lang="en-US" altLang="zh-CN" dirty="0" smtClean="0">
-                <a:solidFill>
-                  <a:srgbClr val="FF0000"/>
-                </a:solidFill>
-                <a:latin typeface="微软雅黑" panose="020B0503020204020204" pitchFamily="34" charset="-122"/>
-                <a:ea typeface="微软雅黑" panose="020B0503020204020204" pitchFamily="34" charset="-122"/>
-              </a:rPr>
-              <a:t>//todo:</a:t>
-            </a:r>
-            <a:r>
-              <a:rPr lang="zh-CN" altLang="en-US" dirty="0">
-                <a:solidFill>
-                  <a:srgbClr val="FF0000"/>
-                </a:solidFill>
-                <a:latin typeface="微软雅黑" panose="020B0503020204020204" pitchFamily="34" charset="-122"/>
-                <a:ea typeface="微软雅黑" panose="020B0503020204020204" pitchFamily="34" charset="-122"/>
-              </a:rPr>
-              <a:t>图片</a:t>
-            </a:r>
-            <a:r>
-              <a:rPr lang="zh-CN" altLang="en-US" dirty="0" smtClean="0">
-                <a:solidFill>
-                  <a:srgbClr val="FF0000"/>
-                </a:solidFill>
-                <a:latin typeface="微软雅黑" panose="020B0503020204020204" pitchFamily="34" charset="-122"/>
-                <a:ea typeface="微软雅黑" panose="020B0503020204020204" pitchFamily="34" charset="-122"/>
-              </a:rPr>
-              <a:t>来源</a:t>
-            </a:r>
-            <a:endParaRPr lang="zh-CN" altLang="en-US" dirty="0">
-              <a:solidFill>
-                <a:srgbClr val="FF0000"/>
-              </a:solidFill>
-              <a:latin typeface="微软雅黑" panose="020B0503020204020204" pitchFamily="34" charset="-122"/>
-              <a:ea typeface="微软雅黑" panose="020B0503020204020204" pitchFamily="34" charset="-122"/>
-            </a:endParaRPr>
-          </a:p>
-        </p:txBody>
-      </p:sp>
-    </p:spTree>
-    <p:extLst>
-      <p:ext uri="{BB962C8B-B14F-4D97-AF65-F5344CB8AC3E}">
-        <p14:creationId xmlns:p14="http://schemas.microsoft.com/office/powerpoint/2010/main" val="2248088471"/>
-      </p:ext>
-    </p:extLst>
-  </p:cSld>
-  <p:clrMapOvr>
-    <a:masterClrMapping/>
-  </p:clrMapOvr>
-  <p:timing>
-    <p:tnLst>
-      <p:par>
-        <p:cTn id="1" dur="indefinite" restart="never" nodeType="tmRoot"/>
-      </p:par>
-    </p:tnLst>
-  </p:timing>
 </p:sld>
 </file>
 
@@ -27702,8 +27494,8 @@
         </p:nvSpPr>
         <p:spPr>
           <a:xfrm>
-            <a:off x="409433" y="2047478"/>
-            <a:ext cx="4596676" cy="4308872"/>
+            <a:off x="409433" y="1667873"/>
+            <a:ext cx="4596676" cy="4678204"/>
           </a:xfrm>
           <a:prstGeom prst="rect">
             <a:avLst/>
@@ -27716,137 +27508,37 @@
           <a:lstStyle/>
           <a:p>
             <a:r>
-              <a:rPr lang="zh-CN" altLang="en-US" b="1" dirty="0">
-                <a:solidFill>
-                  <a:srgbClr val="002B41"/>
-                </a:solidFill>
-                <a:latin typeface="微软雅黑" panose="020B0503020204020204" pitchFamily="34" charset="-122"/>
-                <a:ea typeface="微软雅黑" panose="020B0503020204020204" pitchFamily="34" charset="-122"/>
-              </a:rPr>
-              <a:t>延迟的一般性优化方法</a:t>
-            </a:r>
-          </a:p>
-          <a:p>
-            <a:r>
-              <a:rPr lang="zh-CN" altLang="en-US" sz="1600" dirty="0" smtClean="0">
-                <a:solidFill>
-                  <a:srgbClr val="002B41"/>
-                </a:solidFill>
-                <a:latin typeface="微软雅黑" panose="020B0503020204020204" pitchFamily="34" charset="-122"/>
-                <a:ea typeface="微软雅黑" panose="020B0503020204020204" pitchFamily="34" charset="-122"/>
-              </a:rPr>
-              <a:t>       当</a:t>
-            </a:r>
-            <a:r>
-              <a:rPr lang="zh-CN" altLang="en-US" sz="1600" dirty="0">
-                <a:solidFill>
-                  <a:srgbClr val="002B41"/>
-                </a:solidFill>
-                <a:latin typeface="微软雅黑" panose="020B0503020204020204" pitchFamily="34" charset="-122"/>
-                <a:ea typeface="微软雅黑" panose="020B0503020204020204" pitchFamily="34" charset="-122"/>
-              </a:rPr>
-              <a:t>前的延迟的解决方案大多着眼于对于传输协议的替换，一般着眼于上述五个步骤中的第一英里传输和最后一英里传</a:t>
-            </a:r>
-            <a:r>
-              <a:rPr lang="zh-CN" altLang="en-US" sz="1600" dirty="0" smtClean="0">
-                <a:solidFill>
-                  <a:srgbClr val="002B41"/>
-                </a:solidFill>
-                <a:latin typeface="微软雅黑" panose="020B0503020204020204" pitchFamily="34" charset="-122"/>
-                <a:ea typeface="微软雅黑" panose="020B0503020204020204" pitchFamily="34" charset="-122"/>
-              </a:rPr>
-              <a:t>输。目</a:t>
-            </a:r>
-            <a:r>
-              <a:rPr lang="zh-CN" altLang="en-US" sz="1600" dirty="0">
-                <a:solidFill>
-                  <a:srgbClr val="002B41"/>
-                </a:solidFill>
-                <a:latin typeface="微软雅黑" panose="020B0503020204020204" pitchFamily="34" charset="-122"/>
-                <a:ea typeface="微软雅黑" panose="020B0503020204020204" pitchFamily="34" charset="-122"/>
-              </a:rPr>
-              <a:t>前关注的主要焦点是： </a:t>
-            </a:r>
-          </a:p>
-          <a:p>
-            <a:pPr marL="285750" indent="-285750">
-              <a:buFont typeface="Wingdings" panose="05000000000000000000" pitchFamily="2" charset="2"/>
-              <a:buChar char="Ø"/>
-            </a:pPr>
-            <a:r>
-              <a:rPr lang="zh-CN" altLang="en-US" sz="1600" dirty="0" smtClean="0">
-                <a:solidFill>
-                  <a:srgbClr val="002B41"/>
-                </a:solidFill>
-                <a:latin typeface="微软雅黑" panose="020B0503020204020204" pitchFamily="34" charset="-122"/>
-                <a:ea typeface="微软雅黑" panose="020B0503020204020204" pitchFamily="34" charset="-122"/>
-              </a:rPr>
-              <a:t>编</a:t>
-            </a:r>
-            <a:r>
-              <a:rPr lang="zh-CN" altLang="en-US" sz="1600" dirty="0">
-                <a:solidFill>
-                  <a:srgbClr val="002B41"/>
-                </a:solidFill>
-                <a:latin typeface="微软雅黑" panose="020B0503020204020204" pitchFamily="34" charset="-122"/>
-                <a:ea typeface="微软雅黑" panose="020B0503020204020204" pitchFamily="34" charset="-122"/>
-              </a:rPr>
-              <a:t>码器和播放器之间的视频传输快速而有效。</a:t>
-            </a:r>
-          </a:p>
-          <a:p>
-            <a:pPr marL="285750" indent="-285750">
-              <a:buFont typeface="Wingdings" panose="05000000000000000000" pitchFamily="2" charset="2"/>
-              <a:buChar char="Ø"/>
-            </a:pPr>
-            <a:r>
-              <a:rPr lang="zh-CN" altLang="en-US" sz="1600" dirty="0" smtClean="0">
-                <a:solidFill>
-                  <a:srgbClr val="002B41"/>
-                </a:solidFill>
-                <a:latin typeface="微软雅黑" panose="020B0503020204020204" pitchFamily="34" charset="-122"/>
-                <a:ea typeface="微软雅黑" panose="020B0503020204020204" pitchFamily="34" charset="-122"/>
-              </a:rPr>
-              <a:t>提</a:t>
-            </a:r>
-            <a:r>
-              <a:rPr lang="zh-CN" altLang="en-US" sz="1600" dirty="0">
-                <a:solidFill>
-                  <a:srgbClr val="002B41"/>
-                </a:solidFill>
-                <a:latin typeface="微软雅黑" panose="020B0503020204020204" pitchFamily="34" charset="-122"/>
-                <a:ea typeface="微软雅黑" panose="020B0503020204020204" pitchFamily="34" charset="-122"/>
-              </a:rPr>
-              <a:t>高扩展性从而增加受众是有收益的。</a:t>
-            </a:r>
-          </a:p>
-          <a:p>
-            <a:pPr marL="285750" indent="-285750">
-              <a:buFont typeface="Wingdings" panose="05000000000000000000" pitchFamily="2" charset="2"/>
-              <a:buChar char="Ø"/>
-            </a:pPr>
-            <a:r>
-              <a:rPr lang="zh-CN" altLang="en-US" sz="1600" dirty="0" smtClean="0">
-                <a:solidFill>
-                  <a:srgbClr val="002B41"/>
-                </a:solidFill>
-                <a:latin typeface="微软雅黑" panose="020B0503020204020204" pitchFamily="34" charset="-122"/>
-                <a:ea typeface="微软雅黑" panose="020B0503020204020204" pitchFamily="34" charset="-122"/>
-              </a:rPr>
-              <a:t>该</a:t>
-            </a:r>
-            <a:r>
-              <a:rPr lang="zh-CN" altLang="en-US" sz="1600" dirty="0">
-                <a:solidFill>
-                  <a:srgbClr val="002B41"/>
-                </a:solidFill>
-                <a:latin typeface="微软雅黑" panose="020B0503020204020204" pitchFamily="34" charset="-122"/>
-                <a:ea typeface="微软雅黑" panose="020B0503020204020204" pitchFamily="34" charset="-122"/>
-              </a:rPr>
-              <a:t>方法适用于整个设备，无需额外要求</a:t>
-            </a:r>
-            <a:r>
-              <a:rPr lang="zh-CN" altLang="en-US" sz="1600" dirty="0" smtClean="0">
+              <a:rPr lang="zh-CN" altLang="zh-CN" sz="1600" dirty="0">
+                <a:solidFill>
+                  <a:srgbClr val="002B41"/>
+                </a:solidFill>
+                <a:latin typeface="微软雅黑" panose="020B0503020204020204" pitchFamily="34" charset="-122"/>
+                <a:ea typeface="微软雅黑" panose="020B0503020204020204" pitchFamily="34" charset="-122"/>
+              </a:rPr>
+              <a:t>新的压缩算法一般都会在这几个维度之间加以考虑，从而综合得到相对应的符合需求的算法</a:t>
+            </a:r>
+            <a:r>
+              <a:rPr lang="en-US" altLang="zh-CN" sz="1600" dirty="0">
+                <a:solidFill>
+                  <a:srgbClr val="002B41"/>
+                </a:solidFill>
+                <a:latin typeface="微软雅黑" panose="020B0503020204020204" pitchFamily="34" charset="-122"/>
+                <a:ea typeface="微软雅黑" panose="020B0503020204020204" pitchFamily="34" charset="-122"/>
+              </a:rPr>
+              <a:t>——</a:t>
+            </a:r>
+            <a:r>
+              <a:rPr lang="zh-CN" altLang="zh-CN" sz="1600" dirty="0">
+                <a:solidFill>
+                  <a:srgbClr val="002B41"/>
+                </a:solidFill>
+                <a:latin typeface="微软雅黑" panose="020B0503020204020204" pitchFamily="34" charset="-122"/>
+                <a:ea typeface="微软雅黑" panose="020B0503020204020204" pitchFamily="34" charset="-122"/>
+              </a:rPr>
+              <a:t>具体要根据特定应用场景做出平衡：当延迟至关重要的时，例如视频会议或视频安全监控，可以牺牲扩展性或质量；另一方面，在线性广播中大规模传送高质量媒体内容时，延迟通常会略微增加</a:t>
+            </a:r>
+            <a:r>
+              <a:rPr lang="zh-CN" altLang="zh-CN" sz="1600" dirty="0" smtClean="0">
                 <a:solidFill>
                   <a:srgbClr val="002B41"/>
                 </a:solidFill>
@@ -27864,49 +27556,6 @@
             </a:endParaRPr>
           </a:p>
           <a:p>
-            <a:pPr marL="285750" indent="-285750">
-              <a:buFont typeface="Wingdings" panose="05000000000000000000" pitchFamily="2" charset="2"/>
-              <a:buChar char="Ø"/>
-            </a:pPr>
-            <a:endParaRPr lang="zh-CN" altLang="en-US" sz="1600" dirty="0">
-              <a:solidFill>
-                <a:srgbClr val="002B41"/>
-              </a:solidFill>
-              <a:latin typeface="微软雅黑" panose="020B0503020204020204" pitchFamily="34" charset="-122"/>
-              <a:ea typeface="微软雅黑" panose="020B0503020204020204" pitchFamily="34" charset="-122"/>
-            </a:endParaRPr>
-          </a:p>
-          <a:p>
-            <a:r>
-              <a:rPr lang="zh-CN" altLang="en-US" sz="1600" dirty="0">
-                <a:solidFill>
-                  <a:srgbClr val="002B41"/>
-                </a:solidFill>
-                <a:latin typeface="微软雅黑" panose="020B0503020204020204" pitchFamily="34" charset="-122"/>
-                <a:ea typeface="微软雅黑" panose="020B0503020204020204" pitchFamily="34" charset="-122"/>
-              </a:rPr>
-              <a:t>其中有一种解决方案比较常被提及：</a:t>
-            </a:r>
-            <a:r>
-              <a:rPr lang="en-US" altLang="zh-CN" sz="1600" dirty="0" smtClean="0">
-                <a:solidFill>
-                  <a:srgbClr val="002B41"/>
-                </a:solidFill>
-                <a:latin typeface="微软雅黑" panose="020B0503020204020204" pitchFamily="34" charset="-122"/>
-                <a:ea typeface="微软雅黑" panose="020B0503020204020204" pitchFamily="34" charset="-122"/>
-              </a:rPr>
-              <a:t>CMAF</a:t>
-            </a:r>
-            <a:r>
-              <a:rPr lang="zh-CN" altLang="en-US" sz="1600" dirty="0" smtClean="0">
-                <a:solidFill>
-                  <a:srgbClr val="002B41"/>
-                </a:solidFill>
-                <a:latin typeface="微软雅黑" panose="020B0503020204020204" pitchFamily="34" charset="-122"/>
-                <a:ea typeface="微软雅黑" panose="020B0503020204020204" pitchFamily="34" charset="-122"/>
-              </a:rPr>
-              <a:t>。</a:t>
-            </a:r>
             <a:endParaRPr lang="en-US" altLang="zh-CN" sz="1600" dirty="0">
               <a:solidFill>
                 <a:srgbClr val="002B41"/>
@@ -27917,6 +27566,114 @@
           </a:p>
           <a:p>
             <a:r>
+              <a:rPr lang="zh-CN" altLang="en-US" b="1" dirty="0">
+                <a:solidFill>
+                  <a:srgbClr val="002B41"/>
+                </a:solidFill>
+                <a:latin typeface="微软雅黑" panose="020B0503020204020204" pitchFamily="34" charset="-122"/>
+                <a:ea typeface="微软雅黑" panose="020B0503020204020204" pitchFamily="34" charset="-122"/>
+              </a:rPr>
+              <a:t>延</a:t>
+            </a:r>
+            <a:r>
+              <a:rPr lang="zh-CN" altLang="en-US" b="1" dirty="0" smtClean="0">
+                <a:solidFill>
+                  <a:srgbClr val="002B41"/>
+                </a:solidFill>
+                <a:latin typeface="微软雅黑" panose="020B0503020204020204" pitchFamily="34" charset="-122"/>
+                <a:ea typeface="微软雅黑" panose="020B0503020204020204" pitchFamily="34" charset="-122"/>
+              </a:rPr>
+              <a:t>迟</a:t>
+            </a:r>
+            <a:endParaRPr lang="en-US" altLang="zh-CN" b="1" dirty="0" smtClean="0">
+              <a:solidFill>
+                <a:srgbClr val="002B41"/>
+              </a:solidFill>
+              <a:latin typeface="微软雅黑" panose="020B0503020204020204" pitchFamily="34" charset="-122"/>
+              <a:ea typeface="微软雅黑" panose="020B0503020204020204" pitchFamily="34" charset="-122"/>
+            </a:endParaRPr>
+          </a:p>
+          <a:p>
+            <a:r>
+              <a:rPr lang="en-US" altLang="zh-CN" sz="1600" dirty="0" smtClean="0">
+                <a:solidFill>
+                  <a:srgbClr val="002B41"/>
+                </a:solidFill>
+                <a:latin typeface="微软雅黑" panose="020B0503020204020204" pitchFamily="34" charset="-122"/>
+                <a:ea typeface="微软雅黑" panose="020B0503020204020204" pitchFamily="34" charset="-122"/>
+              </a:rPr>
+              <a:t>       </a:t>
+            </a:r>
+            <a:r>
+              <a:rPr lang="zh-CN" altLang="zh-CN" sz="1600" dirty="0" smtClean="0">
+                <a:solidFill>
+                  <a:srgbClr val="002B41"/>
+                </a:solidFill>
+                <a:latin typeface="微软雅黑" panose="020B0503020204020204" pitchFamily="34" charset="-122"/>
+                <a:ea typeface="微软雅黑" panose="020B0503020204020204" pitchFamily="34" charset="-122"/>
+              </a:rPr>
+              <a:t>目</a:t>
+            </a:r>
+            <a:r>
+              <a:rPr lang="zh-CN" altLang="zh-CN" sz="1600" dirty="0">
+                <a:solidFill>
+                  <a:srgbClr val="002B41"/>
+                </a:solidFill>
+                <a:latin typeface="微软雅黑" panose="020B0503020204020204" pitchFamily="34" charset="-122"/>
+                <a:ea typeface="微软雅黑" panose="020B0503020204020204" pitchFamily="34" charset="-122"/>
+              </a:rPr>
+              <a:t>前对于视频传输的延迟还没有一个统一的定义。但是普遍来说，延迟可以定义为</a:t>
+            </a:r>
+            <a:r>
+              <a:rPr lang="en-US" altLang="zh-CN" sz="1600" dirty="0">
+                <a:solidFill>
+                  <a:srgbClr val="002B41"/>
+                </a:solidFill>
+                <a:latin typeface="微软雅黑" panose="020B0503020204020204" pitchFamily="34" charset="-122"/>
+                <a:ea typeface="微软雅黑" panose="020B0503020204020204" pitchFamily="34" charset="-122"/>
+              </a:rPr>
+              <a:t>“</a:t>
+            </a:r>
+            <a:r>
+              <a:rPr lang="zh-CN" altLang="zh-CN" sz="1600" dirty="0">
+                <a:solidFill>
+                  <a:srgbClr val="002B41"/>
+                </a:solidFill>
+                <a:latin typeface="微软雅黑" panose="020B0503020204020204" pitchFamily="34" charset="-122"/>
+                <a:ea typeface="微软雅黑" panose="020B0503020204020204" pitchFamily="34" charset="-122"/>
+              </a:rPr>
+              <a:t>某些物理变化的原因和结果之间的时间</a:t>
+            </a:r>
+            <a:r>
+              <a:rPr lang="en-US" altLang="zh-CN" sz="1600" dirty="0">
+                <a:solidFill>
+                  <a:srgbClr val="002B41"/>
+                </a:solidFill>
+                <a:latin typeface="微软雅黑" panose="020B0503020204020204" pitchFamily="34" charset="-122"/>
+                <a:ea typeface="微软雅黑" panose="020B0503020204020204" pitchFamily="34" charset="-122"/>
+              </a:rPr>
+              <a:t>”</a:t>
+            </a:r>
+            <a:r>
+              <a:rPr lang="zh-CN" altLang="zh-CN" sz="1600" dirty="0">
+                <a:solidFill>
+                  <a:srgbClr val="002B41"/>
+                </a:solidFill>
+                <a:latin typeface="微软雅黑" panose="020B0503020204020204" pitchFamily="34" charset="-122"/>
+                <a:ea typeface="微软雅黑" panose="020B0503020204020204" pitchFamily="34" charset="-122"/>
+              </a:rPr>
+              <a:t>。</a:t>
+            </a:r>
+            <a:endParaRPr lang="en-US" altLang="zh-CN" sz="1600" dirty="0">
+              <a:solidFill>
+                <a:srgbClr val="002B41"/>
+              </a:solidFill>
+              <a:latin typeface="微软雅黑" panose="020B0503020204020204" pitchFamily="34" charset="-122"/>
+              <a:ea typeface="微软雅黑" panose="020B0503020204020204" pitchFamily="34" charset="-122"/>
+            </a:endParaRPr>
+          </a:p>
+          <a:p>
+            <a:r>
               <a:rPr lang="zh-CN" altLang="en-US" sz="1600" dirty="0" smtClean="0">
                 <a:solidFill>
                   <a:srgbClr val="002B41"/>
@@ -27924,7 +27681,7 @@
                 <a:latin typeface="微软雅黑" panose="020B0503020204020204" pitchFamily="34" charset="-122"/>
                 <a:ea typeface="微软雅黑" panose="020B0503020204020204" pitchFamily="34" charset="-122"/>
               </a:rPr>
-              <a:t>       通</a:t>
+              <a:t>       在</a:t>
             </a:r>
             <a:r>
               <a:rPr lang="zh-CN" altLang="en-US" sz="1600" dirty="0">
@@ -27934,7 +27691,7 @@
                 <a:latin typeface="微软雅黑" panose="020B0503020204020204" pitchFamily="34" charset="-122"/>
                 <a:ea typeface="微软雅黑" panose="020B0503020204020204" pitchFamily="34" charset="-122"/>
               </a:rPr>
-              <a:t>用媒体应用框架（</a:t>
+              <a:t>交互式的实时体验中，延迟将会严重地影响用户的实时体验。因此对于</a:t>
             </a:r>
             <a:r>
               <a:rPr lang="en-US" altLang="zh-CN" sz="1600" dirty="0">
@@ -27944,7 +27701,7 @@
                 <a:latin typeface="微软雅黑" panose="020B0503020204020204" pitchFamily="34" charset="-122"/>
                 <a:ea typeface="微软雅黑" panose="020B0503020204020204" pitchFamily="34" charset="-122"/>
               </a:rPr>
-              <a:t>CMAF</a:t>
+              <a:t>VR</a:t>
             </a:r>
             <a:r>
               <a:rPr lang="zh-CN" altLang="en-US" sz="1600" dirty="0">
@@ -27954,17 +27711,36 @@
                 <a:latin typeface="微软雅黑" panose="020B0503020204020204" pitchFamily="34" charset="-122"/>
                 <a:ea typeface="微软雅黑" panose="020B0503020204020204" pitchFamily="34" charset="-122"/>
               </a:rPr>
-              <a:t>）可以使用</a:t>
-            </a:r>
-            <a:r>
-              <a:rPr lang="en-US" altLang="zh-CN" sz="1600" dirty="0">
-                <a:solidFill>
-                  <a:srgbClr val="002B41"/>
-                </a:solidFill>
-                <a:latin typeface="微软雅黑" panose="020B0503020204020204" pitchFamily="34" charset="-122"/>
-                <a:ea typeface="微软雅黑" panose="020B0503020204020204" pitchFamily="34" charset="-122"/>
-              </a:rPr>
-              <a:t>fMP4</a:t>
+              <a:t>的交互式设备来说延迟的解决是至关重要的一部分。</a:t>
+            </a:r>
+            <a:r>
+              <a:rPr lang="zh-CN" altLang="en-US" b="1" dirty="0">
+                <a:solidFill>
+                  <a:srgbClr val="002B41"/>
+                </a:solidFill>
+                <a:latin typeface="微软雅黑" panose="020B0503020204020204" pitchFamily="34" charset="-122"/>
+                <a:ea typeface="微软雅黑" panose="020B0503020204020204" pitchFamily="34" charset="-122"/>
+              </a:rPr>
+              <a:t> </a:t>
+            </a:r>
+            <a:endParaRPr lang="en-US" altLang="zh-CN" b="1" dirty="0" smtClean="0">
+              <a:solidFill>
+                <a:srgbClr val="002B41"/>
+              </a:solidFill>
+              <a:latin typeface="微软雅黑" panose="020B0503020204020204" pitchFamily="34" charset="-122"/>
+              <a:ea typeface="微软雅黑" panose="020B0503020204020204" pitchFamily="34" charset="-122"/>
+            </a:endParaRPr>
+          </a:p>
+          <a:p>
+            <a:r>
+              <a:rPr lang="zh-CN" altLang="en-US" sz="1600" dirty="0" smtClean="0">
+                <a:solidFill>
+                  <a:srgbClr val="002B41"/>
+                </a:solidFill>
+                <a:latin typeface="微软雅黑" panose="020B0503020204020204" pitchFamily="34" charset="-122"/>
+                <a:ea typeface="微软雅黑" panose="020B0503020204020204" pitchFamily="34" charset="-122"/>
+              </a:rPr>
+              <a:t>       视</a:t>
             </a:r>
             <a:r>
               <a:rPr lang="zh-CN" altLang="en-US" sz="1600" dirty="0">
@@ -27974,17 +27750,17 @@
                 <a:latin typeface="微软雅黑" panose="020B0503020204020204" pitchFamily="34" charset="-122"/>
                 <a:ea typeface="微软雅黑" panose="020B0503020204020204" pitchFamily="34" charset="-122"/>
               </a:rPr>
-              <a:t>容器对多个比特率配置文件中的视频进行均匀分片编码，以便通过</a:t>
-            </a:r>
-            <a:r>
-              <a:rPr lang="en-US" altLang="zh-CN" sz="1600" dirty="0">
-                <a:solidFill>
-                  <a:srgbClr val="002B41"/>
-                </a:solidFill>
-                <a:latin typeface="微软雅黑" panose="020B0503020204020204" pitchFamily="34" charset="-122"/>
-                <a:ea typeface="微软雅黑" panose="020B0503020204020204" pitchFamily="34" charset="-122"/>
-              </a:rPr>
-              <a:t>HLS</a:t>
+              <a:t>频的传输</a:t>
+            </a:r>
+            <a:r>
+              <a:rPr lang="zh-CN" altLang="en-US" sz="1600" dirty="0" smtClean="0">
+                <a:solidFill>
+                  <a:srgbClr val="002B41"/>
+                </a:solidFill>
+                <a:latin typeface="微软雅黑" panose="020B0503020204020204" pitchFamily="34" charset="-122"/>
+                <a:ea typeface="微软雅黑" panose="020B0503020204020204" pitchFamily="34" charset="-122"/>
+              </a:rPr>
+              <a:t>中，大</a:t>
             </a:r>
             <a:r>
               <a:rPr lang="zh-CN" altLang="en-US" sz="1600" dirty="0">
@@ -27994,17 +27770,17 @@
                 <a:latin typeface="微软雅黑" panose="020B0503020204020204" pitchFamily="34" charset="-122"/>
                 <a:ea typeface="微软雅黑" panose="020B0503020204020204" pitchFamily="34" charset="-122"/>
               </a:rPr>
-              <a:t>或</a:t>
-            </a:r>
-            <a:r>
-              <a:rPr lang="en-US" altLang="zh-CN" sz="1600" dirty="0">
-                <a:solidFill>
-                  <a:srgbClr val="002B41"/>
-                </a:solidFill>
-                <a:latin typeface="微软雅黑" panose="020B0503020204020204" pitchFamily="34" charset="-122"/>
-                <a:ea typeface="微软雅黑" panose="020B0503020204020204" pitchFamily="34" charset="-122"/>
-              </a:rPr>
-              <a:t>DASH</a:t>
+              <a:t>概需要经过以</a:t>
+            </a:r>
+            <a:r>
+              <a:rPr lang="zh-CN" altLang="en-US" sz="1600" dirty="0" smtClean="0">
+                <a:solidFill>
+                  <a:srgbClr val="002B41"/>
+                </a:solidFill>
+                <a:latin typeface="微软雅黑" panose="020B0503020204020204" pitchFamily="34" charset="-122"/>
+                <a:ea typeface="微软雅黑" panose="020B0503020204020204" pitchFamily="34" charset="-122"/>
+              </a:rPr>
+              <a:t>下五</a:t>
             </a:r>
             <a:r>
               <a:rPr lang="zh-CN" altLang="en-US" sz="1600" dirty="0">
@@ -28014,17 +27790,17 @@
                 <a:latin typeface="微软雅黑" panose="020B0503020204020204" pitchFamily="34" charset="-122"/>
                 <a:ea typeface="微软雅黑" panose="020B0503020204020204" pitchFamily="34" charset="-122"/>
               </a:rPr>
-              <a:t>进行流式传输。</a:t>
-            </a:r>
-            <a:r>
-              <a:rPr lang="en-US" altLang="zh-CN" sz="1600" dirty="0">
-                <a:solidFill>
-                  <a:srgbClr val="002B41"/>
-                </a:solidFill>
-                <a:latin typeface="微软雅黑" panose="020B0503020204020204" pitchFamily="34" charset="-122"/>
-                <a:ea typeface="微软雅黑" panose="020B0503020204020204" pitchFamily="34" charset="-122"/>
-              </a:rPr>
-              <a:t>CMAF</a:t>
+              <a:t>个步骤才能完成</a:t>
+            </a:r>
+            <a:r>
+              <a:rPr lang="zh-CN" altLang="en-US" sz="1600" dirty="0" smtClean="0">
+                <a:solidFill>
+                  <a:srgbClr val="002B41"/>
+                </a:solidFill>
+                <a:latin typeface="微软雅黑" panose="020B0503020204020204" pitchFamily="34" charset="-122"/>
+                <a:ea typeface="微软雅黑" panose="020B0503020204020204" pitchFamily="34" charset="-122"/>
+              </a:rPr>
+              <a:t>传输到</a:t>
             </a:r>
             <a:r>
               <a:rPr lang="zh-CN" altLang="en-US" sz="1600" dirty="0">
@@ -28034,17 +27810,17 @@
                 <a:latin typeface="微软雅黑" panose="020B0503020204020204" pitchFamily="34" charset="-122"/>
                 <a:ea typeface="微软雅黑" panose="020B0503020204020204" pitchFamily="34" charset="-122"/>
               </a:rPr>
-              <a:t>提供了一个轻量级框架，它不会引入新各方案，而是以新的方式组合现有格式和标准。随着</a:t>
-            </a:r>
-            <a:r>
-              <a:rPr lang="en-US" altLang="zh-CN" sz="1600" dirty="0">
-                <a:solidFill>
-                  <a:srgbClr val="002B41"/>
-                </a:solidFill>
-                <a:latin typeface="微软雅黑" panose="020B0503020204020204" pitchFamily="34" charset="-122"/>
-                <a:ea typeface="微软雅黑" panose="020B0503020204020204" pitchFamily="34" charset="-122"/>
-              </a:rPr>
-              <a:t>2017</a:t>
+              <a:t>设备完成播放的操</a:t>
+            </a:r>
+            <a:r>
+              <a:rPr lang="zh-CN" altLang="en-US" sz="1600" dirty="0" smtClean="0">
+                <a:solidFill>
+                  <a:srgbClr val="002B41"/>
+                </a:solidFill>
+                <a:latin typeface="微软雅黑" panose="020B0503020204020204" pitchFamily="34" charset="-122"/>
+                <a:ea typeface="微软雅黑" panose="020B0503020204020204" pitchFamily="34" charset="-122"/>
+              </a:rPr>
+              <a:t>作。在</a:t>
             </a:r>
             <a:r>
               <a:rPr lang="zh-CN" altLang="en-US" sz="1600" dirty="0">
@@ -28054,28 +27830,25 @@
                 <a:latin typeface="微软雅黑" panose="020B0503020204020204" pitchFamily="34" charset="-122"/>
                 <a:ea typeface="微软雅黑" panose="020B0503020204020204" pitchFamily="34" charset="-122"/>
               </a:rPr>
-              <a:t>年实现正式标准化，行业中的以后实践就都需要考虑</a:t>
-            </a:r>
-            <a:r>
-              <a:rPr lang="en-US" altLang="zh-CN" sz="1600" dirty="0">
-                <a:solidFill>
-                  <a:srgbClr val="002B41"/>
-                </a:solidFill>
-                <a:latin typeface="微软雅黑" panose="020B0503020204020204" pitchFamily="34" charset="-122"/>
-                <a:ea typeface="微软雅黑" panose="020B0503020204020204" pitchFamily="34" charset="-122"/>
-              </a:rPr>
-              <a:t>CMAF</a:t>
-            </a:r>
-            <a:r>
-              <a:rPr lang="zh-CN" altLang="en-US" sz="1600" dirty="0">
-                <a:solidFill>
-                  <a:srgbClr val="002B41"/>
-                </a:solidFill>
-                <a:latin typeface="微软雅黑" panose="020B0503020204020204" pitchFamily="34" charset="-122"/>
-                <a:ea typeface="微软雅黑" panose="020B0503020204020204" pitchFamily="34" charset="-122"/>
-              </a:rPr>
-              <a:t>这种新格式。</a:t>
-            </a:r>
+              <a:t>各个步骤</a:t>
+            </a:r>
+            <a:r>
+              <a:rPr lang="zh-CN" altLang="en-US" sz="1600" dirty="0" smtClean="0">
+                <a:solidFill>
+                  <a:srgbClr val="002B41"/>
+                </a:solidFill>
+                <a:latin typeface="微软雅黑" panose="020B0503020204020204" pitchFamily="34" charset="-122"/>
+                <a:ea typeface="微软雅黑" panose="020B0503020204020204" pitchFamily="34" charset="-122"/>
+              </a:rPr>
+              <a:t>中，各种原因都可能导致一定的延迟。</a:t>
+            </a:r>
+            <a:endParaRPr lang="zh-CN" altLang="zh-CN" sz="1600" dirty="0">
+              <a:solidFill>
+                <a:srgbClr val="002B41"/>
+              </a:solidFill>
+              <a:latin typeface="微软雅黑" panose="020B0503020204020204" pitchFamily="34" charset="-122"/>
+              <a:ea typeface="微软雅黑" panose="020B0503020204020204" pitchFamily="34" charset="-122"/>
+            </a:endParaRPr>
           </a:p>
         </p:txBody>
       </p:sp>
@@ -28107,429 +27880,555 @@
       </p:sp>
       <p:sp>
         <p:nvSpPr>
-          <p:cNvPr id="12" name="椭圆 1"/>
-          <p:cNvSpPr>
-            <a:spLocks noChangeArrowheads="1"/>
-          </p:cNvSpPr>
+          <p:cNvPr id="4" name="TextBox 3"/>
+          <p:cNvSpPr txBox="1"/>
           <p:nvPr/>
         </p:nvSpPr>
-        <p:spPr bwMode="auto">
+        <p:spPr>
           <a:xfrm>
-            <a:off x="6878818" y="371326"/>
-            <a:ext cx="1574142" cy="727831"/>
+            <a:off x="5368396" y="2014597"/>
+            <a:ext cx="6252678" cy="4524315"/>
           </a:xfrm>
-          <a:prstGeom prst="roundRect">
+          <a:prstGeom prst="rect">
             <a:avLst/>
           </a:prstGeom>
-          <a:solidFill>
-            <a:srgbClr val="002B41"/>
-          </a:solidFill>
-          <a:ln w="28575">
-            <a:noFill/>
-          </a:ln>
-          <a:effectLst>
-            <a:outerShdw blurRad="254000" dist="127000" dir="2700000" algn="tl" rotWithShape="0">
-              <a:prstClr val="black">
-                <a:alpha val="40000"/>
-              </a:prstClr>
-            </a:outerShdw>
-          </a:effectLst>
+          <a:noFill/>
         </p:spPr>
         <p:txBody>
-          <a:bodyPr anchor="ctr"/>
-          <a:lstStyle>
-            <a:lvl1pPr eaLnBrk="0" hangingPunct="0">
-              <a:defRPr>
-                <a:solidFill>
-                  <a:schemeClr val="tx1"/>
-                </a:solidFill>
-                <a:latin typeface="Calibri" panose="020F0502020204030204" pitchFamily="34" charset="0"/>
-                <a:ea typeface="宋体" panose="02010600030101010101" pitchFamily="2" charset="-122"/>
-              </a:defRPr>
-            </a:lvl1pPr>
-            <a:lvl2pPr marL="742950" indent="-285750" eaLnBrk="0" hangingPunct="0">
-              <a:defRPr>
-                <a:solidFill>
-                  <a:schemeClr val="tx1"/>
-                </a:solidFill>
-                <a:latin typeface="Calibri" panose="020F0502020204030204" pitchFamily="34" charset="0"/>
-                <a:ea typeface="宋体" panose="02010600030101010101" pitchFamily="2" charset="-122"/>
-              </a:defRPr>
-            </a:lvl2pPr>
-            <a:lvl3pPr marL="1143000" indent="-228600" eaLnBrk="0" hangingPunct="0">
-              <a:defRPr>
-                <a:solidFill>
-                  <a:schemeClr val="tx1"/>
-                </a:solidFill>
-                <a:latin typeface="Calibri" panose="020F0502020204030204" pitchFamily="34" charset="0"/>
-                <a:ea typeface="宋体" panose="02010600030101010101" pitchFamily="2" charset="-122"/>
-              </a:defRPr>
-            </a:lvl3pPr>
-            <a:lvl4pPr marL="1600200" indent="-228600" eaLnBrk="0" hangingPunct="0">
-              <a:defRPr>
-                <a:solidFill>
-                  <a:schemeClr val="tx1"/>
-                </a:solidFill>
-                <a:latin typeface="Calibri" panose="020F0502020204030204" pitchFamily="34" charset="0"/>
-                <a:ea typeface="宋体" panose="02010600030101010101" pitchFamily="2" charset="-122"/>
-              </a:defRPr>
-            </a:lvl4pPr>
-            <a:lvl5pPr marL="2057400" indent="-228600" eaLnBrk="0" hangingPunct="0">
-              <a:defRPr>
-                <a:solidFill>
-                  <a:schemeClr val="tx1"/>
-                </a:solidFill>
-                <a:latin typeface="Calibri" panose="020F0502020204030204" pitchFamily="34" charset="0"/>
-                <a:ea typeface="宋体" panose="02010600030101010101" pitchFamily="2" charset="-122"/>
-              </a:defRPr>
-            </a:lvl5pPr>
-            <a:lvl6pPr marL="2514600" indent="-228600" eaLnBrk="0" fontAlgn="base" hangingPunct="0">
-              <a:spcBef>
-                <a:spcPct val="0"/>
-              </a:spcBef>
-              <a:spcAft>
-                <a:spcPct val="0"/>
-              </a:spcAft>
-              <a:buFont typeface="Arial" panose="020B0604020202020204" pitchFamily="34" charset="0"/>
-              <a:defRPr>
-                <a:solidFill>
-                  <a:schemeClr val="tx1"/>
-                </a:solidFill>
-                <a:latin typeface="Calibri" panose="020F0502020204030204" pitchFamily="34" charset="0"/>
-                <a:ea typeface="宋体" panose="02010600030101010101" pitchFamily="2" charset="-122"/>
-              </a:defRPr>
-            </a:lvl6pPr>
-            <a:lvl7pPr marL="2971800" indent="-228600" eaLnBrk="0" fontAlgn="base" hangingPunct="0">
-              <a:spcBef>
-                <a:spcPct val="0"/>
-              </a:spcBef>
-              <a:spcAft>
-                <a:spcPct val="0"/>
-              </a:spcAft>
-              <a:buFont typeface="Arial" panose="020B0604020202020204" pitchFamily="34" charset="0"/>
-              <a:defRPr>
-                <a:solidFill>
-                  <a:schemeClr val="tx1"/>
-                </a:solidFill>
-                <a:latin typeface="Calibri" panose="020F0502020204030204" pitchFamily="34" charset="0"/>
-                <a:ea typeface="宋体" panose="02010600030101010101" pitchFamily="2" charset="-122"/>
-              </a:defRPr>
-            </a:lvl7pPr>
-            <a:lvl8pPr marL="3429000" indent="-228600" eaLnBrk="0" fontAlgn="base" hangingPunct="0">
-              <a:spcBef>
-                <a:spcPct val="0"/>
-              </a:spcBef>
-              <a:spcAft>
-                <a:spcPct val="0"/>
-              </a:spcAft>
-              <a:buFont typeface="Arial" panose="020B0604020202020204" pitchFamily="34" charset="0"/>
-              <a:defRPr>
-                <a:solidFill>
-                  <a:schemeClr val="tx1"/>
-                </a:solidFill>
-                <a:latin typeface="Calibri" panose="020F0502020204030204" pitchFamily="34" charset="0"/>
-                <a:ea typeface="宋体" panose="02010600030101010101" pitchFamily="2" charset="-122"/>
-              </a:defRPr>
-            </a:lvl8pPr>
-            <a:lvl9pPr marL="3886200" indent="-228600" eaLnBrk="0" fontAlgn="base" hangingPunct="0">
-              <a:spcBef>
-                <a:spcPct val="0"/>
-              </a:spcBef>
-              <a:spcAft>
-                <a:spcPct val="0"/>
-              </a:spcAft>
-              <a:buFont typeface="Arial" panose="020B0604020202020204" pitchFamily="34" charset="0"/>
-              <a:defRPr>
-                <a:solidFill>
-                  <a:schemeClr val="tx1"/>
-                </a:solidFill>
-                <a:latin typeface="Calibri" panose="020F0502020204030204" pitchFamily="34" charset="0"/>
-                <a:ea typeface="宋体" panose="02010600030101010101" pitchFamily="2" charset="-122"/>
-              </a:defRPr>
-            </a:lvl9pPr>
-          </a:lstStyle>
-          <a:p>
-            <a:pPr algn="ctr" eaLnBrk="1" hangingPunct="1"/>
-            <a:r>
-              <a:rPr lang="zh-CN" altLang="en-US" sz="2000" b="1" dirty="0" smtClean="0">
-                <a:solidFill>
-                  <a:schemeClr val="bg1"/>
-                </a:solidFill>
-                <a:latin typeface="微软雅黑" panose="020B0503020204020204" pitchFamily="34" charset="-122"/>
-                <a:ea typeface="微软雅黑" panose="020B0503020204020204" pitchFamily="34" charset="-122"/>
-              </a:rPr>
-              <a:t>微型化</a:t>
-            </a:r>
-            <a:endParaRPr lang="zh-CN" altLang="en-US" sz="2000" b="1" dirty="0">
+          <a:bodyPr wrap="square" rtlCol="0">
+            <a:spAutoFit/>
+          </a:bodyPr>
+          <a:lstStyle/>
+          <a:p>
+            <a:pPr lvl="0"/>
+            <a:r>
+              <a:rPr lang="zh-CN" altLang="en-US" sz="1600" b="1" dirty="0">
+                <a:solidFill>
+                  <a:srgbClr val="002B41"/>
+                </a:solidFill>
+                <a:latin typeface="微软雅黑" panose="020B0503020204020204" pitchFamily="34" charset="-122"/>
+                <a:ea typeface="微软雅黑" panose="020B0503020204020204" pitchFamily="34" charset="-122"/>
+              </a:rPr>
+              <a:t>编码和封装</a:t>
+            </a:r>
+            <a:r>
+              <a:rPr lang="zh-CN" altLang="en-US" sz="1600" dirty="0">
+                <a:solidFill>
+                  <a:srgbClr val="002B41"/>
+                </a:solidFill>
+                <a:latin typeface="微软雅黑" panose="020B0503020204020204" pitchFamily="34" charset="-122"/>
+                <a:ea typeface="微软雅黑" panose="020B0503020204020204" pitchFamily="34" charset="-122"/>
+              </a:rPr>
+              <a:t>：引入延迟和参数配置、质量要求密切相关。</a:t>
+            </a:r>
+          </a:p>
+          <a:p>
+            <a:pPr lvl="0"/>
+            <a:r>
+              <a:rPr lang="zh-CN" altLang="en-US" sz="1600" dirty="0" smtClean="0">
+                <a:solidFill>
+                  <a:srgbClr val="002B41"/>
+                </a:solidFill>
+                <a:latin typeface="微软雅黑" panose="020B0503020204020204" pitchFamily="34" charset="-122"/>
+                <a:ea typeface="微软雅黑" panose="020B0503020204020204" pitchFamily="34" charset="-122"/>
+              </a:rPr>
+              <a:t>       某</a:t>
+            </a:r>
+            <a:r>
+              <a:rPr lang="zh-CN" altLang="en-US" sz="1600" dirty="0">
+                <a:solidFill>
+                  <a:srgbClr val="002B41"/>
+                </a:solidFill>
+                <a:latin typeface="微软雅黑" panose="020B0503020204020204" pitchFamily="34" charset="-122"/>
+                <a:ea typeface="微软雅黑" panose="020B0503020204020204" pitchFamily="34" charset="-122"/>
+              </a:rPr>
+              <a:t>些流媒体协议可能会引入额外的延迟，因为它们只有在完全接收到后才输出一大块（</a:t>
+            </a:r>
+            <a:r>
+              <a:rPr lang="en-US" altLang="zh-CN" sz="1600" dirty="0">
+                <a:solidFill>
+                  <a:srgbClr val="002B41"/>
+                </a:solidFill>
+                <a:latin typeface="微软雅黑" panose="020B0503020204020204" pitchFamily="34" charset="-122"/>
+                <a:ea typeface="微软雅黑" panose="020B0503020204020204" pitchFamily="34" charset="-122"/>
+              </a:rPr>
+              <a:t>chunk</a:t>
+            </a:r>
+            <a:r>
+              <a:rPr lang="zh-CN" altLang="en-US" sz="1600" dirty="0">
+                <a:solidFill>
+                  <a:srgbClr val="002B41"/>
+                </a:solidFill>
+                <a:latin typeface="微软雅黑" panose="020B0503020204020204" pitchFamily="34" charset="-122"/>
+                <a:ea typeface="微软雅黑" panose="020B0503020204020204" pitchFamily="34" charset="-122"/>
+              </a:rPr>
+              <a:t>）媒体内容。 </a:t>
+            </a:r>
+          </a:p>
+          <a:p>
+            <a:pPr lvl="0"/>
+            <a:r>
+              <a:rPr lang="zh-CN" altLang="en-US" sz="1600" b="1" dirty="0" smtClean="0">
+                <a:solidFill>
+                  <a:srgbClr val="002B41"/>
+                </a:solidFill>
+                <a:latin typeface="微软雅黑" panose="020B0503020204020204" pitchFamily="34" charset="-122"/>
+                <a:ea typeface="微软雅黑" panose="020B0503020204020204" pitchFamily="34" charset="-122"/>
+              </a:rPr>
+              <a:t>第</a:t>
+            </a:r>
+            <a:r>
+              <a:rPr lang="zh-CN" altLang="en-US" sz="1600" b="1" dirty="0">
+                <a:solidFill>
+                  <a:srgbClr val="002B41"/>
+                </a:solidFill>
+                <a:latin typeface="微软雅黑" panose="020B0503020204020204" pitchFamily="34" charset="-122"/>
+                <a:ea typeface="微软雅黑" panose="020B0503020204020204" pitchFamily="34" charset="-122"/>
+              </a:rPr>
+              <a:t>一英里上传</a:t>
+            </a:r>
+            <a:r>
+              <a:rPr lang="zh-CN" altLang="en-US" sz="1600" dirty="0">
+                <a:solidFill>
+                  <a:srgbClr val="002B41"/>
+                </a:solidFill>
+                <a:latin typeface="微软雅黑" panose="020B0503020204020204" pitchFamily="34" charset="-122"/>
+                <a:ea typeface="微软雅黑" panose="020B0503020204020204" pitchFamily="34" charset="-122"/>
+              </a:rPr>
+              <a:t>（</a:t>
+            </a:r>
+            <a:r>
+              <a:rPr lang="en-US" altLang="zh-CN" sz="1600" dirty="0">
+                <a:solidFill>
+                  <a:srgbClr val="002B41"/>
+                </a:solidFill>
+                <a:latin typeface="微软雅黑" panose="020B0503020204020204" pitchFamily="34" charset="-122"/>
+                <a:ea typeface="微软雅黑" panose="020B0503020204020204" pitchFamily="34" charset="-122"/>
+              </a:rPr>
+              <a:t>first mile upload</a:t>
+            </a:r>
+            <a:r>
+              <a:rPr lang="zh-CN" altLang="en-US" sz="1600" dirty="0">
+                <a:solidFill>
+                  <a:srgbClr val="002B41"/>
+                </a:solidFill>
+                <a:latin typeface="微软雅黑" panose="020B0503020204020204" pitchFamily="34" charset="-122"/>
+                <a:ea typeface="微软雅黑" panose="020B0503020204020204" pitchFamily="34" charset="-122"/>
+              </a:rPr>
+              <a:t>）：将打包内容上传到</a:t>
+            </a:r>
+            <a:r>
+              <a:rPr lang="en-US" altLang="zh-CN" sz="1600" dirty="0">
+                <a:solidFill>
+                  <a:srgbClr val="002B41"/>
+                </a:solidFill>
+                <a:latin typeface="微软雅黑" panose="020B0503020204020204" pitchFamily="34" charset="-122"/>
+                <a:ea typeface="微软雅黑" panose="020B0503020204020204" pitchFamily="34" charset="-122"/>
+              </a:rPr>
+              <a:t>CDN</a:t>
+            </a:r>
+            <a:r>
+              <a:rPr lang="zh-CN" altLang="en-US" sz="1600" dirty="0">
+                <a:solidFill>
+                  <a:srgbClr val="002B41"/>
+                </a:solidFill>
+                <a:latin typeface="微软雅黑" panose="020B0503020204020204" pitchFamily="34" charset="-122"/>
+                <a:ea typeface="微软雅黑" panose="020B0503020204020204" pitchFamily="34" charset="-122"/>
+              </a:rPr>
+              <a:t>通常会受到商业条款的限制。</a:t>
+            </a:r>
+          </a:p>
+          <a:p>
+            <a:pPr lvl="0"/>
+            <a:r>
+              <a:rPr lang="zh-CN" altLang="en-US" sz="1600" dirty="0" smtClean="0">
+                <a:solidFill>
+                  <a:srgbClr val="002B41"/>
+                </a:solidFill>
+                <a:latin typeface="微软雅黑" panose="020B0503020204020204" pitchFamily="34" charset="-122"/>
+                <a:ea typeface="微软雅黑" panose="020B0503020204020204" pitchFamily="34" charset="-122"/>
+              </a:rPr>
+              <a:t>       例</a:t>
+            </a:r>
+            <a:r>
+              <a:rPr lang="zh-CN" altLang="en-US" sz="1600" dirty="0">
+                <a:solidFill>
+                  <a:srgbClr val="002B41"/>
+                </a:solidFill>
+                <a:latin typeface="微软雅黑" panose="020B0503020204020204" pitchFamily="34" charset="-122"/>
+                <a:ea typeface="微软雅黑" panose="020B0503020204020204" pitchFamily="34" charset="-122"/>
+              </a:rPr>
+              <a:t>如，与来自新闻工作室的租用线路设置相比，如果通过无线连接完成上传将会产生更大的延迟。 </a:t>
+            </a:r>
+          </a:p>
+          <a:p>
+            <a:pPr lvl="0"/>
+            <a:r>
+              <a:rPr lang="en-US" altLang="zh-CN" sz="1600" b="1" dirty="0" smtClean="0">
+                <a:solidFill>
+                  <a:srgbClr val="002B41"/>
+                </a:solidFill>
+                <a:latin typeface="微软雅黑" panose="020B0503020204020204" pitchFamily="34" charset="-122"/>
+                <a:ea typeface="微软雅黑" panose="020B0503020204020204" pitchFamily="34" charset="-122"/>
+              </a:rPr>
+              <a:t>CDN</a:t>
+            </a:r>
+            <a:r>
+              <a:rPr lang="zh-CN" altLang="en-US" sz="1600" b="1" dirty="0">
+                <a:solidFill>
+                  <a:srgbClr val="002B41"/>
+                </a:solidFill>
+                <a:latin typeface="微软雅黑" panose="020B0503020204020204" pitchFamily="34" charset="-122"/>
+                <a:ea typeface="微软雅黑" panose="020B0503020204020204" pitchFamily="34" charset="-122"/>
+              </a:rPr>
+              <a:t>传播</a:t>
+            </a:r>
+            <a:r>
+              <a:rPr lang="zh-CN" altLang="en-US" sz="1600" dirty="0">
+                <a:solidFill>
+                  <a:srgbClr val="002B41"/>
+                </a:solidFill>
+                <a:latin typeface="微软雅黑" panose="020B0503020204020204" pitchFamily="34" charset="-122"/>
+                <a:ea typeface="微软雅黑" panose="020B0503020204020204" pitchFamily="34" charset="-122"/>
+              </a:rPr>
+              <a:t>：为了大规模传送内容，大多数媒体管道都利用内容传送网络</a:t>
+            </a:r>
+            <a:r>
+              <a:rPr lang="en-US" altLang="zh-CN" sz="1600" dirty="0">
+                <a:solidFill>
+                  <a:srgbClr val="002B41"/>
+                </a:solidFill>
+                <a:latin typeface="微软雅黑" panose="020B0503020204020204" pitchFamily="34" charset="-122"/>
+                <a:ea typeface="微软雅黑" panose="020B0503020204020204" pitchFamily="34" charset="-122"/>
+              </a:rPr>
+              <a:t>(content delivery network)</a:t>
+            </a:r>
+            <a:r>
+              <a:rPr lang="zh-CN" altLang="en-US" sz="1600" dirty="0">
+                <a:solidFill>
+                  <a:srgbClr val="002B41"/>
+                </a:solidFill>
+                <a:latin typeface="微软雅黑" panose="020B0503020204020204" pitchFamily="34" charset="-122"/>
+                <a:ea typeface="微软雅黑" panose="020B0503020204020204" pitchFamily="34" charset="-122"/>
+              </a:rPr>
+              <a:t>。</a:t>
+            </a:r>
+          </a:p>
+          <a:p>
+            <a:pPr lvl="0"/>
+            <a:r>
+              <a:rPr lang="zh-CN" altLang="en-US" sz="1600" dirty="0" smtClean="0">
+                <a:solidFill>
+                  <a:srgbClr val="002B41"/>
+                </a:solidFill>
+                <a:latin typeface="微软雅黑" panose="020B0503020204020204" pitchFamily="34" charset="-122"/>
+                <a:ea typeface="微软雅黑" panose="020B0503020204020204" pitchFamily="34" charset="-122"/>
+              </a:rPr>
+              <a:t>       因</a:t>
+            </a:r>
+            <a:r>
+              <a:rPr lang="zh-CN" altLang="en-US" sz="1600" dirty="0">
+                <a:solidFill>
+                  <a:srgbClr val="002B41"/>
+                </a:solidFill>
+                <a:latin typeface="微软雅黑" panose="020B0503020204020204" pitchFamily="34" charset="-122"/>
+                <a:ea typeface="微软雅黑" panose="020B0503020204020204" pitchFamily="34" charset="-122"/>
+              </a:rPr>
+              <a:t>此，内容需要在不同缓存之间传播，从而引入额外延</a:t>
+            </a:r>
+            <a:r>
+              <a:rPr lang="zh-CN" altLang="en-US" sz="1600" dirty="0" smtClean="0">
+                <a:solidFill>
+                  <a:srgbClr val="002B41"/>
+                </a:solidFill>
+                <a:latin typeface="微软雅黑" panose="020B0503020204020204" pitchFamily="34" charset="-122"/>
+                <a:ea typeface="微软雅黑" panose="020B0503020204020204" pitchFamily="34" charset="-122"/>
+              </a:rPr>
+              <a:t>迟。</a:t>
+            </a:r>
+            <a:endParaRPr lang="zh-CN" altLang="en-US" sz="1600" dirty="0">
               <a:solidFill>
-                <a:schemeClr val="bg1"/>
+                <a:srgbClr val="002B41"/>
               </a:solidFill>
               <a:latin typeface="微软雅黑" panose="020B0503020204020204" pitchFamily="34" charset="-122"/>
               <a:ea typeface="微软雅黑" panose="020B0503020204020204" pitchFamily="34" charset="-122"/>
             </a:endParaRPr>
           </a:p>
+          <a:p>
+            <a:pPr lvl="0"/>
+            <a:r>
+              <a:rPr lang="zh-CN" altLang="en-US" sz="1600" b="1" dirty="0" smtClean="0">
+                <a:solidFill>
+                  <a:srgbClr val="002B41"/>
+                </a:solidFill>
+                <a:latin typeface="微软雅黑" panose="020B0503020204020204" pitchFamily="34" charset="-122"/>
+                <a:ea typeface="微软雅黑" panose="020B0503020204020204" pitchFamily="34" charset="-122"/>
+              </a:rPr>
+              <a:t>最</a:t>
+            </a:r>
+            <a:r>
+              <a:rPr lang="zh-CN" altLang="en-US" sz="1600" b="1" dirty="0">
+                <a:solidFill>
+                  <a:srgbClr val="002B41"/>
+                </a:solidFill>
+                <a:latin typeface="微软雅黑" panose="020B0503020204020204" pitchFamily="34" charset="-122"/>
+                <a:ea typeface="微软雅黑" panose="020B0503020204020204" pitchFamily="34" charset="-122"/>
+              </a:rPr>
+              <a:t>后一英里交付</a:t>
+            </a:r>
+            <a:r>
+              <a:rPr lang="en-US" altLang="zh-CN" sz="1600" dirty="0">
+                <a:solidFill>
+                  <a:srgbClr val="002B41"/>
+                </a:solidFill>
+                <a:latin typeface="微软雅黑" panose="020B0503020204020204" pitchFamily="34" charset="-122"/>
+                <a:ea typeface="微软雅黑" panose="020B0503020204020204" pitchFamily="34" charset="-122"/>
+              </a:rPr>
+              <a:t>(last mile delivery)</a:t>
+            </a:r>
+            <a:r>
+              <a:rPr lang="zh-CN" altLang="en-US" sz="1600" dirty="0">
+                <a:solidFill>
+                  <a:srgbClr val="002B41"/>
+                </a:solidFill>
+                <a:latin typeface="微软雅黑" panose="020B0503020204020204" pitchFamily="34" charset="-122"/>
+                <a:ea typeface="微软雅黑" panose="020B0503020204020204" pitchFamily="34" charset="-122"/>
+              </a:rPr>
+              <a:t>：用户网络连接可能会对延迟产生重大影响。</a:t>
+            </a:r>
+          </a:p>
+          <a:p>
+            <a:pPr lvl="0"/>
+            <a:r>
+              <a:rPr lang="zh-CN" altLang="en-US" sz="1600" dirty="0" smtClean="0">
+                <a:solidFill>
+                  <a:srgbClr val="002B41"/>
+                </a:solidFill>
+                <a:latin typeface="微软雅黑" panose="020B0503020204020204" pitchFamily="34" charset="-122"/>
+                <a:ea typeface="微软雅黑" panose="020B0503020204020204" pitchFamily="34" charset="-122"/>
+              </a:rPr>
+              <a:t>       用</a:t>
+            </a:r>
+            <a:r>
+              <a:rPr lang="zh-CN" altLang="en-US" sz="1600" dirty="0">
+                <a:solidFill>
+                  <a:srgbClr val="002B41"/>
+                </a:solidFill>
+                <a:latin typeface="微软雅黑" panose="020B0503020204020204" pitchFamily="34" charset="-122"/>
+                <a:ea typeface="微软雅黑" panose="020B0503020204020204" pitchFamily="34" charset="-122"/>
+              </a:rPr>
+              <a:t>户可以在家庭网络连接到</a:t>
+            </a:r>
+            <a:r>
+              <a:rPr lang="en-US" altLang="zh-CN" sz="1600" dirty="0" err="1">
+                <a:solidFill>
+                  <a:srgbClr val="002B41"/>
+                </a:solidFill>
+                <a:latin typeface="微软雅黑" panose="020B0503020204020204" pitchFamily="34" charset="-122"/>
+                <a:ea typeface="微软雅黑" panose="020B0503020204020204" pitchFamily="34" charset="-122"/>
+              </a:rPr>
+              <a:t>wifi</a:t>
+            </a:r>
+            <a:r>
+              <a:rPr lang="zh-CN" altLang="en-US" sz="1600" dirty="0">
+                <a:solidFill>
+                  <a:srgbClr val="002B41"/>
+                </a:solidFill>
+                <a:latin typeface="微软雅黑" panose="020B0503020204020204" pitchFamily="34" charset="-122"/>
+                <a:ea typeface="微软雅黑" panose="020B0503020204020204" pitchFamily="34" charset="-122"/>
+              </a:rPr>
+              <a:t>热点，或者使用移动连接来访问网络内容。此外，由于可能会选取不同远近的</a:t>
+            </a:r>
+            <a:r>
+              <a:rPr lang="en-US" altLang="zh-CN" sz="1600" dirty="0">
+                <a:solidFill>
+                  <a:srgbClr val="002B41"/>
+                </a:solidFill>
+                <a:latin typeface="微软雅黑" panose="020B0503020204020204" pitchFamily="34" charset="-122"/>
+                <a:ea typeface="微软雅黑" panose="020B0503020204020204" pitchFamily="34" charset="-122"/>
+              </a:rPr>
+              <a:t>CDN</a:t>
+            </a:r>
+            <a:r>
+              <a:rPr lang="zh-CN" altLang="en-US" sz="1600" dirty="0">
+                <a:solidFill>
+                  <a:srgbClr val="002B41"/>
+                </a:solidFill>
+                <a:latin typeface="微软雅黑" panose="020B0503020204020204" pitchFamily="34" charset="-122"/>
+                <a:ea typeface="微软雅黑" panose="020B0503020204020204" pitchFamily="34" charset="-122"/>
+              </a:rPr>
+              <a:t>端点，用户地理位置也会造成额外延迟。 </a:t>
+            </a:r>
+          </a:p>
+          <a:p>
+            <a:pPr lvl="0"/>
+            <a:r>
+              <a:rPr lang="zh-CN" altLang="en-US" sz="1600" b="1" dirty="0" smtClean="0">
+                <a:solidFill>
+                  <a:srgbClr val="002B41"/>
+                </a:solidFill>
+                <a:latin typeface="微软雅黑" panose="020B0503020204020204" pitchFamily="34" charset="-122"/>
+                <a:ea typeface="微软雅黑" panose="020B0503020204020204" pitchFamily="34" charset="-122"/>
+              </a:rPr>
+              <a:t>播</a:t>
+            </a:r>
+            <a:r>
+              <a:rPr lang="zh-CN" altLang="en-US" sz="1600" b="1" dirty="0">
+                <a:solidFill>
+                  <a:srgbClr val="002B41"/>
+                </a:solidFill>
+                <a:latin typeface="微软雅黑" panose="020B0503020204020204" pitchFamily="34" charset="-122"/>
+                <a:ea typeface="微软雅黑" panose="020B0503020204020204" pitchFamily="34" charset="-122"/>
+              </a:rPr>
+              <a:t>放器缓冲区</a:t>
+            </a:r>
+            <a:r>
+              <a:rPr lang="zh-CN" altLang="en-US" sz="1600" dirty="0">
+                <a:solidFill>
+                  <a:srgbClr val="002B41"/>
+                </a:solidFill>
+                <a:latin typeface="微软雅黑" panose="020B0503020204020204" pitchFamily="34" charset="-122"/>
+                <a:ea typeface="微软雅黑" panose="020B0503020204020204" pitchFamily="34" charset="-122"/>
+              </a:rPr>
+              <a:t>：视频播放器必须缓冲媒体以确保流畅播放。</a:t>
+            </a:r>
+          </a:p>
+          <a:p>
+            <a:pPr lvl="0"/>
+            <a:r>
+              <a:rPr lang="zh-CN" altLang="en-US" sz="1600" dirty="0" smtClean="0">
+                <a:solidFill>
+                  <a:srgbClr val="002B41"/>
+                </a:solidFill>
+                <a:latin typeface="微软雅黑" panose="020B0503020204020204" pitchFamily="34" charset="-122"/>
+                <a:ea typeface="微软雅黑" panose="020B0503020204020204" pitchFamily="34" charset="-122"/>
+              </a:rPr>
+              <a:t>       缓</a:t>
+            </a:r>
+            <a:r>
+              <a:rPr lang="zh-CN" altLang="en-US" sz="1600" dirty="0">
+                <a:solidFill>
+                  <a:srgbClr val="002B41"/>
+                </a:solidFill>
+                <a:latin typeface="微软雅黑" panose="020B0503020204020204" pitchFamily="34" charset="-122"/>
+                <a:ea typeface="微软雅黑" panose="020B0503020204020204" pitchFamily="34" charset="-122"/>
+              </a:rPr>
+              <a:t>冲区大小通常在媒体规范中定义，但具有一定灵活性。播放缓冲是延迟的主要因素，优化缓冲区配置是常态。 </a:t>
+            </a:r>
+          </a:p>
         </p:txBody>
       </p:sp>
+      <p:pic>
+        <p:nvPicPr>
+          <p:cNvPr id="13" name="Picture 12" descr="Delay.png">
+            <a:hlinkClick r:id="rId2"/>
+          </p:cNvPr>
+          <p:cNvPicPr/>
+          <p:nvPr/>
+        </p:nvPicPr>
+        <p:blipFill>
+          <a:blip r:embed="rId3">
+            <a:clrChange>
+              <a:clrFrom>
+                <a:srgbClr val="FFFFFF"/>
+              </a:clrFrom>
+              <a:clrTo>
+                <a:srgbClr val="FFFFFF">
+                  <a:alpha val="0"/>
+                </a:srgbClr>
+              </a:clrTo>
+            </a:clrChange>
+            <a:extLst>
+              <a:ext uri="{28A0092B-C50C-407E-A947-70E740481C1C}">
+                <a14:useLocalDpi xmlns:a14="http://schemas.microsoft.com/office/drawing/2010/main" val="0"/>
+              </a:ext>
+            </a:extLst>
+          </a:blip>
+          <a:srcRect/>
+          <a:stretch>
+            <a:fillRect/>
+          </a:stretch>
+        </p:blipFill>
+        <p:spPr bwMode="auto">
+          <a:xfrm>
+            <a:off x="5571657" y="119023"/>
+            <a:ext cx="5846156" cy="2367693"/>
+          </a:xfrm>
+          <a:prstGeom prst="rect">
+            <a:avLst/>
+          </a:prstGeom>
+          <a:noFill/>
+          <a:ln>
+            <a:noFill/>
+          </a:ln>
+        </p:spPr>
+      </p:pic>
       <p:sp>
         <p:nvSpPr>
-          <p:cNvPr id="14" name="Rectangle 13"/>
-          <p:cNvSpPr/>
+          <p:cNvPr id="7" name="TextBox 6"/>
+          <p:cNvSpPr txBox="1"/>
           <p:nvPr/>
         </p:nvSpPr>
         <p:spPr>
           <a:xfrm>
-            <a:off x="6567518" y="1396314"/>
-            <a:ext cx="4596676" cy="4770537"/>
+            <a:off x="7665629" y="218126"/>
+            <a:ext cx="1889941" cy="369332"/>
           </a:xfrm>
           <a:prstGeom prst="rect">
             <a:avLst/>
           </a:prstGeom>
+          <a:noFill/>
         </p:spPr>
         <p:txBody>
-          <a:bodyPr wrap="square">
+          <a:bodyPr wrap="none" rtlCol="0">
             <a:spAutoFit/>
           </a:bodyPr>
           <a:lstStyle/>
           <a:p>
             <a:r>
-              <a:rPr lang="en-US" altLang="zh-CN" sz="1600" dirty="0" smtClean="0">
-                <a:solidFill>
-                  <a:srgbClr val="002B41"/>
-                </a:solidFill>
-                <a:latin typeface="微软雅黑" panose="020B0503020204020204" pitchFamily="34" charset="-122"/>
-                <a:ea typeface="微软雅黑" panose="020B0503020204020204" pitchFamily="34" charset="-122"/>
-              </a:rPr>
-              <a:t>       </a:t>
-            </a:r>
-            <a:r>
-              <a:rPr lang="zh-CN" altLang="zh-CN" sz="1600" dirty="0" smtClean="0">
-                <a:solidFill>
-                  <a:srgbClr val="002B41"/>
-                </a:solidFill>
-                <a:latin typeface="微软雅黑" panose="020B0503020204020204" pitchFamily="34" charset="-122"/>
-                <a:ea typeface="微软雅黑" panose="020B0503020204020204" pitchFamily="34" charset="-122"/>
-              </a:rPr>
-              <a:t>随着</a:t>
-            </a:r>
-            <a:r>
-              <a:rPr lang="en-US" altLang="zh-CN" sz="1600" dirty="0" smtClean="0">
-                <a:solidFill>
-                  <a:srgbClr val="002B41"/>
-                </a:solidFill>
-                <a:latin typeface="微软雅黑" panose="020B0503020204020204" pitchFamily="34" charset="-122"/>
-                <a:ea typeface="微软雅黑" panose="020B0503020204020204" pitchFamily="34" charset="-122"/>
-              </a:rPr>
-              <a:t>MEMS</a:t>
-            </a:r>
-            <a:r>
-              <a:rPr lang="zh-CN" altLang="zh-CN" sz="1600" dirty="0" smtClean="0">
-                <a:solidFill>
-                  <a:srgbClr val="002B41"/>
-                </a:solidFill>
-                <a:latin typeface="微软雅黑" panose="020B0503020204020204" pitchFamily="34" charset="-122"/>
-                <a:ea typeface="微软雅黑" panose="020B0503020204020204" pitchFamily="34" charset="-122"/>
-              </a:rPr>
-              <a:t>技术的不断发展，机器人小型化并没有技术上的绝对门槛。</a:t>
-            </a:r>
-          </a:p>
-          <a:p>
-            <a:r>
-              <a:rPr lang="en-US" altLang="zh-CN" sz="1600" dirty="0" smtClean="0">
-                <a:solidFill>
-                  <a:srgbClr val="002B41"/>
-                </a:solidFill>
-                <a:latin typeface="微软雅黑" panose="020B0503020204020204" pitchFamily="34" charset="-122"/>
-                <a:ea typeface="微软雅黑" panose="020B0503020204020204" pitchFamily="34" charset="-122"/>
-              </a:rPr>
-              <a:t>       MEMS</a:t>
-            </a:r>
-            <a:r>
-              <a:rPr lang="zh-CN" altLang="zh-CN" sz="1600" dirty="0" smtClean="0">
-                <a:solidFill>
-                  <a:srgbClr val="002B41"/>
-                </a:solidFill>
-                <a:latin typeface="微软雅黑" panose="020B0503020204020204" pitchFamily="34" charset="-122"/>
-                <a:ea typeface="微软雅黑" panose="020B0503020204020204" pitchFamily="34" charset="-122"/>
-              </a:rPr>
-              <a:t>即微机电系统，是指尺寸在毫米级别的智能系统，其内部可集成微传感器、微执行器、微机械结构、微电源微能源、信号处理和控制</a:t>
-            </a:r>
-            <a:r>
-              <a:rPr lang="zh-CN" altLang="en-US" sz="1600" dirty="0">
-                <a:solidFill>
-                  <a:srgbClr val="002B41"/>
-                </a:solidFill>
-                <a:latin typeface="微软雅黑" panose="020B0503020204020204" pitchFamily="34" charset="-122"/>
-                <a:ea typeface="微软雅黑" panose="020B0503020204020204" pitchFamily="34" charset="-122"/>
-              </a:rPr>
-              <a:t>电路</a:t>
-            </a:r>
-            <a:r>
-              <a:rPr lang="zh-CN" altLang="zh-CN" sz="1600" dirty="0" smtClean="0">
-                <a:solidFill>
-                  <a:srgbClr val="002B41"/>
-                </a:solidFill>
-                <a:latin typeface="微软雅黑" panose="020B0503020204020204" pitchFamily="34" charset="-122"/>
-                <a:ea typeface="微软雅黑" panose="020B0503020204020204" pitchFamily="34" charset="-122"/>
-              </a:rPr>
-              <a:t>、</a:t>
-            </a:r>
-            <a:r>
-              <a:rPr lang="zh-CN" altLang="zh-CN" sz="1600" dirty="0">
-                <a:solidFill>
-                  <a:srgbClr val="002B41"/>
-                </a:solidFill>
-                <a:latin typeface="微软雅黑" panose="020B0503020204020204" pitchFamily="34" charset="-122"/>
-                <a:ea typeface="微软雅黑" panose="020B0503020204020204" pitchFamily="34" charset="-122"/>
-              </a:rPr>
-              <a:t>高性能电子集成器件、接口、通信等功能模</a:t>
-            </a:r>
-            <a:r>
-              <a:rPr lang="zh-CN" altLang="zh-CN" sz="1600" dirty="0" smtClean="0">
-                <a:solidFill>
-                  <a:srgbClr val="002B41"/>
-                </a:solidFill>
-                <a:latin typeface="微软雅黑" panose="020B0503020204020204" pitchFamily="34" charset="-122"/>
-                <a:ea typeface="微软雅黑" panose="020B0503020204020204" pitchFamily="34" charset="-122"/>
-              </a:rPr>
-              <a:t>块，能够在小尺度上实现机电系统的大多数功能。</a:t>
-            </a:r>
-            <a:r>
-              <a:rPr lang="en-US" altLang="zh-CN" sz="1600" dirty="0" smtClean="0">
-                <a:solidFill>
-                  <a:srgbClr val="002B41"/>
-                </a:solidFill>
-                <a:latin typeface="微软雅黑" panose="020B0503020204020204" pitchFamily="34" charset="-122"/>
-                <a:ea typeface="微软雅黑" panose="020B0503020204020204" pitchFamily="34" charset="-122"/>
-              </a:rPr>
-              <a:t>MEMS</a:t>
-            </a:r>
-            <a:r>
-              <a:rPr lang="zh-CN" altLang="zh-CN" sz="1600" dirty="0" smtClean="0">
-                <a:solidFill>
-                  <a:srgbClr val="002B41"/>
-                </a:solidFill>
-                <a:latin typeface="微软雅黑" panose="020B0503020204020204" pitchFamily="34" charset="-122"/>
-                <a:ea typeface="微软雅黑" panose="020B0503020204020204" pitchFamily="34" charset="-122"/>
-              </a:rPr>
-              <a:t>具有微型化、批量生产、集成化方便拓展、价格低廉（大批量时）等优势。</a:t>
-            </a:r>
-            <a:r>
-              <a:rPr lang="en-US" altLang="zh-CN" sz="1600" dirty="0" smtClean="0">
-                <a:solidFill>
-                  <a:srgbClr val="002B41"/>
-                </a:solidFill>
-                <a:latin typeface="微软雅黑" panose="020B0503020204020204" pitchFamily="34" charset="-122"/>
-                <a:ea typeface="微软雅黑" panose="020B0503020204020204" pitchFamily="34" charset="-122"/>
-              </a:rPr>
-              <a:t>MEMS</a:t>
-            </a:r>
-            <a:r>
-              <a:rPr lang="zh-CN" altLang="zh-CN" sz="1600" dirty="0" smtClean="0">
-                <a:solidFill>
-                  <a:srgbClr val="002B41"/>
-                </a:solidFill>
-                <a:latin typeface="微软雅黑" panose="020B0503020204020204" pitchFamily="34" charset="-122"/>
-                <a:ea typeface="微软雅黑" panose="020B0503020204020204" pitchFamily="34" charset="-122"/>
-              </a:rPr>
-              <a:t>当前技术发展主要集中在以下领域：微感知与微控制、微流动控制、微惯性测量装置、微型飞行器、可穿戴和可植入设备、纳机电谐振器、扫描隧道显微镜等。实例：在两千零几年，加州大学伯克利分校就曾研制出微型机器人苍蝇，可模拟苍蝇拍打翅膀，翅翼仅有</a:t>
-            </a:r>
-            <a:r>
-              <a:rPr lang="en-US" altLang="zh-CN" sz="1600" dirty="0" smtClean="0">
-                <a:solidFill>
-                  <a:srgbClr val="002B41"/>
-                </a:solidFill>
-                <a:latin typeface="微软雅黑" panose="020B0503020204020204" pitchFamily="34" charset="-122"/>
-                <a:ea typeface="微软雅黑" panose="020B0503020204020204" pitchFamily="34" charset="-122"/>
-              </a:rPr>
-              <a:t>3cm</a:t>
-            </a:r>
-            <a:r>
-              <a:rPr lang="zh-CN" altLang="zh-CN" sz="1600" dirty="0" smtClean="0">
-                <a:solidFill>
-                  <a:srgbClr val="002B41"/>
-                </a:solidFill>
-                <a:latin typeface="微软雅黑" panose="020B0503020204020204" pitchFamily="34" charset="-122"/>
-                <a:ea typeface="微软雅黑" panose="020B0503020204020204" pitchFamily="34" charset="-122"/>
-              </a:rPr>
-              <a:t>，重量越</a:t>
-            </a:r>
-            <a:r>
-              <a:rPr lang="en-US" altLang="zh-CN" sz="1600" dirty="0" smtClean="0">
-                <a:solidFill>
-                  <a:srgbClr val="002B41"/>
-                </a:solidFill>
-                <a:latin typeface="微软雅黑" panose="020B0503020204020204" pitchFamily="34" charset="-122"/>
-                <a:ea typeface="微软雅黑" panose="020B0503020204020204" pitchFamily="34" charset="-122"/>
-              </a:rPr>
-              <a:t>300mg</a:t>
-            </a:r>
-            <a:r>
-              <a:rPr lang="zh-CN" altLang="zh-CN" sz="1600" dirty="0" smtClean="0">
-                <a:solidFill>
-                  <a:srgbClr val="002B41"/>
-                </a:solidFill>
-                <a:latin typeface="微软雅黑" panose="020B0503020204020204" pitchFamily="34" charset="-122"/>
-                <a:ea typeface="微软雅黑" panose="020B0503020204020204" pitchFamily="34" charset="-122"/>
-              </a:rPr>
-              <a:t>。同期，上海交通大学研制出可自由前进、后退与转弯的微型六足机器人——“银甲虫一号”，尺寸约为</a:t>
-            </a:r>
-            <a:r>
-              <a:rPr lang="en-US" altLang="zh-CN" sz="1600" dirty="0" smtClean="0">
-                <a:solidFill>
-                  <a:srgbClr val="002B41"/>
-                </a:solidFill>
-                <a:latin typeface="微软雅黑" panose="020B0503020204020204" pitchFamily="34" charset="-122"/>
-                <a:ea typeface="微软雅黑" panose="020B0503020204020204" pitchFamily="34" charset="-122"/>
-              </a:rPr>
-              <a:t>3*3*4.2</a:t>
-            </a:r>
-            <a:r>
-              <a:rPr lang="zh-CN" altLang="zh-CN" sz="1600" dirty="0" smtClean="0">
-                <a:solidFill>
-                  <a:srgbClr val="002B41"/>
-                </a:solidFill>
-                <a:latin typeface="微软雅黑" panose="020B0503020204020204" pitchFamily="34" charset="-122"/>
-                <a:ea typeface="微软雅黑" panose="020B0503020204020204" pitchFamily="34" charset="-122"/>
-              </a:rPr>
-              <a:t>（</a:t>
-            </a:r>
-            <a:r>
-              <a:rPr lang="en-US" altLang="zh-CN" sz="1600" dirty="0" smtClean="0">
-                <a:solidFill>
-                  <a:srgbClr val="002B41"/>
-                </a:solidFill>
-                <a:latin typeface="微软雅黑" panose="020B0503020204020204" pitchFamily="34" charset="-122"/>
-                <a:ea typeface="微软雅黑" panose="020B0503020204020204" pitchFamily="34" charset="-122"/>
-              </a:rPr>
-              <a:t>cm</a:t>
-            </a:r>
-            <a:r>
-              <a:rPr lang="zh-CN" altLang="zh-CN" sz="1600" dirty="0" smtClean="0">
-                <a:solidFill>
-                  <a:srgbClr val="002B41"/>
-                </a:solidFill>
-                <a:latin typeface="微软雅黑" panose="020B0503020204020204" pitchFamily="34" charset="-122"/>
-                <a:ea typeface="微软雅黑" panose="020B0503020204020204" pitchFamily="34" charset="-122"/>
-              </a:rPr>
-              <a:t>）。以上均可说明机器人小型化在技术上没有绝对瓶颈</a:t>
-            </a:r>
-            <a:r>
-              <a:rPr lang="zh-CN" altLang="zh-CN" sz="1600" dirty="0">
-                <a:solidFill>
-                  <a:srgbClr val="002B41"/>
-                </a:solidFill>
-                <a:latin typeface="微软雅黑" panose="020B0503020204020204" pitchFamily="34" charset="-122"/>
-                <a:ea typeface="微软雅黑" panose="020B0503020204020204" pitchFamily="34" charset="-122"/>
-              </a:rPr>
-              <a:t>。</a:t>
-            </a:r>
+              <a:rPr lang="en-US" altLang="zh-CN" dirty="0" smtClean="0">
+                <a:solidFill>
+                  <a:srgbClr val="FF0000"/>
+                </a:solidFill>
+                <a:latin typeface="微软雅黑" panose="020B0503020204020204" pitchFamily="34" charset="-122"/>
+                <a:ea typeface="微软雅黑" panose="020B0503020204020204" pitchFamily="34" charset="-122"/>
+              </a:rPr>
+              <a:t>//todo:</a:t>
+            </a:r>
+            <a:r>
+              <a:rPr lang="zh-CN" altLang="en-US" dirty="0">
+                <a:solidFill>
+                  <a:srgbClr val="FF0000"/>
+                </a:solidFill>
+                <a:latin typeface="微软雅黑" panose="020B0503020204020204" pitchFamily="34" charset="-122"/>
+                <a:ea typeface="微软雅黑" panose="020B0503020204020204" pitchFamily="34" charset="-122"/>
+              </a:rPr>
+              <a:t>图片</a:t>
+            </a:r>
+            <a:r>
+              <a:rPr lang="zh-CN" altLang="en-US" dirty="0" smtClean="0">
+                <a:solidFill>
+                  <a:srgbClr val="FF0000"/>
+                </a:solidFill>
+                <a:latin typeface="微软雅黑" panose="020B0503020204020204" pitchFamily="34" charset="-122"/>
+                <a:ea typeface="微软雅黑" panose="020B0503020204020204" pitchFamily="34" charset="-122"/>
+              </a:rPr>
+              <a:t>来源</a:t>
+            </a:r>
+            <a:endParaRPr lang="zh-CN" altLang="en-US" dirty="0">
+              <a:solidFill>
+                <a:srgbClr val="FF0000"/>
+              </a:solidFill>
+              <a:latin typeface="微软雅黑" panose="020B0503020204020204" pitchFamily="34" charset="-122"/>
+              <a:ea typeface="微软雅黑" panose="020B0503020204020204" pitchFamily="34" charset="-122"/>
+            </a:endParaRPr>
           </a:p>
         </p:txBody>
       </p:sp>
     </p:spTree>
     <p:extLst>
       <p:ext uri="{BB962C8B-B14F-4D97-AF65-F5344CB8AC3E}">
-        <p14:creationId xmlns:p14="http://schemas.microsoft.com/office/powerpoint/2010/main" val="1543965612"/>
+        <p14:creationId xmlns:p14="http://schemas.microsoft.com/office/powerpoint/2010/main" val="2248088471"/>
       </p:ext>
     </p:extLst>
   </p:cSld>
@@ -28956,6 +28855,1297 @@
           <a:p>
             <a:pPr algn="ctr" eaLnBrk="1" hangingPunct="1"/>
             <a:r>
+              <a:rPr lang="en-US" altLang="zh-CN" sz="2000" b="1" dirty="0" smtClean="0">
+                <a:solidFill>
+                  <a:schemeClr val="bg1"/>
+                </a:solidFill>
+                <a:latin typeface="微软雅黑" panose="020B0503020204020204" pitchFamily="34" charset="-122"/>
+                <a:ea typeface="微软雅黑" panose="020B0503020204020204" pitchFamily="34" charset="-122"/>
+              </a:rPr>
+              <a:t>VR</a:t>
+            </a:r>
+            <a:r>
+              <a:rPr lang="zh-CN" altLang="en-US" sz="2000" b="1" dirty="0" smtClean="0">
+                <a:solidFill>
+                  <a:schemeClr val="bg1"/>
+                </a:solidFill>
+                <a:latin typeface="微软雅黑" panose="020B0503020204020204" pitchFamily="34" charset="-122"/>
+                <a:ea typeface="微软雅黑" panose="020B0503020204020204" pitchFamily="34" charset="-122"/>
+              </a:rPr>
+              <a:t>反馈</a:t>
+            </a:r>
+            <a:endParaRPr lang="zh-CN" altLang="en-US" sz="2000" dirty="0">
+              <a:solidFill>
+                <a:schemeClr val="bg1"/>
+              </a:solidFill>
+              <a:latin typeface="微软雅黑" panose="020B0503020204020204" pitchFamily="34" charset="-122"/>
+              <a:ea typeface="微软雅黑" panose="020B0503020204020204" pitchFamily="34" charset="-122"/>
+            </a:endParaRPr>
+          </a:p>
+        </p:txBody>
+      </p:sp>
+      <p:sp>
+        <p:nvSpPr>
+          <p:cNvPr id="9" name="Rectangle 8"/>
+          <p:cNvSpPr/>
+          <p:nvPr/>
+        </p:nvSpPr>
+        <p:spPr>
+          <a:xfrm>
+            <a:off x="409433" y="2047478"/>
+            <a:ext cx="4596676" cy="4308872"/>
+          </a:xfrm>
+          <a:prstGeom prst="rect">
+            <a:avLst/>
+          </a:prstGeom>
+        </p:spPr>
+        <p:txBody>
+          <a:bodyPr wrap="square">
+            <a:spAutoFit/>
+          </a:bodyPr>
+          <a:lstStyle/>
+          <a:p>
+            <a:r>
+              <a:rPr lang="zh-CN" altLang="en-US" b="1" dirty="0">
+                <a:solidFill>
+                  <a:srgbClr val="002B41"/>
+                </a:solidFill>
+                <a:latin typeface="微软雅黑" panose="020B0503020204020204" pitchFamily="34" charset="-122"/>
+                <a:ea typeface="微软雅黑" panose="020B0503020204020204" pitchFamily="34" charset="-122"/>
+              </a:rPr>
+              <a:t>延迟的一般性优化方法</a:t>
+            </a:r>
+          </a:p>
+          <a:p>
+            <a:r>
+              <a:rPr lang="zh-CN" altLang="en-US" sz="1600" dirty="0" smtClean="0">
+                <a:solidFill>
+                  <a:srgbClr val="002B41"/>
+                </a:solidFill>
+                <a:latin typeface="微软雅黑" panose="020B0503020204020204" pitchFamily="34" charset="-122"/>
+                <a:ea typeface="微软雅黑" panose="020B0503020204020204" pitchFamily="34" charset="-122"/>
+              </a:rPr>
+              <a:t>       当</a:t>
+            </a:r>
+            <a:r>
+              <a:rPr lang="zh-CN" altLang="en-US" sz="1600" dirty="0">
+                <a:solidFill>
+                  <a:srgbClr val="002B41"/>
+                </a:solidFill>
+                <a:latin typeface="微软雅黑" panose="020B0503020204020204" pitchFamily="34" charset="-122"/>
+                <a:ea typeface="微软雅黑" panose="020B0503020204020204" pitchFamily="34" charset="-122"/>
+              </a:rPr>
+              <a:t>前的延迟的解决方案大多着眼于对于传输协议的替换，一般着眼于上述五个步骤中的第一英里传输和最后一英里传</a:t>
+            </a:r>
+            <a:r>
+              <a:rPr lang="zh-CN" altLang="en-US" sz="1600" dirty="0" smtClean="0">
+                <a:solidFill>
+                  <a:srgbClr val="002B41"/>
+                </a:solidFill>
+                <a:latin typeface="微软雅黑" panose="020B0503020204020204" pitchFamily="34" charset="-122"/>
+                <a:ea typeface="微软雅黑" panose="020B0503020204020204" pitchFamily="34" charset="-122"/>
+              </a:rPr>
+              <a:t>输。目</a:t>
+            </a:r>
+            <a:r>
+              <a:rPr lang="zh-CN" altLang="en-US" sz="1600" dirty="0">
+                <a:solidFill>
+                  <a:srgbClr val="002B41"/>
+                </a:solidFill>
+                <a:latin typeface="微软雅黑" panose="020B0503020204020204" pitchFamily="34" charset="-122"/>
+                <a:ea typeface="微软雅黑" panose="020B0503020204020204" pitchFamily="34" charset="-122"/>
+              </a:rPr>
+              <a:t>前关注的主要焦点是： </a:t>
+            </a:r>
+          </a:p>
+          <a:p>
+            <a:pPr marL="285750" indent="-285750">
+              <a:buFont typeface="Wingdings" panose="05000000000000000000" pitchFamily="2" charset="2"/>
+              <a:buChar char="Ø"/>
+            </a:pPr>
+            <a:r>
+              <a:rPr lang="zh-CN" altLang="en-US" sz="1600" dirty="0" smtClean="0">
+                <a:solidFill>
+                  <a:srgbClr val="002B41"/>
+                </a:solidFill>
+                <a:latin typeface="微软雅黑" panose="020B0503020204020204" pitchFamily="34" charset="-122"/>
+                <a:ea typeface="微软雅黑" panose="020B0503020204020204" pitchFamily="34" charset="-122"/>
+              </a:rPr>
+              <a:t>编</a:t>
+            </a:r>
+            <a:r>
+              <a:rPr lang="zh-CN" altLang="en-US" sz="1600" dirty="0">
+                <a:solidFill>
+                  <a:srgbClr val="002B41"/>
+                </a:solidFill>
+                <a:latin typeface="微软雅黑" panose="020B0503020204020204" pitchFamily="34" charset="-122"/>
+                <a:ea typeface="微软雅黑" panose="020B0503020204020204" pitchFamily="34" charset="-122"/>
+              </a:rPr>
+              <a:t>码器和播放器之间的视频传输快速而有效。</a:t>
+            </a:r>
+          </a:p>
+          <a:p>
+            <a:pPr marL="285750" indent="-285750">
+              <a:buFont typeface="Wingdings" panose="05000000000000000000" pitchFamily="2" charset="2"/>
+              <a:buChar char="Ø"/>
+            </a:pPr>
+            <a:r>
+              <a:rPr lang="zh-CN" altLang="en-US" sz="1600" dirty="0" smtClean="0">
+                <a:solidFill>
+                  <a:srgbClr val="002B41"/>
+                </a:solidFill>
+                <a:latin typeface="微软雅黑" panose="020B0503020204020204" pitchFamily="34" charset="-122"/>
+                <a:ea typeface="微软雅黑" panose="020B0503020204020204" pitchFamily="34" charset="-122"/>
+              </a:rPr>
+              <a:t>提</a:t>
+            </a:r>
+            <a:r>
+              <a:rPr lang="zh-CN" altLang="en-US" sz="1600" dirty="0">
+                <a:solidFill>
+                  <a:srgbClr val="002B41"/>
+                </a:solidFill>
+                <a:latin typeface="微软雅黑" panose="020B0503020204020204" pitchFamily="34" charset="-122"/>
+                <a:ea typeface="微软雅黑" panose="020B0503020204020204" pitchFamily="34" charset="-122"/>
+              </a:rPr>
+              <a:t>高扩展性从而增加受众是有收益的。</a:t>
+            </a:r>
+          </a:p>
+          <a:p>
+            <a:pPr marL="285750" indent="-285750">
+              <a:buFont typeface="Wingdings" panose="05000000000000000000" pitchFamily="2" charset="2"/>
+              <a:buChar char="Ø"/>
+            </a:pPr>
+            <a:r>
+              <a:rPr lang="zh-CN" altLang="en-US" sz="1600" dirty="0" smtClean="0">
+                <a:solidFill>
+                  <a:srgbClr val="002B41"/>
+                </a:solidFill>
+                <a:latin typeface="微软雅黑" panose="020B0503020204020204" pitchFamily="34" charset="-122"/>
+                <a:ea typeface="微软雅黑" panose="020B0503020204020204" pitchFamily="34" charset="-122"/>
+              </a:rPr>
+              <a:t>该</a:t>
+            </a:r>
+            <a:r>
+              <a:rPr lang="zh-CN" altLang="en-US" sz="1600" dirty="0">
+                <a:solidFill>
+                  <a:srgbClr val="002B41"/>
+                </a:solidFill>
+                <a:latin typeface="微软雅黑" panose="020B0503020204020204" pitchFamily="34" charset="-122"/>
+                <a:ea typeface="微软雅黑" panose="020B0503020204020204" pitchFamily="34" charset="-122"/>
+              </a:rPr>
+              <a:t>方法适用于整个设备，无需额外要求</a:t>
+            </a:r>
+            <a:r>
+              <a:rPr lang="zh-CN" altLang="en-US" sz="1600" dirty="0" smtClean="0">
+                <a:solidFill>
+                  <a:srgbClr val="002B41"/>
+                </a:solidFill>
+                <a:latin typeface="微软雅黑" panose="020B0503020204020204" pitchFamily="34" charset="-122"/>
+                <a:ea typeface="微软雅黑" panose="020B0503020204020204" pitchFamily="34" charset="-122"/>
+              </a:rPr>
+              <a:t>。</a:t>
+            </a:r>
+            <a:endParaRPr lang="en-US" altLang="zh-CN" sz="1600" dirty="0" smtClean="0">
+              <a:solidFill>
+                <a:srgbClr val="002B41"/>
+              </a:solidFill>
+              <a:latin typeface="微软雅黑" panose="020B0503020204020204" pitchFamily="34" charset="-122"/>
+              <a:ea typeface="微软雅黑" panose="020B0503020204020204" pitchFamily="34" charset="-122"/>
+            </a:endParaRPr>
+          </a:p>
+          <a:p>
+            <a:pPr marL="285750" indent="-285750">
+              <a:buFont typeface="Wingdings" panose="05000000000000000000" pitchFamily="2" charset="2"/>
+              <a:buChar char="Ø"/>
+            </a:pPr>
+            <a:endParaRPr lang="zh-CN" altLang="en-US" sz="1600" dirty="0">
+              <a:solidFill>
+                <a:srgbClr val="002B41"/>
+              </a:solidFill>
+              <a:latin typeface="微软雅黑" panose="020B0503020204020204" pitchFamily="34" charset="-122"/>
+              <a:ea typeface="微软雅黑" panose="020B0503020204020204" pitchFamily="34" charset="-122"/>
+            </a:endParaRPr>
+          </a:p>
+          <a:p>
+            <a:r>
+              <a:rPr lang="zh-CN" altLang="en-US" sz="1600" dirty="0">
+                <a:solidFill>
+                  <a:srgbClr val="002B41"/>
+                </a:solidFill>
+                <a:latin typeface="微软雅黑" panose="020B0503020204020204" pitchFamily="34" charset="-122"/>
+                <a:ea typeface="微软雅黑" panose="020B0503020204020204" pitchFamily="34" charset="-122"/>
+              </a:rPr>
+              <a:t>其中有一种解决方案比较常被提及：</a:t>
+            </a:r>
+            <a:r>
+              <a:rPr lang="en-US" altLang="zh-CN" sz="1600" dirty="0" smtClean="0">
+                <a:solidFill>
+                  <a:srgbClr val="002B41"/>
+                </a:solidFill>
+                <a:latin typeface="微软雅黑" panose="020B0503020204020204" pitchFamily="34" charset="-122"/>
+                <a:ea typeface="微软雅黑" panose="020B0503020204020204" pitchFamily="34" charset="-122"/>
+              </a:rPr>
+              <a:t>CMAF</a:t>
+            </a:r>
+            <a:r>
+              <a:rPr lang="zh-CN" altLang="en-US" sz="1600" dirty="0" smtClean="0">
+                <a:solidFill>
+                  <a:srgbClr val="002B41"/>
+                </a:solidFill>
+                <a:latin typeface="微软雅黑" panose="020B0503020204020204" pitchFamily="34" charset="-122"/>
+                <a:ea typeface="微软雅黑" panose="020B0503020204020204" pitchFamily="34" charset="-122"/>
+              </a:rPr>
+              <a:t>。</a:t>
+            </a:r>
+            <a:endParaRPr lang="en-US" altLang="zh-CN" sz="1600" dirty="0">
+              <a:solidFill>
+                <a:srgbClr val="002B41"/>
+              </a:solidFill>
+              <a:latin typeface="微软雅黑" panose="020B0503020204020204" pitchFamily="34" charset="-122"/>
+              <a:ea typeface="微软雅黑" panose="020B0503020204020204" pitchFamily="34" charset="-122"/>
+            </a:endParaRPr>
+          </a:p>
+          <a:p>
+            <a:r>
+              <a:rPr lang="zh-CN" altLang="en-US" sz="1600" dirty="0" smtClean="0">
+                <a:solidFill>
+                  <a:srgbClr val="002B41"/>
+                </a:solidFill>
+                <a:latin typeface="微软雅黑" panose="020B0503020204020204" pitchFamily="34" charset="-122"/>
+                <a:ea typeface="微软雅黑" panose="020B0503020204020204" pitchFamily="34" charset="-122"/>
+              </a:rPr>
+              <a:t>       通</a:t>
+            </a:r>
+            <a:r>
+              <a:rPr lang="zh-CN" altLang="en-US" sz="1600" dirty="0">
+                <a:solidFill>
+                  <a:srgbClr val="002B41"/>
+                </a:solidFill>
+                <a:latin typeface="微软雅黑" panose="020B0503020204020204" pitchFamily="34" charset="-122"/>
+                <a:ea typeface="微软雅黑" panose="020B0503020204020204" pitchFamily="34" charset="-122"/>
+              </a:rPr>
+              <a:t>用媒体应用框架（</a:t>
+            </a:r>
+            <a:r>
+              <a:rPr lang="en-US" altLang="zh-CN" sz="1600" dirty="0">
+                <a:solidFill>
+                  <a:srgbClr val="002B41"/>
+                </a:solidFill>
+                <a:latin typeface="微软雅黑" panose="020B0503020204020204" pitchFamily="34" charset="-122"/>
+                <a:ea typeface="微软雅黑" panose="020B0503020204020204" pitchFamily="34" charset="-122"/>
+              </a:rPr>
+              <a:t>CMAF</a:t>
+            </a:r>
+            <a:r>
+              <a:rPr lang="zh-CN" altLang="en-US" sz="1600" dirty="0">
+                <a:solidFill>
+                  <a:srgbClr val="002B41"/>
+                </a:solidFill>
+                <a:latin typeface="微软雅黑" panose="020B0503020204020204" pitchFamily="34" charset="-122"/>
+                <a:ea typeface="微软雅黑" panose="020B0503020204020204" pitchFamily="34" charset="-122"/>
+              </a:rPr>
+              <a:t>）可以使用</a:t>
+            </a:r>
+            <a:r>
+              <a:rPr lang="en-US" altLang="zh-CN" sz="1600" dirty="0">
+                <a:solidFill>
+                  <a:srgbClr val="002B41"/>
+                </a:solidFill>
+                <a:latin typeface="微软雅黑" panose="020B0503020204020204" pitchFamily="34" charset="-122"/>
+                <a:ea typeface="微软雅黑" panose="020B0503020204020204" pitchFamily="34" charset="-122"/>
+              </a:rPr>
+              <a:t>fMP4</a:t>
+            </a:r>
+            <a:r>
+              <a:rPr lang="zh-CN" altLang="en-US" sz="1600" dirty="0">
+                <a:solidFill>
+                  <a:srgbClr val="002B41"/>
+                </a:solidFill>
+                <a:latin typeface="微软雅黑" panose="020B0503020204020204" pitchFamily="34" charset="-122"/>
+                <a:ea typeface="微软雅黑" panose="020B0503020204020204" pitchFamily="34" charset="-122"/>
+              </a:rPr>
+              <a:t>容器对多个比特率配置文件中的视频进行均匀分片编码，以便通过</a:t>
+            </a:r>
+            <a:r>
+              <a:rPr lang="en-US" altLang="zh-CN" sz="1600" dirty="0">
+                <a:solidFill>
+                  <a:srgbClr val="002B41"/>
+                </a:solidFill>
+                <a:latin typeface="微软雅黑" panose="020B0503020204020204" pitchFamily="34" charset="-122"/>
+                <a:ea typeface="微软雅黑" panose="020B0503020204020204" pitchFamily="34" charset="-122"/>
+              </a:rPr>
+              <a:t>HLS</a:t>
+            </a:r>
+            <a:r>
+              <a:rPr lang="zh-CN" altLang="en-US" sz="1600" dirty="0">
+                <a:solidFill>
+                  <a:srgbClr val="002B41"/>
+                </a:solidFill>
+                <a:latin typeface="微软雅黑" panose="020B0503020204020204" pitchFamily="34" charset="-122"/>
+                <a:ea typeface="微软雅黑" panose="020B0503020204020204" pitchFamily="34" charset="-122"/>
+              </a:rPr>
+              <a:t>或</a:t>
+            </a:r>
+            <a:r>
+              <a:rPr lang="en-US" altLang="zh-CN" sz="1600" dirty="0">
+                <a:solidFill>
+                  <a:srgbClr val="002B41"/>
+                </a:solidFill>
+                <a:latin typeface="微软雅黑" panose="020B0503020204020204" pitchFamily="34" charset="-122"/>
+                <a:ea typeface="微软雅黑" panose="020B0503020204020204" pitchFamily="34" charset="-122"/>
+              </a:rPr>
+              <a:t>DASH</a:t>
+            </a:r>
+            <a:r>
+              <a:rPr lang="zh-CN" altLang="en-US" sz="1600" dirty="0">
+                <a:solidFill>
+                  <a:srgbClr val="002B41"/>
+                </a:solidFill>
+                <a:latin typeface="微软雅黑" panose="020B0503020204020204" pitchFamily="34" charset="-122"/>
+                <a:ea typeface="微软雅黑" panose="020B0503020204020204" pitchFamily="34" charset="-122"/>
+              </a:rPr>
+              <a:t>进行流式传输。</a:t>
+            </a:r>
+            <a:r>
+              <a:rPr lang="en-US" altLang="zh-CN" sz="1600" dirty="0">
+                <a:solidFill>
+                  <a:srgbClr val="002B41"/>
+                </a:solidFill>
+                <a:latin typeface="微软雅黑" panose="020B0503020204020204" pitchFamily="34" charset="-122"/>
+                <a:ea typeface="微软雅黑" panose="020B0503020204020204" pitchFamily="34" charset="-122"/>
+              </a:rPr>
+              <a:t>CMAF</a:t>
+            </a:r>
+            <a:r>
+              <a:rPr lang="zh-CN" altLang="en-US" sz="1600" dirty="0">
+                <a:solidFill>
+                  <a:srgbClr val="002B41"/>
+                </a:solidFill>
+                <a:latin typeface="微软雅黑" panose="020B0503020204020204" pitchFamily="34" charset="-122"/>
+                <a:ea typeface="微软雅黑" panose="020B0503020204020204" pitchFamily="34" charset="-122"/>
+              </a:rPr>
+              <a:t>提供了一个轻量级框架，它不会引入新各方案，而是以新的方式组合现有格式和标准。随着</a:t>
+            </a:r>
+            <a:r>
+              <a:rPr lang="en-US" altLang="zh-CN" sz="1600" dirty="0">
+                <a:solidFill>
+                  <a:srgbClr val="002B41"/>
+                </a:solidFill>
+                <a:latin typeface="微软雅黑" panose="020B0503020204020204" pitchFamily="34" charset="-122"/>
+                <a:ea typeface="微软雅黑" panose="020B0503020204020204" pitchFamily="34" charset="-122"/>
+              </a:rPr>
+              <a:t>2017</a:t>
+            </a:r>
+            <a:r>
+              <a:rPr lang="zh-CN" altLang="en-US" sz="1600" dirty="0">
+                <a:solidFill>
+                  <a:srgbClr val="002B41"/>
+                </a:solidFill>
+                <a:latin typeface="微软雅黑" panose="020B0503020204020204" pitchFamily="34" charset="-122"/>
+                <a:ea typeface="微软雅黑" panose="020B0503020204020204" pitchFamily="34" charset="-122"/>
+              </a:rPr>
+              <a:t>年实现正式标准化，行业中的以后实践就都需要考虑</a:t>
+            </a:r>
+            <a:r>
+              <a:rPr lang="en-US" altLang="zh-CN" sz="1600" dirty="0">
+                <a:solidFill>
+                  <a:srgbClr val="002B41"/>
+                </a:solidFill>
+                <a:latin typeface="微软雅黑" panose="020B0503020204020204" pitchFamily="34" charset="-122"/>
+                <a:ea typeface="微软雅黑" panose="020B0503020204020204" pitchFamily="34" charset="-122"/>
+              </a:rPr>
+              <a:t>CMAF</a:t>
+            </a:r>
+            <a:r>
+              <a:rPr lang="zh-CN" altLang="en-US" sz="1600" dirty="0">
+                <a:solidFill>
+                  <a:srgbClr val="002B41"/>
+                </a:solidFill>
+                <a:latin typeface="微软雅黑" panose="020B0503020204020204" pitchFamily="34" charset="-122"/>
+                <a:ea typeface="微软雅黑" panose="020B0503020204020204" pitchFamily="34" charset="-122"/>
+              </a:rPr>
+              <a:t>这种新格式。</a:t>
+            </a:r>
+          </a:p>
+        </p:txBody>
+      </p:sp>
+      <p:sp>
+        <p:nvSpPr>
+          <p:cNvPr id="10" name="TextBox 9"/>
+          <p:cNvSpPr txBox="1"/>
+          <p:nvPr/>
+        </p:nvSpPr>
+        <p:spPr>
+          <a:xfrm>
+            <a:off x="5763954" y="2983345"/>
+            <a:ext cx="45719" cy="369332"/>
+          </a:xfrm>
+          <a:prstGeom prst="rect">
+            <a:avLst/>
+          </a:prstGeom>
+          <a:noFill/>
+        </p:spPr>
+        <p:txBody>
+          <a:bodyPr wrap="square" rtlCol="0">
+            <a:spAutoFit/>
+          </a:bodyPr>
+          <a:lstStyle/>
+          <a:p>
+            <a:endParaRPr lang="zh-CN" altLang="en-US" dirty="0"/>
+          </a:p>
+        </p:txBody>
+      </p:sp>
+      <p:sp>
+        <p:nvSpPr>
+          <p:cNvPr id="12" name="椭圆 1"/>
+          <p:cNvSpPr>
+            <a:spLocks noChangeArrowheads="1"/>
+          </p:cNvSpPr>
+          <p:nvPr/>
+        </p:nvSpPr>
+        <p:spPr bwMode="auto">
+          <a:xfrm>
+            <a:off x="6878818" y="371326"/>
+            <a:ext cx="1574142" cy="727831"/>
+          </a:xfrm>
+          <a:prstGeom prst="roundRect">
+            <a:avLst/>
+          </a:prstGeom>
+          <a:solidFill>
+            <a:srgbClr val="002B41"/>
+          </a:solidFill>
+          <a:ln w="28575">
+            <a:noFill/>
+          </a:ln>
+          <a:effectLst>
+            <a:outerShdw blurRad="254000" dist="127000" dir="2700000" algn="tl" rotWithShape="0">
+              <a:prstClr val="black">
+                <a:alpha val="40000"/>
+              </a:prstClr>
+            </a:outerShdw>
+          </a:effectLst>
+        </p:spPr>
+        <p:txBody>
+          <a:bodyPr anchor="ctr"/>
+          <a:lstStyle>
+            <a:lvl1pPr eaLnBrk="0" hangingPunct="0">
+              <a:defRPr>
+                <a:solidFill>
+                  <a:schemeClr val="tx1"/>
+                </a:solidFill>
+                <a:latin typeface="Calibri" panose="020F0502020204030204" pitchFamily="34" charset="0"/>
+                <a:ea typeface="宋体" panose="02010600030101010101" pitchFamily="2" charset="-122"/>
+              </a:defRPr>
+            </a:lvl1pPr>
+            <a:lvl2pPr marL="742950" indent="-285750" eaLnBrk="0" hangingPunct="0">
+              <a:defRPr>
+                <a:solidFill>
+                  <a:schemeClr val="tx1"/>
+                </a:solidFill>
+                <a:latin typeface="Calibri" panose="020F0502020204030204" pitchFamily="34" charset="0"/>
+                <a:ea typeface="宋体" panose="02010600030101010101" pitchFamily="2" charset="-122"/>
+              </a:defRPr>
+            </a:lvl2pPr>
+            <a:lvl3pPr marL="1143000" indent="-228600" eaLnBrk="0" hangingPunct="0">
+              <a:defRPr>
+                <a:solidFill>
+                  <a:schemeClr val="tx1"/>
+                </a:solidFill>
+                <a:latin typeface="Calibri" panose="020F0502020204030204" pitchFamily="34" charset="0"/>
+                <a:ea typeface="宋体" panose="02010600030101010101" pitchFamily="2" charset="-122"/>
+              </a:defRPr>
+            </a:lvl3pPr>
+            <a:lvl4pPr marL="1600200" indent="-228600" eaLnBrk="0" hangingPunct="0">
+              <a:defRPr>
+                <a:solidFill>
+                  <a:schemeClr val="tx1"/>
+                </a:solidFill>
+                <a:latin typeface="Calibri" panose="020F0502020204030204" pitchFamily="34" charset="0"/>
+                <a:ea typeface="宋体" panose="02010600030101010101" pitchFamily="2" charset="-122"/>
+              </a:defRPr>
+            </a:lvl4pPr>
+            <a:lvl5pPr marL="2057400" indent="-228600" eaLnBrk="0" hangingPunct="0">
+              <a:defRPr>
+                <a:solidFill>
+                  <a:schemeClr val="tx1"/>
+                </a:solidFill>
+                <a:latin typeface="Calibri" panose="020F0502020204030204" pitchFamily="34" charset="0"/>
+                <a:ea typeface="宋体" panose="02010600030101010101" pitchFamily="2" charset="-122"/>
+              </a:defRPr>
+            </a:lvl5pPr>
+            <a:lvl6pPr marL="2514600" indent="-228600" eaLnBrk="0" fontAlgn="base" hangingPunct="0">
+              <a:spcBef>
+                <a:spcPct val="0"/>
+              </a:spcBef>
+              <a:spcAft>
+                <a:spcPct val="0"/>
+              </a:spcAft>
+              <a:buFont typeface="Arial" panose="020B0604020202020204" pitchFamily="34" charset="0"/>
+              <a:defRPr>
+                <a:solidFill>
+                  <a:schemeClr val="tx1"/>
+                </a:solidFill>
+                <a:latin typeface="Calibri" panose="020F0502020204030204" pitchFamily="34" charset="0"/>
+                <a:ea typeface="宋体" panose="02010600030101010101" pitchFamily="2" charset="-122"/>
+              </a:defRPr>
+            </a:lvl6pPr>
+            <a:lvl7pPr marL="2971800" indent="-228600" eaLnBrk="0" fontAlgn="base" hangingPunct="0">
+              <a:spcBef>
+                <a:spcPct val="0"/>
+              </a:spcBef>
+              <a:spcAft>
+                <a:spcPct val="0"/>
+              </a:spcAft>
+              <a:buFont typeface="Arial" panose="020B0604020202020204" pitchFamily="34" charset="0"/>
+              <a:defRPr>
+                <a:solidFill>
+                  <a:schemeClr val="tx1"/>
+                </a:solidFill>
+                <a:latin typeface="Calibri" panose="020F0502020204030204" pitchFamily="34" charset="0"/>
+                <a:ea typeface="宋体" panose="02010600030101010101" pitchFamily="2" charset="-122"/>
+              </a:defRPr>
+            </a:lvl7pPr>
+            <a:lvl8pPr marL="3429000" indent="-228600" eaLnBrk="0" fontAlgn="base" hangingPunct="0">
+              <a:spcBef>
+                <a:spcPct val="0"/>
+              </a:spcBef>
+              <a:spcAft>
+                <a:spcPct val="0"/>
+              </a:spcAft>
+              <a:buFont typeface="Arial" panose="020B0604020202020204" pitchFamily="34" charset="0"/>
+              <a:defRPr>
+                <a:solidFill>
+                  <a:schemeClr val="tx1"/>
+                </a:solidFill>
+                <a:latin typeface="Calibri" panose="020F0502020204030204" pitchFamily="34" charset="0"/>
+                <a:ea typeface="宋体" panose="02010600030101010101" pitchFamily="2" charset="-122"/>
+              </a:defRPr>
+            </a:lvl8pPr>
+            <a:lvl9pPr marL="3886200" indent="-228600" eaLnBrk="0" fontAlgn="base" hangingPunct="0">
+              <a:spcBef>
+                <a:spcPct val="0"/>
+              </a:spcBef>
+              <a:spcAft>
+                <a:spcPct val="0"/>
+              </a:spcAft>
+              <a:buFont typeface="Arial" panose="020B0604020202020204" pitchFamily="34" charset="0"/>
+              <a:defRPr>
+                <a:solidFill>
+                  <a:schemeClr val="tx1"/>
+                </a:solidFill>
+                <a:latin typeface="Calibri" panose="020F0502020204030204" pitchFamily="34" charset="0"/>
+                <a:ea typeface="宋体" panose="02010600030101010101" pitchFamily="2" charset="-122"/>
+              </a:defRPr>
+            </a:lvl9pPr>
+          </a:lstStyle>
+          <a:p>
+            <a:pPr algn="ctr" eaLnBrk="1" hangingPunct="1"/>
+            <a:r>
+              <a:rPr lang="zh-CN" altLang="en-US" sz="2000" b="1" dirty="0" smtClean="0">
+                <a:solidFill>
+                  <a:schemeClr val="bg1"/>
+                </a:solidFill>
+                <a:latin typeface="微软雅黑" panose="020B0503020204020204" pitchFamily="34" charset="-122"/>
+                <a:ea typeface="微软雅黑" panose="020B0503020204020204" pitchFamily="34" charset="-122"/>
+              </a:rPr>
+              <a:t>微型化</a:t>
+            </a:r>
+            <a:endParaRPr lang="zh-CN" altLang="en-US" sz="2000" b="1" dirty="0">
+              <a:solidFill>
+                <a:schemeClr val="bg1"/>
+              </a:solidFill>
+              <a:latin typeface="微软雅黑" panose="020B0503020204020204" pitchFamily="34" charset="-122"/>
+              <a:ea typeface="微软雅黑" panose="020B0503020204020204" pitchFamily="34" charset="-122"/>
+            </a:endParaRPr>
+          </a:p>
+        </p:txBody>
+      </p:sp>
+      <p:sp>
+        <p:nvSpPr>
+          <p:cNvPr id="14" name="Rectangle 13"/>
+          <p:cNvSpPr/>
+          <p:nvPr/>
+        </p:nvSpPr>
+        <p:spPr>
+          <a:xfrm>
+            <a:off x="6567518" y="1396314"/>
+            <a:ext cx="4596676" cy="4770537"/>
+          </a:xfrm>
+          <a:prstGeom prst="rect">
+            <a:avLst/>
+          </a:prstGeom>
+        </p:spPr>
+        <p:txBody>
+          <a:bodyPr wrap="square">
+            <a:spAutoFit/>
+          </a:bodyPr>
+          <a:lstStyle/>
+          <a:p>
+            <a:r>
+              <a:rPr lang="en-US" altLang="zh-CN" sz="1600" dirty="0" smtClean="0">
+                <a:solidFill>
+                  <a:srgbClr val="002B41"/>
+                </a:solidFill>
+                <a:latin typeface="微软雅黑" panose="020B0503020204020204" pitchFamily="34" charset="-122"/>
+                <a:ea typeface="微软雅黑" panose="020B0503020204020204" pitchFamily="34" charset="-122"/>
+              </a:rPr>
+              <a:t>       </a:t>
+            </a:r>
+            <a:r>
+              <a:rPr lang="zh-CN" altLang="zh-CN" sz="1600" dirty="0" smtClean="0">
+                <a:solidFill>
+                  <a:srgbClr val="002B41"/>
+                </a:solidFill>
+                <a:latin typeface="微软雅黑" panose="020B0503020204020204" pitchFamily="34" charset="-122"/>
+                <a:ea typeface="微软雅黑" panose="020B0503020204020204" pitchFamily="34" charset="-122"/>
+              </a:rPr>
+              <a:t>随着</a:t>
+            </a:r>
+            <a:r>
+              <a:rPr lang="en-US" altLang="zh-CN" sz="1600" dirty="0" smtClean="0">
+                <a:solidFill>
+                  <a:srgbClr val="002B41"/>
+                </a:solidFill>
+                <a:latin typeface="微软雅黑" panose="020B0503020204020204" pitchFamily="34" charset="-122"/>
+                <a:ea typeface="微软雅黑" panose="020B0503020204020204" pitchFamily="34" charset="-122"/>
+              </a:rPr>
+              <a:t>MEMS</a:t>
+            </a:r>
+            <a:r>
+              <a:rPr lang="zh-CN" altLang="zh-CN" sz="1600" dirty="0" smtClean="0">
+                <a:solidFill>
+                  <a:srgbClr val="002B41"/>
+                </a:solidFill>
+                <a:latin typeface="微软雅黑" panose="020B0503020204020204" pitchFamily="34" charset="-122"/>
+                <a:ea typeface="微软雅黑" panose="020B0503020204020204" pitchFamily="34" charset="-122"/>
+              </a:rPr>
+              <a:t>技术的不断发展，机器人小型化并没有技术上的绝对门槛。</a:t>
+            </a:r>
+          </a:p>
+          <a:p>
+            <a:r>
+              <a:rPr lang="en-US" altLang="zh-CN" sz="1600" dirty="0" smtClean="0">
+                <a:solidFill>
+                  <a:srgbClr val="002B41"/>
+                </a:solidFill>
+                <a:latin typeface="微软雅黑" panose="020B0503020204020204" pitchFamily="34" charset="-122"/>
+                <a:ea typeface="微软雅黑" panose="020B0503020204020204" pitchFamily="34" charset="-122"/>
+              </a:rPr>
+              <a:t>       MEMS</a:t>
+            </a:r>
+            <a:r>
+              <a:rPr lang="zh-CN" altLang="zh-CN" sz="1600" dirty="0" smtClean="0">
+                <a:solidFill>
+                  <a:srgbClr val="002B41"/>
+                </a:solidFill>
+                <a:latin typeface="微软雅黑" panose="020B0503020204020204" pitchFamily="34" charset="-122"/>
+                <a:ea typeface="微软雅黑" panose="020B0503020204020204" pitchFamily="34" charset="-122"/>
+              </a:rPr>
+              <a:t>即微机电系统，是指尺寸在毫米级别的智能系统，其内部可集成微传感器、微执行器、微机械结构、微电源微能源、信号处理和控制</a:t>
+            </a:r>
+            <a:r>
+              <a:rPr lang="zh-CN" altLang="en-US" sz="1600" dirty="0">
+                <a:solidFill>
+                  <a:srgbClr val="002B41"/>
+                </a:solidFill>
+                <a:latin typeface="微软雅黑" panose="020B0503020204020204" pitchFamily="34" charset="-122"/>
+                <a:ea typeface="微软雅黑" panose="020B0503020204020204" pitchFamily="34" charset="-122"/>
+              </a:rPr>
+              <a:t>电路</a:t>
+            </a:r>
+            <a:r>
+              <a:rPr lang="zh-CN" altLang="zh-CN" sz="1600" dirty="0" smtClean="0">
+                <a:solidFill>
+                  <a:srgbClr val="002B41"/>
+                </a:solidFill>
+                <a:latin typeface="微软雅黑" panose="020B0503020204020204" pitchFamily="34" charset="-122"/>
+                <a:ea typeface="微软雅黑" panose="020B0503020204020204" pitchFamily="34" charset="-122"/>
+              </a:rPr>
+              <a:t>、</a:t>
+            </a:r>
+            <a:r>
+              <a:rPr lang="zh-CN" altLang="zh-CN" sz="1600" dirty="0">
+                <a:solidFill>
+                  <a:srgbClr val="002B41"/>
+                </a:solidFill>
+                <a:latin typeface="微软雅黑" panose="020B0503020204020204" pitchFamily="34" charset="-122"/>
+                <a:ea typeface="微软雅黑" panose="020B0503020204020204" pitchFamily="34" charset="-122"/>
+              </a:rPr>
+              <a:t>高性能电子集成器件、接口、通信等功能模</a:t>
+            </a:r>
+            <a:r>
+              <a:rPr lang="zh-CN" altLang="zh-CN" sz="1600" dirty="0" smtClean="0">
+                <a:solidFill>
+                  <a:srgbClr val="002B41"/>
+                </a:solidFill>
+                <a:latin typeface="微软雅黑" panose="020B0503020204020204" pitchFamily="34" charset="-122"/>
+                <a:ea typeface="微软雅黑" panose="020B0503020204020204" pitchFamily="34" charset="-122"/>
+              </a:rPr>
+              <a:t>块，能够在小尺度上实现机电系统的大多数功能。</a:t>
+            </a:r>
+            <a:r>
+              <a:rPr lang="en-US" altLang="zh-CN" sz="1600" dirty="0" smtClean="0">
+                <a:solidFill>
+                  <a:srgbClr val="002B41"/>
+                </a:solidFill>
+                <a:latin typeface="微软雅黑" panose="020B0503020204020204" pitchFamily="34" charset="-122"/>
+                <a:ea typeface="微软雅黑" panose="020B0503020204020204" pitchFamily="34" charset="-122"/>
+              </a:rPr>
+              <a:t>MEMS</a:t>
+            </a:r>
+            <a:r>
+              <a:rPr lang="zh-CN" altLang="zh-CN" sz="1600" dirty="0" smtClean="0">
+                <a:solidFill>
+                  <a:srgbClr val="002B41"/>
+                </a:solidFill>
+                <a:latin typeface="微软雅黑" panose="020B0503020204020204" pitchFamily="34" charset="-122"/>
+                <a:ea typeface="微软雅黑" panose="020B0503020204020204" pitchFamily="34" charset="-122"/>
+              </a:rPr>
+              <a:t>具有微型化、批量生产、集成化方便拓展、价格低廉（大批量时）等优势。</a:t>
+            </a:r>
+            <a:r>
+              <a:rPr lang="en-US" altLang="zh-CN" sz="1600" dirty="0" smtClean="0">
+                <a:solidFill>
+                  <a:srgbClr val="002B41"/>
+                </a:solidFill>
+                <a:latin typeface="微软雅黑" panose="020B0503020204020204" pitchFamily="34" charset="-122"/>
+                <a:ea typeface="微软雅黑" panose="020B0503020204020204" pitchFamily="34" charset="-122"/>
+              </a:rPr>
+              <a:t>MEMS</a:t>
+            </a:r>
+            <a:r>
+              <a:rPr lang="zh-CN" altLang="zh-CN" sz="1600" dirty="0" smtClean="0">
+                <a:solidFill>
+                  <a:srgbClr val="002B41"/>
+                </a:solidFill>
+                <a:latin typeface="微软雅黑" panose="020B0503020204020204" pitchFamily="34" charset="-122"/>
+                <a:ea typeface="微软雅黑" panose="020B0503020204020204" pitchFamily="34" charset="-122"/>
+              </a:rPr>
+              <a:t>当前技术发展主要集中在以下领域：微感知与微控制、微流动控制、微惯性测量装置、微型飞行器、可穿戴和可植入设备、纳机电谐振器、扫描隧道显微镜等。实例：在两千零几年，加州大学伯克利分校就曾研制出微型机器人苍蝇，可模拟苍蝇拍打翅膀，翅翼仅有</a:t>
+            </a:r>
+            <a:r>
+              <a:rPr lang="en-US" altLang="zh-CN" sz="1600" dirty="0" smtClean="0">
+                <a:solidFill>
+                  <a:srgbClr val="002B41"/>
+                </a:solidFill>
+                <a:latin typeface="微软雅黑" panose="020B0503020204020204" pitchFamily="34" charset="-122"/>
+                <a:ea typeface="微软雅黑" panose="020B0503020204020204" pitchFamily="34" charset="-122"/>
+              </a:rPr>
+              <a:t>3cm</a:t>
+            </a:r>
+            <a:r>
+              <a:rPr lang="zh-CN" altLang="zh-CN" sz="1600" dirty="0" smtClean="0">
+                <a:solidFill>
+                  <a:srgbClr val="002B41"/>
+                </a:solidFill>
+                <a:latin typeface="微软雅黑" panose="020B0503020204020204" pitchFamily="34" charset="-122"/>
+                <a:ea typeface="微软雅黑" panose="020B0503020204020204" pitchFamily="34" charset="-122"/>
+              </a:rPr>
+              <a:t>，重量越</a:t>
+            </a:r>
+            <a:r>
+              <a:rPr lang="en-US" altLang="zh-CN" sz="1600" dirty="0" smtClean="0">
+                <a:solidFill>
+                  <a:srgbClr val="002B41"/>
+                </a:solidFill>
+                <a:latin typeface="微软雅黑" panose="020B0503020204020204" pitchFamily="34" charset="-122"/>
+                <a:ea typeface="微软雅黑" panose="020B0503020204020204" pitchFamily="34" charset="-122"/>
+              </a:rPr>
+              <a:t>300mg</a:t>
+            </a:r>
+            <a:r>
+              <a:rPr lang="zh-CN" altLang="zh-CN" sz="1600" dirty="0" smtClean="0">
+                <a:solidFill>
+                  <a:srgbClr val="002B41"/>
+                </a:solidFill>
+                <a:latin typeface="微软雅黑" panose="020B0503020204020204" pitchFamily="34" charset="-122"/>
+                <a:ea typeface="微软雅黑" panose="020B0503020204020204" pitchFamily="34" charset="-122"/>
+              </a:rPr>
+              <a:t>。同期，上海交通大学研制出可自由前进、后退与转弯的微型六足机器人——“银甲虫一号”，尺寸约为</a:t>
+            </a:r>
+            <a:r>
+              <a:rPr lang="en-US" altLang="zh-CN" sz="1600" dirty="0" smtClean="0">
+                <a:solidFill>
+                  <a:srgbClr val="002B41"/>
+                </a:solidFill>
+                <a:latin typeface="微软雅黑" panose="020B0503020204020204" pitchFamily="34" charset="-122"/>
+                <a:ea typeface="微软雅黑" panose="020B0503020204020204" pitchFamily="34" charset="-122"/>
+              </a:rPr>
+              <a:t>3*3*4.2</a:t>
+            </a:r>
+            <a:r>
+              <a:rPr lang="zh-CN" altLang="zh-CN" sz="1600" dirty="0" smtClean="0">
+                <a:solidFill>
+                  <a:srgbClr val="002B41"/>
+                </a:solidFill>
+                <a:latin typeface="微软雅黑" panose="020B0503020204020204" pitchFamily="34" charset="-122"/>
+                <a:ea typeface="微软雅黑" panose="020B0503020204020204" pitchFamily="34" charset="-122"/>
+              </a:rPr>
+              <a:t>（</a:t>
+            </a:r>
+            <a:r>
+              <a:rPr lang="en-US" altLang="zh-CN" sz="1600" dirty="0" smtClean="0">
+                <a:solidFill>
+                  <a:srgbClr val="002B41"/>
+                </a:solidFill>
+                <a:latin typeface="微软雅黑" panose="020B0503020204020204" pitchFamily="34" charset="-122"/>
+                <a:ea typeface="微软雅黑" panose="020B0503020204020204" pitchFamily="34" charset="-122"/>
+              </a:rPr>
+              <a:t>cm</a:t>
+            </a:r>
+            <a:r>
+              <a:rPr lang="zh-CN" altLang="zh-CN" sz="1600" dirty="0" smtClean="0">
+                <a:solidFill>
+                  <a:srgbClr val="002B41"/>
+                </a:solidFill>
+                <a:latin typeface="微软雅黑" panose="020B0503020204020204" pitchFamily="34" charset="-122"/>
+                <a:ea typeface="微软雅黑" panose="020B0503020204020204" pitchFamily="34" charset="-122"/>
+              </a:rPr>
+              <a:t>）。以上均可说明机器人小型化在技术上没有绝对瓶颈</a:t>
+            </a:r>
+            <a:r>
+              <a:rPr lang="zh-CN" altLang="zh-CN" sz="1600" dirty="0">
+                <a:solidFill>
+                  <a:srgbClr val="002B41"/>
+                </a:solidFill>
+                <a:latin typeface="微软雅黑" panose="020B0503020204020204" pitchFamily="34" charset="-122"/>
+                <a:ea typeface="微软雅黑" panose="020B0503020204020204" pitchFamily="34" charset="-122"/>
+              </a:rPr>
+              <a:t>。</a:t>
+            </a:r>
+          </a:p>
+        </p:txBody>
+      </p:sp>
+    </p:spTree>
+    <p:extLst>
+      <p:ext uri="{BB962C8B-B14F-4D97-AF65-F5344CB8AC3E}">
+        <p14:creationId xmlns:p14="http://schemas.microsoft.com/office/powerpoint/2010/main" val="1543965612"/>
+      </p:ext>
+    </p:extLst>
+  </p:cSld>
+  <p:clrMapOvr>
+    <a:masterClrMapping/>
+  </p:clrMapOvr>
+  <p:timing>
+    <p:tnLst>
+      <p:par>
+        <p:cTn id="1" dur="indefinite" restart="never" nodeType="tmRoot"/>
+      </p:par>
+    </p:tnLst>
+  </p:timing>
+</p:sld>
+</file>
+
+<file path=ppt/slides/slide32.xml><?xml version="1.0" encoding="utf-8"?>
+<p:sld xmlns:a="http://schemas.openxmlformats.org/drawingml/2006/main" xmlns:r="http://schemas.openxmlformats.org/officeDocument/2006/relationships" xmlns:p="http://schemas.openxmlformats.org/presentationml/2006/main">
+  <p:cSld>
+    <p:spTree>
+      <p:nvGrpSpPr>
+        <p:cNvPr id="1" name=""/>
+        <p:cNvGrpSpPr/>
+        <p:nvPr/>
+      </p:nvGrpSpPr>
+      <p:grpSpPr>
+        <a:xfrm>
+          <a:off x="0" y="0"/>
+          <a:ext cx="0" cy="0"/>
+          <a:chOff x="0" y="0"/>
+          <a:chExt cx="0" cy="0"/>
+        </a:xfrm>
+      </p:grpSpPr>
+      <p:sp>
+        <p:nvSpPr>
+          <p:cNvPr id="19" name="TextBox 76"/>
+          <p:cNvSpPr txBox="1"/>
+          <p:nvPr/>
+        </p:nvSpPr>
+        <p:spPr>
+          <a:xfrm>
+            <a:off x="498177" y="119023"/>
+            <a:ext cx="4415696" cy="400110"/>
+          </a:xfrm>
+          <a:prstGeom prst="rect">
+            <a:avLst/>
+          </a:prstGeom>
+          <a:noFill/>
+        </p:spPr>
+        <p:txBody>
+          <a:bodyPr wrap="none" rtlCol="0">
+            <a:spAutoFit/>
+          </a:bodyPr>
+          <a:lstStyle/>
+          <a:p>
+            <a:r>
+              <a:rPr lang="zh-CN" altLang="en-US" sz="2000" dirty="0" smtClean="0">
+                <a:solidFill>
+                  <a:srgbClr val="002B41"/>
+                </a:solidFill>
+                <a:latin typeface="微软雅黑" panose="020B0503020204020204" pitchFamily="34" charset="-122"/>
+                <a:ea typeface="微软雅黑" panose="020B0503020204020204" pitchFamily="34" charset="-122"/>
+              </a:rPr>
+              <a:t>未来阿凡达机器人 </a:t>
+            </a:r>
+            <a:r>
+              <a:rPr lang="en-US" altLang="zh-CN" sz="2000" dirty="0" smtClean="0">
+                <a:solidFill>
+                  <a:srgbClr val="002B41"/>
+                </a:solidFill>
+                <a:latin typeface="微软雅黑" panose="020B0503020204020204" pitchFamily="34" charset="-122"/>
+                <a:ea typeface="微软雅黑" panose="020B0503020204020204" pitchFamily="34" charset="-122"/>
+              </a:rPr>
+              <a:t>- </a:t>
+            </a:r>
+            <a:r>
+              <a:rPr lang="zh-CN" altLang="en-US" sz="2000" dirty="0" smtClean="0">
+                <a:solidFill>
+                  <a:srgbClr val="002B41"/>
+                </a:solidFill>
+                <a:latin typeface="微软雅黑" panose="020B0503020204020204" pitchFamily="34" charset="-122"/>
+                <a:ea typeface="微软雅黑" panose="020B0503020204020204" pitchFamily="34" charset="-122"/>
+              </a:rPr>
+              <a:t>现状 </a:t>
+            </a:r>
+            <a:r>
+              <a:rPr lang="en-US" altLang="zh-CN" sz="2000" dirty="0" smtClean="0">
+                <a:solidFill>
+                  <a:srgbClr val="002B41"/>
+                </a:solidFill>
+                <a:latin typeface="微软雅黑" panose="020B0503020204020204" pitchFamily="34" charset="-122"/>
+                <a:ea typeface="微软雅黑" panose="020B0503020204020204" pitchFamily="34" charset="-122"/>
+              </a:rPr>
+              <a:t>– </a:t>
+            </a:r>
+            <a:r>
+              <a:rPr lang="zh-CN" altLang="en-US" sz="2000" dirty="0" smtClean="0">
+                <a:solidFill>
+                  <a:srgbClr val="002B41"/>
+                </a:solidFill>
+                <a:latin typeface="微软雅黑" panose="020B0503020204020204" pitchFamily="34" charset="-122"/>
+                <a:ea typeface="微软雅黑" panose="020B0503020204020204" pitchFamily="34" charset="-122"/>
+              </a:rPr>
+              <a:t>技术分析</a:t>
+            </a:r>
+            <a:endParaRPr lang="zh-CN" altLang="en-US" sz="2000" dirty="0">
+              <a:solidFill>
+                <a:srgbClr val="002B41"/>
+              </a:solidFill>
+              <a:latin typeface="微软雅黑" panose="020B0503020204020204" pitchFamily="34" charset="-122"/>
+              <a:ea typeface="微软雅黑" panose="020B0503020204020204" pitchFamily="34" charset="-122"/>
+            </a:endParaRPr>
+          </a:p>
+        </p:txBody>
+      </p:sp>
+      <p:sp>
+        <p:nvSpPr>
+          <p:cNvPr id="20" name="Freeform 5"/>
+          <p:cNvSpPr/>
+          <p:nvPr/>
+        </p:nvSpPr>
+        <p:spPr bwMode="auto">
+          <a:xfrm flipH="1">
+            <a:off x="0" y="-13281"/>
+            <a:ext cx="409433" cy="832147"/>
+          </a:xfrm>
+          <a:custGeom>
+            <a:avLst/>
+            <a:gdLst>
+              <a:gd name="T0" fmla="*/ 1462 w 2332"/>
+              <a:gd name="T1" fmla="*/ 0 h 3907"/>
+              <a:gd name="T2" fmla="*/ 2332 w 2332"/>
+              <a:gd name="T3" fmla="*/ 0 h 3907"/>
+              <a:gd name="T4" fmla="*/ 2332 w 2332"/>
+              <a:gd name="T5" fmla="*/ 3907 h 3907"/>
+              <a:gd name="T6" fmla="*/ 0 w 2332"/>
+              <a:gd name="T7" fmla="*/ 2595 h 3907"/>
+              <a:gd name="T8" fmla="*/ 1462 w 2332"/>
+              <a:gd name="T9" fmla="*/ 0 h 3907"/>
+            </a:gdLst>
+            <a:ahLst/>
+            <a:cxnLst>
+              <a:cxn ang="0">
+                <a:pos x="T0" y="T1"/>
+              </a:cxn>
+              <a:cxn ang="0">
+                <a:pos x="T2" y="T3"/>
+              </a:cxn>
+              <a:cxn ang="0">
+                <a:pos x="T4" y="T5"/>
+              </a:cxn>
+              <a:cxn ang="0">
+                <a:pos x="T6" y="T7"/>
+              </a:cxn>
+              <a:cxn ang="0">
+                <a:pos x="T8" y="T9"/>
+              </a:cxn>
+            </a:cxnLst>
+            <a:rect l="0" t="0" r="r" b="b"/>
+            <a:pathLst>
+              <a:path w="2332" h="3907">
+                <a:moveTo>
+                  <a:pt x="1462" y="0"/>
+                </a:moveTo>
+                <a:lnTo>
+                  <a:pt x="2332" y="0"/>
+                </a:lnTo>
+                <a:lnTo>
+                  <a:pt x="2332" y="3907"/>
+                </a:lnTo>
+                <a:lnTo>
+                  <a:pt x="0" y="2595"/>
+                </a:lnTo>
+                <a:lnTo>
+                  <a:pt x="1462" y="0"/>
+                </a:lnTo>
+                <a:close/>
+              </a:path>
+            </a:pathLst>
+          </a:custGeom>
+          <a:solidFill>
+            <a:srgbClr val="002B41"/>
+          </a:solidFill>
+          <a:ln w="28575">
+            <a:noFill/>
+          </a:ln>
+          <a:effectLst>
+            <a:outerShdw blurRad="254000" dist="127000" dir="2700000" algn="tl" rotWithShape="0">
+              <a:prstClr val="black">
+                <a:alpha val="40000"/>
+              </a:prstClr>
+            </a:outerShdw>
+          </a:effectLst>
+        </p:spPr>
+        <p:txBody>
+          <a:bodyPr anchor="ctr"/>
+          <a:lstStyle/>
+          <a:p>
+            <a:pPr algn="ctr"/>
+            <a:endParaRPr lang="zh-CN" altLang="en-US" sz="2000">
+              <a:solidFill>
+                <a:schemeClr val="bg1">
+                  <a:lumMod val="95000"/>
+                </a:schemeClr>
+              </a:solidFill>
+              <a:latin typeface="Calibri" panose="020F0502020204030204" pitchFamily="34" charset="0"/>
+              <a:ea typeface="宋体" panose="02010600030101010101" pitchFamily="2" charset="-122"/>
+            </a:endParaRPr>
+          </a:p>
+        </p:txBody>
+      </p:sp>
+      <p:sp>
+        <p:nvSpPr>
+          <p:cNvPr id="21" name="Line 17"/>
+          <p:cNvSpPr>
+            <a:spLocks noChangeShapeType="1"/>
+          </p:cNvSpPr>
+          <p:nvPr/>
+        </p:nvSpPr>
+        <p:spPr bwMode="auto">
+          <a:xfrm>
+            <a:off x="204717" y="532782"/>
+            <a:ext cx="4940489" cy="0"/>
+          </a:xfrm>
+          <a:prstGeom prst="line">
+            <a:avLst/>
+          </a:prstGeom>
+          <a:noFill/>
+          <a:ln w="7938" cap="flat">
+            <a:solidFill>
+              <a:srgbClr val="002B41"/>
+            </a:solidFill>
+            <a:prstDash val="solid"/>
+            <a:miter lim="800000"/>
+          </a:ln>
+          <a:extLst>
+            <a:ext uri="{909E8E84-426E-40DD-AFC4-6F175D3DCCD1}">
+              <a14:hiddenFill xmlns:a14="http://schemas.microsoft.com/office/drawing/2010/main">
+                <a:noFill/>
+              </a14:hiddenFill>
+            </a:ext>
+          </a:extLst>
+        </p:spPr>
+        <p:txBody>
+          <a:bodyPr vert="horz" wrap="square" lIns="91440" tIns="45720" rIns="91440" bIns="45720" numCol="1" anchor="t" anchorCtr="0" compatLnSpc="1"/>
+          <a:lstStyle/>
+          <a:p>
+            <a:endParaRPr lang="zh-CN" altLang="en-US">
+              <a:solidFill>
+                <a:schemeClr val="bg1">
+                  <a:lumMod val="95000"/>
+                </a:schemeClr>
+              </a:solidFill>
+            </a:endParaRPr>
+          </a:p>
+        </p:txBody>
+      </p:sp>
+      <p:sp>
+        <p:nvSpPr>
+          <p:cNvPr id="2" name="Slide Number Placeholder 1"/>
+          <p:cNvSpPr>
+            <a:spLocks noGrp="1"/>
+          </p:cNvSpPr>
+          <p:nvPr>
+            <p:ph type="sldNum" sz="quarter" idx="12"/>
+          </p:nvPr>
+        </p:nvSpPr>
+        <p:spPr/>
+        <p:txBody>
+          <a:bodyPr/>
+          <a:lstStyle/>
+          <a:p>
+            <a:fld id="{9C0BAE56-5081-45C8-9882-C35F39B69EBE}" type="slidenum">
+              <a:rPr lang="zh-CN" altLang="en-US" smtClean="0"/>
+              <a:t>32</a:t>
+            </a:fld>
+            <a:endParaRPr lang="zh-CN" altLang="en-US" dirty="0"/>
+          </a:p>
+        </p:txBody>
+      </p:sp>
+      <p:sp>
+        <p:nvSpPr>
+          <p:cNvPr id="32" name="椭圆 1"/>
+          <p:cNvSpPr>
+            <a:spLocks noChangeArrowheads="1"/>
+          </p:cNvSpPr>
+          <p:nvPr/>
+        </p:nvSpPr>
+        <p:spPr bwMode="auto">
+          <a:xfrm>
+            <a:off x="1433981" y="829206"/>
+            <a:ext cx="1574142" cy="727831"/>
+          </a:xfrm>
+          <a:prstGeom prst="roundRect">
+            <a:avLst/>
+          </a:prstGeom>
+          <a:solidFill>
+            <a:srgbClr val="002B41"/>
+          </a:solidFill>
+          <a:ln w="28575">
+            <a:noFill/>
+          </a:ln>
+          <a:effectLst>
+            <a:outerShdw blurRad="254000" dist="127000" dir="2700000" algn="tl" rotWithShape="0">
+              <a:prstClr val="black">
+                <a:alpha val="40000"/>
+              </a:prstClr>
+            </a:outerShdw>
+          </a:effectLst>
+        </p:spPr>
+        <p:txBody>
+          <a:bodyPr anchor="ctr"/>
+          <a:lstStyle>
+            <a:lvl1pPr eaLnBrk="0" hangingPunct="0">
+              <a:defRPr>
+                <a:solidFill>
+                  <a:schemeClr val="tx1"/>
+                </a:solidFill>
+                <a:latin typeface="Calibri" panose="020F0502020204030204" pitchFamily="34" charset="0"/>
+                <a:ea typeface="宋体" panose="02010600030101010101" pitchFamily="2" charset="-122"/>
+              </a:defRPr>
+            </a:lvl1pPr>
+            <a:lvl2pPr marL="742950" indent="-285750" eaLnBrk="0" hangingPunct="0">
+              <a:defRPr>
+                <a:solidFill>
+                  <a:schemeClr val="tx1"/>
+                </a:solidFill>
+                <a:latin typeface="Calibri" panose="020F0502020204030204" pitchFamily="34" charset="0"/>
+                <a:ea typeface="宋体" panose="02010600030101010101" pitchFamily="2" charset="-122"/>
+              </a:defRPr>
+            </a:lvl2pPr>
+            <a:lvl3pPr marL="1143000" indent="-228600" eaLnBrk="0" hangingPunct="0">
+              <a:defRPr>
+                <a:solidFill>
+                  <a:schemeClr val="tx1"/>
+                </a:solidFill>
+                <a:latin typeface="Calibri" panose="020F0502020204030204" pitchFamily="34" charset="0"/>
+                <a:ea typeface="宋体" panose="02010600030101010101" pitchFamily="2" charset="-122"/>
+              </a:defRPr>
+            </a:lvl3pPr>
+            <a:lvl4pPr marL="1600200" indent="-228600" eaLnBrk="0" hangingPunct="0">
+              <a:defRPr>
+                <a:solidFill>
+                  <a:schemeClr val="tx1"/>
+                </a:solidFill>
+                <a:latin typeface="Calibri" panose="020F0502020204030204" pitchFamily="34" charset="0"/>
+                <a:ea typeface="宋体" panose="02010600030101010101" pitchFamily="2" charset="-122"/>
+              </a:defRPr>
+            </a:lvl4pPr>
+            <a:lvl5pPr marL="2057400" indent="-228600" eaLnBrk="0" hangingPunct="0">
+              <a:defRPr>
+                <a:solidFill>
+                  <a:schemeClr val="tx1"/>
+                </a:solidFill>
+                <a:latin typeface="Calibri" panose="020F0502020204030204" pitchFamily="34" charset="0"/>
+                <a:ea typeface="宋体" panose="02010600030101010101" pitchFamily="2" charset="-122"/>
+              </a:defRPr>
+            </a:lvl5pPr>
+            <a:lvl6pPr marL="2514600" indent="-228600" eaLnBrk="0" fontAlgn="base" hangingPunct="0">
+              <a:spcBef>
+                <a:spcPct val="0"/>
+              </a:spcBef>
+              <a:spcAft>
+                <a:spcPct val="0"/>
+              </a:spcAft>
+              <a:buFont typeface="Arial" panose="020B0604020202020204" pitchFamily="34" charset="0"/>
+              <a:defRPr>
+                <a:solidFill>
+                  <a:schemeClr val="tx1"/>
+                </a:solidFill>
+                <a:latin typeface="Calibri" panose="020F0502020204030204" pitchFamily="34" charset="0"/>
+                <a:ea typeface="宋体" panose="02010600030101010101" pitchFamily="2" charset="-122"/>
+              </a:defRPr>
+            </a:lvl6pPr>
+            <a:lvl7pPr marL="2971800" indent="-228600" eaLnBrk="0" fontAlgn="base" hangingPunct="0">
+              <a:spcBef>
+                <a:spcPct val="0"/>
+              </a:spcBef>
+              <a:spcAft>
+                <a:spcPct val="0"/>
+              </a:spcAft>
+              <a:buFont typeface="Arial" panose="020B0604020202020204" pitchFamily="34" charset="0"/>
+              <a:defRPr>
+                <a:solidFill>
+                  <a:schemeClr val="tx1"/>
+                </a:solidFill>
+                <a:latin typeface="Calibri" panose="020F0502020204030204" pitchFamily="34" charset="0"/>
+                <a:ea typeface="宋体" panose="02010600030101010101" pitchFamily="2" charset="-122"/>
+              </a:defRPr>
+            </a:lvl7pPr>
+            <a:lvl8pPr marL="3429000" indent="-228600" eaLnBrk="0" fontAlgn="base" hangingPunct="0">
+              <a:spcBef>
+                <a:spcPct val="0"/>
+              </a:spcBef>
+              <a:spcAft>
+                <a:spcPct val="0"/>
+              </a:spcAft>
+              <a:buFont typeface="Arial" panose="020B0604020202020204" pitchFamily="34" charset="0"/>
+              <a:defRPr>
+                <a:solidFill>
+                  <a:schemeClr val="tx1"/>
+                </a:solidFill>
+                <a:latin typeface="Calibri" panose="020F0502020204030204" pitchFamily="34" charset="0"/>
+                <a:ea typeface="宋体" panose="02010600030101010101" pitchFamily="2" charset="-122"/>
+              </a:defRPr>
+            </a:lvl8pPr>
+            <a:lvl9pPr marL="3886200" indent="-228600" eaLnBrk="0" fontAlgn="base" hangingPunct="0">
+              <a:spcBef>
+                <a:spcPct val="0"/>
+              </a:spcBef>
+              <a:spcAft>
+                <a:spcPct val="0"/>
+              </a:spcAft>
+              <a:buFont typeface="Arial" panose="020B0604020202020204" pitchFamily="34" charset="0"/>
+              <a:defRPr>
+                <a:solidFill>
+                  <a:schemeClr val="tx1"/>
+                </a:solidFill>
+                <a:latin typeface="Calibri" panose="020F0502020204030204" pitchFamily="34" charset="0"/>
+                <a:ea typeface="宋体" panose="02010600030101010101" pitchFamily="2" charset="-122"/>
+              </a:defRPr>
+            </a:lvl9pPr>
+          </a:lstStyle>
+          <a:p>
+            <a:pPr algn="ctr" eaLnBrk="1" hangingPunct="1"/>
+            <a:r>
               <a:rPr lang="zh-CN" altLang="en-US" sz="2000" b="1" dirty="0">
                 <a:solidFill>
                   <a:schemeClr val="bg1"/>
@@ -29874,7 +31064,7 @@
 </p:sld>
 </file>
 
-<file path=ppt/slides/slide32.xml><?xml version="1.0" encoding="utf-8"?>
+<file path=ppt/slides/slide33.xml><?xml version="1.0" encoding="utf-8"?>
 <p:sld xmlns:a="http://schemas.openxmlformats.org/drawingml/2006/main" xmlns:r="http://schemas.openxmlformats.org/officeDocument/2006/relationships" xmlns:p="http://schemas.openxmlformats.org/presentationml/2006/main">
   <p:cSld>
     <p:spTree>
@@ -30135,7 +31325,7 @@
           <a:p>
             <a:fld id="{9C0BAE56-5081-45C8-9882-C35F39B69EBE}" type="slidenum">
               <a:rPr lang="zh-CN" altLang="en-US" smtClean="0"/>
-              <a:t>32</a:t>
+              <a:t>33</a:t>
             </a:fld>
             <a:endParaRPr lang="zh-CN" altLang="en-US"/>
           </a:p>
@@ -30247,7 +31437,7 @@
 </p:sld>
 </file>
 
-<file path=ppt/slides/slide33.xml><?xml version="1.0" encoding="utf-8"?>
+<file path=ppt/slides/slide34.xml><?xml version="1.0" encoding="utf-8"?>
 <p:sld xmlns:a="http://schemas.openxmlformats.org/drawingml/2006/main" xmlns:r="http://schemas.openxmlformats.org/officeDocument/2006/relationships" xmlns:p="http://schemas.openxmlformats.org/presentationml/2006/main">
   <p:cSld>
     <p:spTree>
@@ -30525,7 +31715,7 @@
           <a:p>
             <a:fld id="{9C0BAE56-5081-45C8-9882-C35F39B69EBE}" type="slidenum">
               <a:rPr lang="zh-CN" altLang="en-US" smtClean="0"/>
-              <a:t>33</a:t>
+              <a:t>34</a:t>
             </a:fld>
             <a:endParaRPr lang="zh-CN" altLang="en-US"/>
           </a:p>
@@ -31379,7 +32569,7 @@
 </p:sld>
 </file>
 
-<file path=ppt/slides/slide34.xml><?xml version="1.0" encoding="utf-8"?>
+<file path=ppt/slides/slide35.xml><?xml version="1.0" encoding="utf-8"?>
 <p:sld xmlns:a="http://schemas.openxmlformats.org/drawingml/2006/main" xmlns:r="http://schemas.openxmlformats.org/officeDocument/2006/relationships" xmlns:p="http://schemas.openxmlformats.org/presentationml/2006/main">
   <p:cSld>
     <p:spTree>
@@ -31762,7 +32952,7 @@
           <a:p>
             <a:fld id="{9C0BAE56-5081-45C8-9882-C35F39B69EBE}" type="slidenum">
               <a:rPr lang="zh-CN" altLang="en-US" smtClean="0"/>
-              <a:t>34</a:t>
+              <a:t>35</a:t>
             </a:fld>
             <a:endParaRPr lang="zh-CN" altLang="en-US"/>
           </a:p>
@@ -32645,7 +33835,7 @@
 </p:sld>
 </file>
 
-<file path=ppt/slides/slide35.xml><?xml version="1.0" encoding="utf-8"?>
+<file path=ppt/slides/slide36.xml><?xml version="1.0" encoding="utf-8"?>
 <p:sld xmlns:a="http://schemas.openxmlformats.org/drawingml/2006/main" xmlns:r="http://schemas.openxmlformats.org/officeDocument/2006/relationships" xmlns:p="http://schemas.openxmlformats.org/presentationml/2006/main">
   <p:cSld>
     <p:spTree>
@@ -32923,7 +34113,7 @@
           <a:p>
             <a:fld id="{9C0BAE56-5081-45C8-9882-C35F39B69EBE}" type="slidenum">
               <a:rPr lang="zh-CN" altLang="en-US" smtClean="0"/>
-              <a:t>35</a:t>
+              <a:t>36</a:t>
             </a:fld>
             <a:endParaRPr lang="zh-CN" altLang="en-US"/>
           </a:p>
@@ -33607,7 +34797,7 @@
 </p:sld>
 </file>
 
-<file path=ppt/slides/slide36.xml><?xml version="1.0" encoding="utf-8"?>
+<file path=ppt/slides/slide37.xml><?xml version="1.0" encoding="utf-8"?>
 <p:sld xmlns:a="http://schemas.openxmlformats.org/drawingml/2006/main" xmlns:r="http://schemas.openxmlformats.org/officeDocument/2006/relationships" xmlns:p="http://schemas.openxmlformats.org/presentationml/2006/main">
   <p:cSld>
     <p:spTree>
@@ -33895,7 +35085,7 @@
           <a:p>
             <a:fld id="{9C0BAE56-5081-45C8-9882-C35F39B69EBE}" type="slidenum">
               <a:rPr lang="zh-CN" altLang="en-US" smtClean="0"/>
-              <a:t>36</a:t>
+              <a:t>37</a:t>
             </a:fld>
             <a:endParaRPr lang="zh-CN" altLang="en-US"/>
           </a:p>
@@ -34685,7 +35875,7 @@
 </p:sld>
 </file>
 
-<file path=ppt/slides/slide37.xml><?xml version="1.0" encoding="utf-8"?>
+<file path=ppt/slides/slide38.xml><?xml version="1.0" encoding="utf-8"?>
 <p:sld xmlns:a="http://schemas.openxmlformats.org/drawingml/2006/main" xmlns:r="http://schemas.openxmlformats.org/officeDocument/2006/relationships" xmlns:p="http://schemas.openxmlformats.org/presentationml/2006/main">
   <p:cSld>
     <p:spTree>
@@ -34973,7 +36163,7 @@
           <a:p>
             <a:fld id="{9C0BAE56-5081-45C8-9882-C35F39B69EBE}" type="slidenum">
               <a:rPr lang="zh-CN" altLang="en-US" smtClean="0"/>
-              <a:t>37</a:t>
+              <a:t>38</a:t>
             </a:fld>
             <a:endParaRPr lang="zh-CN" altLang="en-US"/>
           </a:p>
@@ -35433,7 +36623,7 @@
 </p:sld>
 </file>
 
-<file path=ppt/slides/slide38.xml><?xml version="1.0" encoding="utf-8"?>
+<file path=ppt/slides/slide39.xml><?xml version="1.0" encoding="utf-8"?>
 <p:sld xmlns:a="http://schemas.openxmlformats.org/drawingml/2006/main" xmlns:r="http://schemas.openxmlformats.org/officeDocument/2006/relationships" xmlns:p="http://schemas.openxmlformats.org/presentationml/2006/main">
   <p:cSld>
     <p:spTree>
@@ -35857,513 +37047,13 @@
           <a:p>
             <a:fld id="{9C0BAE56-5081-45C8-9882-C35F39B69EBE}" type="slidenum">
               <a:rPr lang="zh-CN" altLang="en-US" smtClean="0"/>
-              <a:t>38</a:t>
+              <a:t>39</a:t>
             </a:fld>
             <a:endParaRPr lang="zh-CN" altLang="en-US"/>
           </a:p>
         </p:txBody>
       </p:sp>
     </p:spTree>
-  </p:cSld>
-  <p:clrMapOvr>
-    <a:masterClrMapping/>
-  </p:clrMapOvr>
-</p:sld>
-</file>
-
-<file path=ppt/slides/slide39.xml><?xml version="1.0" encoding="utf-8"?>
-<p:sld xmlns:a="http://schemas.openxmlformats.org/drawingml/2006/main" xmlns:r="http://schemas.openxmlformats.org/officeDocument/2006/relationships" xmlns:p="http://schemas.openxmlformats.org/presentationml/2006/main">
-  <p:cSld>
-    <p:spTree>
-      <p:nvGrpSpPr>
-        <p:cNvPr id="1" name=""/>
-        <p:cNvGrpSpPr/>
-        <p:nvPr/>
-      </p:nvGrpSpPr>
-      <p:grpSpPr>
-        <a:xfrm>
-          <a:off x="0" y="0"/>
-          <a:ext cx="0" cy="0"/>
-          <a:chOff x="0" y="0"/>
-          <a:chExt cx="0" cy="0"/>
-        </a:xfrm>
-      </p:grpSpPr>
-      <p:sp>
-        <p:nvSpPr>
-          <p:cNvPr id="4" name="Freeform 5"/>
-          <p:cNvSpPr/>
-          <p:nvPr/>
-        </p:nvSpPr>
-        <p:spPr bwMode="auto">
-          <a:xfrm flipH="1">
-            <a:off x="0" y="-13281"/>
-            <a:ext cx="409433" cy="832147"/>
-          </a:xfrm>
-          <a:custGeom>
-            <a:avLst/>
-            <a:gdLst>
-              <a:gd name="T0" fmla="*/ 1462 w 2332"/>
-              <a:gd name="T1" fmla="*/ 0 h 3907"/>
-              <a:gd name="T2" fmla="*/ 2332 w 2332"/>
-              <a:gd name="T3" fmla="*/ 0 h 3907"/>
-              <a:gd name="T4" fmla="*/ 2332 w 2332"/>
-              <a:gd name="T5" fmla="*/ 3907 h 3907"/>
-              <a:gd name="T6" fmla="*/ 0 w 2332"/>
-              <a:gd name="T7" fmla="*/ 2595 h 3907"/>
-              <a:gd name="T8" fmla="*/ 1462 w 2332"/>
-              <a:gd name="T9" fmla="*/ 0 h 3907"/>
-            </a:gdLst>
-            <a:ahLst/>
-            <a:cxnLst>
-              <a:cxn ang="0">
-                <a:pos x="T0" y="T1"/>
-              </a:cxn>
-              <a:cxn ang="0">
-                <a:pos x="T2" y="T3"/>
-              </a:cxn>
-              <a:cxn ang="0">
-                <a:pos x="T4" y="T5"/>
-              </a:cxn>
-              <a:cxn ang="0">
-                <a:pos x="T6" y="T7"/>
-              </a:cxn>
-              <a:cxn ang="0">
-                <a:pos x="T8" y="T9"/>
-              </a:cxn>
-            </a:cxnLst>
-            <a:rect l="0" t="0" r="r" b="b"/>
-            <a:pathLst>
-              <a:path w="2332" h="3907">
-                <a:moveTo>
-                  <a:pt x="1462" y="0"/>
-                </a:moveTo>
-                <a:lnTo>
-                  <a:pt x="2332" y="0"/>
-                </a:lnTo>
-                <a:lnTo>
-                  <a:pt x="2332" y="3907"/>
-                </a:lnTo>
-                <a:lnTo>
-                  <a:pt x="0" y="2595"/>
-                </a:lnTo>
-                <a:lnTo>
-                  <a:pt x="1462" y="0"/>
-                </a:lnTo>
-                <a:close/>
-              </a:path>
-            </a:pathLst>
-          </a:custGeom>
-          <a:solidFill>
-            <a:srgbClr val="002B41"/>
-          </a:solidFill>
-          <a:ln w="28575">
-            <a:noFill/>
-          </a:ln>
-          <a:effectLst>
-            <a:outerShdw blurRad="254000" dist="127000" dir="2700000" algn="tl" rotWithShape="0">
-              <a:prstClr val="black">
-                <a:alpha val="40000"/>
-              </a:prstClr>
-            </a:outerShdw>
-          </a:effectLst>
-        </p:spPr>
-        <p:txBody>
-          <a:bodyPr anchor="ctr"/>
-          <a:lstStyle/>
-          <a:p>
-            <a:pPr algn="ctr"/>
-            <a:endParaRPr lang="zh-CN" altLang="en-US" sz="2000">
-              <a:solidFill>
-                <a:schemeClr val="bg1">
-                  <a:lumMod val="95000"/>
-                </a:schemeClr>
-              </a:solidFill>
-              <a:latin typeface="Calibri" panose="020F0502020204030204" pitchFamily="34" charset="0"/>
-              <a:ea typeface="宋体" panose="02010600030101010101" pitchFamily="2" charset="-122"/>
-            </a:endParaRPr>
-          </a:p>
-        </p:txBody>
-      </p:sp>
-      <p:sp>
-        <p:nvSpPr>
-          <p:cNvPr id="17" name="Slide Number Placeholder 16"/>
-          <p:cNvSpPr>
-            <a:spLocks noGrp="1"/>
-          </p:cNvSpPr>
-          <p:nvPr>
-            <p:ph type="sldNum" sz="quarter" idx="12"/>
-          </p:nvPr>
-        </p:nvSpPr>
-        <p:spPr/>
-        <p:txBody>
-          <a:bodyPr/>
-          <a:lstStyle/>
-          <a:p>
-            <a:fld id="{9C0BAE56-5081-45C8-9882-C35F39B69EBE}" type="slidenum">
-              <a:rPr lang="zh-CN" altLang="en-US" smtClean="0"/>
-              <a:t>39</a:t>
-            </a:fld>
-            <a:endParaRPr lang="zh-CN" altLang="en-US"/>
-          </a:p>
-        </p:txBody>
-      </p:sp>
-      <p:sp>
-        <p:nvSpPr>
-          <p:cNvPr id="18" name="TextBox 76"/>
-          <p:cNvSpPr txBox="1"/>
-          <p:nvPr/>
-        </p:nvSpPr>
-        <p:spPr>
-          <a:xfrm>
-            <a:off x="498177" y="119023"/>
-            <a:ext cx="3785011" cy="400110"/>
-          </a:xfrm>
-          <a:prstGeom prst="rect">
-            <a:avLst/>
-          </a:prstGeom>
-          <a:noFill/>
-        </p:spPr>
-        <p:txBody>
-          <a:bodyPr wrap="none" rtlCol="0">
-            <a:spAutoFit/>
-          </a:bodyPr>
-          <a:lstStyle/>
-          <a:p>
-            <a:r>
-              <a:rPr lang="zh-CN" altLang="en-US" sz="2000" dirty="0">
-                <a:solidFill>
-                  <a:srgbClr val="002B41"/>
-                </a:solidFill>
-                <a:latin typeface="微软雅黑" panose="020B0503020204020204" pitchFamily="34" charset="-122"/>
-                <a:ea typeface="微软雅黑" panose="020B0503020204020204" pitchFamily="34" charset="-122"/>
-              </a:rPr>
-              <a:t>未来阿凡达机器人 </a:t>
-            </a:r>
-            <a:r>
-              <a:rPr lang="en-US" altLang="zh-CN" sz="2000" dirty="0">
-                <a:solidFill>
-                  <a:srgbClr val="002B41"/>
-                </a:solidFill>
-                <a:latin typeface="微软雅黑" panose="020B0503020204020204" pitchFamily="34" charset="-122"/>
-                <a:ea typeface="微软雅黑" panose="020B0503020204020204" pitchFamily="34" charset="-122"/>
-              </a:rPr>
-              <a:t>- </a:t>
-            </a:r>
-            <a:r>
-              <a:rPr lang="zh-CN" altLang="en-US" sz="2000" dirty="0">
-                <a:solidFill>
-                  <a:srgbClr val="002B41"/>
-                </a:solidFill>
-                <a:latin typeface="微软雅黑" panose="020B0503020204020204" pitchFamily="34" charset="-122"/>
-                <a:ea typeface="微软雅黑" panose="020B0503020204020204" pitchFamily="34" charset="-122"/>
-              </a:rPr>
-              <a:t>未来</a:t>
-            </a:r>
-            <a:r>
-              <a:rPr lang="zh-CN" altLang="en-US" sz="2000" dirty="0" smtClean="0">
-                <a:solidFill>
-                  <a:srgbClr val="002B41"/>
-                </a:solidFill>
-                <a:latin typeface="微软雅黑" panose="020B0503020204020204" pitchFamily="34" charset="-122"/>
-                <a:ea typeface="微软雅黑" panose="020B0503020204020204" pitchFamily="34" charset="-122"/>
-              </a:rPr>
-              <a:t> </a:t>
-            </a:r>
-            <a:r>
-              <a:rPr lang="en-US" altLang="zh-CN" sz="2000" dirty="0">
-                <a:solidFill>
-                  <a:srgbClr val="002B41"/>
-                </a:solidFill>
-                <a:latin typeface="微软雅黑" panose="020B0503020204020204" pitchFamily="34" charset="-122"/>
-                <a:ea typeface="微软雅黑" panose="020B0503020204020204" pitchFamily="34" charset="-122"/>
-              </a:rPr>
-              <a:t>-</a:t>
-            </a:r>
-            <a:r>
-              <a:rPr lang="en-US" altLang="zh-CN" sz="2000" dirty="0" smtClean="0">
-                <a:solidFill>
-                  <a:srgbClr val="002B41"/>
-                </a:solidFill>
-                <a:latin typeface="微软雅黑" panose="020B0503020204020204" pitchFamily="34" charset="-122"/>
-                <a:ea typeface="微软雅黑" panose="020B0503020204020204" pitchFamily="34" charset="-122"/>
-              </a:rPr>
-              <a:t> </a:t>
-            </a:r>
-            <a:r>
-              <a:rPr lang="zh-CN" altLang="en-US" sz="2000" dirty="0" smtClean="0">
-                <a:solidFill>
-                  <a:srgbClr val="002B41"/>
-                </a:solidFill>
-                <a:latin typeface="微软雅黑" panose="020B0503020204020204" pitchFamily="34" charset="-122"/>
-                <a:ea typeface="微软雅黑" panose="020B0503020204020204" pitchFamily="34" charset="-122"/>
-              </a:rPr>
-              <a:t>展望</a:t>
-            </a:r>
-            <a:endParaRPr lang="zh-CN" altLang="en-US" sz="2000" dirty="0">
-              <a:solidFill>
-                <a:srgbClr val="002B41"/>
-              </a:solidFill>
-              <a:latin typeface="微软雅黑" panose="020B0503020204020204" pitchFamily="34" charset="-122"/>
-              <a:ea typeface="微软雅黑" panose="020B0503020204020204" pitchFamily="34" charset="-122"/>
-            </a:endParaRPr>
-          </a:p>
-        </p:txBody>
-      </p:sp>
-      <p:sp>
-        <p:nvSpPr>
-          <p:cNvPr id="20" name="Line 17"/>
-          <p:cNvSpPr>
-            <a:spLocks noChangeShapeType="1"/>
-          </p:cNvSpPr>
-          <p:nvPr/>
-        </p:nvSpPr>
-        <p:spPr bwMode="auto">
-          <a:xfrm>
-            <a:off x="204717" y="532782"/>
-            <a:ext cx="4940489" cy="0"/>
-          </a:xfrm>
-          <a:prstGeom prst="line">
-            <a:avLst/>
-          </a:prstGeom>
-          <a:noFill/>
-          <a:ln w="7938" cap="flat">
-            <a:solidFill>
-              <a:srgbClr val="002B41"/>
-            </a:solidFill>
-            <a:prstDash val="solid"/>
-            <a:miter lim="800000"/>
-          </a:ln>
-          <a:extLst>
-            <a:ext uri="{909E8E84-426E-40DD-AFC4-6F175D3DCCD1}">
-              <a14:hiddenFill xmlns:a14="http://schemas.microsoft.com/office/drawing/2010/main">
-                <a:noFill/>
-              </a14:hiddenFill>
-            </a:ext>
-          </a:extLst>
-        </p:spPr>
-        <p:txBody>
-          <a:bodyPr vert="horz" wrap="square" lIns="91440" tIns="45720" rIns="91440" bIns="45720" numCol="1" anchor="t" anchorCtr="0" compatLnSpc="1"/>
-          <a:lstStyle/>
-          <a:p>
-            <a:endParaRPr lang="zh-CN" altLang="en-US">
-              <a:solidFill>
-                <a:schemeClr val="bg1">
-                  <a:lumMod val="95000"/>
-                </a:schemeClr>
-              </a:solidFill>
-            </a:endParaRPr>
-          </a:p>
-        </p:txBody>
-      </p:sp>
-      <p:sp>
-        <p:nvSpPr>
-          <p:cNvPr id="19" name="矩形 4"/>
-          <p:cNvSpPr/>
-          <p:nvPr/>
-        </p:nvSpPr>
-        <p:spPr>
-          <a:xfrm>
-            <a:off x="1321489" y="2061609"/>
-            <a:ext cx="9539785" cy="2781884"/>
-          </a:xfrm>
-          <a:prstGeom prst="rect">
-            <a:avLst/>
-          </a:prstGeom>
-          <a:noFill/>
-          <a:ln w="28575">
-            <a:solidFill>
-              <a:srgbClr val="002B41"/>
-            </a:solidFill>
-          </a:ln>
-        </p:spPr>
-        <p:style>
-          <a:lnRef idx="2">
-            <a:schemeClr val="accent1">
-              <a:shade val="50000"/>
-            </a:schemeClr>
-          </a:lnRef>
-          <a:fillRef idx="1">
-            <a:schemeClr val="accent1"/>
-          </a:fillRef>
-          <a:effectRef idx="0">
-            <a:schemeClr val="accent1"/>
-          </a:effectRef>
-          <a:fontRef idx="minor">
-            <a:schemeClr val="lt1"/>
-          </a:fontRef>
-        </p:style>
-        <p:txBody>
-          <a:bodyPr rtlCol="0" anchor="ctr"/>
-          <a:lstStyle/>
-          <a:p>
-            <a:pPr algn="ctr"/>
-            <a:endParaRPr lang="zh-CN" altLang="en-US"/>
-          </a:p>
-        </p:txBody>
-      </p:sp>
-      <p:sp>
-        <p:nvSpPr>
-          <p:cNvPr id="21" name="TextBox 76"/>
-          <p:cNvSpPr txBox="1"/>
-          <p:nvPr/>
-        </p:nvSpPr>
-        <p:spPr>
-          <a:xfrm>
-            <a:off x="1756782" y="2061609"/>
-            <a:ext cx="8669197" cy="2807948"/>
-          </a:xfrm>
-          <a:prstGeom prst="rect">
-            <a:avLst/>
-          </a:prstGeom>
-          <a:noFill/>
-          <a:effectLst/>
-        </p:spPr>
-        <p:txBody>
-          <a:bodyPr wrap="square" rtlCol="0">
-            <a:spAutoFit/>
-          </a:bodyPr>
-          <a:lstStyle/>
-          <a:p>
-            <a:pPr>
-              <a:lnSpc>
-                <a:spcPct val="150000"/>
-              </a:lnSpc>
-            </a:pPr>
-            <a:r>
-              <a:rPr lang="zh-CN" altLang="en-US" sz="2000" b="1" dirty="0" smtClean="0">
-                <a:solidFill>
-                  <a:srgbClr val="002B41"/>
-                </a:solidFill>
-                <a:latin typeface="微软雅黑" panose="020B0503020204020204" pitchFamily="34" charset="-122"/>
-                <a:ea typeface="微软雅黑" panose="020B0503020204020204" pitchFamily="34" charset="-122"/>
-              </a:rPr>
-              <a:t>“远程操控机器人”是除了</a:t>
-            </a:r>
-            <a:r>
-              <a:rPr lang="en-US" altLang="zh-CN" sz="2000" b="1" dirty="0" smtClean="0">
-                <a:solidFill>
-                  <a:srgbClr val="002B41"/>
-                </a:solidFill>
-                <a:latin typeface="微软雅黑" panose="020B0503020204020204" pitchFamily="34" charset="-122"/>
-                <a:ea typeface="微软雅黑" panose="020B0503020204020204" pitchFamily="34" charset="-122"/>
-              </a:rPr>
-              <a:t>AI</a:t>
-            </a:r>
-            <a:r>
-              <a:rPr lang="zh-CN" altLang="en-US" sz="2000" b="1" dirty="0" smtClean="0">
-                <a:solidFill>
-                  <a:srgbClr val="002B41"/>
-                </a:solidFill>
-                <a:latin typeface="微软雅黑" panose="020B0503020204020204" pitchFamily="34" charset="-122"/>
-                <a:ea typeface="微软雅黑" panose="020B0503020204020204" pitchFamily="34" charset="-122"/>
-              </a:rPr>
-              <a:t>之外，另一个机器人行业发展的趋势。</a:t>
-            </a:r>
-            <a:endParaRPr lang="en-US" altLang="zh-CN" sz="2000" b="1" dirty="0" smtClean="0">
-              <a:solidFill>
-                <a:srgbClr val="002B41"/>
-              </a:solidFill>
-              <a:latin typeface="微软雅黑" panose="020B0503020204020204" pitchFamily="34" charset="-122"/>
-              <a:ea typeface="微软雅黑" panose="020B0503020204020204" pitchFamily="34" charset="-122"/>
-            </a:endParaRPr>
-          </a:p>
-          <a:p>
-            <a:pPr algn="r">
-              <a:lnSpc>
-                <a:spcPct val="150000"/>
-              </a:lnSpc>
-            </a:pPr>
-            <a:r>
-              <a:rPr lang="en-US" altLang="zh-CN" sz="2000" dirty="0" smtClean="0">
-                <a:solidFill>
-                  <a:srgbClr val="002B41"/>
-                </a:solidFill>
-                <a:latin typeface="微软雅黑" panose="020B0503020204020204" pitchFamily="34" charset="-122"/>
-                <a:ea typeface="微软雅黑" panose="020B0503020204020204" pitchFamily="34" charset="-122"/>
-              </a:rPr>
-              <a:t>——Rich Walker</a:t>
-            </a:r>
-          </a:p>
-          <a:p>
-            <a:pPr algn="r">
-              <a:lnSpc>
-                <a:spcPct val="150000"/>
-              </a:lnSpc>
-            </a:pPr>
-            <a:endParaRPr lang="en-US" altLang="zh-CN" sz="2000" dirty="0">
-              <a:solidFill>
-                <a:srgbClr val="002B41"/>
-              </a:solidFill>
-              <a:latin typeface="微软雅黑" panose="020B0503020204020204" pitchFamily="34" charset="-122"/>
-              <a:ea typeface="微软雅黑" panose="020B0503020204020204" pitchFamily="34" charset="-122"/>
-            </a:endParaRPr>
-          </a:p>
-          <a:p>
-            <a:pPr>
-              <a:lnSpc>
-                <a:spcPct val="150000"/>
-              </a:lnSpc>
-            </a:pPr>
-            <a:r>
-              <a:rPr lang="zh-CN" altLang="en-US" sz="2000" b="1" dirty="0">
-                <a:solidFill>
-                  <a:srgbClr val="002B41"/>
-                </a:solidFill>
-                <a:latin typeface="微软雅黑" panose="020B0503020204020204" pitchFamily="34" charset="-122"/>
-                <a:ea typeface="微软雅黑" panose="020B0503020204020204" pitchFamily="34" charset="-122"/>
-              </a:rPr>
-              <a:t>机器</a:t>
-            </a:r>
-            <a:r>
-              <a:rPr lang="zh-CN" altLang="en-US" sz="2000" b="1" dirty="0" smtClean="0">
-                <a:solidFill>
-                  <a:srgbClr val="002B41"/>
-                </a:solidFill>
-                <a:latin typeface="微软雅黑" panose="020B0503020204020204" pitchFamily="34" charset="-122"/>
-                <a:ea typeface="微软雅黑" panose="020B0503020204020204" pitchFamily="34" charset="-122"/>
-              </a:rPr>
-              <a:t>人技术的研究重点应从全自主方式转向人机交互方式，尤其是在未知环境中作业的机器人，这样更具有现实意义。</a:t>
-            </a:r>
-            <a:endParaRPr lang="en-US" altLang="zh-CN" sz="2000" b="1" dirty="0" smtClean="0">
-              <a:solidFill>
-                <a:srgbClr val="002B41"/>
-              </a:solidFill>
-              <a:latin typeface="微软雅黑" panose="020B0503020204020204" pitchFamily="34" charset="-122"/>
-              <a:ea typeface="微软雅黑" panose="020B0503020204020204" pitchFamily="34" charset="-122"/>
-            </a:endParaRPr>
-          </a:p>
-          <a:p>
-            <a:pPr algn="r">
-              <a:lnSpc>
-                <a:spcPct val="150000"/>
-              </a:lnSpc>
-            </a:pPr>
-            <a:r>
-              <a:rPr lang="en-US" altLang="zh-CN" sz="2000" dirty="0" smtClean="0">
-                <a:solidFill>
-                  <a:srgbClr val="002B41"/>
-                </a:solidFill>
-                <a:latin typeface="微软雅黑" panose="020B0503020204020204" pitchFamily="34" charset="-122"/>
-                <a:ea typeface="微软雅黑" panose="020B0503020204020204" pitchFamily="34" charset="-122"/>
-              </a:rPr>
-              <a:t>——Kazerooni.H</a:t>
-            </a:r>
-            <a:endParaRPr lang="zh-CN" altLang="en-US" sz="2000" dirty="0">
-              <a:solidFill>
-                <a:srgbClr val="002B41"/>
-              </a:solidFill>
-              <a:latin typeface="微软雅黑" panose="020B0503020204020204" pitchFamily="34" charset="-122"/>
-              <a:ea typeface="微软雅黑" panose="020B0503020204020204" pitchFamily="34" charset="-122"/>
-            </a:endParaRPr>
-          </a:p>
-        </p:txBody>
-      </p:sp>
-    </p:spTree>
-    <p:extLst>
-      <p:ext uri="{BB962C8B-B14F-4D97-AF65-F5344CB8AC3E}">
-        <p14:creationId xmlns:p14="http://schemas.microsoft.com/office/powerpoint/2010/main" val="732641929"/>
-      </p:ext>
-    </p:extLst>
   </p:cSld>
   <p:clrMapOvr>
     <a:masterClrMapping/>
@@ -40147,6 +40837,506 @@
       </p:sp>
       <p:sp>
         <p:nvSpPr>
+          <p:cNvPr id="17" name="Slide Number Placeholder 16"/>
+          <p:cNvSpPr>
+            <a:spLocks noGrp="1"/>
+          </p:cNvSpPr>
+          <p:nvPr>
+            <p:ph type="sldNum" sz="quarter" idx="12"/>
+          </p:nvPr>
+        </p:nvSpPr>
+        <p:spPr/>
+        <p:txBody>
+          <a:bodyPr/>
+          <a:lstStyle/>
+          <a:p>
+            <a:fld id="{9C0BAE56-5081-45C8-9882-C35F39B69EBE}" type="slidenum">
+              <a:rPr lang="zh-CN" altLang="en-US" smtClean="0"/>
+              <a:t>40</a:t>
+            </a:fld>
+            <a:endParaRPr lang="zh-CN" altLang="en-US"/>
+          </a:p>
+        </p:txBody>
+      </p:sp>
+      <p:sp>
+        <p:nvSpPr>
+          <p:cNvPr id="18" name="TextBox 76"/>
+          <p:cNvSpPr txBox="1"/>
+          <p:nvPr/>
+        </p:nvSpPr>
+        <p:spPr>
+          <a:xfrm>
+            <a:off x="498177" y="119023"/>
+            <a:ext cx="3785011" cy="400110"/>
+          </a:xfrm>
+          <a:prstGeom prst="rect">
+            <a:avLst/>
+          </a:prstGeom>
+          <a:noFill/>
+        </p:spPr>
+        <p:txBody>
+          <a:bodyPr wrap="none" rtlCol="0">
+            <a:spAutoFit/>
+          </a:bodyPr>
+          <a:lstStyle/>
+          <a:p>
+            <a:r>
+              <a:rPr lang="zh-CN" altLang="en-US" sz="2000" dirty="0">
+                <a:solidFill>
+                  <a:srgbClr val="002B41"/>
+                </a:solidFill>
+                <a:latin typeface="微软雅黑" panose="020B0503020204020204" pitchFamily="34" charset="-122"/>
+                <a:ea typeface="微软雅黑" panose="020B0503020204020204" pitchFamily="34" charset="-122"/>
+              </a:rPr>
+              <a:t>未来阿凡达机器人 </a:t>
+            </a:r>
+            <a:r>
+              <a:rPr lang="en-US" altLang="zh-CN" sz="2000" dirty="0">
+                <a:solidFill>
+                  <a:srgbClr val="002B41"/>
+                </a:solidFill>
+                <a:latin typeface="微软雅黑" panose="020B0503020204020204" pitchFamily="34" charset="-122"/>
+                <a:ea typeface="微软雅黑" panose="020B0503020204020204" pitchFamily="34" charset="-122"/>
+              </a:rPr>
+              <a:t>- </a:t>
+            </a:r>
+            <a:r>
+              <a:rPr lang="zh-CN" altLang="en-US" sz="2000" dirty="0">
+                <a:solidFill>
+                  <a:srgbClr val="002B41"/>
+                </a:solidFill>
+                <a:latin typeface="微软雅黑" panose="020B0503020204020204" pitchFamily="34" charset="-122"/>
+                <a:ea typeface="微软雅黑" panose="020B0503020204020204" pitchFamily="34" charset="-122"/>
+              </a:rPr>
+              <a:t>未来</a:t>
+            </a:r>
+            <a:r>
+              <a:rPr lang="zh-CN" altLang="en-US" sz="2000" dirty="0" smtClean="0">
+                <a:solidFill>
+                  <a:srgbClr val="002B41"/>
+                </a:solidFill>
+                <a:latin typeface="微软雅黑" panose="020B0503020204020204" pitchFamily="34" charset="-122"/>
+                <a:ea typeface="微软雅黑" panose="020B0503020204020204" pitchFamily="34" charset="-122"/>
+              </a:rPr>
+              <a:t> </a:t>
+            </a:r>
+            <a:r>
+              <a:rPr lang="en-US" altLang="zh-CN" sz="2000" dirty="0">
+                <a:solidFill>
+                  <a:srgbClr val="002B41"/>
+                </a:solidFill>
+                <a:latin typeface="微软雅黑" panose="020B0503020204020204" pitchFamily="34" charset="-122"/>
+                <a:ea typeface="微软雅黑" panose="020B0503020204020204" pitchFamily="34" charset="-122"/>
+              </a:rPr>
+              <a:t>-</a:t>
+            </a:r>
+            <a:r>
+              <a:rPr lang="en-US" altLang="zh-CN" sz="2000" dirty="0" smtClean="0">
+                <a:solidFill>
+                  <a:srgbClr val="002B41"/>
+                </a:solidFill>
+                <a:latin typeface="微软雅黑" panose="020B0503020204020204" pitchFamily="34" charset="-122"/>
+                <a:ea typeface="微软雅黑" panose="020B0503020204020204" pitchFamily="34" charset="-122"/>
+              </a:rPr>
+              <a:t> </a:t>
+            </a:r>
+            <a:r>
+              <a:rPr lang="zh-CN" altLang="en-US" sz="2000" dirty="0" smtClean="0">
+                <a:solidFill>
+                  <a:srgbClr val="002B41"/>
+                </a:solidFill>
+                <a:latin typeface="微软雅黑" panose="020B0503020204020204" pitchFamily="34" charset="-122"/>
+                <a:ea typeface="微软雅黑" panose="020B0503020204020204" pitchFamily="34" charset="-122"/>
+              </a:rPr>
+              <a:t>展望</a:t>
+            </a:r>
+            <a:endParaRPr lang="zh-CN" altLang="en-US" sz="2000" dirty="0">
+              <a:solidFill>
+                <a:srgbClr val="002B41"/>
+              </a:solidFill>
+              <a:latin typeface="微软雅黑" panose="020B0503020204020204" pitchFamily="34" charset="-122"/>
+              <a:ea typeface="微软雅黑" panose="020B0503020204020204" pitchFamily="34" charset="-122"/>
+            </a:endParaRPr>
+          </a:p>
+        </p:txBody>
+      </p:sp>
+      <p:sp>
+        <p:nvSpPr>
+          <p:cNvPr id="20" name="Line 17"/>
+          <p:cNvSpPr>
+            <a:spLocks noChangeShapeType="1"/>
+          </p:cNvSpPr>
+          <p:nvPr/>
+        </p:nvSpPr>
+        <p:spPr bwMode="auto">
+          <a:xfrm>
+            <a:off x="204717" y="532782"/>
+            <a:ext cx="4940489" cy="0"/>
+          </a:xfrm>
+          <a:prstGeom prst="line">
+            <a:avLst/>
+          </a:prstGeom>
+          <a:noFill/>
+          <a:ln w="7938" cap="flat">
+            <a:solidFill>
+              <a:srgbClr val="002B41"/>
+            </a:solidFill>
+            <a:prstDash val="solid"/>
+            <a:miter lim="800000"/>
+          </a:ln>
+          <a:extLst>
+            <a:ext uri="{909E8E84-426E-40DD-AFC4-6F175D3DCCD1}">
+              <a14:hiddenFill xmlns:a14="http://schemas.microsoft.com/office/drawing/2010/main">
+                <a:noFill/>
+              </a14:hiddenFill>
+            </a:ext>
+          </a:extLst>
+        </p:spPr>
+        <p:txBody>
+          <a:bodyPr vert="horz" wrap="square" lIns="91440" tIns="45720" rIns="91440" bIns="45720" numCol="1" anchor="t" anchorCtr="0" compatLnSpc="1"/>
+          <a:lstStyle/>
+          <a:p>
+            <a:endParaRPr lang="zh-CN" altLang="en-US">
+              <a:solidFill>
+                <a:schemeClr val="bg1">
+                  <a:lumMod val="95000"/>
+                </a:schemeClr>
+              </a:solidFill>
+            </a:endParaRPr>
+          </a:p>
+        </p:txBody>
+      </p:sp>
+      <p:sp>
+        <p:nvSpPr>
+          <p:cNvPr id="19" name="矩形 4"/>
+          <p:cNvSpPr/>
+          <p:nvPr/>
+        </p:nvSpPr>
+        <p:spPr>
+          <a:xfrm>
+            <a:off x="1321489" y="2061609"/>
+            <a:ext cx="9539785" cy="2781884"/>
+          </a:xfrm>
+          <a:prstGeom prst="rect">
+            <a:avLst/>
+          </a:prstGeom>
+          <a:noFill/>
+          <a:ln w="28575">
+            <a:solidFill>
+              <a:srgbClr val="002B41"/>
+            </a:solidFill>
+          </a:ln>
+        </p:spPr>
+        <p:style>
+          <a:lnRef idx="2">
+            <a:schemeClr val="accent1">
+              <a:shade val="50000"/>
+            </a:schemeClr>
+          </a:lnRef>
+          <a:fillRef idx="1">
+            <a:schemeClr val="accent1"/>
+          </a:fillRef>
+          <a:effectRef idx="0">
+            <a:schemeClr val="accent1"/>
+          </a:effectRef>
+          <a:fontRef idx="minor">
+            <a:schemeClr val="lt1"/>
+          </a:fontRef>
+        </p:style>
+        <p:txBody>
+          <a:bodyPr rtlCol="0" anchor="ctr"/>
+          <a:lstStyle/>
+          <a:p>
+            <a:pPr algn="ctr"/>
+            <a:endParaRPr lang="zh-CN" altLang="en-US"/>
+          </a:p>
+        </p:txBody>
+      </p:sp>
+      <p:sp>
+        <p:nvSpPr>
+          <p:cNvPr id="21" name="TextBox 76"/>
+          <p:cNvSpPr txBox="1"/>
+          <p:nvPr/>
+        </p:nvSpPr>
+        <p:spPr>
+          <a:xfrm>
+            <a:off x="1756782" y="2061609"/>
+            <a:ext cx="8669197" cy="2807948"/>
+          </a:xfrm>
+          <a:prstGeom prst="rect">
+            <a:avLst/>
+          </a:prstGeom>
+          <a:noFill/>
+          <a:effectLst/>
+        </p:spPr>
+        <p:txBody>
+          <a:bodyPr wrap="square" rtlCol="0">
+            <a:spAutoFit/>
+          </a:bodyPr>
+          <a:lstStyle/>
+          <a:p>
+            <a:pPr>
+              <a:lnSpc>
+                <a:spcPct val="150000"/>
+              </a:lnSpc>
+            </a:pPr>
+            <a:r>
+              <a:rPr lang="zh-CN" altLang="en-US" sz="2000" b="1" dirty="0" smtClean="0">
+                <a:solidFill>
+                  <a:srgbClr val="002B41"/>
+                </a:solidFill>
+                <a:latin typeface="微软雅黑" panose="020B0503020204020204" pitchFamily="34" charset="-122"/>
+                <a:ea typeface="微软雅黑" panose="020B0503020204020204" pitchFamily="34" charset="-122"/>
+              </a:rPr>
+              <a:t>“远程操控机器人”是除了</a:t>
+            </a:r>
+            <a:r>
+              <a:rPr lang="en-US" altLang="zh-CN" sz="2000" b="1" dirty="0" smtClean="0">
+                <a:solidFill>
+                  <a:srgbClr val="002B41"/>
+                </a:solidFill>
+                <a:latin typeface="微软雅黑" panose="020B0503020204020204" pitchFamily="34" charset="-122"/>
+                <a:ea typeface="微软雅黑" panose="020B0503020204020204" pitchFamily="34" charset="-122"/>
+              </a:rPr>
+              <a:t>AI</a:t>
+            </a:r>
+            <a:r>
+              <a:rPr lang="zh-CN" altLang="en-US" sz="2000" b="1" dirty="0" smtClean="0">
+                <a:solidFill>
+                  <a:srgbClr val="002B41"/>
+                </a:solidFill>
+                <a:latin typeface="微软雅黑" panose="020B0503020204020204" pitchFamily="34" charset="-122"/>
+                <a:ea typeface="微软雅黑" panose="020B0503020204020204" pitchFamily="34" charset="-122"/>
+              </a:rPr>
+              <a:t>之外，另一个机器人行业发展的趋势。</a:t>
+            </a:r>
+            <a:endParaRPr lang="en-US" altLang="zh-CN" sz="2000" b="1" dirty="0" smtClean="0">
+              <a:solidFill>
+                <a:srgbClr val="002B41"/>
+              </a:solidFill>
+              <a:latin typeface="微软雅黑" panose="020B0503020204020204" pitchFamily="34" charset="-122"/>
+              <a:ea typeface="微软雅黑" panose="020B0503020204020204" pitchFamily="34" charset="-122"/>
+            </a:endParaRPr>
+          </a:p>
+          <a:p>
+            <a:pPr algn="r">
+              <a:lnSpc>
+                <a:spcPct val="150000"/>
+              </a:lnSpc>
+            </a:pPr>
+            <a:r>
+              <a:rPr lang="en-US" altLang="zh-CN" sz="2000" dirty="0" smtClean="0">
+                <a:solidFill>
+                  <a:srgbClr val="002B41"/>
+                </a:solidFill>
+                <a:latin typeface="微软雅黑" panose="020B0503020204020204" pitchFamily="34" charset="-122"/>
+                <a:ea typeface="微软雅黑" panose="020B0503020204020204" pitchFamily="34" charset="-122"/>
+              </a:rPr>
+              <a:t>——Rich Walker</a:t>
+            </a:r>
+          </a:p>
+          <a:p>
+            <a:pPr algn="r">
+              <a:lnSpc>
+                <a:spcPct val="150000"/>
+              </a:lnSpc>
+            </a:pPr>
+            <a:endParaRPr lang="en-US" altLang="zh-CN" sz="2000" dirty="0">
+              <a:solidFill>
+                <a:srgbClr val="002B41"/>
+              </a:solidFill>
+              <a:latin typeface="微软雅黑" panose="020B0503020204020204" pitchFamily="34" charset="-122"/>
+              <a:ea typeface="微软雅黑" panose="020B0503020204020204" pitchFamily="34" charset="-122"/>
+            </a:endParaRPr>
+          </a:p>
+          <a:p>
+            <a:pPr>
+              <a:lnSpc>
+                <a:spcPct val="150000"/>
+              </a:lnSpc>
+            </a:pPr>
+            <a:r>
+              <a:rPr lang="zh-CN" altLang="en-US" sz="2000" b="1" dirty="0">
+                <a:solidFill>
+                  <a:srgbClr val="002B41"/>
+                </a:solidFill>
+                <a:latin typeface="微软雅黑" panose="020B0503020204020204" pitchFamily="34" charset="-122"/>
+                <a:ea typeface="微软雅黑" panose="020B0503020204020204" pitchFamily="34" charset="-122"/>
+              </a:rPr>
+              <a:t>机器</a:t>
+            </a:r>
+            <a:r>
+              <a:rPr lang="zh-CN" altLang="en-US" sz="2000" b="1" dirty="0" smtClean="0">
+                <a:solidFill>
+                  <a:srgbClr val="002B41"/>
+                </a:solidFill>
+                <a:latin typeface="微软雅黑" panose="020B0503020204020204" pitchFamily="34" charset="-122"/>
+                <a:ea typeface="微软雅黑" panose="020B0503020204020204" pitchFamily="34" charset="-122"/>
+              </a:rPr>
+              <a:t>人技术的研究重点应从全自主方式转向人机交互方式，尤其是在未知环境中作业的机器人，这样更具有现实意义。</a:t>
+            </a:r>
+            <a:endParaRPr lang="en-US" altLang="zh-CN" sz="2000" b="1" dirty="0" smtClean="0">
+              <a:solidFill>
+                <a:srgbClr val="002B41"/>
+              </a:solidFill>
+              <a:latin typeface="微软雅黑" panose="020B0503020204020204" pitchFamily="34" charset="-122"/>
+              <a:ea typeface="微软雅黑" panose="020B0503020204020204" pitchFamily="34" charset="-122"/>
+            </a:endParaRPr>
+          </a:p>
+          <a:p>
+            <a:pPr algn="r">
+              <a:lnSpc>
+                <a:spcPct val="150000"/>
+              </a:lnSpc>
+            </a:pPr>
+            <a:r>
+              <a:rPr lang="en-US" altLang="zh-CN" sz="2000" dirty="0" smtClean="0">
+                <a:solidFill>
+                  <a:srgbClr val="002B41"/>
+                </a:solidFill>
+                <a:latin typeface="微软雅黑" panose="020B0503020204020204" pitchFamily="34" charset="-122"/>
+                <a:ea typeface="微软雅黑" panose="020B0503020204020204" pitchFamily="34" charset="-122"/>
+              </a:rPr>
+              <a:t>——Kazerooni.H</a:t>
+            </a:r>
+            <a:endParaRPr lang="zh-CN" altLang="en-US" sz="2000" dirty="0">
+              <a:solidFill>
+                <a:srgbClr val="002B41"/>
+              </a:solidFill>
+              <a:latin typeface="微软雅黑" panose="020B0503020204020204" pitchFamily="34" charset="-122"/>
+              <a:ea typeface="微软雅黑" panose="020B0503020204020204" pitchFamily="34" charset="-122"/>
+            </a:endParaRPr>
+          </a:p>
+        </p:txBody>
+      </p:sp>
+    </p:spTree>
+    <p:extLst>
+      <p:ext uri="{BB962C8B-B14F-4D97-AF65-F5344CB8AC3E}">
+        <p14:creationId xmlns:p14="http://schemas.microsoft.com/office/powerpoint/2010/main" val="732641929"/>
+      </p:ext>
+    </p:extLst>
+  </p:cSld>
+  <p:clrMapOvr>
+    <a:masterClrMapping/>
+  </p:clrMapOvr>
+</p:sld>
+</file>
+
+<file path=ppt/slides/slide41.xml><?xml version="1.0" encoding="utf-8"?>
+<p:sld xmlns:a="http://schemas.openxmlformats.org/drawingml/2006/main" xmlns:r="http://schemas.openxmlformats.org/officeDocument/2006/relationships" xmlns:p="http://schemas.openxmlformats.org/presentationml/2006/main">
+  <p:cSld>
+    <p:spTree>
+      <p:nvGrpSpPr>
+        <p:cNvPr id="1" name=""/>
+        <p:cNvGrpSpPr/>
+        <p:nvPr/>
+      </p:nvGrpSpPr>
+      <p:grpSpPr>
+        <a:xfrm>
+          <a:off x="0" y="0"/>
+          <a:ext cx="0" cy="0"/>
+          <a:chOff x="0" y="0"/>
+          <a:chExt cx="0" cy="0"/>
+        </a:xfrm>
+      </p:grpSpPr>
+      <p:sp>
+        <p:nvSpPr>
+          <p:cNvPr id="4" name="Freeform 5"/>
+          <p:cNvSpPr/>
+          <p:nvPr/>
+        </p:nvSpPr>
+        <p:spPr bwMode="auto">
+          <a:xfrm flipH="1">
+            <a:off x="0" y="-13281"/>
+            <a:ext cx="409433" cy="832147"/>
+          </a:xfrm>
+          <a:custGeom>
+            <a:avLst/>
+            <a:gdLst>
+              <a:gd name="T0" fmla="*/ 1462 w 2332"/>
+              <a:gd name="T1" fmla="*/ 0 h 3907"/>
+              <a:gd name="T2" fmla="*/ 2332 w 2332"/>
+              <a:gd name="T3" fmla="*/ 0 h 3907"/>
+              <a:gd name="T4" fmla="*/ 2332 w 2332"/>
+              <a:gd name="T5" fmla="*/ 3907 h 3907"/>
+              <a:gd name="T6" fmla="*/ 0 w 2332"/>
+              <a:gd name="T7" fmla="*/ 2595 h 3907"/>
+              <a:gd name="T8" fmla="*/ 1462 w 2332"/>
+              <a:gd name="T9" fmla="*/ 0 h 3907"/>
+            </a:gdLst>
+            <a:ahLst/>
+            <a:cxnLst>
+              <a:cxn ang="0">
+                <a:pos x="T0" y="T1"/>
+              </a:cxn>
+              <a:cxn ang="0">
+                <a:pos x="T2" y="T3"/>
+              </a:cxn>
+              <a:cxn ang="0">
+                <a:pos x="T4" y="T5"/>
+              </a:cxn>
+              <a:cxn ang="0">
+                <a:pos x="T6" y="T7"/>
+              </a:cxn>
+              <a:cxn ang="0">
+                <a:pos x="T8" y="T9"/>
+              </a:cxn>
+            </a:cxnLst>
+            <a:rect l="0" t="0" r="r" b="b"/>
+            <a:pathLst>
+              <a:path w="2332" h="3907">
+                <a:moveTo>
+                  <a:pt x="1462" y="0"/>
+                </a:moveTo>
+                <a:lnTo>
+                  <a:pt x="2332" y="0"/>
+                </a:lnTo>
+                <a:lnTo>
+                  <a:pt x="2332" y="3907"/>
+                </a:lnTo>
+                <a:lnTo>
+                  <a:pt x="0" y="2595"/>
+                </a:lnTo>
+                <a:lnTo>
+                  <a:pt x="1462" y="0"/>
+                </a:lnTo>
+                <a:close/>
+              </a:path>
+            </a:pathLst>
+          </a:custGeom>
+          <a:solidFill>
+            <a:srgbClr val="002B41"/>
+          </a:solidFill>
+          <a:ln w="28575">
+            <a:noFill/>
+          </a:ln>
+          <a:effectLst>
+            <a:outerShdw blurRad="254000" dist="127000" dir="2700000" algn="tl" rotWithShape="0">
+              <a:prstClr val="black">
+                <a:alpha val="40000"/>
+              </a:prstClr>
+            </a:outerShdw>
+          </a:effectLst>
+        </p:spPr>
+        <p:txBody>
+          <a:bodyPr anchor="ctr"/>
+          <a:lstStyle/>
+          <a:p>
+            <a:pPr algn="ctr"/>
+            <a:endParaRPr lang="zh-CN" altLang="en-US" sz="2000">
+              <a:solidFill>
+                <a:schemeClr val="bg1">
+                  <a:lumMod val="95000"/>
+                </a:schemeClr>
+              </a:solidFill>
+              <a:latin typeface="Calibri" panose="020F0502020204030204" pitchFamily="34" charset="0"/>
+              <a:ea typeface="宋体" panose="02010600030101010101" pitchFamily="2" charset="-122"/>
+            </a:endParaRPr>
+          </a:p>
+        </p:txBody>
+      </p:sp>
+      <p:sp>
+        <p:nvSpPr>
           <p:cNvPr id="5" name="圆角矩形 4"/>
           <p:cNvSpPr/>
           <p:nvPr/>
@@ -40985,7 +42175,7 @@
           <a:p>
             <a:fld id="{9C0BAE56-5081-45C8-9882-C35F39B69EBE}" type="slidenum">
               <a:rPr lang="zh-CN" altLang="en-US" smtClean="0"/>
-              <a:t>40</a:t>
+              <a:t>41</a:t>
             </a:fld>
             <a:endParaRPr lang="zh-CN" altLang="en-US"/>
           </a:p>
